--- a/BloodLust.pptx
+++ b/BloodLust.pptx
@@ -2,7 +2,7 @@
 <file path=ppt/presentation.xml><?xml version="1.0" encoding="utf-8"?>
 <p:presentation xmlns:a="http://schemas.openxmlformats.org/drawingml/2006/main" xmlns:r="http://schemas.openxmlformats.org/officeDocument/2006/relationships" xmlns:p="http://schemas.openxmlformats.org/presentationml/2006/main" saveSubsetFonts="1">
   <p:sldMasterIdLst>
-    <p:sldMasterId id="2147483660" r:id="rId1"/>
+    <p:sldMasterId id="2147483690" r:id="rId1"/>
   </p:sldMasterIdLst>
   <p:sldIdLst>
     <p:sldId id="256" r:id="rId2"/>
@@ -17,7 +17,7 @@
     <a:defPPr>
       <a:defRPr lang="en-US"/>
     </a:defPPr>
-    <a:lvl1pPr marL="0" algn="l" defTabSz="914400" rtl="0" eaLnBrk="1" latinLnBrk="0" hangingPunct="1">
+    <a:lvl1pPr marL="0" algn="l" defTabSz="457200" rtl="0" eaLnBrk="1" latinLnBrk="0" hangingPunct="1">
       <a:defRPr sz="1800" kern="1200">
         <a:solidFill>
           <a:schemeClr val="tx1"/>
@@ -27,7 +27,7 @@
         <a:cs typeface="+mn-cs"/>
       </a:defRPr>
     </a:lvl1pPr>
-    <a:lvl2pPr marL="457200" algn="l" defTabSz="914400" rtl="0" eaLnBrk="1" latinLnBrk="0" hangingPunct="1">
+    <a:lvl2pPr marL="457200" algn="l" defTabSz="457200" rtl="0" eaLnBrk="1" latinLnBrk="0" hangingPunct="1">
       <a:defRPr sz="1800" kern="1200">
         <a:solidFill>
           <a:schemeClr val="tx1"/>
@@ -37,7 +37,7 @@
         <a:cs typeface="+mn-cs"/>
       </a:defRPr>
     </a:lvl2pPr>
-    <a:lvl3pPr marL="914400" algn="l" defTabSz="914400" rtl="0" eaLnBrk="1" latinLnBrk="0" hangingPunct="1">
+    <a:lvl3pPr marL="914400" algn="l" defTabSz="457200" rtl="0" eaLnBrk="1" latinLnBrk="0" hangingPunct="1">
       <a:defRPr sz="1800" kern="1200">
         <a:solidFill>
           <a:schemeClr val="tx1"/>
@@ -47,7 +47,7 @@
         <a:cs typeface="+mn-cs"/>
       </a:defRPr>
     </a:lvl3pPr>
-    <a:lvl4pPr marL="1371600" algn="l" defTabSz="914400" rtl="0" eaLnBrk="1" latinLnBrk="0" hangingPunct="1">
+    <a:lvl4pPr marL="1371600" algn="l" defTabSz="457200" rtl="0" eaLnBrk="1" latinLnBrk="0" hangingPunct="1">
       <a:defRPr sz="1800" kern="1200">
         <a:solidFill>
           <a:schemeClr val="tx1"/>
@@ -57,7 +57,7 @@
         <a:cs typeface="+mn-cs"/>
       </a:defRPr>
     </a:lvl4pPr>
-    <a:lvl5pPr marL="1828800" algn="l" defTabSz="914400" rtl="0" eaLnBrk="1" latinLnBrk="0" hangingPunct="1">
+    <a:lvl5pPr marL="1828800" algn="l" defTabSz="457200" rtl="0" eaLnBrk="1" latinLnBrk="0" hangingPunct="1">
       <a:defRPr sz="1800" kern="1200">
         <a:solidFill>
           <a:schemeClr val="tx1"/>
@@ -67,7 +67,7 @@
         <a:cs typeface="+mn-cs"/>
       </a:defRPr>
     </a:lvl5pPr>
-    <a:lvl6pPr marL="2286000" algn="l" defTabSz="914400" rtl="0" eaLnBrk="1" latinLnBrk="0" hangingPunct="1">
+    <a:lvl6pPr marL="2286000" algn="l" defTabSz="457200" rtl="0" eaLnBrk="1" latinLnBrk="0" hangingPunct="1">
       <a:defRPr sz="1800" kern="1200">
         <a:solidFill>
           <a:schemeClr val="tx1"/>
@@ -77,7 +77,7 @@
         <a:cs typeface="+mn-cs"/>
       </a:defRPr>
     </a:lvl6pPr>
-    <a:lvl7pPr marL="2743200" algn="l" defTabSz="914400" rtl="0" eaLnBrk="1" latinLnBrk="0" hangingPunct="1">
+    <a:lvl7pPr marL="2743200" algn="l" defTabSz="457200" rtl="0" eaLnBrk="1" latinLnBrk="0" hangingPunct="1">
       <a:defRPr sz="1800" kern="1200">
         <a:solidFill>
           <a:schemeClr val="tx1"/>
@@ -87,7 +87,7 @@
         <a:cs typeface="+mn-cs"/>
       </a:defRPr>
     </a:lvl7pPr>
-    <a:lvl8pPr marL="3200400" algn="l" defTabSz="914400" rtl="0" eaLnBrk="1" latinLnBrk="0" hangingPunct="1">
+    <a:lvl8pPr marL="3200400" algn="l" defTabSz="457200" rtl="0" eaLnBrk="1" latinLnBrk="0" hangingPunct="1">
       <a:defRPr sz="1800" kern="1200">
         <a:solidFill>
           <a:schemeClr val="tx1"/>
@@ -97,7 +97,7 @@
         <a:cs typeface="+mn-cs"/>
       </a:defRPr>
     </a:lvl8pPr>
-    <a:lvl9pPr marL="3657600" algn="l" defTabSz="914400" rtl="0" eaLnBrk="1" latinLnBrk="0" hangingPunct="1">
+    <a:lvl9pPr marL="3657600" algn="l" defTabSz="457200" rtl="0" eaLnBrk="1" latinLnBrk="0" hangingPunct="1">
       <a:defRPr sz="1800" kern="1200">
         <a:solidFill>
           <a:schemeClr val="tx1"/>
@@ -124,8 +124,3949 @@
 </p1510:revInfo>
 </file>
 
+<file path=ppt/diagrams/colors1.xml><?xml version="1.0" encoding="utf-8"?>
+<dgm:colorsDef xmlns:dgm="http://schemas.openxmlformats.org/drawingml/2006/diagram" xmlns:a="http://schemas.openxmlformats.org/drawingml/2006/main" uniqueId="urn:microsoft.com/office/officeart/2005/8/colors/accent0_1">
+  <dgm:title val=""/>
+  <dgm:desc val=""/>
+  <dgm:catLst>
+    <dgm:cat type="mainScheme" pri="10100"/>
+  </dgm:catLst>
+  <dgm:styleLbl name="node0">
+    <dgm:fillClrLst meth="repeat">
+      <a:schemeClr val="lt1"/>
+    </dgm:fillClrLst>
+    <dgm:linClrLst meth="repeat">
+      <a:schemeClr val="dk1">
+        <a:shade val="80000"/>
+      </a:schemeClr>
+    </dgm:linClrLst>
+    <dgm:effectClrLst/>
+    <dgm:txLinClrLst/>
+    <dgm:txFillClrLst meth="repeat">
+      <a:schemeClr val="dk1"/>
+    </dgm:txFillClrLst>
+    <dgm:txEffectClrLst/>
+  </dgm:styleLbl>
+  <dgm:styleLbl name="node1">
+    <dgm:fillClrLst meth="repeat">
+      <a:schemeClr val="lt1"/>
+    </dgm:fillClrLst>
+    <dgm:linClrLst meth="repeat">
+      <a:schemeClr val="dk1">
+        <a:shade val="80000"/>
+      </a:schemeClr>
+    </dgm:linClrLst>
+    <dgm:effectClrLst/>
+    <dgm:txLinClrLst/>
+    <dgm:txFillClrLst meth="repeat">
+      <a:schemeClr val="dk1"/>
+    </dgm:txFillClrLst>
+    <dgm:txEffectClrLst/>
+  </dgm:styleLbl>
+  <dgm:styleLbl name="alignNode1">
+    <dgm:fillClrLst meth="repeat">
+      <a:schemeClr val="lt1"/>
+    </dgm:fillClrLst>
+    <dgm:linClrLst meth="repeat">
+      <a:schemeClr val="dk1">
+        <a:shade val="80000"/>
+      </a:schemeClr>
+    </dgm:linClrLst>
+    <dgm:effectClrLst/>
+    <dgm:txLinClrLst/>
+    <dgm:txFillClrLst meth="repeat">
+      <a:schemeClr val="dk1"/>
+    </dgm:txFillClrLst>
+    <dgm:txEffectClrLst/>
+  </dgm:styleLbl>
+  <dgm:styleLbl name="lnNode1">
+    <dgm:fillClrLst meth="repeat">
+      <a:schemeClr val="lt1"/>
+    </dgm:fillClrLst>
+    <dgm:linClrLst meth="repeat">
+      <a:schemeClr val="dk1">
+        <a:shade val="80000"/>
+      </a:schemeClr>
+    </dgm:linClrLst>
+    <dgm:effectClrLst/>
+    <dgm:txLinClrLst/>
+    <dgm:txFillClrLst meth="repeat">
+      <a:schemeClr val="dk1"/>
+    </dgm:txFillClrLst>
+    <dgm:txEffectClrLst/>
+  </dgm:styleLbl>
+  <dgm:styleLbl name="vennNode1">
+    <dgm:fillClrLst meth="repeat">
+      <a:schemeClr val="lt1">
+        <a:alpha val="50000"/>
+      </a:schemeClr>
+    </dgm:fillClrLst>
+    <dgm:linClrLst meth="repeat">
+      <a:schemeClr val="dk1">
+        <a:shade val="80000"/>
+      </a:schemeClr>
+    </dgm:linClrLst>
+    <dgm:effectClrLst/>
+    <dgm:txLinClrLst/>
+    <dgm:txFillClrLst/>
+    <dgm:txEffectClrLst/>
+  </dgm:styleLbl>
+  <dgm:styleLbl name="node2">
+    <dgm:fillClrLst meth="repeat">
+      <a:schemeClr val="lt1"/>
+    </dgm:fillClrLst>
+    <dgm:linClrLst meth="repeat">
+      <a:schemeClr val="dk1">
+        <a:shade val="80000"/>
+      </a:schemeClr>
+    </dgm:linClrLst>
+    <dgm:effectClrLst/>
+    <dgm:txLinClrLst/>
+    <dgm:txFillClrLst meth="repeat">
+      <a:schemeClr val="dk1"/>
+    </dgm:txFillClrLst>
+    <dgm:txEffectClrLst/>
+  </dgm:styleLbl>
+  <dgm:styleLbl name="node3">
+    <dgm:fillClrLst meth="repeat">
+      <a:schemeClr val="lt1"/>
+    </dgm:fillClrLst>
+    <dgm:linClrLst meth="repeat">
+      <a:schemeClr val="dk1">
+        <a:shade val="80000"/>
+      </a:schemeClr>
+    </dgm:linClrLst>
+    <dgm:effectClrLst/>
+    <dgm:txLinClrLst/>
+    <dgm:txFillClrLst meth="repeat">
+      <a:schemeClr val="dk1"/>
+    </dgm:txFillClrLst>
+    <dgm:txEffectClrLst/>
+  </dgm:styleLbl>
+  <dgm:styleLbl name="node4">
+    <dgm:fillClrLst meth="repeat">
+      <a:schemeClr val="lt1"/>
+    </dgm:fillClrLst>
+    <dgm:linClrLst meth="repeat">
+      <a:schemeClr val="dk1">
+        <a:shade val="80000"/>
+      </a:schemeClr>
+    </dgm:linClrLst>
+    <dgm:effectClrLst/>
+    <dgm:txLinClrLst/>
+    <dgm:txFillClrLst meth="repeat">
+      <a:schemeClr val="dk1"/>
+    </dgm:txFillClrLst>
+    <dgm:txEffectClrLst/>
+  </dgm:styleLbl>
+  <dgm:styleLbl name="fgImgPlace1">
+    <dgm:fillClrLst meth="repeat">
+      <a:schemeClr val="dk1">
+        <a:tint val="40000"/>
+      </a:schemeClr>
+    </dgm:fillClrLst>
+    <dgm:linClrLst meth="repeat">
+      <a:schemeClr val="dk1">
+        <a:shade val="80000"/>
+      </a:schemeClr>
+    </dgm:linClrLst>
+    <dgm:effectClrLst/>
+    <dgm:txLinClrLst/>
+    <dgm:txFillClrLst meth="repeat">
+      <a:schemeClr val="lt1"/>
+    </dgm:txFillClrLst>
+    <dgm:txEffectClrLst/>
+  </dgm:styleLbl>
+  <dgm:styleLbl name="alignImgPlace1">
+    <dgm:fillClrLst meth="repeat">
+      <a:schemeClr val="dk1">
+        <a:tint val="40000"/>
+      </a:schemeClr>
+    </dgm:fillClrLst>
+    <dgm:linClrLst meth="repeat">
+      <a:schemeClr val="dk1">
+        <a:shade val="80000"/>
+      </a:schemeClr>
+    </dgm:linClrLst>
+    <dgm:effectClrLst/>
+    <dgm:txLinClrLst/>
+    <dgm:txFillClrLst meth="repeat">
+      <a:schemeClr val="lt1"/>
+    </dgm:txFillClrLst>
+    <dgm:txEffectClrLst/>
+  </dgm:styleLbl>
+  <dgm:styleLbl name="bgImgPlace1">
+    <dgm:fillClrLst meth="repeat">
+      <a:schemeClr val="dk1">
+        <a:tint val="40000"/>
+      </a:schemeClr>
+    </dgm:fillClrLst>
+    <dgm:linClrLst meth="repeat">
+      <a:schemeClr val="dk1">
+        <a:shade val="80000"/>
+      </a:schemeClr>
+    </dgm:linClrLst>
+    <dgm:effectClrLst/>
+    <dgm:txLinClrLst/>
+    <dgm:txFillClrLst meth="repeat">
+      <a:schemeClr val="lt1"/>
+    </dgm:txFillClrLst>
+    <dgm:txEffectClrLst/>
+  </dgm:styleLbl>
+  <dgm:styleLbl name="sibTrans2D1">
+    <dgm:fillClrLst meth="repeat">
+      <a:schemeClr val="dk1">
+        <a:tint val="60000"/>
+      </a:schemeClr>
+    </dgm:fillClrLst>
+    <dgm:linClrLst meth="repeat">
+      <a:schemeClr val="dk1">
+        <a:tint val="60000"/>
+      </a:schemeClr>
+    </dgm:linClrLst>
+    <dgm:effectClrLst/>
+    <dgm:txLinClrLst/>
+    <dgm:txFillClrLst meth="repeat">
+      <a:schemeClr val="dk1"/>
+    </dgm:txFillClrLst>
+    <dgm:txEffectClrLst/>
+  </dgm:styleLbl>
+  <dgm:styleLbl name="fgSibTrans2D1">
+    <dgm:fillClrLst meth="repeat">
+      <a:schemeClr val="dk1">
+        <a:tint val="60000"/>
+      </a:schemeClr>
+    </dgm:fillClrLst>
+    <dgm:linClrLst meth="repeat">
+      <a:schemeClr val="dk1">
+        <a:tint val="60000"/>
+      </a:schemeClr>
+    </dgm:linClrLst>
+    <dgm:effectClrLst/>
+    <dgm:txLinClrLst/>
+    <dgm:txFillClrLst meth="repeat">
+      <a:schemeClr val="dk1"/>
+    </dgm:txFillClrLst>
+    <dgm:txEffectClrLst/>
+  </dgm:styleLbl>
+  <dgm:styleLbl name="bgSibTrans2D1">
+    <dgm:fillClrLst meth="repeat">
+      <a:schemeClr val="dk1">
+        <a:tint val="60000"/>
+      </a:schemeClr>
+    </dgm:fillClrLst>
+    <dgm:linClrLst meth="repeat">
+      <a:schemeClr val="dk1">
+        <a:tint val="60000"/>
+      </a:schemeClr>
+    </dgm:linClrLst>
+    <dgm:effectClrLst/>
+    <dgm:txLinClrLst/>
+    <dgm:txFillClrLst meth="repeat">
+      <a:schemeClr val="dk1"/>
+    </dgm:txFillClrLst>
+    <dgm:txEffectClrLst/>
+  </dgm:styleLbl>
+  <dgm:styleLbl name="sibTrans1D1">
+    <dgm:fillClrLst meth="repeat">
+      <a:schemeClr val="dk1"/>
+    </dgm:fillClrLst>
+    <dgm:linClrLst meth="repeat">
+      <a:schemeClr val="dk1"/>
+    </dgm:linClrLst>
+    <dgm:effectClrLst/>
+    <dgm:txLinClrLst/>
+    <dgm:txFillClrLst meth="repeat">
+      <a:schemeClr val="tx1"/>
+    </dgm:txFillClrLst>
+    <dgm:txEffectClrLst/>
+  </dgm:styleLbl>
+  <dgm:styleLbl name="callout">
+    <dgm:fillClrLst meth="repeat">
+      <a:schemeClr val="dk1"/>
+    </dgm:fillClrLst>
+    <dgm:linClrLst meth="repeat">
+      <a:schemeClr val="dk1"/>
+    </dgm:linClrLst>
+    <dgm:effectClrLst/>
+    <dgm:txLinClrLst/>
+    <dgm:txFillClrLst meth="repeat">
+      <a:schemeClr val="tx1"/>
+    </dgm:txFillClrLst>
+    <dgm:txEffectClrLst/>
+  </dgm:styleLbl>
+  <dgm:styleLbl name="asst0">
+    <dgm:fillClrLst meth="repeat">
+      <a:schemeClr val="lt1"/>
+    </dgm:fillClrLst>
+    <dgm:linClrLst meth="repeat">
+      <a:schemeClr val="dk1">
+        <a:shade val="80000"/>
+      </a:schemeClr>
+    </dgm:linClrLst>
+    <dgm:effectClrLst/>
+    <dgm:txLinClrLst/>
+    <dgm:txFillClrLst meth="repeat">
+      <a:schemeClr val="dk1"/>
+    </dgm:txFillClrLst>
+    <dgm:txEffectClrLst/>
+  </dgm:styleLbl>
+  <dgm:styleLbl name="asst1">
+    <dgm:fillClrLst meth="repeat">
+      <a:schemeClr val="lt1"/>
+    </dgm:fillClrLst>
+    <dgm:linClrLst meth="repeat">
+      <a:schemeClr val="dk1">
+        <a:shade val="80000"/>
+      </a:schemeClr>
+    </dgm:linClrLst>
+    <dgm:effectClrLst/>
+    <dgm:txLinClrLst/>
+    <dgm:txFillClrLst meth="repeat">
+      <a:schemeClr val="dk1"/>
+    </dgm:txFillClrLst>
+    <dgm:txEffectClrLst/>
+  </dgm:styleLbl>
+  <dgm:styleLbl name="asst2">
+    <dgm:fillClrLst meth="repeat">
+      <a:schemeClr val="lt1"/>
+    </dgm:fillClrLst>
+    <dgm:linClrLst meth="repeat">
+      <a:schemeClr val="dk1">
+        <a:shade val="80000"/>
+      </a:schemeClr>
+    </dgm:linClrLst>
+    <dgm:effectClrLst/>
+    <dgm:txLinClrLst/>
+    <dgm:txFillClrLst meth="repeat">
+      <a:schemeClr val="dk1"/>
+    </dgm:txFillClrLst>
+    <dgm:txEffectClrLst/>
+  </dgm:styleLbl>
+  <dgm:styleLbl name="asst3">
+    <dgm:fillClrLst meth="repeat">
+      <a:schemeClr val="lt1"/>
+    </dgm:fillClrLst>
+    <dgm:linClrLst meth="repeat">
+      <a:schemeClr val="dk1">
+        <a:shade val="80000"/>
+      </a:schemeClr>
+    </dgm:linClrLst>
+    <dgm:effectClrLst/>
+    <dgm:txLinClrLst/>
+    <dgm:txFillClrLst meth="repeat">
+      <a:schemeClr val="dk1"/>
+    </dgm:txFillClrLst>
+    <dgm:txEffectClrLst/>
+  </dgm:styleLbl>
+  <dgm:styleLbl name="asst4">
+    <dgm:fillClrLst meth="repeat">
+      <a:schemeClr val="lt1"/>
+    </dgm:fillClrLst>
+    <dgm:linClrLst meth="repeat">
+      <a:schemeClr val="dk1">
+        <a:shade val="80000"/>
+      </a:schemeClr>
+    </dgm:linClrLst>
+    <dgm:effectClrLst/>
+    <dgm:txLinClrLst/>
+    <dgm:txFillClrLst meth="repeat">
+      <a:schemeClr val="dk1"/>
+    </dgm:txFillClrLst>
+    <dgm:txEffectClrLst/>
+  </dgm:styleLbl>
+  <dgm:styleLbl name="parChTrans2D1">
+    <dgm:fillClrLst meth="repeat">
+      <a:schemeClr val="dk1">
+        <a:tint val="60000"/>
+      </a:schemeClr>
+    </dgm:fillClrLst>
+    <dgm:linClrLst meth="repeat">
+      <a:schemeClr val="dk1">
+        <a:tint val="60000"/>
+      </a:schemeClr>
+    </dgm:linClrLst>
+    <dgm:effectClrLst/>
+    <dgm:txLinClrLst/>
+    <dgm:txFillClrLst/>
+    <dgm:txEffectClrLst/>
+  </dgm:styleLbl>
+  <dgm:styleLbl name="parChTrans2D2">
+    <dgm:fillClrLst meth="repeat">
+      <a:schemeClr val="dk1"/>
+    </dgm:fillClrLst>
+    <dgm:linClrLst meth="repeat">
+      <a:schemeClr val="dk1"/>
+    </dgm:linClrLst>
+    <dgm:effectClrLst/>
+    <dgm:txLinClrLst/>
+    <dgm:txFillClrLst/>
+    <dgm:txEffectClrLst/>
+  </dgm:styleLbl>
+  <dgm:styleLbl name="parChTrans2D3">
+    <dgm:fillClrLst meth="repeat">
+      <a:schemeClr val="dk1"/>
+    </dgm:fillClrLst>
+    <dgm:linClrLst meth="repeat">
+      <a:schemeClr val="dk1"/>
+    </dgm:linClrLst>
+    <dgm:effectClrLst/>
+    <dgm:txLinClrLst/>
+    <dgm:txFillClrLst/>
+    <dgm:txEffectClrLst/>
+  </dgm:styleLbl>
+  <dgm:styleLbl name="parChTrans2D4">
+    <dgm:fillClrLst meth="repeat">
+      <a:schemeClr val="dk1"/>
+    </dgm:fillClrLst>
+    <dgm:linClrLst meth="repeat">
+      <a:schemeClr val="dk1"/>
+    </dgm:linClrLst>
+    <dgm:effectClrLst/>
+    <dgm:txLinClrLst/>
+    <dgm:txFillClrLst meth="repeat">
+      <a:schemeClr val="lt1"/>
+    </dgm:txFillClrLst>
+    <dgm:txEffectClrLst/>
+  </dgm:styleLbl>
+  <dgm:styleLbl name="parChTrans1D1">
+    <dgm:fillClrLst meth="repeat">
+      <a:schemeClr val="dk1"/>
+    </dgm:fillClrLst>
+    <dgm:linClrLst meth="repeat">
+      <a:schemeClr val="dk1">
+        <a:shade val="60000"/>
+      </a:schemeClr>
+    </dgm:linClrLst>
+    <dgm:effectClrLst/>
+    <dgm:txLinClrLst/>
+    <dgm:txFillClrLst meth="repeat">
+      <a:schemeClr val="tx1"/>
+    </dgm:txFillClrLst>
+    <dgm:txEffectClrLst/>
+  </dgm:styleLbl>
+  <dgm:styleLbl name="parChTrans1D2">
+    <dgm:fillClrLst meth="repeat">
+      <a:schemeClr val="dk1"/>
+    </dgm:fillClrLst>
+    <dgm:linClrLst meth="repeat">
+      <a:schemeClr val="dk1">
+        <a:shade val="60000"/>
+      </a:schemeClr>
+    </dgm:linClrLst>
+    <dgm:effectClrLst/>
+    <dgm:txLinClrLst/>
+    <dgm:txFillClrLst meth="repeat">
+      <a:schemeClr val="tx1"/>
+    </dgm:txFillClrLst>
+    <dgm:txEffectClrLst/>
+  </dgm:styleLbl>
+  <dgm:styleLbl name="parChTrans1D3">
+    <dgm:fillClrLst meth="repeat">
+      <a:schemeClr val="dk1"/>
+    </dgm:fillClrLst>
+    <dgm:linClrLst meth="repeat">
+      <a:schemeClr val="dk1">
+        <a:shade val="80000"/>
+      </a:schemeClr>
+    </dgm:linClrLst>
+    <dgm:effectClrLst/>
+    <dgm:txLinClrLst/>
+    <dgm:txFillClrLst meth="repeat">
+      <a:schemeClr val="tx1"/>
+    </dgm:txFillClrLst>
+    <dgm:txEffectClrLst/>
+  </dgm:styleLbl>
+  <dgm:styleLbl name="parChTrans1D4">
+    <dgm:fillClrLst meth="repeat">
+      <a:schemeClr val="dk1"/>
+    </dgm:fillClrLst>
+    <dgm:linClrLst meth="repeat">
+      <a:schemeClr val="dk1">
+        <a:shade val="80000"/>
+      </a:schemeClr>
+    </dgm:linClrLst>
+    <dgm:effectClrLst/>
+    <dgm:txLinClrLst/>
+    <dgm:txFillClrLst meth="repeat">
+      <a:schemeClr val="tx1"/>
+    </dgm:txFillClrLst>
+    <dgm:txEffectClrLst/>
+  </dgm:styleLbl>
+  <dgm:styleLbl name="fgAcc1">
+    <dgm:fillClrLst meth="repeat">
+      <a:schemeClr val="dk1">
+        <a:alpha val="90000"/>
+        <a:tint val="40000"/>
+      </a:schemeClr>
+    </dgm:fillClrLst>
+    <dgm:linClrLst meth="repeat">
+      <a:schemeClr val="dk1"/>
+    </dgm:linClrLst>
+    <dgm:effectClrLst/>
+    <dgm:txLinClrLst/>
+    <dgm:txFillClrLst meth="repeat">
+      <a:schemeClr val="dk1"/>
+    </dgm:txFillClrLst>
+    <dgm:txEffectClrLst/>
+  </dgm:styleLbl>
+  <dgm:styleLbl name="conFgAcc1">
+    <dgm:fillClrLst meth="repeat">
+      <a:schemeClr val="dk1">
+        <a:alpha val="90000"/>
+        <a:tint val="40000"/>
+      </a:schemeClr>
+    </dgm:fillClrLst>
+    <dgm:linClrLst meth="repeat">
+      <a:schemeClr val="dk1"/>
+    </dgm:linClrLst>
+    <dgm:effectClrLst/>
+    <dgm:txLinClrLst/>
+    <dgm:txFillClrLst meth="repeat">
+      <a:schemeClr val="dk1"/>
+    </dgm:txFillClrLst>
+    <dgm:txEffectClrLst/>
+  </dgm:styleLbl>
+  <dgm:styleLbl name="alignAcc1">
+    <dgm:fillClrLst meth="repeat">
+      <a:schemeClr val="dk1">
+        <a:alpha val="90000"/>
+        <a:tint val="40000"/>
+      </a:schemeClr>
+    </dgm:fillClrLst>
+    <dgm:linClrLst meth="repeat">
+      <a:schemeClr val="dk1"/>
+    </dgm:linClrLst>
+    <dgm:effectClrLst/>
+    <dgm:txLinClrLst/>
+    <dgm:txFillClrLst meth="repeat">
+      <a:schemeClr val="dk1"/>
+    </dgm:txFillClrLst>
+    <dgm:txEffectClrLst/>
+  </dgm:styleLbl>
+  <dgm:styleLbl name="trAlignAcc1">
+    <dgm:fillClrLst meth="repeat">
+      <a:schemeClr val="dk1">
+        <a:alpha val="40000"/>
+        <a:tint val="40000"/>
+      </a:schemeClr>
+    </dgm:fillClrLst>
+    <dgm:linClrLst meth="repeat">
+      <a:schemeClr val="dk1"/>
+    </dgm:linClrLst>
+    <dgm:effectClrLst/>
+    <dgm:txLinClrLst/>
+    <dgm:txFillClrLst meth="repeat">
+      <a:schemeClr val="dk1"/>
+    </dgm:txFillClrLst>
+    <dgm:txEffectClrLst/>
+  </dgm:styleLbl>
+  <dgm:styleLbl name="bgAcc1">
+    <dgm:fillClrLst meth="repeat">
+      <a:schemeClr val="dk1">
+        <a:alpha val="90000"/>
+        <a:tint val="40000"/>
+      </a:schemeClr>
+    </dgm:fillClrLst>
+    <dgm:linClrLst meth="repeat">
+      <a:schemeClr val="dk1"/>
+    </dgm:linClrLst>
+    <dgm:effectClrLst/>
+    <dgm:txLinClrLst/>
+    <dgm:txFillClrLst meth="repeat">
+      <a:schemeClr val="dk1"/>
+    </dgm:txFillClrLst>
+    <dgm:txEffectClrLst/>
+  </dgm:styleLbl>
+  <dgm:styleLbl name="solidFgAcc1">
+    <dgm:fillClrLst meth="repeat">
+      <a:schemeClr val="lt1"/>
+    </dgm:fillClrLst>
+    <dgm:linClrLst meth="repeat">
+      <a:schemeClr val="dk1"/>
+    </dgm:linClrLst>
+    <dgm:effectClrLst/>
+    <dgm:txLinClrLst/>
+    <dgm:txFillClrLst meth="repeat">
+      <a:schemeClr val="dk1"/>
+    </dgm:txFillClrLst>
+    <dgm:txEffectClrLst/>
+  </dgm:styleLbl>
+  <dgm:styleLbl name="solidAlignAcc1">
+    <dgm:fillClrLst meth="repeat">
+      <a:schemeClr val="lt1"/>
+    </dgm:fillClrLst>
+    <dgm:linClrLst meth="repeat">
+      <a:schemeClr val="dk1"/>
+    </dgm:linClrLst>
+    <dgm:effectClrLst/>
+    <dgm:txLinClrLst/>
+    <dgm:txFillClrLst meth="repeat">
+      <a:schemeClr val="dk1"/>
+    </dgm:txFillClrLst>
+    <dgm:txEffectClrLst/>
+  </dgm:styleLbl>
+  <dgm:styleLbl name="solidBgAcc1">
+    <dgm:fillClrLst meth="repeat">
+      <a:schemeClr val="lt1"/>
+    </dgm:fillClrLst>
+    <dgm:linClrLst meth="repeat">
+      <a:schemeClr val="dk1"/>
+    </dgm:linClrLst>
+    <dgm:effectClrLst/>
+    <dgm:txLinClrLst/>
+    <dgm:txFillClrLst meth="repeat">
+      <a:schemeClr val="dk1"/>
+    </dgm:txFillClrLst>
+    <dgm:txEffectClrLst/>
+  </dgm:styleLbl>
+  <dgm:styleLbl name="fgAccFollowNode1">
+    <dgm:fillClrLst meth="repeat">
+      <a:schemeClr val="lt1">
+        <a:alpha val="90000"/>
+        <a:tint val="40000"/>
+      </a:schemeClr>
+    </dgm:fillClrLst>
+    <dgm:linClrLst meth="repeat">
+      <a:schemeClr val="dk1">
+        <a:alpha val="90000"/>
+      </a:schemeClr>
+    </dgm:linClrLst>
+    <dgm:effectClrLst/>
+    <dgm:txLinClrLst/>
+    <dgm:txFillClrLst meth="repeat">
+      <a:schemeClr val="dk1"/>
+    </dgm:txFillClrLst>
+    <dgm:txEffectClrLst/>
+  </dgm:styleLbl>
+  <dgm:styleLbl name="alignAccFollowNode1">
+    <dgm:fillClrLst meth="repeat">
+      <a:schemeClr val="lt1">
+        <a:alpha val="90000"/>
+        <a:tint val="40000"/>
+      </a:schemeClr>
+    </dgm:fillClrLst>
+    <dgm:linClrLst meth="repeat">
+      <a:schemeClr val="dk1">
+        <a:alpha val="90000"/>
+      </a:schemeClr>
+    </dgm:linClrLst>
+    <dgm:effectClrLst/>
+    <dgm:txLinClrLst/>
+    <dgm:txFillClrLst meth="repeat">
+      <a:schemeClr val="dk1"/>
+    </dgm:txFillClrLst>
+    <dgm:txEffectClrLst/>
+  </dgm:styleLbl>
+  <dgm:styleLbl name="bgAccFollowNode1">
+    <dgm:fillClrLst meth="repeat">
+      <a:schemeClr val="lt1">
+        <a:alpha val="90000"/>
+        <a:tint val="40000"/>
+      </a:schemeClr>
+    </dgm:fillClrLst>
+    <dgm:linClrLst meth="repeat">
+      <a:schemeClr val="dk1">
+        <a:alpha val="90000"/>
+      </a:schemeClr>
+    </dgm:linClrLst>
+    <dgm:effectClrLst/>
+    <dgm:txLinClrLst/>
+    <dgm:txFillClrLst meth="repeat">
+      <a:schemeClr val="dk1"/>
+    </dgm:txFillClrLst>
+    <dgm:txEffectClrLst/>
+  </dgm:styleLbl>
+  <dgm:styleLbl name="fgAcc0">
+    <dgm:fillClrLst meth="repeat">
+      <a:schemeClr val="dk1">
+        <a:alpha val="90000"/>
+        <a:tint val="40000"/>
+      </a:schemeClr>
+    </dgm:fillClrLst>
+    <dgm:linClrLst meth="repeat">
+      <a:schemeClr val="dk1"/>
+    </dgm:linClrLst>
+    <dgm:effectClrLst/>
+    <dgm:txLinClrLst/>
+    <dgm:txFillClrLst meth="repeat">
+      <a:schemeClr val="dk1"/>
+    </dgm:txFillClrLst>
+    <dgm:txEffectClrLst/>
+  </dgm:styleLbl>
+  <dgm:styleLbl name="fgAcc2">
+    <dgm:fillClrLst meth="repeat">
+      <a:schemeClr val="dk1">
+        <a:alpha val="90000"/>
+        <a:tint val="40000"/>
+      </a:schemeClr>
+    </dgm:fillClrLst>
+    <dgm:linClrLst meth="repeat">
+      <a:schemeClr val="dk1"/>
+    </dgm:linClrLst>
+    <dgm:effectClrLst/>
+    <dgm:txLinClrLst/>
+    <dgm:txFillClrLst meth="repeat">
+      <a:schemeClr val="dk1"/>
+    </dgm:txFillClrLst>
+    <dgm:txEffectClrLst/>
+  </dgm:styleLbl>
+  <dgm:styleLbl name="fgAcc3">
+    <dgm:fillClrLst meth="repeat">
+      <a:schemeClr val="dk1">
+        <a:alpha val="90000"/>
+        <a:tint val="40000"/>
+      </a:schemeClr>
+    </dgm:fillClrLst>
+    <dgm:linClrLst meth="repeat">
+      <a:schemeClr val="dk1"/>
+    </dgm:linClrLst>
+    <dgm:effectClrLst/>
+    <dgm:txLinClrLst/>
+    <dgm:txFillClrLst meth="repeat">
+      <a:schemeClr val="dk1"/>
+    </dgm:txFillClrLst>
+    <dgm:txEffectClrLst/>
+  </dgm:styleLbl>
+  <dgm:styleLbl name="fgAcc4">
+    <dgm:fillClrLst meth="repeat">
+      <a:schemeClr val="dk1">
+        <a:alpha val="90000"/>
+        <a:tint val="40000"/>
+      </a:schemeClr>
+    </dgm:fillClrLst>
+    <dgm:linClrLst meth="repeat">
+      <a:schemeClr val="dk1"/>
+    </dgm:linClrLst>
+    <dgm:effectClrLst/>
+    <dgm:txLinClrLst/>
+    <dgm:txFillClrLst meth="repeat">
+      <a:schemeClr val="dk1"/>
+    </dgm:txFillClrLst>
+    <dgm:txEffectClrLst/>
+  </dgm:styleLbl>
+  <dgm:styleLbl name="bgShp">
+    <dgm:fillClrLst meth="repeat">
+      <a:schemeClr val="dk1">
+        <a:tint val="40000"/>
+      </a:schemeClr>
+    </dgm:fillClrLst>
+    <dgm:linClrLst meth="repeat">
+      <a:schemeClr val="dk1"/>
+    </dgm:linClrLst>
+    <dgm:effectClrLst/>
+    <dgm:txLinClrLst/>
+    <dgm:txFillClrLst meth="repeat">
+      <a:schemeClr val="dk1"/>
+    </dgm:txFillClrLst>
+    <dgm:txEffectClrLst/>
+  </dgm:styleLbl>
+  <dgm:styleLbl name="dkBgShp">
+    <dgm:fillClrLst meth="repeat">
+      <a:schemeClr val="dk1">
+        <a:shade val="80000"/>
+      </a:schemeClr>
+    </dgm:fillClrLst>
+    <dgm:linClrLst meth="repeat">
+      <a:schemeClr val="dk1"/>
+    </dgm:linClrLst>
+    <dgm:effectClrLst/>
+    <dgm:txLinClrLst/>
+    <dgm:txFillClrLst meth="repeat">
+      <a:schemeClr val="lt1"/>
+    </dgm:txFillClrLst>
+    <dgm:txEffectClrLst/>
+  </dgm:styleLbl>
+  <dgm:styleLbl name="trBgShp">
+    <dgm:fillClrLst meth="repeat">
+      <a:schemeClr val="dk1">
+        <a:tint val="50000"/>
+        <a:alpha val="40000"/>
+      </a:schemeClr>
+    </dgm:fillClrLst>
+    <dgm:linClrLst meth="repeat">
+      <a:schemeClr val="dk1"/>
+    </dgm:linClrLst>
+    <dgm:effectClrLst/>
+    <dgm:txLinClrLst/>
+    <dgm:txFillClrLst meth="repeat">
+      <a:schemeClr val="lt1"/>
+    </dgm:txFillClrLst>
+    <dgm:txEffectClrLst/>
+  </dgm:styleLbl>
+  <dgm:styleLbl name="fgShp">
+    <dgm:fillClrLst meth="repeat">
+      <a:schemeClr val="dk1">
+        <a:tint val="60000"/>
+      </a:schemeClr>
+    </dgm:fillClrLst>
+    <dgm:linClrLst meth="repeat">
+      <a:schemeClr val="lt1"/>
+    </dgm:linClrLst>
+    <dgm:effectClrLst/>
+    <dgm:txLinClrLst/>
+    <dgm:txFillClrLst meth="repeat">
+      <a:schemeClr val="dk1"/>
+    </dgm:txFillClrLst>
+    <dgm:txEffectClrLst/>
+  </dgm:styleLbl>
+  <dgm:styleLbl name="revTx">
+    <dgm:fillClrLst meth="repeat">
+      <a:schemeClr val="lt1">
+        <a:alpha val="0"/>
+      </a:schemeClr>
+    </dgm:fillClrLst>
+    <dgm:linClrLst meth="repeat">
+      <a:schemeClr val="dk1">
+        <a:alpha val="0"/>
+      </a:schemeClr>
+    </dgm:linClrLst>
+    <dgm:effectClrLst/>
+    <dgm:txLinClrLst/>
+    <dgm:txFillClrLst meth="repeat">
+      <a:schemeClr val="tx1"/>
+    </dgm:txFillClrLst>
+    <dgm:txEffectClrLst/>
+  </dgm:styleLbl>
+</dgm:colorsDef>
+</file>
+
+<file path=ppt/diagrams/data1.xml><?xml version="1.0" encoding="utf-8"?>
+<dgm:dataModel xmlns:dgm="http://schemas.openxmlformats.org/drawingml/2006/diagram" xmlns:a="http://schemas.openxmlformats.org/drawingml/2006/main">
+  <dgm:ptLst>
+    <dgm:pt modelId="{4822B017-534C-4D5B-9C95-6309489A6AC7}" type="doc">
+      <dgm:prSet loTypeId="urn:microsoft.com/office/officeart/2018/2/layout/IconCircleList" loCatId="icon" qsTypeId="urn:microsoft.com/office/officeart/2005/8/quickstyle/simple5" qsCatId="simple" csTypeId="urn:microsoft.com/office/officeart/2005/8/colors/accent0_1" csCatId="mainScheme" phldr="1"/>
+      <dgm:spPr/>
+      <dgm:t>
+        <a:bodyPr/>
+        <a:lstStyle/>
+        <a:p>
+          <a:endParaRPr lang="en-US"/>
+        </a:p>
+      </dgm:t>
+    </dgm:pt>
+    <dgm:pt modelId="{4C901BC6-E4F9-48DE-9D71-D0AFA5BDB1E7}">
+      <dgm:prSet/>
+      <dgm:spPr/>
+      <dgm:t>
+        <a:bodyPr/>
+        <a:lstStyle/>
+        <a:p>
+          <a:pPr>
+            <a:lnSpc>
+              <a:spcPct val="100000"/>
+            </a:lnSpc>
+          </a:pPr>
+          <a:r>
+            <a:rPr lang="en-US" dirty="0"/>
+            <a:t>Global live chat</a:t>
+          </a:r>
+        </a:p>
+      </dgm:t>
+    </dgm:pt>
+    <dgm:pt modelId="{1368A6E4-1D0B-4F17-93C0-8311449EACCE}" type="parTrans" cxnId="{592A4DB8-E320-48D4-BF4F-55BA44562B3B}">
+      <dgm:prSet/>
+      <dgm:spPr/>
+      <dgm:t>
+        <a:bodyPr/>
+        <a:lstStyle/>
+        <a:p>
+          <a:endParaRPr lang="en-US"/>
+        </a:p>
+      </dgm:t>
+    </dgm:pt>
+    <dgm:pt modelId="{77549390-CEB3-4376-92F8-1E6E5BFD3D42}" type="sibTrans" cxnId="{592A4DB8-E320-48D4-BF4F-55BA44562B3B}">
+      <dgm:prSet/>
+      <dgm:spPr/>
+      <dgm:t>
+        <a:bodyPr/>
+        <a:lstStyle/>
+        <a:p>
+          <a:pPr>
+            <a:lnSpc>
+              <a:spcPct val="100000"/>
+            </a:lnSpc>
+          </a:pPr>
+          <a:endParaRPr lang="en-US"/>
+        </a:p>
+      </dgm:t>
+    </dgm:pt>
+    <dgm:pt modelId="{6DBDC05E-B0BE-467F-9132-0C0095B70060}">
+      <dgm:prSet/>
+      <dgm:spPr/>
+      <dgm:t>
+        <a:bodyPr/>
+        <a:lstStyle/>
+        <a:p>
+          <a:pPr>
+            <a:lnSpc>
+              <a:spcPct val="100000"/>
+            </a:lnSpc>
+          </a:pPr>
+          <a:r>
+            <a:rPr lang="en-US"/>
+            <a:t>Leader board</a:t>
+          </a:r>
+        </a:p>
+      </dgm:t>
+    </dgm:pt>
+    <dgm:pt modelId="{818E34E9-E5CE-49F4-9DCC-7078C157837D}" type="parTrans" cxnId="{485FF305-D5FC-41A9-9500-072226CA130C}">
+      <dgm:prSet/>
+      <dgm:spPr/>
+      <dgm:t>
+        <a:bodyPr/>
+        <a:lstStyle/>
+        <a:p>
+          <a:endParaRPr lang="en-US"/>
+        </a:p>
+      </dgm:t>
+    </dgm:pt>
+    <dgm:pt modelId="{6B35E8FE-00BF-4A40-ADF3-8869F5D9C6C8}" type="sibTrans" cxnId="{485FF305-D5FC-41A9-9500-072226CA130C}">
+      <dgm:prSet/>
+      <dgm:spPr/>
+      <dgm:t>
+        <a:bodyPr/>
+        <a:lstStyle/>
+        <a:p>
+          <a:pPr>
+            <a:lnSpc>
+              <a:spcPct val="100000"/>
+            </a:lnSpc>
+          </a:pPr>
+          <a:endParaRPr lang="en-US"/>
+        </a:p>
+      </dgm:t>
+    </dgm:pt>
+    <dgm:pt modelId="{9E17FADF-E519-4751-AC1A-193321D48053}">
+      <dgm:prSet/>
+      <dgm:spPr/>
+      <dgm:t>
+        <a:bodyPr/>
+        <a:lstStyle/>
+        <a:p>
+          <a:pPr>
+            <a:lnSpc>
+              <a:spcPct val="100000"/>
+            </a:lnSpc>
+          </a:pPr>
+          <a:r>
+            <a:rPr lang="en-US"/>
+            <a:t>Tournaments</a:t>
+          </a:r>
+        </a:p>
+      </dgm:t>
+    </dgm:pt>
+    <dgm:pt modelId="{BD5A1819-A54E-43F8-ACAB-3CAAF300E436}" type="parTrans" cxnId="{07FB74C3-06A7-498B-A661-C7FF43F4D3B6}">
+      <dgm:prSet/>
+      <dgm:spPr/>
+      <dgm:t>
+        <a:bodyPr/>
+        <a:lstStyle/>
+        <a:p>
+          <a:endParaRPr lang="en-US"/>
+        </a:p>
+      </dgm:t>
+    </dgm:pt>
+    <dgm:pt modelId="{7A5BD234-A3AA-471C-8511-41A06ECCF0F9}" type="sibTrans" cxnId="{07FB74C3-06A7-498B-A661-C7FF43F4D3B6}">
+      <dgm:prSet/>
+      <dgm:spPr/>
+      <dgm:t>
+        <a:bodyPr/>
+        <a:lstStyle/>
+        <a:p>
+          <a:pPr>
+            <a:lnSpc>
+              <a:spcPct val="100000"/>
+            </a:lnSpc>
+          </a:pPr>
+          <a:endParaRPr lang="en-US"/>
+        </a:p>
+      </dgm:t>
+    </dgm:pt>
+    <dgm:pt modelId="{5829320C-19B6-44B2-A7C5-89951E1058FF}">
+      <dgm:prSet/>
+      <dgm:spPr/>
+      <dgm:t>
+        <a:bodyPr/>
+        <a:lstStyle/>
+        <a:p>
+          <a:pPr>
+            <a:lnSpc>
+              <a:spcPct val="100000"/>
+            </a:lnSpc>
+          </a:pPr>
+          <a:r>
+            <a:rPr lang="en-US"/>
+            <a:t>Maps to play on</a:t>
+          </a:r>
+        </a:p>
+      </dgm:t>
+    </dgm:pt>
+    <dgm:pt modelId="{817A9F94-2B77-4F60-8AD8-DC25A12412B7}" type="parTrans" cxnId="{4EF21179-CBFB-4AA7-985C-B13EB6D3C3B8}">
+      <dgm:prSet/>
+      <dgm:spPr/>
+      <dgm:t>
+        <a:bodyPr/>
+        <a:lstStyle/>
+        <a:p>
+          <a:endParaRPr lang="en-US"/>
+        </a:p>
+      </dgm:t>
+    </dgm:pt>
+    <dgm:pt modelId="{0084FE5D-FE6D-4CC5-90AA-EE414AACF22E}" type="sibTrans" cxnId="{4EF21179-CBFB-4AA7-985C-B13EB6D3C3B8}">
+      <dgm:prSet/>
+      <dgm:spPr/>
+      <dgm:t>
+        <a:bodyPr/>
+        <a:lstStyle/>
+        <a:p>
+          <a:pPr>
+            <a:lnSpc>
+              <a:spcPct val="100000"/>
+            </a:lnSpc>
+          </a:pPr>
+          <a:endParaRPr lang="en-US"/>
+        </a:p>
+      </dgm:t>
+    </dgm:pt>
+    <dgm:pt modelId="{72B8CC89-1861-4940-8A8C-416615A14422}">
+      <dgm:prSet/>
+      <dgm:spPr/>
+      <dgm:t>
+        <a:bodyPr/>
+        <a:lstStyle/>
+        <a:p>
+          <a:pPr>
+            <a:lnSpc>
+              <a:spcPct val="100000"/>
+            </a:lnSpc>
+          </a:pPr>
+          <a:r>
+            <a:rPr lang="en-US"/>
+            <a:t>Moderated report system</a:t>
+          </a:r>
+        </a:p>
+      </dgm:t>
+    </dgm:pt>
+    <dgm:pt modelId="{FB28A66F-886F-4503-B49F-EFFC00B0E7DD}" type="parTrans" cxnId="{55E1CE10-E07A-42ED-B08D-61872E8300EA}">
+      <dgm:prSet/>
+      <dgm:spPr/>
+      <dgm:t>
+        <a:bodyPr/>
+        <a:lstStyle/>
+        <a:p>
+          <a:endParaRPr lang="en-US"/>
+        </a:p>
+      </dgm:t>
+    </dgm:pt>
+    <dgm:pt modelId="{ACE8D040-7FCB-415F-894C-796D920C3987}" type="sibTrans" cxnId="{55E1CE10-E07A-42ED-B08D-61872E8300EA}">
+      <dgm:prSet/>
+      <dgm:spPr/>
+      <dgm:t>
+        <a:bodyPr/>
+        <a:lstStyle/>
+        <a:p>
+          <a:pPr>
+            <a:lnSpc>
+              <a:spcPct val="100000"/>
+            </a:lnSpc>
+          </a:pPr>
+          <a:endParaRPr lang="en-US"/>
+        </a:p>
+      </dgm:t>
+    </dgm:pt>
+    <dgm:pt modelId="{A039CF6C-DBB8-4A09-9384-A2F0A837ACF5}">
+      <dgm:prSet/>
+      <dgm:spPr/>
+      <dgm:t>
+        <a:bodyPr/>
+        <a:lstStyle/>
+        <a:p>
+          <a:pPr>
+            <a:lnSpc>
+              <a:spcPct val="100000"/>
+            </a:lnSpc>
+          </a:pPr>
+          <a:r>
+            <a:rPr lang="en-US"/>
+            <a:t>Ranked system</a:t>
+          </a:r>
+        </a:p>
+      </dgm:t>
+    </dgm:pt>
+    <dgm:pt modelId="{45843DDD-0F6E-4BE7-A964-ACF72D4F3E5D}" type="parTrans" cxnId="{D8FA55CC-9F13-4DEF-9313-44E2796C867E}">
+      <dgm:prSet/>
+      <dgm:spPr/>
+      <dgm:t>
+        <a:bodyPr/>
+        <a:lstStyle/>
+        <a:p>
+          <a:endParaRPr lang="en-US"/>
+        </a:p>
+      </dgm:t>
+    </dgm:pt>
+    <dgm:pt modelId="{1DAEAFF1-6ED6-4644-A3F8-94A02940D26B}" type="sibTrans" cxnId="{D8FA55CC-9F13-4DEF-9313-44E2796C867E}">
+      <dgm:prSet/>
+      <dgm:spPr/>
+      <dgm:t>
+        <a:bodyPr/>
+        <a:lstStyle/>
+        <a:p>
+          <a:pPr>
+            <a:lnSpc>
+              <a:spcPct val="100000"/>
+            </a:lnSpc>
+          </a:pPr>
+          <a:endParaRPr lang="en-US"/>
+        </a:p>
+      </dgm:t>
+    </dgm:pt>
+    <dgm:pt modelId="{BFF92B11-0828-49F5-B1D9-FDBF31694B5C}">
+      <dgm:prSet/>
+      <dgm:spPr/>
+      <dgm:t>
+        <a:bodyPr/>
+        <a:lstStyle/>
+        <a:p>
+          <a:pPr>
+            <a:lnSpc>
+              <a:spcPct val="100000"/>
+            </a:lnSpc>
+          </a:pPr>
+          <a:r>
+            <a:rPr lang="en-US"/>
+            <a:t>GUI</a:t>
+          </a:r>
+        </a:p>
+      </dgm:t>
+    </dgm:pt>
+    <dgm:pt modelId="{6DCC02F3-7637-4FBE-9E8F-380D3A0274A6}" type="parTrans" cxnId="{70BB5489-A795-440A-B5F7-4525E0027EA2}">
+      <dgm:prSet/>
+      <dgm:spPr/>
+      <dgm:t>
+        <a:bodyPr/>
+        <a:lstStyle/>
+        <a:p>
+          <a:endParaRPr lang="en-US"/>
+        </a:p>
+      </dgm:t>
+    </dgm:pt>
+    <dgm:pt modelId="{51FB9317-00D8-4E4F-9C69-E8BEC185E37A}" type="sibTrans" cxnId="{70BB5489-A795-440A-B5F7-4525E0027EA2}">
+      <dgm:prSet/>
+      <dgm:spPr/>
+      <dgm:t>
+        <a:bodyPr/>
+        <a:lstStyle/>
+        <a:p>
+          <a:endParaRPr lang="en-US"/>
+        </a:p>
+      </dgm:t>
+    </dgm:pt>
+    <dgm:pt modelId="{2774F705-EF68-4741-9EA7-165F3541A581}" type="pres">
+      <dgm:prSet presAssocID="{4822B017-534C-4D5B-9C95-6309489A6AC7}" presName="root" presStyleCnt="0">
+        <dgm:presLayoutVars>
+          <dgm:dir/>
+          <dgm:resizeHandles val="exact"/>
+        </dgm:presLayoutVars>
+      </dgm:prSet>
+      <dgm:spPr/>
+    </dgm:pt>
+    <dgm:pt modelId="{5DE6AED8-3DBF-4AB6-A15B-8F4ED46A60A2}" type="pres">
+      <dgm:prSet presAssocID="{4822B017-534C-4D5B-9C95-6309489A6AC7}" presName="container" presStyleCnt="0">
+        <dgm:presLayoutVars>
+          <dgm:dir/>
+          <dgm:resizeHandles val="exact"/>
+        </dgm:presLayoutVars>
+      </dgm:prSet>
+      <dgm:spPr/>
+    </dgm:pt>
+    <dgm:pt modelId="{D234FB04-85D5-44DB-A260-94DC5422AD96}" type="pres">
+      <dgm:prSet presAssocID="{4C901BC6-E4F9-48DE-9D71-D0AFA5BDB1E7}" presName="compNode" presStyleCnt="0"/>
+      <dgm:spPr/>
+    </dgm:pt>
+    <dgm:pt modelId="{CDAA17B4-1390-4345-B648-67992AC5A974}" type="pres">
+      <dgm:prSet presAssocID="{4C901BC6-E4F9-48DE-9D71-D0AFA5BDB1E7}" presName="iconBgRect" presStyleLbl="bgShp" presStyleIdx="0" presStyleCnt="7"/>
+      <dgm:spPr/>
+    </dgm:pt>
+    <dgm:pt modelId="{DBD66FB6-20D6-407B-9924-D9E9F2C9E745}" type="pres">
+      <dgm:prSet presAssocID="{4C901BC6-E4F9-48DE-9D71-D0AFA5BDB1E7}" presName="iconRect" presStyleLbl="node1" presStyleIdx="0" presStyleCnt="7"/>
+      <dgm:spPr>
+        <a:blipFill>
+          <a:blip xmlns:r="http://schemas.openxmlformats.org/officeDocument/2006/relationships" r:embed="rId1">
+            <a:extLst>
+              <a:ext uri="{28A0092B-C50C-407E-A947-70E740481C1C}">
+                <a14:useLocalDpi xmlns:a14="http://schemas.microsoft.com/office/drawing/2010/main" val="0"/>
+              </a:ext>
+              <a:ext uri="{96DAC541-7B7A-43D3-8B79-37D633B846F1}">
+                <asvg:svgBlip xmlns:asvg="http://schemas.microsoft.com/office/drawing/2016/SVG/main" r:embed="rId2"/>
+              </a:ext>
+            </a:extLst>
+          </a:blip>
+          <a:stretch>
+            <a:fillRect/>
+          </a:stretch>
+        </a:blipFill>
+      </dgm:spPr>
+      <dgm:extLst>
+        <a:ext uri="{E40237B7-FDA0-4F09-8148-C483321AD2D9}">
+          <dgm14:cNvPr xmlns:dgm14="http://schemas.microsoft.com/office/drawing/2010/diagram" id="0" name="" descr="Chat"/>
+        </a:ext>
+      </dgm:extLst>
+    </dgm:pt>
+    <dgm:pt modelId="{6117538F-7852-4246-B53F-E28D18EBEE7F}" type="pres">
+      <dgm:prSet presAssocID="{4C901BC6-E4F9-48DE-9D71-D0AFA5BDB1E7}" presName="spaceRect" presStyleCnt="0"/>
+      <dgm:spPr/>
+    </dgm:pt>
+    <dgm:pt modelId="{8E8BA70F-E140-44D4-8903-73D1B551E286}" type="pres">
+      <dgm:prSet presAssocID="{4C901BC6-E4F9-48DE-9D71-D0AFA5BDB1E7}" presName="textRect" presStyleLbl="revTx" presStyleIdx="0" presStyleCnt="7">
+        <dgm:presLayoutVars>
+          <dgm:chMax val="1"/>
+          <dgm:chPref val="1"/>
+        </dgm:presLayoutVars>
+      </dgm:prSet>
+      <dgm:spPr/>
+    </dgm:pt>
+    <dgm:pt modelId="{AA7B76D0-8BF5-489E-8C2E-028C1686CEF9}" type="pres">
+      <dgm:prSet presAssocID="{77549390-CEB3-4376-92F8-1E6E5BFD3D42}" presName="sibTrans" presStyleLbl="sibTrans2D1" presStyleIdx="0" presStyleCnt="0"/>
+      <dgm:spPr/>
+    </dgm:pt>
+    <dgm:pt modelId="{76306A9C-59E3-4C21-BC08-BADA96F08D29}" type="pres">
+      <dgm:prSet presAssocID="{6DBDC05E-B0BE-467F-9132-0C0095B70060}" presName="compNode" presStyleCnt="0"/>
+      <dgm:spPr/>
+    </dgm:pt>
+    <dgm:pt modelId="{C810606C-B04E-4A9F-AF29-160F96680C4E}" type="pres">
+      <dgm:prSet presAssocID="{6DBDC05E-B0BE-467F-9132-0C0095B70060}" presName="iconBgRect" presStyleLbl="bgShp" presStyleIdx="1" presStyleCnt="7"/>
+      <dgm:spPr/>
+    </dgm:pt>
+    <dgm:pt modelId="{6D1CCC1E-5486-447C-90D8-6836839698C2}" type="pres">
+      <dgm:prSet presAssocID="{6DBDC05E-B0BE-467F-9132-0C0095B70060}" presName="iconRect" presStyleLbl="node1" presStyleIdx="1" presStyleCnt="7"/>
+      <dgm:spPr>
+        <a:blipFill>
+          <a:blip xmlns:r="http://schemas.openxmlformats.org/officeDocument/2006/relationships" r:embed="rId3">
+            <a:extLst>
+              <a:ext uri="{28A0092B-C50C-407E-A947-70E740481C1C}">
+                <a14:useLocalDpi xmlns:a14="http://schemas.microsoft.com/office/drawing/2010/main" val="0"/>
+              </a:ext>
+              <a:ext uri="{96DAC541-7B7A-43D3-8B79-37D633B846F1}">
+                <asvg:svgBlip xmlns:asvg="http://schemas.microsoft.com/office/drawing/2016/SVG/main" r:embed="rId4"/>
+              </a:ext>
+            </a:extLst>
+          </a:blip>
+          <a:stretch>
+            <a:fillRect/>
+          </a:stretch>
+        </a:blipFill>
+      </dgm:spPr>
+      <dgm:extLst>
+        <a:ext uri="{E40237B7-FDA0-4F09-8148-C483321AD2D9}">
+          <dgm14:cNvPr xmlns:dgm14="http://schemas.microsoft.com/office/drawing/2010/diagram" id="0" name="" descr="Hierarchy"/>
+        </a:ext>
+      </dgm:extLst>
+    </dgm:pt>
+    <dgm:pt modelId="{3C98BCBF-950E-4A71-B32C-FDF2B569DB29}" type="pres">
+      <dgm:prSet presAssocID="{6DBDC05E-B0BE-467F-9132-0C0095B70060}" presName="spaceRect" presStyleCnt="0"/>
+      <dgm:spPr/>
+    </dgm:pt>
+    <dgm:pt modelId="{2936E286-48E8-4486-98F6-C7496117255F}" type="pres">
+      <dgm:prSet presAssocID="{6DBDC05E-B0BE-467F-9132-0C0095B70060}" presName="textRect" presStyleLbl="revTx" presStyleIdx="1" presStyleCnt="7">
+        <dgm:presLayoutVars>
+          <dgm:chMax val="1"/>
+          <dgm:chPref val="1"/>
+        </dgm:presLayoutVars>
+      </dgm:prSet>
+      <dgm:spPr/>
+    </dgm:pt>
+    <dgm:pt modelId="{7A157EB2-CF5C-4EB1-BA00-AF39B36CAD17}" type="pres">
+      <dgm:prSet presAssocID="{6B35E8FE-00BF-4A40-ADF3-8869F5D9C6C8}" presName="sibTrans" presStyleLbl="sibTrans2D1" presStyleIdx="0" presStyleCnt="0"/>
+      <dgm:spPr/>
+    </dgm:pt>
+    <dgm:pt modelId="{DCA8C9B9-A4DA-4DBF-8187-F4D062552A29}" type="pres">
+      <dgm:prSet presAssocID="{9E17FADF-E519-4751-AC1A-193321D48053}" presName="compNode" presStyleCnt="0"/>
+      <dgm:spPr/>
+    </dgm:pt>
+    <dgm:pt modelId="{62D5C266-B593-48A0-9514-9C08B39FDE47}" type="pres">
+      <dgm:prSet presAssocID="{9E17FADF-E519-4751-AC1A-193321D48053}" presName="iconBgRect" presStyleLbl="bgShp" presStyleIdx="2" presStyleCnt="7"/>
+      <dgm:spPr/>
+    </dgm:pt>
+    <dgm:pt modelId="{70E0FFF1-F38B-4CFA-9219-9D88DBE3609E}" type="pres">
+      <dgm:prSet presAssocID="{9E17FADF-E519-4751-AC1A-193321D48053}" presName="iconRect" presStyleLbl="node1" presStyleIdx="2" presStyleCnt="7"/>
+      <dgm:spPr>
+        <a:blipFill>
+          <a:blip xmlns:r="http://schemas.openxmlformats.org/officeDocument/2006/relationships" r:embed="rId5">
+            <a:extLst>
+              <a:ext uri="{28A0092B-C50C-407E-A947-70E740481C1C}">
+                <a14:useLocalDpi xmlns:a14="http://schemas.microsoft.com/office/drawing/2010/main" val="0"/>
+              </a:ext>
+              <a:ext uri="{96DAC541-7B7A-43D3-8B79-37D633B846F1}">
+                <asvg:svgBlip xmlns:asvg="http://schemas.microsoft.com/office/drawing/2016/SVG/main" r:embed="rId6"/>
+              </a:ext>
+            </a:extLst>
+          </a:blip>
+          <a:stretch>
+            <a:fillRect/>
+          </a:stretch>
+        </a:blipFill>
+      </dgm:spPr>
+      <dgm:extLst>
+        <a:ext uri="{E40237B7-FDA0-4F09-8148-C483321AD2D9}">
+          <dgm14:cNvPr xmlns:dgm14="http://schemas.microsoft.com/office/drawing/2010/diagram" id="0" name="" descr="Trophy"/>
+        </a:ext>
+      </dgm:extLst>
+    </dgm:pt>
+    <dgm:pt modelId="{53DC1C46-B56A-4BC9-9943-B249AF2A09D5}" type="pres">
+      <dgm:prSet presAssocID="{9E17FADF-E519-4751-AC1A-193321D48053}" presName="spaceRect" presStyleCnt="0"/>
+      <dgm:spPr/>
+    </dgm:pt>
+    <dgm:pt modelId="{3FEEE7D4-F886-4807-A1A1-6CB37CB8C02D}" type="pres">
+      <dgm:prSet presAssocID="{9E17FADF-E519-4751-AC1A-193321D48053}" presName="textRect" presStyleLbl="revTx" presStyleIdx="2" presStyleCnt="7">
+        <dgm:presLayoutVars>
+          <dgm:chMax val="1"/>
+          <dgm:chPref val="1"/>
+        </dgm:presLayoutVars>
+      </dgm:prSet>
+      <dgm:spPr/>
+    </dgm:pt>
+    <dgm:pt modelId="{971A315D-691F-4D40-9F00-9B29B6D5DAE7}" type="pres">
+      <dgm:prSet presAssocID="{7A5BD234-A3AA-471C-8511-41A06ECCF0F9}" presName="sibTrans" presStyleLbl="sibTrans2D1" presStyleIdx="0" presStyleCnt="0"/>
+      <dgm:spPr/>
+    </dgm:pt>
+    <dgm:pt modelId="{32FFCD74-3900-4E07-B204-9166838502F7}" type="pres">
+      <dgm:prSet presAssocID="{5829320C-19B6-44B2-A7C5-89951E1058FF}" presName="compNode" presStyleCnt="0"/>
+      <dgm:spPr/>
+    </dgm:pt>
+    <dgm:pt modelId="{C61FA17B-B626-430D-9357-5547C303BDAB}" type="pres">
+      <dgm:prSet presAssocID="{5829320C-19B6-44B2-A7C5-89951E1058FF}" presName="iconBgRect" presStyleLbl="bgShp" presStyleIdx="3" presStyleCnt="7"/>
+      <dgm:spPr/>
+    </dgm:pt>
+    <dgm:pt modelId="{2172DBE6-0466-4626-95AB-BCBDB97D6616}" type="pres">
+      <dgm:prSet presAssocID="{5829320C-19B6-44B2-A7C5-89951E1058FF}" presName="iconRect" presStyleLbl="node1" presStyleIdx="3" presStyleCnt="7"/>
+      <dgm:spPr>
+        <a:blipFill>
+          <a:blip xmlns:r="http://schemas.openxmlformats.org/officeDocument/2006/relationships" r:embed="rId7">
+            <a:extLst>
+              <a:ext uri="{28A0092B-C50C-407E-A947-70E740481C1C}">
+                <a14:useLocalDpi xmlns:a14="http://schemas.microsoft.com/office/drawing/2010/main" val="0"/>
+              </a:ext>
+              <a:ext uri="{96DAC541-7B7A-43D3-8B79-37D633B846F1}">
+                <asvg:svgBlip xmlns:asvg="http://schemas.microsoft.com/office/drawing/2016/SVG/main" r:embed="rId8"/>
+              </a:ext>
+            </a:extLst>
+          </a:blip>
+          <a:stretch>
+            <a:fillRect/>
+          </a:stretch>
+        </a:blipFill>
+      </dgm:spPr>
+      <dgm:extLst>
+        <a:ext uri="{E40237B7-FDA0-4F09-8148-C483321AD2D9}">
+          <dgm14:cNvPr xmlns:dgm14="http://schemas.microsoft.com/office/drawing/2010/diagram" id="0" name="" descr="Marker"/>
+        </a:ext>
+      </dgm:extLst>
+    </dgm:pt>
+    <dgm:pt modelId="{8D7DE045-D72B-4F6C-AEDA-670BA444C46F}" type="pres">
+      <dgm:prSet presAssocID="{5829320C-19B6-44B2-A7C5-89951E1058FF}" presName="spaceRect" presStyleCnt="0"/>
+      <dgm:spPr/>
+    </dgm:pt>
+    <dgm:pt modelId="{9F06B2E0-A4F2-48DD-9710-AD6D58861342}" type="pres">
+      <dgm:prSet presAssocID="{5829320C-19B6-44B2-A7C5-89951E1058FF}" presName="textRect" presStyleLbl="revTx" presStyleIdx="3" presStyleCnt="7">
+        <dgm:presLayoutVars>
+          <dgm:chMax val="1"/>
+          <dgm:chPref val="1"/>
+        </dgm:presLayoutVars>
+      </dgm:prSet>
+      <dgm:spPr/>
+    </dgm:pt>
+    <dgm:pt modelId="{D049DFBB-2519-4EC0-A872-E1018CB3C9FC}" type="pres">
+      <dgm:prSet presAssocID="{0084FE5D-FE6D-4CC5-90AA-EE414AACF22E}" presName="sibTrans" presStyleLbl="sibTrans2D1" presStyleIdx="0" presStyleCnt="0"/>
+      <dgm:spPr/>
+    </dgm:pt>
+    <dgm:pt modelId="{DE2EED36-27B6-4012-9D09-683A9D122072}" type="pres">
+      <dgm:prSet presAssocID="{72B8CC89-1861-4940-8A8C-416615A14422}" presName="compNode" presStyleCnt="0"/>
+      <dgm:spPr/>
+    </dgm:pt>
+    <dgm:pt modelId="{3D2F51A4-5E2B-4A83-B825-76B0E906B076}" type="pres">
+      <dgm:prSet presAssocID="{72B8CC89-1861-4940-8A8C-416615A14422}" presName="iconBgRect" presStyleLbl="bgShp" presStyleIdx="4" presStyleCnt="7"/>
+      <dgm:spPr/>
+    </dgm:pt>
+    <dgm:pt modelId="{AEA686B7-0537-4D0B-A7BF-4C84C7836FCC}" type="pres">
+      <dgm:prSet presAssocID="{72B8CC89-1861-4940-8A8C-416615A14422}" presName="iconRect" presStyleLbl="node1" presStyleIdx="4" presStyleCnt="7"/>
+      <dgm:spPr>
+        <a:blipFill>
+          <a:blip xmlns:r="http://schemas.openxmlformats.org/officeDocument/2006/relationships" r:embed="rId9">
+            <a:extLst>
+              <a:ext uri="{28A0092B-C50C-407E-A947-70E740481C1C}">
+                <a14:useLocalDpi xmlns:a14="http://schemas.microsoft.com/office/drawing/2010/main" val="0"/>
+              </a:ext>
+              <a:ext uri="{96DAC541-7B7A-43D3-8B79-37D633B846F1}">
+                <asvg:svgBlip xmlns:asvg="http://schemas.microsoft.com/office/drawing/2016/SVG/main" r:embed="rId10"/>
+              </a:ext>
+            </a:extLst>
+          </a:blip>
+          <a:stretch>
+            <a:fillRect/>
+          </a:stretch>
+        </a:blipFill>
+      </dgm:spPr>
+      <dgm:extLst>
+        <a:ext uri="{E40237B7-FDA0-4F09-8148-C483321AD2D9}">
+          <dgm14:cNvPr xmlns:dgm14="http://schemas.microsoft.com/office/drawing/2010/diagram" id="0" name="" descr="Bar chart"/>
+        </a:ext>
+      </dgm:extLst>
+    </dgm:pt>
+    <dgm:pt modelId="{3A25E1F7-26B1-4AFF-87F6-D0FEEF8E008E}" type="pres">
+      <dgm:prSet presAssocID="{72B8CC89-1861-4940-8A8C-416615A14422}" presName="spaceRect" presStyleCnt="0"/>
+      <dgm:spPr/>
+    </dgm:pt>
+    <dgm:pt modelId="{F6953995-3613-4948-999E-D5A55834A5F9}" type="pres">
+      <dgm:prSet presAssocID="{72B8CC89-1861-4940-8A8C-416615A14422}" presName="textRect" presStyleLbl="revTx" presStyleIdx="4" presStyleCnt="7">
+        <dgm:presLayoutVars>
+          <dgm:chMax val="1"/>
+          <dgm:chPref val="1"/>
+        </dgm:presLayoutVars>
+      </dgm:prSet>
+      <dgm:spPr/>
+    </dgm:pt>
+    <dgm:pt modelId="{FDAC9224-63ED-4663-B156-0C919B89B979}" type="pres">
+      <dgm:prSet presAssocID="{ACE8D040-7FCB-415F-894C-796D920C3987}" presName="sibTrans" presStyleLbl="sibTrans2D1" presStyleIdx="0" presStyleCnt="0"/>
+      <dgm:spPr/>
+    </dgm:pt>
+    <dgm:pt modelId="{1EB3C2A5-E25C-47FB-BF6F-370A2E154591}" type="pres">
+      <dgm:prSet presAssocID="{A039CF6C-DBB8-4A09-9384-A2F0A837ACF5}" presName="compNode" presStyleCnt="0"/>
+      <dgm:spPr/>
+    </dgm:pt>
+    <dgm:pt modelId="{3BFD6AE1-3E12-47A8-A5A2-9B0CA2C5993B}" type="pres">
+      <dgm:prSet presAssocID="{A039CF6C-DBB8-4A09-9384-A2F0A837ACF5}" presName="iconBgRect" presStyleLbl="bgShp" presStyleIdx="5" presStyleCnt="7"/>
+      <dgm:spPr/>
+    </dgm:pt>
+    <dgm:pt modelId="{0C382180-948F-4406-8D8A-895FA5C8B624}" type="pres">
+      <dgm:prSet presAssocID="{A039CF6C-DBB8-4A09-9384-A2F0A837ACF5}" presName="iconRect" presStyleLbl="node1" presStyleIdx="5" presStyleCnt="7"/>
+      <dgm:spPr>
+        <a:blipFill>
+          <a:blip xmlns:r="http://schemas.openxmlformats.org/officeDocument/2006/relationships" r:embed="rId11">
+            <a:extLst>
+              <a:ext uri="{28A0092B-C50C-407E-A947-70E740481C1C}">
+                <a14:useLocalDpi xmlns:a14="http://schemas.microsoft.com/office/drawing/2010/main" val="0"/>
+              </a:ext>
+              <a:ext uri="{96DAC541-7B7A-43D3-8B79-37D633B846F1}">
+                <asvg:svgBlip xmlns:asvg="http://schemas.microsoft.com/office/drawing/2016/SVG/main" r:embed="rId12"/>
+              </a:ext>
+            </a:extLst>
+          </a:blip>
+          <a:stretch>
+            <a:fillRect/>
+          </a:stretch>
+        </a:blipFill>
+      </dgm:spPr>
+      <dgm:extLst>
+        <a:ext uri="{E40237B7-FDA0-4F09-8148-C483321AD2D9}">
+          <dgm14:cNvPr xmlns:dgm14="http://schemas.microsoft.com/office/drawing/2010/diagram" id="0" name="" descr="Crown"/>
+        </a:ext>
+      </dgm:extLst>
+    </dgm:pt>
+    <dgm:pt modelId="{A85E7A5B-16B8-4B5F-8F44-3A5180DCDF50}" type="pres">
+      <dgm:prSet presAssocID="{A039CF6C-DBB8-4A09-9384-A2F0A837ACF5}" presName="spaceRect" presStyleCnt="0"/>
+      <dgm:spPr/>
+    </dgm:pt>
+    <dgm:pt modelId="{48CFB6A5-A5D5-4FEA-BA84-4BACCFEEC6F1}" type="pres">
+      <dgm:prSet presAssocID="{A039CF6C-DBB8-4A09-9384-A2F0A837ACF5}" presName="textRect" presStyleLbl="revTx" presStyleIdx="5" presStyleCnt="7">
+        <dgm:presLayoutVars>
+          <dgm:chMax val="1"/>
+          <dgm:chPref val="1"/>
+        </dgm:presLayoutVars>
+      </dgm:prSet>
+      <dgm:spPr/>
+    </dgm:pt>
+    <dgm:pt modelId="{418591AD-EE33-4C76-ACD4-62464FCFB82E}" type="pres">
+      <dgm:prSet presAssocID="{1DAEAFF1-6ED6-4644-A3F8-94A02940D26B}" presName="sibTrans" presStyleLbl="sibTrans2D1" presStyleIdx="0" presStyleCnt="0"/>
+      <dgm:spPr/>
+    </dgm:pt>
+    <dgm:pt modelId="{4E962CFF-7F8F-4D3C-92D5-89F8F6D44EB6}" type="pres">
+      <dgm:prSet presAssocID="{BFF92B11-0828-49F5-B1D9-FDBF31694B5C}" presName="compNode" presStyleCnt="0"/>
+      <dgm:spPr/>
+    </dgm:pt>
+    <dgm:pt modelId="{E65F5AD7-30C9-4FF7-9CB0-0F16DDC67443}" type="pres">
+      <dgm:prSet presAssocID="{BFF92B11-0828-49F5-B1D9-FDBF31694B5C}" presName="iconBgRect" presStyleLbl="bgShp" presStyleIdx="6" presStyleCnt="7"/>
+      <dgm:spPr/>
+    </dgm:pt>
+    <dgm:pt modelId="{3E8F16E5-9BF0-4A80-AF04-F5FDE7CDFBFF}" type="pres">
+      <dgm:prSet presAssocID="{BFF92B11-0828-49F5-B1D9-FDBF31694B5C}" presName="iconRect" presStyleLbl="node1" presStyleIdx="6" presStyleCnt="7"/>
+      <dgm:spPr>
+        <a:blipFill>
+          <a:blip xmlns:r="http://schemas.openxmlformats.org/officeDocument/2006/relationships" r:embed="rId13">
+            <a:extLst>
+              <a:ext uri="{28A0092B-C50C-407E-A947-70E740481C1C}">
+                <a14:useLocalDpi xmlns:a14="http://schemas.microsoft.com/office/drawing/2010/main" val="0"/>
+              </a:ext>
+              <a:ext uri="{96DAC541-7B7A-43D3-8B79-37D633B846F1}">
+                <asvg:svgBlip xmlns:asvg="http://schemas.microsoft.com/office/drawing/2016/SVG/main" r:embed="rId14"/>
+              </a:ext>
+            </a:extLst>
+          </a:blip>
+          <a:stretch>
+            <a:fillRect/>
+          </a:stretch>
+        </a:blipFill>
+      </dgm:spPr>
+      <dgm:extLst>
+        <a:ext uri="{E40237B7-FDA0-4F09-8148-C483321AD2D9}">
+          <dgm14:cNvPr xmlns:dgm14="http://schemas.microsoft.com/office/drawing/2010/diagram" id="0" name="" descr="Computer"/>
+        </a:ext>
+      </dgm:extLst>
+    </dgm:pt>
+    <dgm:pt modelId="{F684B200-561F-4298-9C1E-8C593E3556B8}" type="pres">
+      <dgm:prSet presAssocID="{BFF92B11-0828-49F5-B1D9-FDBF31694B5C}" presName="spaceRect" presStyleCnt="0"/>
+      <dgm:spPr/>
+    </dgm:pt>
+    <dgm:pt modelId="{8904EBE7-2AE9-4350-9F1B-C8AED9C34ACD}" type="pres">
+      <dgm:prSet presAssocID="{BFF92B11-0828-49F5-B1D9-FDBF31694B5C}" presName="textRect" presStyleLbl="revTx" presStyleIdx="6" presStyleCnt="7">
+        <dgm:presLayoutVars>
+          <dgm:chMax val="1"/>
+          <dgm:chPref val="1"/>
+        </dgm:presLayoutVars>
+      </dgm:prSet>
+      <dgm:spPr/>
+    </dgm:pt>
+  </dgm:ptLst>
+  <dgm:cxnLst>
+    <dgm:cxn modelId="{485FF305-D5FC-41A9-9500-072226CA130C}" srcId="{4822B017-534C-4D5B-9C95-6309489A6AC7}" destId="{6DBDC05E-B0BE-467F-9132-0C0095B70060}" srcOrd="1" destOrd="0" parTransId="{818E34E9-E5CE-49F4-9DCC-7078C157837D}" sibTransId="{6B35E8FE-00BF-4A40-ADF3-8869F5D9C6C8}"/>
+    <dgm:cxn modelId="{A7462E08-3FAA-4F0C-B274-EFCEE5EFE990}" type="presOf" srcId="{9E17FADF-E519-4751-AC1A-193321D48053}" destId="{3FEEE7D4-F886-4807-A1A1-6CB37CB8C02D}" srcOrd="0" destOrd="0" presId="urn:microsoft.com/office/officeart/2018/2/layout/IconCircleList"/>
+    <dgm:cxn modelId="{273B6D0C-883D-4B26-A1D9-A961D7BA168A}" type="presOf" srcId="{77549390-CEB3-4376-92F8-1E6E5BFD3D42}" destId="{AA7B76D0-8BF5-489E-8C2E-028C1686CEF9}" srcOrd="0" destOrd="0" presId="urn:microsoft.com/office/officeart/2018/2/layout/IconCircleList"/>
+    <dgm:cxn modelId="{55E1CE10-E07A-42ED-B08D-61872E8300EA}" srcId="{4822B017-534C-4D5B-9C95-6309489A6AC7}" destId="{72B8CC89-1861-4940-8A8C-416615A14422}" srcOrd="4" destOrd="0" parTransId="{FB28A66F-886F-4503-B49F-EFFC00B0E7DD}" sibTransId="{ACE8D040-7FCB-415F-894C-796D920C3987}"/>
+    <dgm:cxn modelId="{DD9F2831-9296-477F-8248-009D6409E5EC}" type="presOf" srcId="{0084FE5D-FE6D-4CC5-90AA-EE414AACF22E}" destId="{D049DFBB-2519-4EC0-A872-E1018CB3C9FC}" srcOrd="0" destOrd="0" presId="urn:microsoft.com/office/officeart/2018/2/layout/IconCircleList"/>
+    <dgm:cxn modelId="{EE641835-B39A-4E03-95FF-917710A7FCB9}" type="presOf" srcId="{4822B017-534C-4D5B-9C95-6309489A6AC7}" destId="{2774F705-EF68-4741-9EA7-165F3541A581}" srcOrd="0" destOrd="0" presId="urn:microsoft.com/office/officeart/2018/2/layout/IconCircleList"/>
+    <dgm:cxn modelId="{5F5A723F-5187-4F94-901E-F5B36F2D7D40}" type="presOf" srcId="{BFF92B11-0828-49F5-B1D9-FDBF31694B5C}" destId="{8904EBE7-2AE9-4350-9F1B-C8AED9C34ACD}" srcOrd="0" destOrd="0" presId="urn:microsoft.com/office/officeart/2018/2/layout/IconCircleList"/>
+    <dgm:cxn modelId="{11D01247-9439-4A33-8B24-1041888FE197}" type="presOf" srcId="{5829320C-19B6-44B2-A7C5-89951E1058FF}" destId="{9F06B2E0-A4F2-48DD-9710-AD6D58861342}" srcOrd="0" destOrd="0" presId="urn:microsoft.com/office/officeart/2018/2/layout/IconCircleList"/>
+    <dgm:cxn modelId="{DE528F4B-A3D5-4E54-A410-E7901D5B8488}" type="presOf" srcId="{6DBDC05E-B0BE-467F-9132-0C0095B70060}" destId="{2936E286-48E8-4486-98F6-C7496117255F}" srcOrd="0" destOrd="0" presId="urn:microsoft.com/office/officeart/2018/2/layout/IconCircleList"/>
+    <dgm:cxn modelId="{A1BB644E-3CFF-4BC6-B077-32A83309387C}" type="presOf" srcId="{7A5BD234-A3AA-471C-8511-41A06ECCF0F9}" destId="{971A315D-691F-4D40-9F00-9B29B6D5DAE7}" srcOrd="0" destOrd="0" presId="urn:microsoft.com/office/officeart/2018/2/layout/IconCircleList"/>
+    <dgm:cxn modelId="{4EF21179-CBFB-4AA7-985C-B13EB6D3C3B8}" srcId="{4822B017-534C-4D5B-9C95-6309489A6AC7}" destId="{5829320C-19B6-44B2-A7C5-89951E1058FF}" srcOrd="3" destOrd="0" parTransId="{817A9F94-2B77-4F60-8AD8-DC25A12412B7}" sibTransId="{0084FE5D-FE6D-4CC5-90AA-EE414AACF22E}"/>
+    <dgm:cxn modelId="{82247C83-FEFF-461A-B509-1927D2958DBB}" type="presOf" srcId="{A039CF6C-DBB8-4A09-9384-A2F0A837ACF5}" destId="{48CFB6A5-A5D5-4FEA-BA84-4BACCFEEC6F1}" srcOrd="0" destOrd="0" presId="urn:microsoft.com/office/officeart/2018/2/layout/IconCircleList"/>
+    <dgm:cxn modelId="{3537F086-E01E-492F-A234-9B5A441FD1E2}" type="presOf" srcId="{1DAEAFF1-6ED6-4644-A3F8-94A02940D26B}" destId="{418591AD-EE33-4C76-ACD4-62464FCFB82E}" srcOrd="0" destOrd="0" presId="urn:microsoft.com/office/officeart/2018/2/layout/IconCircleList"/>
+    <dgm:cxn modelId="{70BB5489-A795-440A-B5F7-4525E0027EA2}" srcId="{4822B017-534C-4D5B-9C95-6309489A6AC7}" destId="{BFF92B11-0828-49F5-B1D9-FDBF31694B5C}" srcOrd="6" destOrd="0" parTransId="{6DCC02F3-7637-4FBE-9E8F-380D3A0274A6}" sibTransId="{51FB9317-00D8-4E4F-9C69-E8BEC185E37A}"/>
+    <dgm:cxn modelId="{592A4DB8-E320-48D4-BF4F-55BA44562B3B}" srcId="{4822B017-534C-4D5B-9C95-6309489A6AC7}" destId="{4C901BC6-E4F9-48DE-9D71-D0AFA5BDB1E7}" srcOrd="0" destOrd="0" parTransId="{1368A6E4-1D0B-4F17-93C0-8311449EACCE}" sibTransId="{77549390-CEB3-4376-92F8-1E6E5BFD3D42}"/>
+    <dgm:cxn modelId="{07FB74C3-06A7-498B-A661-C7FF43F4D3B6}" srcId="{4822B017-534C-4D5B-9C95-6309489A6AC7}" destId="{9E17FADF-E519-4751-AC1A-193321D48053}" srcOrd="2" destOrd="0" parTransId="{BD5A1819-A54E-43F8-ACAB-3CAAF300E436}" sibTransId="{7A5BD234-A3AA-471C-8511-41A06ECCF0F9}"/>
+    <dgm:cxn modelId="{0B34EDC8-7BF5-46B3-82EA-407A1B759766}" type="presOf" srcId="{4C901BC6-E4F9-48DE-9D71-D0AFA5BDB1E7}" destId="{8E8BA70F-E140-44D4-8903-73D1B551E286}" srcOrd="0" destOrd="0" presId="urn:microsoft.com/office/officeart/2018/2/layout/IconCircleList"/>
+    <dgm:cxn modelId="{D8FA55CC-9F13-4DEF-9313-44E2796C867E}" srcId="{4822B017-534C-4D5B-9C95-6309489A6AC7}" destId="{A039CF6C-DBB8-4A09-9384-A2F0A837ACF5}" srcOrd="5" destOrd="0" parTransId="{45843DDD-0F6E-4BE7-A964-ACF72D4F3E5D}" sibTransId="{1DAEAFF1-6ED6-4644-A3F8-94A02940D26B}"/>
+    <dgm:cxn modelId="{DE3FDCCE-F06F-4036-ACD6-7D32A85FCE5E}" type="presOf" srcId="{72B8CC89-1861-4940-8A8C-416615A14422}" destId="{F6953995-3613-4948-999E-D5A55834A5F9}" srcOrd="0" destOrd="0" presId="urn:microsoft.com/office/officeart/2018/2/layout/IconCircleList"/>
+    <dgm:cxn modelId="{3D542FED-E435-4A8B-A035-670DBBADDEB6}" type="presOf" srcId="{ACE8D040-7FCB-415F-894C-796D920C3987}" destId="{FDAC9224-63ED-4663-B156-0C919B89B979}" srcOrd="0" destOrd="0" presId="urn:microsoft.com/office/officeart/2018/2/layout/IconCircleList"/>
+    <dgm:cxn modelId="{A472DCFE-7B9A-4011-85A3-730E5A6E286E}" type="presOf" srcId="{6B35E8FE-00BF-4A40-ADF3-8869F5D9C6C8}" destId="{7A157EB2-CF5C-4EB1-BA00-AF39B36CAD17}" srcOrd="0" destOrd="0" presId="urn:microsoft.com/office/officeart/2018/2/layout/IconCircleList"/>
+    <dgm:cxn modelId="{E4F19BC2-07A9-48CB-836F-3EBDB3822E11}" type="presParOf" srcId="{2774F705-EF68-4741-9EA7-165F3541A581}" destId="{5DE6AED8-3DBF-4AB6-A15B-8F4ED46A60A2}" srcOrd="0" destOrd="0" presId="urn:microsoft.com/office/officeart/2018/2/layout/IconCircleList"/>
+    <dgm:cxn modelId="{67D130AD-8282-41DA-ACC9-6F705B38C380}" type="presParOf" srcId="{5DE6AED8-3DBF-4AB6-A15B-8F4ED46A60A2}" destId="{D234FB04-85D5-44DB-A260-94DC5422AD96}" srcOrd="0" destOrd="0" presId="urn:microsoft.com/office/officeart/2018/2/layout/IconCircleList"/>
+    <dgm:cxn modelId="{A7F0DA29-D68B-43DA-84F9-EB01E25E6206}" type="presParOf" srcId="{D234FB04-85D5-44DB-A260-94DC5422AD96}" destId="{CDAA17B4-1390-4345-B648-67992AC5A974}" srcOrd="0" destOrd="0" presId="urn:microsoft.com/office/officeart/2018/2/layout/IconCircleList"/>
+    <dgm:cxn modelId="{088F9B10-A3BA-41C7-B794-6DA9C2B252FB}" type="presParOf" srcId="{D234FB04-85D5-44DB-A260-94DC5422AD96}" destId="{DBD66FB6-20D6-407B-9924-D9E9F2C9E745}" srcOrd="1" destOrd="0" presId="urn:microsoft.com/office/officeart/2018/2/layout/IconCircleList"/>
+    <dgm:cxn modelId="{348E4A50-7903-43E9-8024-17DDE06CC2F0}" type="presParOf" srcId="{D234FB04-85D5-44DB-A260-94DC5422AD96}" destId="{6117538F-7852-4246-B53F-E28D18EBEE7F}" srcOrd="2" destOrd="0" presId="urn:microsoft.com/office/officeart/2018/2/layout/IconCircleList"/>
+    <dgm:cxn modelId="{8261B508-7AD8-42B5-BC44-B7C9F52C8558}" type="presParOf" srcId="{D234FB04-85D5-44DB-A260-94DC5422AD96}" destId="{8E8BA70F-E140-44D4-8903-73D1B551E286}" srcOrd="3" destOrd="0" presId="urn:microsoft.com/office/officeart/2018/2/layout/IconCircleList"/>
+    <dgm:cxn modelId="{6A3DCF0C-8A4B-487F-B315-8EAE1B6E28BA}" type="presParOf" srcId="{5DE6AED8-3DBF-4AB6-A15B-8F4ED46A60A2}" destId="{AA7B76D0-8BF5-489E-8C2E-028C1686CEF9}" srcOrd="1" destOrd="0" presId="urn:microsoft.com/office/officeart/2018/2/layout/IconCircleList"/>
+    <dgm:cxn modelId="{2A6F4E6D-9E89-4764-9412-D3F652457AF8}" type="presParOf" srcId="{5DE6AED8-3DBF-4AB6-A15B-8F4ED46A60A2}" destId="{76306A9C-59E3-4C21-BC08-BADA96F08D29}" srcOrd="2" destOrd="0" presId="urn:microsoft.com/office/officeart/2018/2/layout/IconCircleList"/>
+    <dgm:cxn modelId="{7169BC5E-9775-4F61-8AC7-17CD1C1A741C}" type="presParOf" srcId="{76306A9C-59E3-4C21-BC08-BADA96F08D29}" destId="{C810606C-B04E-4A9F-AF29-160F96680C4E}" srcOrd="0" destOrd="0" presId="urn:microsoft.com/office/officeart/2018/2/layout/IconCircleList"/>
+    <dgm:cxn modelId="{5C761B27-1BF6-4D6C-9D74-E1CFDEA233C0}" type="presParOf" srcId="{76306A9C-59E3-4C21-BC08-BADA96F08D29}" destId="{6D1CCC1E-5486-447C-90D8-6836839698C2}" srcOrd="1" destOrd="0" presId="urn:microsoft.com/office/officeart/2018/2/layout/IconCircleList"/>
+    <dgm:cxn modelId="{CE342C0B-8AA1-457F-9666-DB7B363C5CE4}" type="presParOf" srcId="{76306A9C-59E3-4C21-BC08-BADA96F08D29}" destId="{3C98BCBF-950E-4A71-B32C-FDF2B569DB29}" srcOrd="2" destOrd="0" presId="urn:microsoft.com/office/officeart/2018/2/layout/IconCircleList"/>
+    <dgm:cxn modelId="{E555FDB0-74F5-49D2-856C-6331374ECB2E}" type="presParOf" srcId="{76306A9C-59E3-4C21-BC08-BADA96F08D29}" destId="{2936E286-48E8-4486-98F6-C7496117255F}" srcOrd="3" destOrd="0" presId="urn:microsoft.com/office/officeart/2018/2/layout/IconCircleList"/>
+    <dgm:cxn modelId="{CDD8DFDD-631C-4186-AD45-D5FC5E3A76EB}" type="presParOf" srcId="{5DE6AED8-3DBF-4AB6-A15B-8F4ED46A60A2}" destId="{7A157EB2-CF5C-4EB1-BA00-AF39B36CAD17}" srcOrd="3" destOrd="0" presId="urn:microsoft.com/office/officeart/2018/2/layout/IconCircleList"/>
+    <dgm:cxn modelId="{6C30D4B1-FB4A-45CC-BA2B-1BC56EC1FA2A}" type="presParOf" srcId="{5DE6AED8-3DBF-4AB6-A15B-8F4ED46A60A2}" destId="{DCA8C9B9-A4DA-4DBF-8187-F4D062552A29}" srcOrd="4" destOrd="0" presId="urn:microsoft.com/office/officeart/2018/2/layout/IconCircleList"/>
+    <dgm:cxn modelId="{05CB039A-A64B-4B5B-99C6-5BB521BB35CA}" type="presParOf" srcId="{DCA8C9B9-A4DA-4DBF-8187-F4D062552A29}" destId="{62D5C266-B593-48A0-9514-9C08B39FDE47}" srcOrd="0" destOrd="0" presId="urn:microsoft.com/office/officeart/2018/2/layout/IconCircleList"/>
+    <dgm:cxn modelId="{85712031-B003-47C0-B569-BCCFC4641C33}" type="presParOf" srcId="{DCA8C9B9-A4DA-4DBF-8187-F4D062552A29}" destId="{70E0FFF1-F38B-4CFA-9219-9D88DBE3609E}" srcOrd="1" destOrd="0" presId="urn:microsoft.com/office/officeart/2018/2/layout/IconCircleList"/>
+    <dgm:cxn modelId="{E1C00D30-A2C8-4A94-B5C9-38965DBE2F73}" type="presParOf" srcId="{DCA8C9B9-A4DA-4DBF-8187-F4D062552A29}" destId="{53DC1C46-B56A-4BC9-9943-B249AF2A09D5}" srcOrd="2" destOrd="0" presId="urn:microsoft.com/office/officeart/2018/2/layout/IconCircleList"/>
+    <dgm:cxn modelId="{39723F57-D751-40A4-B61D-68576242A735}" type="presParOf" srcId="{DCA8C9B9-A4DA-4DBF-8187-F4D062552A29}" destId="{3FEEE7D4-F886-4807-A1A1-6CB37CB8C02D}" srcOrd="3" destOrd="0" presId="urn:microsoft.com/office/officeart/2018/2/layout/IconCircleList"/>
+    <dgm:cxn modelId="{B5586497-500F-4F65-AA51-F9855E26B7C9}" type="presParOf" srcId="{5DE6AED8-3DBF-4AB6-A15B-8F4ED46A60A2}" destId="{971A315D-691F-4D40-9F00-9B29B6D5DAE7}" srcOrd="5" destOrd="0" presId="urn:microsoft.com/office/officeart/2018/2/layout/IconCircleList"/>
+    <dgm:cxn modelId="{877DB16C-F273-4CBC-B90C-869B367E3AFE}" type="presParOf" srcId="{5DE6AED8-3DBF-4AB6-A15B-8F4ED46A60A2}" destId="{32FFCD74-3900-4E07-B204-9166838502F7}" srcOrd="6" destOrd="0" presId="urn:microsoft.com/office/officeart/2018/2/layout/IconCircleList"/>
+    <dgm:cxn modelId="{ABF8B683-DA1B-411C-890B-F7053573C404}" type="presParOf" srcId="{32FFCD74-3900-4E07-B204-9166838502F7}" destId="{C61FA17B-B626-430D-9357-5547C303BDAB}" srcOrd="0" destOrd="0" presId="urn:microsoft.com/office/officeart/2018/2/layout/IconCircleList"/>
+    <dgm:cxn modelId="{23A8F827-B6F8-43CB-9C42-419B54F8DB9A}" type="presParOf" srcId="{32FFCD74-3900-4E07-B204-9166838502F7}" destId="{2172DBE6-0466-4626-95AB-BCBDB97D6616}" srcOrd="1" destOrd="0" presId="urn:microsoft.com/office/officeart/2018/2/layout/IconCircleList"/>
+    <dgm:cxn modelId="{6CF2E77D-6108-456E-9E4B-F245199A8B43}" type="presParOf" srcId="{32FFCD74-3900-4E07-B204-9166838502F7}" destId="{8D7DE045-D72B-4F6C-AEDA-670BA444C46F}" srcOrd="2" destOrd="0" presId="urn:microsoft.com/office/officeart/2018/2/layout/IconCircleList"/>
+    <dgm:cxn modelId="{F7531E91-40A8-4C2F-A395-7E9B2C4673CE}" type="presParOf" srcId="{32FFCD74-3900-4E07-B204-9166838502F7}" destId="{9F06B2E0-A4F2-48DD-9710-AD6D58861342}" srcOrd="3" destOrd="0" presId="urn:microsoft.com/office/officeart/2018/2/layout/IconCircleList"/>
+    <dgm:cxn modelId="{B808AA54-8AE4-41DB-BD00-4BBF2F146F41}" type="presParOf" srcId="{5DE6AED8-3DBF-4AB6-A15B-8F4ED46A60A2}" destId="{D049DFBB-2519-4EC0-A872-E1018CB3C9FC}" srcOrd="7" destOrd="0" presId="urn:microsoft.com/office/officeart/2018/2/layout/IconCircleList"/>
+    <dgm:cxn modelId="{9A46DF5D-9D4D-44C6-9918-8CAAC96A785A}" type="presParOf" srcId="{5DE6AED8-3DBF-4AB6-A15B-8F4ED46A60A2}" destId="{DE2EED36-27B6-4012-9D09-683A9D122072}" srcOrd="8" destOrd="0" presId="urn:microsoft.com/office/officeart/2018/2/layout/IconCircleList"/>
+    <dgm:cxn modelId="{58DF5372-0B30-43E3-ACAD-DB2CFF088B15}" type="presParOf" srcId="{DE2EED36-27B6-4012-9D09-683A9D122072}" destId="{3D2F51A4-5E2B-4A83-B825-76B0E906B076}" srcOrd="0" destOrd="0" presId="urn:microsoft.com/office/officeart/2018/2/layout/IconCircleList"/>
+    <dgm:cxn modelId="{FDC80A3C-EA07-48C3-A2F6-7112FBDC2BAA}" type="presParOf" srcId="{DE2EED36-27B6-4012-9D09-683A9D122072}" destId="{AEA686B7-0537-4D0B-A7BF-4C84C7836FCC}" srcOrd="1" destOrd="0" presId="urn:microsoft.com/office/officeart/2018/2/layout/IconCircleList"/>
+    <dgm:cxn modelId="{2A0E0968-1298-40E0-94B3-88FF2F213377}" type="presParOf" srcId="{DE2EED36-27B6-4012-9D09-683A9D122072}" destId="{3A25E1F7-26B1-4AFF-87F6-D0FEEF8E008E}" srcOrd="2" destOrd="0" presId="urn:microsoft.com/office/officeart/2018/2/layout/IconCircleList"/>
+    <dgm:cxn modelId="{0367E676-1514-4244-880B-F0FB0F4F2EA2}" type="presParOf" srcId="{DE2EED36-27B6-4012-9D09-683A9D122072}" destId="{F6953995-3613-4948-999E-D5A55834A5F9}" srcOrd="3" destOrd="0" presId="urn:microsoft.com/office/officeart/2018/2/layout/IconCircleList"/>
+    <dgm:cxn modelId="{ABFE7516-C4C3-480D-BE82-DB470284E0E9}" type="presParOf" srcId="{5DE6AED8-3DBF-4AB6-A15B-8F4ED46A60A2}" destId="{FDAC9224-63ED-4663-B156-0C919B89B979}" srcOrd="9" destOrd="0" presId="urn:microsoft.com/office/officeart/2018/2/layout/IconCircleList"/>
+    <dgm:cxn modelId="{34D639D3-3952-4E0E-8A9E-D01AB86B5D21}" type="presParOf" srcId="{5DE6AED8-3DBF-4AB6-A15B-8F4ED46A60A2}" destId="{1EB3C2A5-E25C-47FB-BF6F-370A2E154591}" srcOrd="10" destOrd="0" presId="urn:microsoft.com/office/officeart/2018/2/layout/IconCircleList"/>
+    <dgm:cxn modelId="{D5B01CAA-18D4-44F5-B32F-37AF1456852F}" type="presParOf" srcId="{1EB3C2A5-E25C-47FB-BF6F-370A2E154591}" destId="{3BFD6AE1-3E12-47A8-A5A2-9B0CA2C5993B}" srcOrd="0" destOrd="0" presId="urn:microsoft.com/office/officeart/2018/2/layout/IconCircleList"/>
+    <dgm:cxn modelId="{5CB5C8AA-EE60-4B92-A381-21C2F4F77CC2}" type="presParOf" srcId="{1EB3C2A5-E25C-47FB-BF6F-370A2E154591}" destId="{0C382180-948F-4406-8D8A-895FA5C8B624}" srcOrd="1" destOrd="0" presId="urn:microsoft.com/office/officeart/2018/2/layout/IconCircleList"/>
+    <dgm:cxn modelId="{5B343C25-9ED1-42E3-81AB-08E869E410C7}" type="presParOf" srcId="{1EB3C2A5-E25C-47FB-BF6F-370A2E154591}" destId="{A85E7A5B-16B8-4B5F-8F44-3A5180DCDF50}" srcOrd="2" destOrd="0" presId="urn:microsoft.com/office/officeart/2018/2/layout/IconCircleList"/>
+    <dgm:cxn modelId="{FC6192C4-2E1D-4FAE-B3E4-00751C23F866}" type="presParOf" srcId="{1EB3C2A5-E25C-47FB-BF6F-370A2E154591}" destId="{48CFB6A5-A5D5-4FEA-BA84-4BACCFEEC6F1}" srcOrd="3" destOrd="0" presId="urn:microsoft.com/office/officeart/2018/2/layout/IconCircleList"/>
+    <dgm:cxn modelId="{50CAAFB7-611F-4171-86C4-79C5FFBB8AC4}" type="presParOf" srcId="{5DE6AED8-3DBF-4AB6-A15B-8F4ED46A60A2}" destId="{418591AD-EE33-4C76-ACD4-62464FCFB82E}" srcOrd="11" destOrd="0" presId="urn:microsoft.com/office/officeart/2018/2/layout/IconCircleList"/>
+    <dgm:cxn modelId="{07355498-5142-4B33-A7AD-46B0C1329977}" type="presParOf" srcId="{5DE6AED8-3DBF-4AB6-A15B-8F4ED46A60A2}" destId="{4E962CFF-7F8F-4D3C-92D5-89F8F6D44EB6}" srcOrd="12" destOrd="0" presId="urn:microsoft.com/office/officeart/2018/2/layout/IconCircleList"/>
+    <dgm:cxn modelId="{6ECA1CE6-53BD-4BC2-9274-805F600297C0}" type="presParOf" srcId="{4E962CFF-7F8F-4D3C-92D5-89F8F6D44EB6}" destId="{E65F5AD7-30C9-4FF7-9CB0-0F16DDC67443}" srcOrd="0" destOrd="0" presId="urn:microsoft.com/office/officeart/2018/2/layout/IconCircleList"/>
+    <dgm:cxn modelId="{EBBAFFC1-C32B-4E4E-98CC-AD837B1521E1}" type="presParOf" srcId="{4E962CFF-7F8F-4D3C-92D5-89F8F6D44EB6}" destId="{3E8F16E5-9BF0-4A80-AF04-F5FDE7CDFBFF}" srcOrd="1" destOrd="0" presId="urn:microsoft.com/office/officeart/2018/2/layout/IconCircleList"/>
+    <dgm:cxn modelId="{6AE766E6-6B6E-437B-B55A-564CB9467379}" type="presParOf" srcId="{4E962CFF-7F8F-4D3C-92D5-89F8F6D44EB6}" destId="{F684B200-561F-4298-9C1E-8C593E3556B8}" srcOrd="2" destOrd="0" presId="urn:microsoft.com/office/officeart/2018/2/layout/IconCircleList"/>
+    <dgm:cxn modelId="{386A38F2-4A3A-47E4-B320-840D5D14042F}" type="presParOf" srcId="{4E962CFF-7F8F-4D3C-92D5-89F8F6D44EB6}" destId="{8904EBE7-2AE9-4350-9F1B-C8AED9C34ACD}" srcOrd="3" destOrd="0" presId="urn:microsoft.com/office/officeart/2018/2/layout/IconCircleList"/>
+  </dgm:cxnLst>
+  <dgm:bg/>
+  <dgm:whole>
+    <a:ln>
+      <a:solidFill>
+        <a:schemeClr val="bg1"/>
+      </a:solidFill>
+    </a:ln>
+  </dgm:whole>
+  <dgm:extLst>
+    <a:ext uri="http://schemas.microsoft.com/office/drawing/2008/diagram">
+      <dsp:dataModelExt xmlns:dsp="http://schemas.microsoft.com/office/drawing/2008/diagram" relId="rId8" minVer="http://schemas.openxmlformats.org/drawingml/2006/diagram"/>
+    </a:ext>
+  </dgm:extLst>
+</dgm:dataModel>
+</file>
+
+<file path=ppt/diagrams/drawing1.xml><?xml version="1.0" encoding="utf-8"?>
+<dsp:drawing xmlns:dgm="http://schemas.openxmlformats.org/drawingml/2006/diagram" xmlns:dsp="http://schemas.microsoft.com/office/drawing/2008/diagram" xmlns:a="http://schemas.openxmlformats.org/drawingml/2006/main">
+  <dsp:spTree>
+    <dsp:nvGrpSpPr>
+      <dsp:cNvPr id="0" name=""/>
+      <dsp:cNvGrpSpPr/>
+    </dsp:nvGrpSpPr>
+    <dsp:grpSpPr/>
+    <dsp:sp modelId="{CDAA17B4-1390-4345-B648-67992AC5A974}">
+      <dsp:nvSpPr>
+        <dsp:cNvPr id="0" name=""/>
+        <dsp:cNvSpPr/>
+      </dsp:nvSpPr>
+      <dsp:spPr>
+        <a:xfrm>
+          <a:off x="344932" y="52890"/>
+          <a:ext cx="812133" cy="812133"/>
+        </a:xfrm>
+        <a:prstGeom prst="ellipse">
+          <a:avLst/>
+        </a:prstGeom>
+        <a:solidFill>
+          <a:schemeClr val="dk1">
+            <a:tint val="40000"/>
+            <a:hueOff val="0"/>
+            <a:satOff val="0"/>
+            <a:lumOff val="0"/>
+            <a:alphaOff val="0"/>
+          </a:schemeClr>
+        </a:solidFill>
+        <a:ln>
+          <a:noFill/>
+        </a:ln>
+        <a:effectLst>
+          <a:softEdge rad="12700"/>
+        </a:effectLst>
+      </dsp:spPr>
+      <dsp:style>
+        <a:lnRef idx="0">
+          <a:scrgbClr r="0" g="0" b="0"/>
+        </a:lnRef>
+        <a:fillRef idx="1">
+          <a:scrgbClr r="0" g="0" b="0"/>
+        </a:fillRef>
+        <a:effectRef idx="2">
+          <a:scrgbClr r="0" g="0" b="0"/>
+        </a:effectRef>
+        <a:fontRef idx="minor"/>
+      </dsp:style>
+    </dsp:sp>
+    <dsp:sp modelId="{DBD66FB6-20D6-407B-9924-D9E9F2C9E745}">
+      <dsp:nvSpPr>
+        <dsp:cNvPr id="0" name=""/>
+        <dsp:cNvSpPr/>
+      </dsp:nvSpPr>
+      <dsp:spPr>
+        <a:xfrm>
+          <a:off x="515480" y="223438"/>
+          <a:ext cx="471037" cy="471037"/>
+        </a:xfrm>
+        <a:prstGeom prst="rect">
+          <a:avLst/>
+        </a:prstGeom>
+        <a:blipFill rotWithShape="1">
+          <a:blip xmlns:r="http://schemas.openxmlformats.org/officeDocument/2006/relationships" r:embed="rId1">
+            <a:extLst>
+              <a:ext uri="{28A0092B-C50C-407E-A947-70E740481C1C}">
+                <a14:useLocalDpi xmlns:a14="http://schemas.microsoft.com/office/drawing/2010/main" val="0"/>
+              </a:ext>
+              <a:ext uri="{96DAC541-7B7A-43D3-8B79-37D633B846F1}">
+                <asvg:svgBlip xmlns:asvg="http://schemas.microsoft.com/office/drawing/2016/SVG/main" r:embed="rId2"/>
+              </a:ext>
+            </a:extLst>
+          </a:blip>
+          <a:stretch>
+            <a:fillRect/>
+          </a:stretch>
+        </a:blipFill>
+        <a:ln>
+          <a:noFill/>
+        </a:ln>
+        <a:effectLst>
+          <a:outerShdw blurRad="50800" dist="19050" dir="5400000" algn="tl" rotWithShape="0">
+            <a:srgbClr val="000000">
+              <a:alpha val="60000"/>
+            </a:srgbClr>
+          </a:outerShdw>
+          <a:softEdge rad="12700"/>
+        </a:effectLst>
+      </dsp:spPr>
+      <dsp:style>
+        <a:lnRef idx="0">
+          <a:scrgbClr r="0" g="0" b="0"/>
+        </a:lnRef>
+        <a:fillRef idx="3">
+          <a:scrgbClr r="0" g="0" b="0"/>
+        </a:fillRef>
+        <a:effectRef idx="3">
+          <a:scrgbClr r="0" g="0" b="0"/>
+        </a:effectRef>
+        <a:fontRef idx="minor">
+          <a:schemeClr val="lt1"/>
+        </a:fontRef>
+      </dsp:style>
+    </dsp:sp>
+    <dsp:sp modelId="{8E8BA70F-E140-44D4-8903-73D1B551E286}">
+      <dsp:nvSpPr>
+        <dsp:cNvPr id="0" name=""/>
+        <dsp:cNvSpPr/>
+      </dsp:nvSpPr>
+      <dsp:spPr>
+        <a:xfrm>
+          <a:off x="1331094" y="52890"/>
+          <a:ext cx="1914313" cy="812133"/>
+        </a:xfrm>
+        <a:prstGeom prst="rect">
+          <a:avLst/>
+        </a:prstGeom>
+        <a:noFill/>
+        <a:ln>
+          <a:noFill/>
+        </a:ln>
+        <a:effectLst/>
+      </dsp:spPr>
+      <dsp:style>
+        <a:lnRef idx="0">
+          <a:scrgbClr r="0" g="0" b="0"/>
+        </a:lnRef>
+        <a:fillRef idx="0">
+          <a:scrgbClr r="0" g="0" b="0"/>
+        </a:fillRef>
+        <a:effectRef idx="0">
+          <a:scrgbClr r="0" g="0" b="0"/>
+        </a:effectRef>
+        <a:fontRef idx="minor"/>
+      </dsp:style>
+      <dsp:txBody>
+        <a:bodyPr spcFirstLastPara="0" vert="horz" wrap="square" lIns="0" tIns="0" rIns="0" bIns="0" numCol="1" spcCol="1270" anchor="ctr" anchorCtr="0">
+          <a:noAutofit/>
+        </a:bodyPr>
+        <a:lstStyle/>
+        <a:p>
+          <a:pPr marL="0" lvl="0" indent="0" algn="l" defTabSz="1022350">
+            <a:lnSpc>
+              <a:spcPct val="100000"/>
+            </a:lnSpc>
+            <a:spcBef>
+              <a:spcPct val="0"/>
+            </a:spcBef>
+            <a:spcAft>
+              <a:spcPct val="35000"/>
+            </a:spcAft>
+            <a:buNone/>
+          </a:pPr>
+          <a:r>
+            <a:rPr lang="en-US" sz="2300" kern="1200" dirty="0"/>
+            <a:t>Global live chat</a:t>
+          </a:r>
+        </a:p>
+      </dsp:txBody>
+      <dsp:txXfrm>
+        <a:off x="1331094" y="52890"/>
+        <a:ext cx="1914313" cy="812133"/>
+      </dsp:txXfrm>
+    </dsp:sp>
+    <dsp:sp modelId="{C810606C-B04E-4A9F-AF29-160F96680C4E}">
+      <dsp:nvSpPr>
+        <dsp:cNvPr id="0" name=""/>
+        <dsp:cNvSpPr/>
+      </dsp:nvSpPr>
+      <dsp:spPr>
+        <a:xfrm>
+          <a:off x="3578962" y="52890"/>
+          <a:ext cx="812133" cy="812133"/>
+        </a:xfrm>
+        <a:prstGeom prst="ellipse">
+          <a:avLst/>
+        </a:prstGeom>
+        <a:solidFill>
+          <a:schemeClr val="dk1">
+            <a:tint val="40000"/>
+            <a:hueOff val="0"/>
+            <a:satOff val="0"/>
+            <a:lumOff val="0"/>
+            <a:alphaOff val="0"/>
+          </a:schemeClr>
+        </a:solidFill>
+        <a:ln>
+          <a:noFill/>
+        </a:ln>
+        <a:effectLst>
+          <a:softEdge rad="12700"/>
+        </a:effectLst>
+      </dsp:spPr>
+      <dsp:style>
+        <a:lnRef idx="0">
+          <a:scrgbClr r="0" g="0" b="0"/>
+        </a:lnRef>
+        <a:fillRef idx="1">
+          <a:scrgbClr r="0" g="0" b="0"/>
+        </a:fillRef>
+        <a:effectRef idx="2">
+          <a:scrgbClr r="0" g="0" b="0"/>
+        </a:effectRef>
+        <a:fontRef idx="minor"/>
+      </dsp:style>
+    </dsp:sp>
+    <dsp:sp modelId="{6D1CCC1E-5486-447C-90D8-6836839698C2}">
+      <dsp:nvSpPr>
+        <dsp:cNvPr id="0" name=""/>
+        <dsp:cNvSpPr/>
+      </dsp:nvSpPr>
+      <dsp:spPr>
+        <a:xfrm>
+          <a:off x="3749510" y="223438"/>
+          <a:ext cx="471037" cy="471037"/>
+        </a:xfrm>
+        <a:prstGeom prst="rect">
+          <a:avLst/>
+        </a:prstGeom>
+        <a:blipFill rotWithShape="1">
+          <a:blip xmlns:r="http://schemas.openxmlformats.org/officeDocument/2006/relationships" r:embed="rId3">
+            <a:extLst>
+              <a:ext uri="{28A0092B-C50C-407E-A947-70E740481C1C}">
+                <a14:useLocalDpi xmlns:a14="http://schemas.microsoft.com/office/drawing/2010/main" val="0"/>
+              </a:ext>
+              <a:ext uri="{96DAC541-7B7A-43D3-8B79-37D633B846F1}">
+                <asvg:svgBlip xmlns:asvg="http://schemas.microsoft.com/office/drawing/2016/SVG/main" r:embed="rId4"/>
+              </a:ext>
+            </a:extLst>
+          </a:blip>
+          <a:stretch>
+            <a:fillRect/>
+          </a:stretch>
+        </a:blipFill>
+        <a:ln>
+          <a:noFill/>
+        </a:ln>
+        <a:effectLst>
+          <a:outerShdw blurRad="50800" dist="19050" dir="5400000" algn="tl" rotWithShape="0">
+            <a:srgbClr val="000000">
+              <a:alpha val="60000"/>
+            </a:srgbClr>
+          </a:outerShdw>
+          <a:softEdge rad="12700"/>
+        </a:effectLst>
+      </dsp:spPr>
+      <dsp:style>
+        <a:lnRef idx="0">
+          <a:scrgbClr r="0" g="0" b="0"/>
+        </a:lnRef>
+        <a:fillRef idx="3">
+          <a:scrgbClr r="0" g="0" b="0"/>
+        </a:fillRef>
+        <a:effectRef idx="3">
+          <a:scrgbClr r="0" g="0" b="0"/>
+        </a:effectRef>
+        <a:fontRef idx="minor">
+          <a:schemeClr val="lt1"/>
+        </a:fontRef>
+      </dsp:style>
+    </dsp:sp>
+    <dsp:sp modelId="{2936E286-48E8-4486-98F6-C7496117255F}">
+      <dsp:nvSpPr>
+        <dsp:cNvPr id="0" name=""/>
+        <dsp:cNvSpPr/>
+      </dsp:nvSpPr>
+      <dsp:spPr>
+        <a:xfrm>
+          <a:off x="4565123" y="52890"/>
+          <a:ext cx="1914313" cy="812133"/>
+        </a:xfrm>
+        <a:prstGeom prst="rect">
+          <a:avLst/>
+        </a:prstGeom>
+        <a:noFill/>
+        <a:ln>
+          <a:noFill/>
+        </a:ln>
+        <a:effectLst/>
+      </dsp:spPr>
+      <dsp:style>
+        <a:lnRef idx="0">
+          <a:scrgbClr r="0" g="0" b="0"/>
+        </a:lnRef>
+        <a:fillRef idx="0">
+          <a:scrgbClr r="0" g="0" b="0"/>
+        </a:fillRef>
+        <a:effectRef idx="0">
+          <a:scrgbClr r="0" g="0" b="0"/>
+        </a:effectRef>
+        <a:fontRef idx="minor"/>
+      </dsp:style>
+      <dsp:txBody>
+        <a:bodyPr spcFirstLastPara="0" vert="horz" wrap="square" lIns="0" tIns="0" rIns="0" bIns="0" numCol="1" spcCol="1270" anchor="ctr" anchorCtr="0">
+          <a:noAutofit/>
+        </a:bodyPr>
+        <a:lstStyle/>
+        <a:p>
+          <a:pPr marL="0" lvl="0" indent="0" algn="l" defTabSz="1022350">
+            <a:lnSpc>
+              <a:spcPct val="100000"/>
+            </a:lnSpc>
+            <a:spcBef>
+              <a:spcPct val="0"/>
+            </a:spcBef>
+            <a:spcAft>
+              <a:spcPct val="35000"/>
+            </a:spcAft>
+            <a:buNone/>
+          </a:pPr>
+          <a:r>
+            <a:rPr lang="en-US" sz="2300" kern="1200"/>
+            <a:t>Leader board</a:t>
+          </a:r>
+        </a:p>
+      </dsp:txBody>
+      <dsp:txXfrm>
+        <a:off x="4565123" y="52890"/>
+        <a:ext cx="1914313" cy="812133"/>
+      </dsp:txXfrm>
+    </dsp:sp>
+    <dsp:sp modelId="{62D5C266-B593-48A0-9514-9C08B39FDE47}">
+      <dsp:nvSpPr>
+        <dsp:cNvPr id="0" name=""/>
+        <dsp:cNvSpPr/>
+      </dsp:nvSpPr>
+      <dsp:spPr>
+        <a:xfrm>
+          <a:off x="6812992" y="52890"/>
+          <a:ext cx="812133" cy="812133"/>
+        </a:xfrm>
+        <a:prstGeom prst="ellipse">
+          <a:avLst/>
+        </a:prstGeom>
+        <a:solidFill>
+          <a:schemeClr val="dk1">
+            <a:tint val="40000"/>
+            <a:hueOff val="0"/>
+            <a:satOff val="0"/>
+            <a:lumOff val="0"/>
+            <a:alphaOff val="0"/>
+          </a:schemeClr>
+        </a:solidFill>
+        <a:ln>
+          <a:noFill/>
+        </a:ln>
+        <a:effectLst>
+          <a:softEdge rad="12700"/>
+        </a:effectLst>
+      </dsp:spPr>
+      <dsp:style>
+        <a:lnRef idx="0">
+          <a:scrgbClr r="0" g="0" b="0"/>
+        </a:lnRef>
+        <a:fillRef idx="1">
+          <a:scrgbClr r="0" g="0" b="0"/>
+        </a:fillRef>
+        <a:effectRef idx="2">
+          <a:scrgbClr r="0" g="0" b="0"/>
+        </a:effectRef>
+        <a:fontRef idx="minor"/>
+      </dsp:style>
+    </dsp:sp>
+    <dsp:sp modelId="{70E0FFF1-F38B-4CFA-9219-9D88DBE3609E}">
+      <dsp:nvSpPr>
+        <dsp:cNvPr id="0" name=""/>
+        <dsp:cNvSpPr/>
+      </dsp:nvSpPr>
+      <dsp:spPr>
+        <a:xfrm>
+          <a:off x="6983540" y="223438"/>
+          <a:ext cx="471037" cy="471037"/>
+        </a:xfrm>
+        <a:prstGeom prst="rect">
+          <a:avLst/>
+        </a:prstGeom>
+        <a:blipFill rotWithShape="1">
+          <a:blip xmlns:r="http://schemas.openxmlformats.org/officeDocument/2006/relationships" r:embed="rId5">
+            <a:extLst>
+              <a:ext uri="{28A0092B-C50C-407E-A947-70E740481C1C}">
+                <a14:useLocalDpi xmlns:a14="http://schemas.microsoft.com/office/drawing/2010/main" val="0"/>
+              </a:ext>
+              <a:ext uri="{96DAC541-7B7A-43D3-8B79-37D633B846F1}">
+                <asvg:svgBlip xmlns:asvg="http://schemas.microsoft.com/office/drawing/2016/SVG/main" r:embed="rId6"/>
+              </a:ext>
+            </a:extLst>
+          </a:blip>
+          <a:stretch>
+            <a:fillRect/>
+          </a:stretch>
+        </a:blipFill>
+        <a:ln>
+          <a:noFill/>
+        </a:ln>
+        <a:effectLst>
+          <a:outerShdw blurRad="50800" dist="19050" dir="5400000" algn="tl" rotWithShape="0">
+            <a:srgbClr val="000000">
+              <a:alpha val="60000"/>
+            </a:srgbClr>
+          </a:outerShdw>
+          <a:softEdge rad="12700"/>
+        </a:effectLst>
+      </dsp:spPr>
+      <dsp:style>
+        <a:lnRef idx="0">
+          <a:scrgbClr r="0" g="0" b="0"/>
+        </a:lnRef>
+        <a:fillRef idx="3">
+          <a:scrgbClr r="0" g="0" b="0"/>
+        </a:fillRef>
+        <a:effectRef idx="3">
+          <a:scrgbClr r="0" g="0" b="0"/>
+        </a:effectRef>
+        <a:fontRef idx="minor">
+          <a:schemeClr val="lt1"/>
+        </a:fontRef>
+      </dsp:style>
+    </dsp:sp>
+    <dsp:sp modelId="{3FEEE7D4-F886-4807-A1A1-6CB37CB8C02D}">
+      <dsp:nvSpPr>
+        <dsp:cNvPr id="0" name=""/>
+        <dsp:cNvSpPr/>
+      </dsp:nvSpPr>
+      <dsp:spPr>
+        <a:xfrm>
+          <a:off x="7799153" y="52890"/>
+          <a:ext cx="1914313" cy="812133"/>
+        </a:xfrm>
+        <a:prstGeom prst="rect">
+          <a:avLst/>
+        </a:prstGeom>
+        <a:noFill/>
+        <a:ln>
+          <a:noFill/>
+        </a:ln>
+        <a:effectLst/>
+      </dsp:spPr>
+      <dsp:style>
+        <a:lnRef idx="0">
+          <a:scrgbClr r="0" g="0" b="0"/>
+        </a:lnRef>
+        <a:fillRef idx="0">
+          <a:scrgbClr r="0" g="0" b="0"/>
+        </a:fillRef>
+        <a:effectRef idx="0">
+          <a:scrgbClr r="0" g="0" b="0"/>
+        </a:effectRef>
+        <a:fontRef idx="minor"/>
+      </dsp:style>
+      <dsp:txBody>
+        <a:bodyPr spcFirstLastPara="0" vert="horz" wrap="square" lIns="0" tIns="0" rIns="0" bIns="0" numCol="1" spcCol="1270" anchor="ctr" anchorCtr="0">
+          <a:noAutofit/>
+        </a:bodyPr>
+        <a:lstStyle/>
+        <a:p>
+          <a:pPr marL="0" lvl="0" indent="0" algn="l" defTabSz="1022350">
+            <a:lnSpc>
+              <a:spcPct val="100000"/>
+            </a:lnSpc>
+            <a:spcBef>
+              <a:spcPct val="0"/>
+            </a:spcBef>
+            <a:spcAft>
+              <a:spcPct val="35000"/>
+            </a:spcAft>
+            <a:buNone/>
+          </a:pPr>
+          <a:r>
+            <a:rPr lang="en-US" sz="2300" kern="1200"/>
+            <a:t>Tournaments</a:t>
+          </a:r>
+        </a:p>
+      </dsp:txBody>
+      <dsp:txXfrm>
+        <a:off x="7799153" y="52890"/>
+        <a:ext cx="1914313" cy="812133"/>
+      </dsp:txXfrm>
+    </dsp:sp>
+    <dsp:sp modelId="{C61FA17B-B626-430D-9357-5547C303BDAB}">
+      <dsp:nvSpPr>
+        <dsp:cNvPr id="0" name=""/>
+        <dsp:cNvSpPr/>
+      </dsp:nvSpPr>
+      <dsp:spPr>
+        <a:xfrm>
+          <a:off x="344932" y="1519827"/>
+          <a:ext cx="812133" cy="812133"/>
+        </a:xfrm>
+        <a:prstGeom prst="ellipse">
+          <a:avLst/>
+        </a:prstGeom>
+        <a:solidFill>
+          <a:schemeClr val="dk1">
+            <a:tint val="40000"/>
+            <a:hueOff val="0"/>
+            <a:satOff val="0"/>
+            <a:lumOff val="0"/>
+            <a:alphaOff val="0"/>
+          </a:schemeClr>
+        </a:solidFill>
+        <a:ln>
+          <a:noFill/>
+        </a:ln>
+        <a:effectLst>
+          <a:softEdge rad="12700"/>
+        </a:effectLst>
+      </dsp:spPr>
+      <dsp:style>
+        <a:lnRef idx="0">
+          <a:scrgbClr r="0" g="0" b="0"/>
+        </a:lnRef>
+        <a:fillRef idx="1">
+          <a:scrgbClr r="0" g="0" b="0"/>
+        </a:fillRef>
+        <a:effectRef idx="2">
+          <a:scrgbClr r="0" g="0" b="0"/>
+        </a:effectRef>
+        <a:fontRef idx="minor"/>
+      </dsp:style>
+    </dsp:sp>
+    <dsp:sp modelId="{2172DBE6-0466-4626-95AB-BCBDB97D6616}">
+      <dsp:nvSpPr>
+        <dsp:cNvPr id="0" name=""/>
+        <dsp:cNvSpPr/>
+      </dsp:nvSpPr>
+      <dsp:spPr>
+        <a:xfrm>
+          <a:off x="515480" y="1690374"/>
+          <a:ext cx="471037" cy="471037"/>
+        </a:xfrm>
+        <a:prstGeom prst="rect">
+          <a:avLst/>
+        </a:prstGeom>
+        <a:blipFill rotWithShape="1">
+          <a:blip xmlns:r="http://schemas.openxmlformats.org/officeDocument/2006/relationships" r:embed="rId7">
+            <a:extLst>
+              <a:ext uri="{28A0092B-C50C-407E-A947-70E740481C1C}">
+                <a14:useLocalDpi xmlns:a14="http://schemas.microsoft.com/office/drawing/2010/main" val="0"/>
+              </a:ext>
+              <a:ext uri="{96DAC541-7B7A-43D3-8B79-37D633B846F1}">
+                <asvg:svgBlip xmlns:asvg="http://schemas.microsoft.com/office/drawing/2016/SVG/main" r:embed="rId8"/>
+              </a:ext>
+            </a:extLst>
+          </a:blip>
+          <a:stretch>
+            <a:fillRect/>
+          </a:stretch>
+        </a:blipFill>
+        <a:ln>
+          <a:noFill/>
+        </a:ln>
+        <a:effectLst>
+          <a:outerShdw blurRad="50800" dist="19050" dir="5400000" algn="tl" rotWithShape="0">
+            <a:srgbClr val="000000">
+              <a:alpha val="60000"/>
+            </a:srgbClr>
+          </a:outerShdw>
+          <a:softEdge rad="12700"/>
+        </a:effectLst>
+      </dsp:spPr>
+      <dsp:style>
+        <a:lnRef idx="0">
+          <a:scrgbClr r="0" g="0" b="0"/>
+        </a:lnRef>
+        <a:fillRef idx="3">
+          <a:scrgbClr r="0" g="0" b="0"/>
+        </a:fillRef>
+        <a:effectRef idx="3">
+          <a:scrgbClr r="0" g="0" b="0"/>
+        </a:effectRef>
+        <a:fontRef idx="minor">
+          <a:schemeClr val="lt1"/>
+        </a:fontRef>
+      </dsp:style>
+    </dsp:sp>
+    <dsp:sp modelId="{9F06B2E0-A4F2-48DD-9710-AD6D58861342}">
+      <dsp:nvSpPr>
+        <dsp:cNvPr id="0" name=""/>
+        <dsp:cNvSpPr/>
+      </dsp:nvSpPr>
+      <dsp:spPr>
+        <a:xfrm>
+          <a:off x="1331094" y="1519827"/>
+          <a:ext cx="1914313" cy="812133"/>
+        </a:xfrm>
+        <a:prstGeom prst="rect">
+          <a:avLst/>
+        </a:prstGeom>
+        <a:noFill/>
+        <a:ln>
+          <a:noFill/>
+        </a:ln>
+        <a:effectLst/>
+      </dsp:spPr>
+      <dsp:style>
+        <a:lnRef idx="0">
+          <a:scrgbClr r="0" g="0" b="0"/>
+        </a:lnRef>
+        <a:fillRef idx="0">
+          <a:scrgbClr r="0" g="0" b="0"/>
+        </a:fillRef>
+        <a:effectRef idx="0">
+          <a:scrgbClr r="0" g="0" b="0"/>
+        </a:effectRef>
+        <a:fontRef idx="minor"/>
+      </dsp:style>
+      <dsp:txBody>
+        <a:bodyPr spcFirstLastPara="0" vert="horz" wrap="square" lIns="0" tIns="0" rIns="0" bIns="0" numCol="1" spcCol="1270" anchor="ctr" anchorCtr="0">
+          <a:noAutofit/>
+        </a:bodyPr>
+        <a:lstStyle/>
+        <a:p>
+          <a:pPr marL="0" lvl="0" indent="0" algn="l" defTabSz="1022350">
+            <a:lnSpc>
+              <a:spcPct val="100000"/>
+            </a:lnSpc>
+            <a:spcBef>
+              <a:spcPct val="0"/>
+            </a:spcBef>
+            <a:spcAft>
+              <a:spcPct val="35000"/>
+            </a:spcAft>
+            <a:buNone/>
+          </a:pPr>
+          <a:r>
+            <a:rPr lang="en-US" sz="2300" kern="1200"/>
+            <a:t>Maps to play on</a:t>
+          </a:r>
+        </a:p>
+      </dsp:txBody>
+      <dsp:txXfrm>
+        <a:off x="1331094" y="1519827"/>
+        <a:ext cx="1914313" cy="812133"/>
+      </dsp:txXfrm>
+    </dsp:sp>
+    <dsp:sp modelId="{3D2F51A4-5E2B-4A83-B825-76B0E906B076}">
+      <dsp:nvSpPr>
+        <dsp:cNvPr id="0" name=""/>
+        <dsp:cNvSpPr/>
+      </dsp:nvSpPr>
+      <dsp:spPr>
+        <a:xfrm>
+          <a:off x="3578962" y="1519827"/>
+          <a:ext cx="812133" cy="812133"/>
+        </a:xfrm>
+        <a:prstGeom prst="ellipse">
+          <a:avLst/>
+        </a:prstGeom>
+        <a:solidFill>
+          <a:schemeClr val="dk1">
+            <a:tint val="40000"/>
+            <a:hueOff val="0"/>
+            <a:satOff val="0"/>
+            <a:lumOff val="0"/>
+            <a:alphaOff val="0"/>
+          </a:schemeClr>
+        </a:solidFill>
+        <a:ln>
+          <a:noFill/>
+        </a:ln>
+        <a:effectLst>
+          <a:softEdge rad="12700"/>
+        </a:effectLst>
+      </dsp:spPr>
+      <dsp:style>
+        <a:lnRef idx="0">
+          <a:scrgbClr r="0" g="0" b="0"/>
+        </a:lnRef>
+        <a:fillRef idx="1">
+          <a:scrgbClr r="0" g="0" b="0"/>
+        </a:fillRef>
+        <a:effectRef idx="2">
+          <a:scrgbClr r="0" g="0" b="0"/>
+        </a:effectRef>
+        <a:fontRef idx="minor"/>
+      </dsp:style>
+    </dsp:sp>
+    <dsp:sp modelId="{AEA686B7-0537-4D0B-A7BF-4C84C7836FCC}">
+      <dsp:nvSpPr>
+        <dsp:cNvPr id="0" name=""/>
+        <dsp:cNvSpPr/>
+      </dsp:nvSpPr>
+      <dsp:spPr>
+        <a:xfrm>
+          <a:off x="3749510" y="1690374"/>
+          <a:ext cx="471037" cy="471037"/>
+        </a:xfrm>
+        <a:prstGeom prst="rect">
+          <a:avLst/>
+        </a:prstGeom>
+        <a:blipFill rotWithShape="1">
+          <a:blip xmlns:r="http://schemas.openxmlformats.org/officeDocument/2006/relationships" r:embed="rId9">
+            <a:extLst>
+              <a:ext uri="{28A0092B-C50C-407E-A947-70E740481C1C}">
+                <a14:useLocalDpi xmlns:a14="http://schemas.microsoft.com/office/drawing/2010/main" val="0"/>
+              </a:ext>
+              <a:ext uri="{96DAC541-7B7A-43D3-8B79-37D633B846F1}">
+                <asvg:svgBlip xmlns:asvg="http://schemas.microsoft.com/office/drawing/2016/SVG/main" r:embed="rId10"/>
+              </a:ext>
+            </a:extLst>
+          </a:blip>
+          <a:stretch>
+            <a:fillRect/>
+          </a:stretch>
+        </a:blipFill>
+        <a:ln>
+          <a:noFill/>
+        </a:ln>
+        <a:effectLst>
+          <a:outerShdw blurRad="50800" dist="19050" dir="5400000" algn="tl" rotWithShape="0">
+            <a:srgbClr val="000000">
+              <a:alpha val="60000"/>
+            </a:srgbClr>
+          </a:outerShdw>
+          <a:softEdge rad="12700"/>
+        </a:effectLst>
+      </dsp:spPr>
+      <dsp:style>
+        <a:lnRef idx="0">
+          <a:scrgbClr r="0" g="0" b="0"/>
+        </a:lnRef>
+        <a:fillRef idx="3">
+          <a:scrgbClr r="0" g="0" b="0"/>
+        </a:fillRef>
+        <a:effectRef idx="3">
+          <a:scrgbClr r="0" g="0" b="0"/>
+        </a:effectRef>
+        <a:fontRef idx="minor">
+          <a:schemeClr val="lt1"/>
+        </a:fontRef>
+      </dsp:style>
+    </dsp:sp>
+    <dsp:sp modelId="{F6953995-3613-4948-999E-D5A55834A5F9}">
+      <dsp:nvSpPr>
+        <dsp:cNvPr id="0" name=""/>
+        <dsp:cNvSpPr/>
+      </dsp:nvSpPr>
+      <dsp:spPr>
+        <a:xfrm>
+          <a:off x="4565123" y="1519827"/>
+          <a:ext cx="1914313" cy="812133"/>
+        </a:xfrm>
+        <a:prstGeom prst="rect">
+          <a:avLst/>
+        </a:prstGeom>
+        <a:noFill/>
+        <a:ln>
+          <a:noFill/>
+        </a:ln>
+        <a:effectLst/>
+      </dsp:spPr>
+      <dsp:style>
+        <a:lnRef idx="0">
+          <a:scrgbClr r="0" g="0" b="0"/>
+        </a:lnRef>
+        <a:fillRef idx="0">
+          <a:scrgbClr r="0" g="0" b="0"/>
+        </a:fillRef>
+        <a:effectRef idx="0">
+          <a:scrgbClr r="0" g="0" b="0"/>
+        </a:effectRef>
+        <a:fontRef idx="minor"/>
+      </dsp:style>
+      <dsp:txBody>
+        <a:bodyPr spcFirstLastPara="0" vert="horz" wrap="square" lIns="0" tIns="0" rIns="0" bIns="0" numCol="1" spcCol="1270" anchor="ctr" anchorCtr="0">
+          <a:noAutofit/>
+        </a:bodyPr>
+        <a:lstStyle/>
+        <a:p>
+          <a:pPr marL="0" lvl="0" indent="0" algn="l" defTabSz="1022350">
+            <a:lnSpc>
+              <a:spcPct val="100000"/>
+            </a:lnSpc>
+            <a:spcBef>
+              <a:spcPct val="0"/>
+            </a:spcBef>
+            <a:spcAft>
+              <a:spcPct val="35000"/>
+            </a:spcAft>
+            <a:buNone/>
+          </a:pPr>
+          <a:r>
+            <a:rPr lang="en-US" sz="2300" kern="1200"/>
+            <a:t>Moderated report system</a:t>
+          </a:r>
+        </a:p>
+      </dsp:txBody>
+      <dsp:txXfrm>
+        <a:off x="4565123" y="1519827"/>
+        <a:ext cx="1914313" cy="812133"/>
+      </dsp:txXfrm>
+    </dsp:sp>
+    <dsp:sp modelId="{3BFD6AE1-3E12-47A8-A5A2-9B0CA2C5993B}">
+      <dsp:nvSpPr>
+        <dsp:cNvPr id="0" name=""/>
+        <dsp:cNvSpPr/>
+      </dsp:nvSpPr>
+      <dsp:spPr>
+        <a:xfrm>
+          <a:off x="6812992" y="1519827"/>
+          <a:ext cx="812133" cy="812133"/>
+        </a:xfrm>
+        <a:prstGeom prst="ellipse">
+          <a:avLst/>
+        </a:prstGeom>
+        <a:solidFill>
+          <a:schemeClr val="dk1">
+            <a:tint val="40000"/>
+            <a:hueOff val="0"/>
+            <a:satOff val="0"/>
+            <a:lumOff val="0"/>
+            <a:alphaOff val="0"/>
+          </a:schemeClr>
+        </a:solidFill>
+        <a:ln>
+          <a:noFill/>
+        </a:ln>
+        <a:effectLst>
+          <a:softEdge rad="12700"/>
+        </a:effectLst>
+      </dsp:spPr>
+      <dsp:style>
+        <a:lnRef idx="0">
+          <a:scrgbClr r="0" g="0" b="0"/>
+        </a:lnRef>
+        <a:fillRef idx="1">
+          <a:scrgbClr r="0" g="0" b="0"/>
+        </a:fillRef>
+        <a:effectRef idx="2">
+          <a:scrgbClr r="0" g="0" b="0"/>
+        </a:effectRef>
+        <a:fontRef idx="minor"/>
+      </dsp:style>
+    </dsp:sp>
+    <dsp:sp modelId="{0C382180-948F-4406-8D8A-895FA5C8B624}">
+      <dsp:nvSpPr>
+        <dsp:cNvPr id="0" name=""/>
+        <dsp:cNvSpPr/>
+      </dsp:nvSpPr>
+      <dsp:spPr>
+        <a:xfrm>
+          <a:off x="6983540" y="1690374"/>
+          <a:ext cx="471037" cy="471037"/>
+        </a:xfrm>
+        <a:prstGeom prst="rect">
+          <a:avLst/>
+        </a:prstGeom>
+        <a:blipFill rotWithShape="1">
+          <a:blip xmlns:r="http://schemas.openxmlformats.org/officeDocument/2006/relationships" r:embed="rId11">
+            <a:extLst>
+              <a:ext uri="{28A0092B-C50C-407E-A947-70E740481C1C}">
+                <a14:useLocalDpi xmlns:a14="http://schemas.microsoft.com/office/drawing/2010/main" val="0"/>
+              </a:ext>
+              <a:ext uri="{96DAC541-7B7A-43D3-8B79-37D633B846F1}">
+                <asvg:svgBlip xmlns:asvg="http://schemas.microsoft.com/office/drawing/2016/SVG/main" r:embed="rId12"/>
+              </a:ext>
+            </a:extLst>
+          </a:blip>
+          <a:stretch>
+            <a:fillRect/>
+          </a:stretch>
+        </a:blipFill>
+        <a:ln>
+          <a:noFill/>
+        </a:ln>
+        <a:effectLst>
+          <a:outerShdw blurRad="50800" dist="19050" dir="5400000" algn="tl" rotWithShape="0">
+            <a:srgbClr val="000000">
+              <a:alpha val="60000"/>
+            </a:srgbClr>
+          </a:outerShdw>
+          <a:softEdge rad="12700"/>
+        </a:effectLst>
+      </dsp:spPr>
+      <dsp:style>
+        <a:lnRef idx="0">
+          <a:scrgbClr r="0" g="0" b="0"/>
+        </a:lnRef>
+        <a:fillRef idx="3">
+          <a:scrgbClr r="0" g="0" b="0"/>
+        </a:fillRef>
+        <a:effectRef idx="3">
+          <a:scrgbClr r="0" g="0" b="0"/>
+        </a:effectRef>
+        <a:fontRef idx="minor">
+          <a:schemeClr val="lt1"/>
+        </a:fontRef>
+      </dsp:style>
+    </dsp:sp>
+    <dsp:sp modelId="{48CFB6A5-A5D5-4FEA-BA84-4BACCFEEC6F1}">
+      <dsp:nvSpPr>
+        <dsp:cNvPr id="0" name=""/>
+        <dsp:cNvSpPr/>
+      </dsp:nvSpPr>
+      <dsp:spPr>
+        <a:xfrm>
+          <a:off x="7799153" y="1519827"/>
+          <a:ext cx="1914313" cy="812133"/>
+        </a:xfrm>
+        <a:prstGeom prst="rect">
+          <a:avLst/>
+        </a:prstGeom>
+        <a:noFill/>
+        <a:ln>
+          <a:noFill/>
+        </a:ln>
+        <a:effectLst/>
+      </dsp:spPr>
+      <dsp:style>
+        <a:lnRef idx="0">
+          <a:scrgbClr r="0" g="0" b="0"/>
+        </a:lnRef>
+        <a:fillRef idx="0">
+          <a:scrgbClr r="0" g="0" b="0"/>
+        </a:fillRef>
+        <a:effectRef idx="0">
+          <a:scrgbClr r="0" g="0" b="0"/>
+        </a:effectRef>
+        <a:fontRef idx="minor"/>
+      </dsp:style>
+      <dsp:txBody>
+        <a:bodyPr spcFirstLastPara="0" vert="horz" wrap="square" lIns="0" tIns="0" rIns="0" bIns="0" numCol="1" spcCol="1270" anchor="ctr" anchorCtr="0">
+          <a:noAutofit/>
+        </a:bodyPr>
+        <a:lstStyle/>
+        <a:p>
+          <a:pPr marL="0" lvl="0" indent="0" algn="l" defTabSz="1022350">
+            <a:lnSpc>
+              <a:spcPct val="100000"/>
+            </a:lnSpc>
+            <a:spcBef>
+              <a:spcPct val="0"/>
+            </a:spcBef>
+            <a:spcAft>
+              <a:spcPct val="35000"/>
+            </a:spcAft>
+            <a:buNone/>
+          </a:pPr>
+          <a:r>
+            <a:rPr lang="en-US" sz="2300" kern="1200"/>
+            <a:t>Ranked system</a:t>
+          </a:r>
+        </a:p>
+      </dsp:txBody>
+      <dsp:txXfrm>
+        <a:off x="7799153" y="1519827"/>
+        <a:ext cx="1914313" cy="812133"/>
+      </dsp:txXfrm>
+    </dsp:sp>
+    <dsp:sp modelId="{E65F5AD7-30C9-4FF7-9CB0-0F16DDC67443}">
+      <dsp:nvSpPr>
+        <dsp:cNvPr id="0" name=""/>
+        <dsp:cNvSpPr/>
+      </dsp:nvSpPr>
+      <dsp:spPr>
+        <a:xfrm>
+          <a:off x="344932" y="2986763"/>
+          <a:ext cx="812133" cy="812133"/>
+        </a:xfrm>
+        <a:prstGeom prst="ellipse">
+          <a:avLst/>
+        </a:prstGeom>
+        <a:solidFill>
+          <a:schemeClr val="dk1">
+            <a:tint val="40000"/>
+            <a:hueOff val="0"/>
+            <a:satOff val="0"/>
+            <a:lumOff val="0"/>
+            <a:alphaOff val="0"/>
+          </a:schemeClr>
+        </a:solidFill>
+        <a:ln>
+          <a:noFill/>
+        </a:ln>
+        <a:effectLst>
+          <a:softEdge rad="12700"/>
+        </a:effectLst>
+      </dsp:spPr>
+      <dsp:style>
+        <a:lnRef idx="0">
+          <a:scrgbClr r="0" g="0" b="0"/>
+        </a:lnRef>
+        <a:fillRef idx="1">
+          <a:scrgbClr r="0" g="0" b="0"/>
+        </a:fillRef>
+        <a:effectRef idx="2">
+          <a:scrgbClr r="0" g="0" b="0"/>
+        </a:effectRef>
+        <a:fontRef idx="minor"/>
+      </dsp:style>
+    </dsp:sp>
+    <dsp:sp modelId="{3E8F16E5-9BF0-4A80-AF04-F5FDE7CDFBFF}">
+      <dsp:nvSpPr>
+        <dsp:cNvPr id="0" name=""/>
+        <dsp:cNvSpPr/>
+      </dsp:nvSpPr>
+      <dsp:spPr>
+        <a:xfrm>
+          <a:off x="515480" y="3157311"/>
+          <a:ext cx="471037" cy="471037"/>
+        </a:xfrm>
+        <a:prstGeom prst="rect">
+          <a:avLst/>
+        </a:prstGeom>
+        <a:blipFill rotWithShape="1">
+          <a:blip xmlns:r="http://schemas.openxmlformats.org/officeDocument/2006/relationships" r:embed="rId13">
+            <a:extLst>
+              <a:ext uri="{28A0092B-C50C-407E-A947-70E740481C1C}">
+                <a14:useLocalDpi xmlns:a14="http://schemas.microsoft.com/office/drawing/2010/main" val="0"/>
+              </a:ext>
+              <a:ext uri="{96DAC541-7B7A-43D3-8B79-37D633B846F1}">
+                <asvg:svgBlip xmlns:asvg="http://schemas.microsoft.com/office/drawing/2016/SVG/main" r:embed="rId14"/>
+              </a:ext>
+            </a:extLst>
+          </a:blip>
+          <a:stretch>
+            <a:fillRect/>
+          </a:stretch>
+        </a:blipFill>
+        <a:ln>
+          <a:noFill/>
+        </a:ln>
+        <a:effectLst>
+          <a:outerShdw blurRad="50800" dist="19050" dir="5400000" algn="tl" rotWithShape="0">
+            <a:srgbClr val="000000">
+              <a:alpha val="60000"/>
+            </a:srgbClr>
+          </a:outerShdw>
+          <a:softEdge rad="12700"/>
+        </a:effectLst>
+      </dsp:spPr>
+      <dsp:style>
+        <a:lnRef idx="0">
+          <a:scrgbClr r="0" g="0" b="0"/>
+        </a:lnRef>
+        <a:fillRef idx="3">
+          <a:scrgbClr r="0" g="0" b="0"/>
+        </a:fillRef>
+        <a:effectRef idx="3">
+          <a:scrgbClr r="0" g="0" b="0"/>
+        </a:effectRef>
+        <a:fontRef idx="minor">
+          <a:schemeClr val="lt1"/>
+        </a:fontRef>
+      </dsp:style>
+    </dsp:sp>
+    <dsp:sp modelId="{8904EBE7-2AE9-4350-9F1B-C8AED9C34ACD}">
+      <dsp:nvSpPr>
+        <dsp:cNvPr id="0" name=""/>
+        <dsp:cNvSpPr/>
+      </dsp:nvSpPr>
+      <dsp:spPr>
+        <a:xfrm>
+          <a:off x="1331094" y="2986763"/>
+          <a:ext cx="1914313" cy="812133"/>
+        </a:xfrm>
+        <a:prstGeom prst="rect">
+          <a:avLst/>
+        </a:prstGeom>
+        <a:noFill/>
+        <a:ln>
+          <a:noFill/>
+        </a:ln>
+        <a:effectLst/>
+      </dsp:spPr>
+      <dsp:style>
+        <a:lnRef idx="0">
+          <a:scrgbClr r="0" g="0" b="0"/>
+        </a:lnRef>
+        <a:fillRef idx="0">
+          <a:scrgbClr r="0" g="0" b="0"/>
+        </a:fillRef>
+        <a:effectRef idx="0">
+          <a:scrgbClr r="0" g="0" b="0"/>
+        </a:effectRef>
+        <a:fontRef idx="minor"/>
+      </dsp:style>
+      <dsp:txBody>
+        <a:bodyPr spcFirstLastPara="0" vert="horz" wrap="square" lIns="0" tIns="0" rIns="0" bIns="0" numCol="1" spcCol="1270" anchor="ctr" anchorCtr="0">
+          <a:noAutofit/>
+        </a:bodyPr>
+        <a:lstStyle/>
+        <a:p>
+          <a:pPr marL="0" lvl="0" indent="0" algn="l" defTabSz="1022350">
+            <a:lnSpc>
+              <a:spcPct val="100000"/>
+            </a:lnSpc>
+            <a:spcBef>
+              <a:spcPct val="0"/>
+            </a:spcBef>
+            <a:spcAft>
+              <a:spcPct val="35000"/>
+            </a:spcAft>
+            <a:buNone/>
+          </a:pPr>
+          <a:r>
+            <a:rPr lang="en-US" sz="2300" kern="1200"/>
+            <a:t>GUI</a:t>
+          </a:r>
+        </a:p>
+      </dsp:txBody>
+      <dsp:txXfrm>
+        <a:off x="1331094" y="2986763"/>
+        <a:ext cx="1914313" cy="812133"/>
+      </dsp:txXfrm>
+    </dsp:sp>
+  </dsp:spTree>
+</dsp:drawing>
+</file>
+
+<file path=ppt/diagrams/layout1.xml><?xml version="1.0" encoding="utf-8"?>
+<dgm:layoutDef xmlns:dgm="http://schemas.openxmlformats.org/drawingml/2006/diagram" xmlns:a="http://schemas.openxmlformats.org/drawingml/2006/main" uniqueId="urn:microsoft.com/office/officeart/2018/2/layout/IconCircleList">
+  <dgm:title val="Icon Circle List"/>
+  <dgm:desc val="Use to show non-sequential or grouped chunks of information accompanied by related visuals. Circular shapes can hold an icon or small picture and corresponding text box shows Level 1 text. Works best for icons or small pictures with medium-length descriptions."/>
+  <dgm:catLst>
+    <dgm:cat type="icon" pri="500"/>
+  </dgm:catLst>
+  <dgm:sampData useDef="1">
+    <dgm:dataModel>
+      <dgm:ptLst/>
+      <dgm:bg/>
+      <dgm:whole/>
+    </dgm:dataModel>
+  </dgm:sampData>
+  <dgm:styleData useDef="1">
+    <dgm:dataModel>
+      <dgm:ptLst/>
+      <dgm:bg/>
+      <dgm:whole/>
+    </dgm:dataModel>
+  </dgm:styleData>
+  <dgm:clrData useDef="1">
+    <dgm:dataModel>
+      <dgm:ptLst/>
+      <dgm:bg/>
+      <dgm:whole/>
+    </dgm:dataModel>
+  </dgm:clrData>
+  <dgm:layoutNode name="root">
+    <dgm:varLst>
+      <dgm:dir/>
+      <dgm:resizeHandles val="exact"/>
+    </dgm:varLst>
+    <dgm:alg type="sp"/>
+    <dgm:shape xmlns:r="http://schemas.openxmlformats.org/officeDocument/2006/relationships" r:blip="">
+      <dgm:adjLst/>
+    </dgm:shape>
+    <dgm:presOf/>
+    <dgm:choose name="Name0">
+      <dgm:if name="Name1" axis="ch" ptType="node" func="cnt" op="lte" val="3">
+        <dgm:constrLst>
+          <dgm:constr type="w" for="ch" forName="container" refType="w"/>
+          <dgm:constr type="h" for="ch" forName="container" refType="h" fact="0.4"/>
+        </dgm:constrLst>
+      </dgm:if>
+      <dgm:else name="Name2">
+        <dgm:constrLst>
+          <dgm:constr type="w" for="ch" forName="container" refType="w"/>
+          <dgm:constr type="h" for="ch" forName="container" refType="h"/>
+        </dgm:constrLst>
+      </dgm:else>
+    </dgm:choose>
+    <dgm:ruleLst>
+      <dgm:rule type="h" for="ch" forName="container" val="INF" fact="NaN" max="NaN"/>
+    </dgm:ruleLst>
+    <dgm:layoutNode name="container">
+      <dgm:varLst>
+        <dgm:dir/>
+        <dgm:resizeHandles val="exact"/>
+      </dgm:varLst>
+      <dgm:choose name="Name3">
+        <dgm:if name="Name4" axis="self" func="var" arg="dir" op="equ" val="norm">
+          <dgm:alg type="snake">
+            <dgm:param type="grDir" val="tL"/>
+            <dgm:param type="flowDir" val="row"/>
+            <dgm:param type="contDir" val="sameDir"/>
+          </dgm:alg>
+        </dgm:if>
+        <dgm:else name="Name5">
+          <dgm:alg type="snake">
+            <dgm:param type="grDir" val="tR"/>
+            <dgm:param type="flowDir" val="row"/>
+            <dgm:param type="contDir" val="sameDir"/>
+          </dgm:alg>
+        </dgm:else>
+      </dgm:choose>
+      <dgm:shape xmlns:r="http://schemas.openxmlformats.org/officeDocument/2006/relationships" r:blip="">
+        <dgm:adjLst/>
+      </dgm:shape>
+      <dgm:presOf/>
+      <dgm:constrLst>
+        <dgm:constr type="w" for="ch" forName="compNode" refType="w"/>
+        <dgm:constr type="h" for="ch" forName="compNode" refType="w" fact="0.28"/>
+        <dgm:constr type="w" for="ch" forName="sibTrans" refType="w" refFor="ch" refForName="compNode" fact="0.115"/>
+        <dgm:constr type="sp" refType="h" op="equ" fact="0.17"/>
+        <dgm:constr type="primFontSz" for="des" ptType="node" op="equ" val="24"/>
+        <dgm:constr type="h" for="des" forName="compNode" op="equ"/>
+        <dgm:constr type="h" for="des" forName="iconBgRect" op="equ"/>
+      </dgm:constrLst>
+      <dgm:ruleLst>
+        <dgm:rule type="w" for="ch" forName="compNode" val="60" fact="NaN" max="NaN"/>
+      </dgm:ruleLst>
+      <dgm:forEach name="Name6" axis="ch" ptType="node">
+        <dgm:layoutNode name="compNode">
+          <dgm:alg type="composite"/>
+          <dgm:shape xmlns:r="http://schemas.openxmlformats.org/officeDocument/2006/relationships" r:blip="">
+            <dgm:adjLst/>
+          </dgm:shape>
+          <dgm:presOf axis="self"/>
+          <dgm:constrLst>
+            <dgm:constr type="w" for="ch" forName="iconBgRect" refType="w" fact="0.28"/>
+            <dgm:constr type="h" for="ch" forName="iconBgRect" refType="w" refFor="ch" refForName="iconBgRect"/>
+            <dgm:constr type="t" for="ch" forName="iconBgRect"/>
+            <dgm:constr type="l" for="ch" forName="iconBgRect"/>
+            <dgm:constr type="w" for="ch" forName="iconRect" refType="w" refFor="ch" refForName="iconBgRect" fact="0.58"/>
+            <dgm:constr type="h" for="ch" forName="iconRect" refType="w" refFor="ch" refForName="iconRect"/>
+            <dgm:constr type="ctrX" for="ch" forName="iconRect" refType="ctrX" refFor="ch" refForName="iconBgRect"/>
+            <dgm:constr type="ctrY" for="ch" forName="iconRect" refType="ctrY" refFor="ch" refForName="iconBgRect"/>
+            <dgm:constr type="w" for="ch" forName="spaceRect" refType="w" fact="0.06"/>
+            <dgm:constr type="h" for="ch" forName="spaceRect" refType="h" refFor="ch" refForName="iconBgRect"/>
+            <dgm:constr type="t" for="ch" forName="spaceRect" refType="t" refFor="ch" refForName="iconBgRect"/>
+            <dgm:constr type="l" for="ch" forName="spaceRect" refType="r" refFor="ch" refForName="iconBgRect"/>
+            <dgm:constr type="h" for="ch" forName="textRect" refType="h" refFor="ch" refForName="iconBgRect"/>
+            <dgm:constr type="t" for="ch" forName="textRect" refType="t" refFor="ch" refForName="iconBgRect"/>
+            <dgm:constr type="l" for="ch" forName="textRect" refType="r" refFor="ch" refForName="spaceRect"/>
+          </dgm:constrLst>
+          <dgm:ruleLst/>
+          <dgm:layoutNode name="iconBgRect" styleLbl="bgShp">
+            <dgm:alg type="sp"/>
+            <dgm:shape xmlns:r="http://schemas.openxmlformats.org/officeDocument/2006/relationships" type="ellipse" r:blip="">
+              <dgm:adjLst/>
+            </dgm:shape>
+            <dgm:presOf/>
+            <dgm:constrLst/>
+            <dgm:ruleLst/>
+          </dgm:layoutNode>
+          <dgm:layoutNode name="iconRect" styleLbl="node1">
+            <dgm:alg type="sp"/>
+            <dgm:shape xmlns:r="http://schemas.openxmlformats.org/officeDocument/2006/relationships" type="rect" r:blip="" blipPhldr="1">
+              <dgm:adjLst/>
+            </dgm:shape>
+            <dgm:presOf/>
+            <dgm:constrLst/>
+            <dgm:ruleLst/>
+          </dgm:layoutNode>
+          <dgm:layoutNode name="spaceRect">
+            <dgm:alg type="sp"/>
+            <dgm:shape xmlns:r="http://schemas.openxmlformats.org/officeDocument/2006/relationships" r:blip="">
+              <dgm:adjLst/>
+            </dgm:shape>
+            <dgm:presOf/>
+            <dgm:constrLst/>
+            <dgm:ruleLst/>
+          </dgm:layoutNode>
+          <dgm:layoutNode name="textRect" styleLbl="revTx">
+            <dgm:varLst>
+              <dgm:chMax val="1"/>
+              <dgm:chPref val="1"/>
+            </dgm:varLst>
+            <dgm:choose name="Name7">
+              <dgm:if name="Name8" func="var" arg="dir" op="equ" val="norm">
+                <dgm:alg type="tx">
+                  <dgm:param type="txAnchorVert" val="mid"/>
+                  <dgm:param type="parTxLTRAlign" val="l"/>
+                  <dgm:param type="shpTxLTRAlignCh" val="l"/>
+                  <dgm:param type="parTxRTLAlign" val="l"/>
+                  <dgm:param type="shpTxRTLAlignCh" val="l"/>
+                </dgm:alg>
+              </dgm:if>
+              <dgm:else name="Name9">
+                <dgm:alg type="tx">
+                  <dgm:param type="txAnchorVert" val="mid"/>
+                  <dgm:param type="parTxLTRAlign" val="r"/>
+                  <dgm:param type="shpTxLTRAlignCh" val="r"/>
+                  <dgm:param type="parTxRTLAlign" val="r"/>
+                  <dgm:param type="shpTxRTLAlignCh" val="r"/>
+                </dgm:alg>
+              </dgm:else>
+            </dgm:choose>
+            <dgm:shape xmlns:r="http://schemas.openxmlformats.org/officeDocument/2006/relationships" type="rect" r:blip="">
+              <dgm:adjLst/>
+            </dgm:shape>
+            <dgm:presOf axis="self" ptType="node"/>
+            <dgm:constrLst>
+              <dgm:constr type="lMarg"/>
+              <dgm:constr type="rMarg"/>
+              <dgm:constr type="tMarg"/>
+              <dgm:constr type="bMarg"/>
+            </dgm:constrLst>
+            <dgm:ruleLst>
+              <dgm:rule type="primFontSz" val="11" fact="NaN" max="NaN"/>
+            </dgm:ruleLst>
+          </dgm:layoutNode>
+        </dgm:layoutNode>
+        <dgm:forEach name="Name10" axis="followSib" ptType="sibTrans" cnt="1">
+          <dgm:layoutNode name="sibTrans">
+            <dgm:alg type="sp"/>
+            <dgm:shape xmlns:r="http://schemas.openxmlformats.org/officeDocument/2006/relationships" type="rect" r:blip="" hideGeom="1">
+              <dgm:adjLst/>
+            </dgm:shape>
+            <dgm:presOf axis="self"/>
+            <dgm:constrLst/>
+            <dgm:ruleLst/>
+          </dgm:layoutNode>
+        </dgm:forEach>
+      </dgm:forEach>
+    </dgm:layoutNode>
+  </dgm:layoutNode>
+  <dgm:extLst>
+    <a:ext uri="{68A01E43-0DF5-4B5B-8FA6-DAF915123BFB}">
+      <dgm1612:lstStyle xmlns:dgm1612="http://schemas.microsoft.com/office/drawing/2016/12/diagram">
+        <a:lvl1pPr>
+          <a:lnSpc>
+            <a:spcPct val="100000"/>
+          </a:lnSpc>
+        </a:lvl1pPr>
+      </dgm1612:lstStyle>
+    </a:ext>
+  </dgm:extLst>
+</dgm:layoutDef>
+</file>
+
+<file path=ppt/diagrams/quickStyle1.xml><?xml version="1.0" encoding="utf-8"?>
+<dgm:styleDef xmlns:dgm="http://schemas.openxmlformats.org/drawingml/2006/diagram" xmlns:a="http://schemas.openxmlformats.org/drawingml/2006/main" uniqueId="urn:microsoft.com/office/officeart/2005/8/quickstyle/simple5">
+  <dgm:title val=""/>
+  <dgm:desc val=""/>
+  <dgm:catLst>
+    <dgm:cat type="simple" pri="10500"/>
+  </dgm:catLst>
+  <dgm:scene3d>
+    <a:camera prst="orthographicFront"/>
+    <a:lightRig rig="threePt" dir="t"/>
+  </dgm:scene3d>
+  <dgm:styleLbl name="node0">
+    <dgm:scene3d>
+      <a:camera prst="orthographicFront"/>
+      <a:lightRig rig="threePt" dir="t"/>
+    </dgm:scene3d>
+    <dgm:sp3d/>
+    <dgm:txPr/>
+    <dgm:style>
+      <a:lnRef idx="0">
+        <a:scrgbClr r="0" g="0" b="0"/>
+      </a:lnRef>
+      <a:fillRef idx="3">
+        <a:scrgbClr r="0" g="0" b="0"/>
+      </a:fillRef>
+      <a:effectRef idx="3">
+        <a:scrgbClr r="0" g="0" b="0"/>
+      </a:effectRef>
+      <a:fontRef idx="minor">
+        <a:schemeClr val="lt1"/>
+      </a:fontRef>
+    </dgm:style>
+  </dgm:styleLbl>
+  <dgm:styleLbl name="lnNode1">
+    <dgm:scene3d>
+      <a:camera prst="orthographicFront"/>
+      <a:lightRig rig="threePt" dir="t"/>
+    </dgm:scene3d>
+    <dgm:sp3d/>
+    <dgm:txPr/>
+    <dgm:style>
+      <a:lnRef idx="0">
+        <a:scrgbClr r="0" g="0" b="0"/>
+      </a:lnRef>
+      <a:fillRef idx="3">
+        <a:scrgbClr r="0" g="0" b="0"/>
+      </a:fillRef>
+      <a:effectRef idx="3">
+        <a:scrgbClr r="0" g="0" b="0"/>
+      </a:effectRef>
+      <a:fontRef idx="minor">
+        <a:schemeClr val="lt1"/>
+      </a:fontRef>
+    </dgm:style>
+  </dgm:styleLbl>
+  <dgm:styleLbl name="vennNode1">
+    <dgm:scene3d>
+      <a:camera prst="orthographicFront"/>
+      <a:lightRig rig="threePt" dir="t"/>
+    </dgm:scene3d>
+    <dgm:sp3d/>
+    <dgm:txPr/>
+    <dgm:style>
+      <a:lnRef idx="0">
+        <a:scrgbClr r="0" g="0" b="0"/>
+      </a:lnRef>
+      <a:fillRef idx="3">
+        <a:scrgbClr r="0" g="0" b="0"/>
+      </a:fillRef>
+      <a:effectRef idx="3">
+        <a:scrgbClr r="0" g="0" b="0"/>
+      </a:effectRef>
+      <a:fontRef idx="minor">
+        <a:schemeClr val="tx1"/>
+      </a:fontRef>
+    </dgm:style>
+  </dgm:styleLbl>
+  <dgm:styleLbl name="alignNode1">
+    <dgm:scene3d>
+      <a:camera prst="orthographicFront"/>
+      <a:lightRig rig="threePt" dir="t"/>
+    </dgm:scene3d>
+    <dgm:sp3d/>
+    <dgm:txPr/>
+    <dgm:style>
+      <a:lnRef idx="1">
+        <a:scrgbClr r="0" g="0" b="0"/>
+      </a:lnRef>
+      <a:fillRef idx="3">
+        <a:scrgbClr r="0" g="0" b="0"/>
+      </a:fillRef>
+      <a:effectRef idx="3">
+        <a:scrgbClr r="0" g="0" b="0"/>
+      </a:effectRef>
+      <a:fontRef idx="minor">
+        <a:schemeClr val="lt1"/>
+      </a:fontRef>
+    </dgm:style>
+  </dgm:styleLbl>
+  <dgm:styleLbl name="node1">
+    <dgm:scene3d>
+      <a:camera prst="orthographicFront"/>
+      <a:lightRig rig="threePt" dir="t"/>
+    </dgm:scene3d>
+    <dgm:sp3d/>
+    <dgm:txPr/>
+    <dgm:style>
+      <a:lnRef idx="0">
+        <a:scrgbClr r="0" g="0" b="0"/>
+      </a:lnRef>
+      <a:fillRef idx="3">
+        <a:scrgbClr r="0" g="0" b="0"/>
+      </a:fillRef>
+      <a:effectRef idx="3">
+        <a:scrgbClr r="0" g="0" b="0"/>
+      </a:effectRef>
+      <a:fontRef idx="minor">
+        <a:schemeClr val="lt1"/>
+      </a:fontRef>
+    </dgm:style>
+  </dgm:styleLbl>
+  <dgm:styleLbl name="node2">
+    <dgm:scene3d>
+      <a:camera prst="orthographicFront"/>
+      <a:lightRig rig="threePt" dir="t"/>
+    </dgm:scene3d>
+    <dgm:sp3d/>
+    <dgm:txPr/>
+    <dgm:style>
+      <a:lnRef idx="0">
+        <a:scrgbClr r="0" g="0" b="0"/>
+      </a:lnRef>
+      <a:fillRef idx="3">
+        <a:scrgbClr r="0" g="0" b="0"/>
+      </a:fillRef>
+      <a:effectRef idx="3">
+        <a:scrgbClr r="0" g="0" b="0"/>
+      </a:effectRef>
+      <a:fontRef idx="minor">
+        <a:schemeClr val="lt1"/>
+      </a:fontRef>
+    </dgm:style>
+  </dgm:styleLbl>
+  <dgm:styleLbl name="node3">
+    <dgm:scene3d>
+      <a:camera prst="orthographicFront"/>
+      <a:lightRig rig="threePt" dir="t"/>
+    </dgm:scene3d>
+    <dgm:sp3d/>
+    <dgm:txPr/>
+    <dgm:style>
+      <a:lnRef idx="0">
+        <a:scrgbClr r="0" g="0" b="0"/>
+      </a:lnRef>
+      <a:fillRef idx="3">
+        <a:scrgbClr r="0" g="0" b="0"/>
+      </a:fillRef>
+      <a:effectRef idx="3">
+        <a:scrgbClr r="0" g="0" b="0"/>
+      </a:effectRef>
+      <a:fontRef idx="minor">
+        <a:schemeClr val="lt1"/>
+      </a:fontRef>
+    </dgm:style>
+  </dgm:styleLbl>
+  <dgm:styleLbl name="node4">
+    <dgm:scene3d>
+      <a:camera prst="orthographicFront"/>
+      <a:lightRig rig="threePt" dir="t"/>
+    </dgm:scene3d>
+    <dgm:sp3d/>
+    <dgm:txPr/>
+    <dgm:style>
+      <a:lnRef idx="0">
+        <a:scrgbClr r="0" g="0" b="0"/>
+      </a:lnRef>
+      <a:fillRef idx="3">
+        <a:scrgbClr r="0" g="0" b="0"/>
+      </a:fillRef>
+      <a:effectRef idx="3">
+        <a:scrgbClr r="0" g="0" b="0"/>
+      </a:effectRef>
+      <a:fontRef idx="minor">
+        <a:schemeClr val="lt1"/>
+      </a:fontRef>
+    </dgm:style>
+  </dgm:styleLbl>
+  <dgm:styleLbl name="fgImgPlace1">
+    <dgm:scene3d>
+      <a:camera prst="orthographicFront"/>
+      <a:lightRig rig="threePt" dir="t"/>
+    </dgm:scene3d>
+    <dgm:sp3d/>
+    <dgm:txPr/>
+    <dgm:style>
+      <a:lnRef idx="0">
+        <a:scrgbClr r="0" g="0" b="0"/>
+      </a:lnRef>
+      <a:fillRef idx="1">
+        <a:scrgbClr r="0" g="0" b="0"/>
+      </a:fillRef>
+      <a:effectRef idx="3">
+        <a:scrgbClr r="0" g="0" b="0"/>
+      </a:effectRef>
+      <a:fontRef idx="minor"/>
+    </dgm:style>
+  </dgm:styleLbl>
+  <dgm:styleLbl name="alignImgPlace1">
+    <dgm:scene3d>
+      <a:camera prst="orthographicFront"/>
+      <a:lightRig rig="threePt" dir="t"/>
+    </dgm:scene3d>
+    <dgm:sp3d/>
+    <dgm:txPr/>
+    <dgm:style>
+      <a:lnRef idx="0">
+        <a:scrgbClr r="0" g="0" b="0"/>
+      </a:lnRef>
+      <a:fillRef idx="1">
+        <a:scrgbClr r="0" g="0" b="0"/>
+      </a:fillRef>
+      <a:effectRef idx="3">
+        <a:scrgbClr r="0" g="0" b="0"/>
+      </a:effectRef>
+      <a:fontRef idx="minor"/>
+    </dgm:style>
+  </dgm:styleLbl>
+  <dgm:styleLbl name="bgImgPlace1">
+    <dgm:scene3d>
+      <a:camera prst="orthographicFront"/>
+      <a:lightRig rig="threePt" dir="t"/>
+    </dgm:scene3d>
+    <dgm:sp3d/>
+    <dgm:txPr/>
+    <dgm:style>
+      <a:lnRef idx="0">
+        <a:scrgbClr r="0" g="0" b="0"/>
+      </a:lnRef>
+      <a:fillRef idx="1">
+        <a:scrgbClr r="0" g="0" b="0"/>
+      </a:fillRef>
+      <a:effectRef idx="3">
+        <a:scrgbClr r="0" g="0" b="0"/>
+      </a:effectRef>
+      <a:fontRef idx="minor"/>
+    </dgm:style>
+  </dgm:styleLbl>
+  <dgm:styleLbl name="sibTrans2D1">
+    <dgm:scene3d>
+      <a:camera prst="orthographicFront"/>
+      <a:lightRig rig="threePt" dir="t"/>
+    </dgm:scene3d>
+    <dgm:sp3d/>
+    <dgm:txPr/>
+    <dgm:style>
+      <a:lnRef idx="0">
+        <a:scrgbClr r="0" g="0" b="0"/>
+      </a:lnRef>
+      <a:fillRef idx="3">
+        <a:scrgbClr r="0" g="0" b="0"/>
+      </a:fillRef>
+      <a:effectRef idx="3">
+        <a:scrgbClr r="0" g="0" b="0"/>
+      </a:effectRef>
+      <a:fontRef idx="minor">
+        <a:schemeClr val="lt1"/>
+      </a:fontRef>
+    </dgm:style>
+  </dgm:styleLbl>
+  <dgm:styleLbl name="fgSibTrans2D1">
+    <dgm:scene3d>
+      <a:camera prst="orthographicFront"/>
+      <a:lightRig rig="threePt" dir="t"/>
+    </dgm:scene3d>
+    <dgm:sp3d/>
+    <dgm:txPr/>
+    <dgm:style>
+      <a:lnRef idx="0">
+        <a:scrgbClr r="0" g="0" b="0"/>
+      </a:lnRef>
+      <a:fillRef idx="3">
+        <a:scrgbClr r="0" g="0" b="0"/>
+      </a:fillRef>
+      <a:effectRef idx="3">
+        <a:scrgbClr r="0" g="0" b="0"/>
+      </a:effectRef>
+      <a:fontRef idx="minor">
+        <a:schemeClr val="lt1"/>
+      </a:fontRef>
+    </dgm:style>
+  </dgm:styleLbl>
+  <dgm:styleLbl name="bgSibTrans2D1">
+    <dgm:scene3d>
+      <a:camera prst="orthographicFront"/>
+      <a:lightRig rig="threePt" dir="t"/>
+    </dgm:scene3d>
+    <dgm:sp3d/>
+    <dgm:txPr/>
+    <dgm:style>
+      <a:lnRef idx="0">
+        <a:scrgbClr r="0" g="0" b="0"/>
+      </a:lnRef>
+      <a:fillRef idx="3">
+        <a:scrgbClr r="0" g="0" b="0"/>
+      </a:fillRef>
+      <a:effectRef idx="3">
+        <a:scrgbClr r="0" g="0" b="0"/>
+      </a:effectRef>
+      <a:fontRef idx="minor">
+        <a:schemeClr val="lt1"/>
+      </a:fontRef>
+    </dgm:style>
+  </dgm:styleLbl>
+  <dgm:styleLbl name="sibTrans1D1">
+    <dgm:scene3d>
+      <a:camera prst="orthographicFront"/>
+      <a:lightRig rig="threePt" dir="t"/>
+    </dgm:scene3d>
+    <dgm:sp3d/>
+    <dgm:txPr/>
+    <dgm:style>
+      <a:lnRef idx="1">
+        <a:scrgbClr r="0" g="0" b="0"/>
+      </a:lnRef>
+      <a:fillRef idx="0">
+        <a:scrgbClr r="0" g="0" b="0"/>
+      </a:fillRef>
+      <a:effectRef idx="0">
+        <a:scrgbClr r="0" g="0" b="0"/>
+      </a:effectRef>
+      <a:fontRef idx="minor"/>
+    </dgm:style>
+  </dgm:styleLbl>
+  <dgm:styleLbl name="callout">
+    <dgm:scene3d>
+      <a:camera prst="orthographicFront"/>
+      <a:lightRig rig="threePt" dir="t"/>
+    </dgm:scene3d>
+    <dgm:sp3d/>
+    <dgm:txPr/>
+    <dgm:style>
+      <a:lnRef idx="1">
+        <a:scrgbClr r="0" g="0" b="0"/>
+      </a:lnRef>
+      <a:fillRef idx="0">
+        <a:scrgbClr r="0" g="0" b="0"/>
+      </a:fillRef>
+      <a:effectRef idx="1">
+        <a:scrgbClr r="0" g="0" b="0"/>
+      </a:effectRef>
+      <a:fontRef idx="minor"/>
+    </dgm:style>
+  </dgm:styleLbl>
+  <dgm:styleLbl name="asst0">
+    <dgm:scene3d>
+      <a:camera prst="orthographicFront"/>
+      <a:lightRig rig="threePt" dir="t"/>
+    </dgm:scene3d>
+    <dgm:sp3d/>
+    <dgm:txPr/>
+    <dgm:style>
+      <a:lnRef idx="0">
+        <a:scrgbClr r="0" g="0" b="0"/>
+      </a:lnRef>
+      <a:fillRef idx="3">
+        <a:scrgbClr r="0" g="0" b="0"/>
+      </a:fillRef>
+      <a:effectRef idx="3">
+        <a:scrgbClr r="0" g="0" b="0"/>
+      </a:effectRef>
+      <a:fontRef idx="minor">
+        <a:schemeClr val="lt1"/>
+      </a:fontRef>
+    </dgm:style>
+  </dgm:styleLbl>
+  <dgm:styleLbl name="asst1">
+    <dgm:scene3d>
+      <a:camera prst="orthographicFront"/>
+      <a:lightRig rig="threePt" dir="t"/>
+    </dgm:scene3d>
+    <dgm:sp3d/>
+    <dgm:txPr/>
+    <dgm:style>
+      <a:lnRef idx="0">
+        <a:scrgbClr r="0" g="0" b="0"/>
+      </a:lnRef>
+      <a:fillRef idx="3">
+        <a:scrgbClr r="0" g="0" b="0"/>
+      </a:fillRef>
+      <a:effectRef idx="3">
+        <a:scrgbClr r="0" g="0" b="0"/>
+      </a:effectRef>
+      <a:fontRef idx="minor">
+        <a:schemeClr val="lt1"/>
+      </a:fontRef>
+    </dgm:style>
+  </dgm:styleLbl>
+  <dgm:styleLbl name="asst2">
+    <dgm:scene3d>
+      <a:camera prst="orthographicFront"/>
+      <a:lightRig rig="threePt" dir="t"/>
+    </dgm:scene3d>
+    <dgm:sp3d/>
+    <dgm:txPr/>
+    <dgm:style>
+      <a:lnRef idx="0">
+        <a:scrgbClr r="0" g="0" b="0"/>
+      </a:lnRef>
+      <a:fillRef idx="3">
+        <a:scrgbClr r="0" g="0" b="0"/>
+      </a:fillRef>
+      <a:effectRef idx="3">
+        <a:scrgbClr r="0" g="0" b="0"/>
+      </a:effectRef>
+      <a:fontRef idx="minor">
+        <a:schemeClr val="lt1"/>
+      </a:fontRef>
+    </dgm:style>
+  </dgm:styleLbl>
+  <dgm:styleLbl name="asst3">
+    <dgm:scene3d>
+      <a:camera prst="orthographicFront"/>
+      <a:lightRig rig="threePt" dir="t"/>
+    </dgm:scene3d>
+    <dgm:sp3d/>
+    <dgm:txPr/>
+    <dgm:style>
+      <a:lnRef idx="0">
+        <a:scrgbClr r="0" g="0" b="0"/>
+      </a:lnRef>
+      <a:fillRef idx="3">
+        <a:scrgbClr r="0" g="0" b="0"/>
+      </a:fillRef>
+      <a:effectRef idx="3">
+        <a:scrgbClr r="0" g="0" b="0"/>
+      </a:effectRef>
+      <a:fontRef idx="minor">
+        <a:schemeClr val="lt1"/>
+      </a:fontRef>
+    </dgm:style>
+  </dgm:styleLbl>
+  <dgm:styleLbl name="asst4">
+    <dgm:scene3d>
+      <a:camera prst="orthographicFront"/>
+      <a:lightRig rig="threePt" dir="t"/>
+    </dgm:scene3d>
+    <dgm:sp3d/>
+    <dgm:txPr/>
+    <dgm:style>
+      <a:lnRef idx="0">
+        <a:scrgbClr r="0" g="0" b="0"/>
+      </a:lnRef>
+      <a:fillRef idx="3">
+        <a:scrgbClr r="0" g="0" b="0"/>
+      </a:fillRef>
+      <a:effectRef idx="3">
+        <a:scrgbClr r="0" g="0" b="0"/>
+      </a:effectRef>
+      <a:fontRef idx="minor">
+        <a:schemeClr val="lt1"/>
+      </a:fontRef>
+    </dgm:style>
+  </dgm:styleLbl>
+  <dgm:styleLbl name="parChTrans2D1">
+    <dgm:scene3d>
+      <a:camera prst="orthographicFront"/>
+      <a:lightRig rig="threePt" dir="t"/>
+    </dgm:scene3d>
+    <dgm:sp3d/>
+    <dgm:txPr/>
+    <dgm:style>
+      <a:lnRef idx="0">
+        <a:scrgbClr r="0" g="0" b="0"/>
+      </a:lnRef>
+      <a:fillRef idx="3">
+        <a:scrgbClr r="0" g="0" b="0"/>
+      </a:fillRef>
+      <a:effectRef idx="3">
+        <a:scrgbClr r="0" g="0" b="0"/>
+      </a:effectRef>
+      <a:fontRef idx="minor">
+        <a:schemeClr val="lt1"/>
+      </a:fontRef>
+    </dgm:style>
+  </dgm:styleLbl>
+  <dgm:styleLbl name="parChTrans2D2">
+    <dgm:scene3d>
+      <a:camera prst="orthographicFront"/>
+      <a:lightRig rig="threePt" dir="t"/>
+    </dgm:scene3d>
+    <dgm:sp3d/>
+    <dgm:txPr/>
+    <dgm:style>
+      <a:lnRef idx="0">
+        <a:scrgbClr r="0" g="0" b="0"/>
+      </a:lnRef>
+      <a:fillRef idx="3">
+        <a:scrgbClr r="0" g="0" b="0"/>
+      </a:fillRef>
+      <a:effectRef idx="3">
+        <a:scrgbClr r="0" g="0" b="0"/>
+      </a:effectRef>
+      <a:fontRef idx="minor">
+        <a:schemeClr val="lt1"/>
+      </a:fontRef>
+    </dgm:style>
+  </dgm:styleLbl>
+  <dgm:styleLbl name="parChTrans2D3">
+    <dgm:scene3d>
+      <a:camera prst="orthographicFront"/>
+      <a:lightRig rig="threePt" dir="t"/>
+    </dgm:scene3d>
+    <dgm:sp3d/>
+    <dgm:txPr/>
+    <dgm:style>
+      <a:lnRef idx="0">
+        <a:scrgbClr r="0" g="0" b="0"/>
+      </a:lnRef>
+      <a:fillRef idx="3">
+        <a:scrgbClr r="0" g="0" b="0"/>
+      </a:fillRef>
+      <a:effectRef idx="3">
+        <a:scrgbClr r="0" g="0" b="0"/>
+      </a:effectRef>
+      <a:fontRef idx="minor">
+        <a:schemeClr val="lt1"/>
+      </a:fontRef>
+    </dgm:style>
+  </dgm:styleLbl>
+  <dgm:styleLbl name="parChTrans2D4">
+    <dgm:scene3d>
+      <a:camera prst="orthographicFront"/>
+      <a:lightRig rig="threePt" dir="t"/>
+    </dgm:scene3d>
+    <dgm:sp3d/>
+    <dgm:txPr/>
+    <dgm:style>
+      <a:lnRef idx="0">
+        <a:scrgbClr r="0" g="0" b="0"/>
+      </a:lnRef>
+      <a:fillRef idx="3">
+        <a:scrgbClr r="0" g="0" b="0"/>
+      </a:fillRef>
+      <a:effectRef idx="3">
+        <a:scrgbClr r="0" g="0" b="0"/>
+      </a:effectRef>
+      <a:fontRef idx="minor">
+        <a:schemeClr val="lt1"/>
+      </a:fontRef>
+    </dgm:style>
+  </dgm:styleLbl>
+  <dgm:styleLbl name="parChTrans1D1">
+    <dgm:scene3d>
+      <a:camera prst="orthographicFront"/>
+      <a:lightRig rig="threePt" dir="t"/>
+    </dgm:scene3d>
+    <dgm:sp3d/>
+    <dgm:txPr/>
+    <dgm:style>
+      <a:lnRef idx="2">
+        <a:scrgbClr r="0" g="0" b="0"/>
+      </a:lnRef>
+      <a:fillRef idx="0">
+        <a:scrgbClr r="0" g="0" b="0"/>
+      </a:fillRef>
+      <a:effectRef idx="0">
+        <a:scrgbClr r="0" g="0" b="0"/>
+      </a:effectRef>
+      <a:fontRef idx="minor"/>
+    </dgm:style>
+  </dgm:styleLbl>
+  <dgm:styleLbl name="parChTrans1D2">
+    <dgm:scene3d>
+      <a:camera prst="orthographicFront"/>
+      <a:lightRig rig="threePt" dir="t"/>
+    </dgm:scene3d>
+    <dgm:sp3d/>
+    <dgm:txPr/>
+    <dgm:style>
+      <a:lnRef idx="2">
+        <a:scrgbClr r="0" g="0" b="0"/>
+      </a:lnRef>
+      <a:fillRef idx="0">
+        <a:scrgbClr r="0" g="0" b="0"/>
+      </a:fillRef>
+      <a:effectRef idx="0">
+        <a:scrgbClr r="0" g="0" b="0"/>
+      </a:effectRef>
+      <a:fontRef idx="minor"/>
+    </dgm:style>
+  </dgm:styleLbl>
+  <dgm:styleLbl name="parChTrans1D3">
+    <dgm:scene3d>
+      <a:camera prst="orthographicFront"/>
+      <a:lightRig rig="threePt" dir="t"/>
+    </dgm:scene3d>
+    <dgm:sp3d/>
+    <dgm:txPr/>
+    <dgm:style>
+      <a:lnRef idx="2">
+        <a:scrgbClr r="0" g="0" b="0"/>
+      </a:lnRef>
+      <a:fillRef idx="0">
+        <a:scrgbClr r="0" g="0" b="0"/>
+      </a:fillRef>
+      <a:effectRef idx="0">
+        <a:scrgbClr r="0" g="0" b="0"/>
+      </a:effectRef>
+      <a:fontRef idx="minor"/>
+    </dgm:style>
+  </dgm:styleLbl>
+  <dgm:styleLbl name="parChTrans1D4">
+    <dgm:scene3d>
+      <a:camera prst="orthographicFront"/>
+      <a:lightRig rig="threePt" dir="t"/>
+    </dgm:scene3d>
+    <dgm:sp3d/>
+    <dgm:txPr/>
+    <dgm:style>
+      <a:lnRef idx="2">
+        <a:scrgbClr r="0" g="0" b="0"/>
+      </a:lnRef>
+      <a:fillRef idx="0">
+        <a:scrgbClr r="0" g="0" b="0"/>
+      </a:fillRef>
+      <a:effectRef idx="0">
+        <a:scrgbClr r="0" g="0" b="0"/>
+      </a:effectRef>
+      <a:fontRef idx="minor"/>
+    </dgm:style>
+  </dgm:styleLbl>
+  <dgm:styleLbl name="fgAcc1">
+    <dgm:scene3d>
+      <a:camera prst="orthographicFront"/>
+      <a:lightRig rig="threePt" dir="t"/>
+    </dgm:scene3d>
+    <dgm:sp3d/>
+    <dgm:txPr/>
+    <dgm:style>
+      <a:lnRef idx="1">
+        <a:scrgbClr r="0" g="0" b="0"/>
+      </a:lnRef>
+      <a:fillRef idx="1">
+        <a:scrgbClr r="0" g="0" b="0"/>
+      </a:fillRef>
+      <a:effectRef idx="2">
+        <a:scrgbClr r="0" g="0" b="0"/>
+      </a:effectRef>
+      <a:fontRef idx="minor"/>
+    </dgm:style>
+  </dgm:styleLbl>
+  <dgm:styleLbl name="conFgAcc1">
+    <dgm:scene3d>
+      <a:camera prst="orthographicFront"/>
+      <a:lightRig rig="threePt" dir="t"/>
+    </dgm:scene3d>
+    <dgm:sp3d/>
+    <dgm:txPr/>
+    <dgm:style>
+      <a:lnRef idx="1">
+        <a:scrgbClr r="0" g="0" b="0"/>
+      </a:lnRef>
+      <a:fillRef idx="1">
+        <a:scrgbClr r="0" g="0" b="0"/>
+      </a:fillRef>
+      <a:effectRef idx="2">
+        <a:scrgbClr r="0" g="0" b="0"/>
+      </a:effectRef>
+      <a:fontRef idx="minor"/>
+    </dgm:style>
+  </dgm:styleLbl>
+  <dgm:styleLbl name="alignAcc1">
+    <dgm:scene3d>
+      <a:camera prst="orthographicFront"/>
+      <a:lightRig rig="threePt" dir="t"/>
+    </dgm:scene3d>
+    <dgm:sp3d/>
+    <dgm:txPr/>
+    <dgm:style>
+      <a:lnRef idx="1">
+        <a:scrgbClr r="0" g="0" b="0"/>
+      </a:lnRef>
+      <a:fillRef idx="1">
+        <a:scrgbClr r="0" g="0" b="0"/>
+      </a:fillRef>
+      <a:effectRef idx="2">
+        <a:scrgbClr r="0" g="0" b="0"/>
+      </a:effectRef>
+      <a:fontRef idx="minor"/>
+    </dgm:style>
+  </dgm:styleLbl>
+  <dgm:styleLbl name="trAlignAcc1">
+    <dgm:scene3d>
+      <a:camera prst="orthographicFront"/>
+      <a:lightRig rig="threePt" dir="t"/>
+    </dgm:scene3d>
+    <dgm:sp3d/>
+    <dgm:txPr/>
+    <dgm:style>
+      <a:lnRef idx="1">
+        <a:scrgbClr r="0" g="0" b="0"/>
+      </a:lnRef>
+      <a:fillRef idx="1">
+        <a:scrgbClr r="0" g="0" b="0"/>
+      </a:fillRef>
+      <a:effectRef idx="0">
+        <a:scrgbClr r="0" g="0" b="0"/>
+      </a:effectRef>
+      <a:fontRef idx="minor"/>
+    </dgm:style>
+  </dgm:styleLbl>
+  <dgm:styleLbl name="bgAcc1">
+    <dgm:scene3d>
+      <a:camera prst="orthographicFront"/>
+      <a:lightRig rig="threePt" dir="t"/>
+    </dgm:scene3d>
+    <dgm:sp3d/>
+    <dgm:txPr/>
+    <dgm:style>
+      <a:lnRef idx="1">
+        <a:scrgbClr r="0" g="0" b="0"/>
+      </a:lnRef>
+      <a:fillRef idx="1">
+        <a:scrgbClr r="0" g="0" b="0"/>
+      </a:fillRef>
+      <a:effectRef idx="2">
+        <a:scrgbClr r="0" g="0" b="0"/>
+      </a:effectRef>
+      <a:fontRef idx="minor"/>
+    </dgm:style>
+  </dgm:styleLbl>
+  <dgm:styleLbl name="solidFgAcc1">
+    <dgm:scene3d>
+      <a:camera prst="orthographicFront"/>
+      <a:lightRig rig="threePt" dir="t"/>
+    </dgm:scene3d>
+    <dgm:sp3d/>
+    <dgm:txPr/>
+    <dgm:style>
+      <a:lnRef idx="1">
+        <a:scrgbClr r="0" g="0" b="0"/>
+      </a:lnRef>
+      <a:fillRef idx="1">
+        <a:scrgbClr r="0" g="0" b="0"/>
+      </a:fillRef>
+      <a:effectRef idx="2">
+        <a:scrgbClr r="0" g="0" b="0"/>
+      </a:effectRef>
+      <a:fontRef idx="minor"/>
+    </dgm:style>
+  </dgm:styleLbl>
+  <dgm:styleLbl name="solidAlignAcc1">
+    <dgm:scene3d>
+      <a:camera prst="orthographicFront"/>
+      <a:lightRig rig="threePt" dir="t"/>
+    </dgm:scene3d>
+    <dgm:sp3d/>
+    <dgm:txPr/>
+    <dgm:style>
+      <a:lnRef idx="1">
+        <a:scrgbClr r="0" g="0" b="0"/>
+      </a:lnRef>
+      <a:fillRef idx="1">
+        <a:scrgbClr r="0" g="0" b="0"/>
+      </a:fillRef>
+      <a:effectRef idx="3">
+        <a:scrgbClr r="0" g="0" b="0"/>
+      </a:effectRef>
+      <a:fontRef idx="minor"/>
+    </dgm:style>
+  </dgm:styleLbl>
+  <dgm:styleLbl name="solidBgAcc1">
+    <dgm:scene3d>
+      <a:camera prst="orthographicFront"/>
+      <a:lightRig rig="threePt" dir="t"/>
+    </dgm:scene3d>
+    <dgm:sp3d/>
+    <dgm:txPr/>
+    <dgm:style>
+      <a:lnRef idx="1">
+        <a:scrgbClr r="0" g="0" b="0"/>
+      </a:lnRef>
+      <a:fillRef idx="1">
+        <a:scrgbClr r="0" g="0" b="0"/>
+      </a:fillRef>
+      <a:effectRef idx="3">
+        <a:scrgbClr r="0" g="0" b="0"/>
+      </a:effectRef>
+      <a:fontRef idx="minor"/>
+    </dgm:style>
+  </dgm:styleLbl>
+  <dgm:styleLbl name="fgAccFollowNode1">
+    <dgm:scene3d>
+      <a:camera prst="orthographicFront"/>
+      <a:lightRig rig="threePt" dir="t"/>
+    </dgm:scene3d>
+    <dgm:sp3d/>
+    <dgm:txPr/>
+    <dgm:style>
+      <a:lnRef idx="1">
+        <a:scrgbClr r="0" g="0" b="0"/>
+      </a:lnRef>
+      <a:fillRef idx="1">
+        <a:scrgbClr r="0" g="0" b="0"/>
+      </a:fillRef>
+      <a:effectRef idx="2">
+        <a:scrgbClr r="0" g="0" b="0"/>
+      </a:effectRef>
+      <a:fontRef idx="minor"/>
+    </dgm:style>
+  </dgm:styleLbl>
+  <dgm:styleLbl name="alignAccFollowNode1">
+    <dgm:scene3d>
+      <a:camera prst="orthographicFront"/>
+      <a:lightRig rig="threePt" dir="t"/>
+    </dgm:scene3d>
+    <dgm:sp3d/>
+    <dgm:txPr/>
+    <dgm:style>
+      <a:lnRef idx="1">
+        <a:scrgbClr r="0" g="0" b="0"/>
+      </a:lnRef>
+      <a:fillRef idx="1">
+        <a:scrgbClr r="0" g="0" b="0"/>
+      </a:fillRef>
+      <a:effectRef idx="2">
+        <a:scrgbClr r="0" g="0" b="0"/>
+      </a:effectRef>
+      <a:fontRef idx="minor"/>
+    </dgm:style>
+  </dgm:styleLbl>
+  <dgm:styleLbl name="bgAccFollowNode1">
+    <dgm:scene3d>
+      <a:camera prst="orthographicFront"/>
+      <a:lightRig rig="threePt" dir="t"/>
+    </dgm:scene3d>
+    <dgm:sp3d/>
+    <dgm:txPr/>
+    <dgm:style>
+      <a:lnRef idx="1">
+        <a:scrgbClr r="0" g="0" b="0"/>
+      </a:lnRef>
+      <a:fillRef idx="1">
+        <a:scrgbClr r="0" g="0" b="0"/>
+      </a:fillRef>
+      <a:effectRef idx="2">
+        <a:scrgbClr r="0" g="0" b="0"/>
+      </a:effectRef>
+      <a:fontRef idx="minor"/>
+    </dgm:style>
+  </dgm:styleLbl>
+  <dgm:styleLbl name="fgAcc0">
+    <dgm:scene3d>
+      <a:camera prst="orthographicFront"/>
+      <a:lightRig rig="threePt" dir="t"/>
+    </dgm:scene3d>
+    <dgm:sp3d/>
+    <dgm:txPr/>
+    <dgm:style>
+      <a:lnRef idx="1">
+        <a:scrgbClr r="0" g="0" b="0"/>
+      </a:lnRef>
+      <a:fillRef idx="1">
+        <a:scrgbClr r="0" g="0" b="0"/>
+      </a:fillRef>
+      <a:effectRef idx="2">
+        <a:scrgbClr r="0" g="0" b="0"/>
+      </a:effectRef>
+      <a:fontRef idx="minor"/>
+    </dgm:style>
+  </dgm:styleLbl>
+  <dgm:styleLbl name="fgAcc2">
+    <dgm:scene3d>
+      <a:camera prst="orthographicFront"/>
+      <a:lightRig rig="threePt" dir="t"/>
+    </dgm:scene3d>
+    <dgm:sp3d/>
+    <dgm:txPr/>
+    <dgm:style>
+      <a:lnRef idx="1">
+        <a:scrgbClr r="0" g="0" b="0"/>
+      </a:lnRef>
+      <a:fillRef idx="1">
+        <a:scrgbClr r="0" g="0" b="0"/>
+      </a:fillRef>
+      <a:effectRef idx="2">
+        <a:scrgbClr r="0" g="0" b="0"/>
+      </a:effectRef>
+      <a:fontRef idx="minor"/>
+    </dgm:style>
+  </dgm:styleLbl>
+  <dgm:styleLbl name="fgAcc3">
+    <dgm:scene3d>
+      <a:camera prst="orthographicFront"/>
+      <a:lightRig rig="threePt" dir="t"/>
+    </dgm:scene3d>
+    <dgm:sp3d/>
+    <dgm:txPr/>
+    <dgm:style>
+      <a:lnRef idx="1">
+        <a:scrgbClr r="0" g="0" b="0"/>
+      </a:lnRef>
+      <a:fillRef idx="1">
+        <a:scrgbClr r="0" g="0" b="0"/>
+      </a:fillRef>
+      <a:effectRef idx="2">
+        <a:scrgbClr r="0" g="0" b="0"/>
+      </a:effectRef>
+      <a:fontRef idx="minor"/>
+    </dgm:style>
+  </dgm:styleLbl>
+  <dgm:styleLbl name="fgAcc4">
+    <dgm:scene3d>
+      <a:camera prst="orthographicFront"/>
+      <a:lightRig rig="threePt" dir="t"/>
+    </dgm:scene3d>
+    <dgm:sp3d/>
+    <dgm:txPr/>
+    <dgm:style>
+      <a:lnRef idx="1">
+        <a:scrgbClr r="0" g="0" b="0"/>
+      </a:lnRef>
+      <a:fillRef idx="1">
+        <a:scrgbClr r="0" g="0" b="0"/>
+      </a:fillRef>
+      <a:effectRef idx="2">
+        <a:scrgbClr r="0" g="0" b="0"/>
+      </a:effectRef>
+      <a:fontRef idx="minor"/>
+    </dgm:style>
+  </dgm:styleLbl>
+  <dgm:styleLbl name="bgShp">
+    <dgm:scene3d>
+      <a:camera prst="orthographicFront"/>
+      <a:lightRig rig="threePt" dir="t"/>
+    </dgm:scene3d>
+    <dgm:sp3d/>
+    <dgm:txPr/>
+    <dgm:style>
+      <a:lnRef idx="0">
+        <a:scrgbClr r="0" g="0" b="0"/>
+      </a:lnRef>
+      <a:fillRef idx="1">
+        <a:scrgbClr r="0" g="0" b="0"/>
+      </a:fillRef>
+      <a:effectRef idx="2">
+        <a:scrgbClr r="0" g="0" b="0"/>
+      </a:effectRef>
+      <a:fontRef idx="minor"/>
+    </dgm:style>
+  </dgm:styleLbl>
+  <dgm:styleLbl name="dkBgShp">
+    <dgm:scene3d>
+      <a:camera prst="orthographicFront"/>
+      <a:lightRig rig="threePt" dir="t"/>
+    </dgm:scene3d>
+    <dgm:sp3d/>
+    <dgm:txPr/>
+    <dgm:style>
+      <a:lnRef idx="0">
+        <a:scrgbClr r="0" g="0" b="0"/>
+      </a:lnRef>
+      <a:fillRef idx="1">
+        <a:scrgbClr r="0" g="0" b="0"/>
+      </a:fillRef>
+      <a:effectRef idx="3">
+        <a:scrgbClr r="0" g="0" b="0"/>
+      </a:effectRef>
+      <a:fontRef idx="minor"/>
+    </dgm:style>
+  </dgm:styleLbl>
+  <dgm:styleLbl name="trBgShp">
+    <dgm:scene3d>
+      <a:camera prst="orthographicFront"/>
+      <a:lightRig rig="threePt" dir="t"/>
+    </dgm:scene3d>
+    <dgm:sp3d/>
+    <dgm:txPr/>
+    <dgm:style>
+      <a:lnRef idx="0">
+        <a:scrgbClr r="0" g="0" b="0"/>
+      </a:lnRef>
+      <a:fillRef idx="1">
+        <a:scrgbClr r="0" g="0" b="0"/>
+      </a:fillRef>
+      <a:effectRef idx="0">
+        <a:scrgbClr r="0" g="0" b="0"/>
+      </a:effectRef>
+      <a:fontRef idx="minor"/>
+    </dgm:style>
+  </dgm:styleLbl>
+  <dgm:styleLbl name="fgShp">
+    <dgm:scene3d>
+      <a:camera prst="orthographicFront"/>
+      <a:lightRig rig="threePt" dir="t"/>
+    </dgm:scene3d>
+    <dgm:sp3d/>
+    <dgm:txPr/>
+    <dgm:style>
+      <a:lnRef idx="0">
+        <a:scrgbClr r="0" g="0" b="0"/>
+      </a:lnRef>
+      <a:fillRef idx="3">
+        <a:scrgbClr r="0" g="0" b="0"/>
+      </a:fillRef>
+      <a:effectRef idx="3">
+        <a:scrgbClr r="0" g="0" b="0"/>
+      </a:effectRef>
+      <a:fontRef idx="minor"/>
+    </dgm:style>
+  </dgm:styleLbl>
+  <dgm:styleLbl name="revTx">
+    <dgm:scene3d>
+      <a:camera prst="orthographicFront"/>
+      <a:lightRig rig="threePt" dir="t"/>
+    </dgm:scene3d>
+    <dgm:sp3d/>
+    <dgm:txPr/>
+    <dgm:style>
+      <a:lnRef idx="0">
+        <a:scrgbClr r="0" g="0" b="0"/>
+      </a:lnRef>
+      <a:fillRef idx="0">
+        <a:scrgbClr r="0" g="0" b="0"/>
+      </a:fillRef>
+      <a:effectRef idx="0">
+        <a:scrgbClr r="0" g="0" b="0"/>
+      </a:effectRef>
+      <a:fontRef idx="minor"/>
+    </dgm:style>
+  </dgm:styleLbl>
+</dgm:styleDef>
+</file>
+
 <file path=ppt/slideLayouts/slideLayout1.xml><?xml version="1.0" encoding="utf-8"?>
-<p:sldLayout xmlns:a="http://schemas.openxmlformats.org/drawingml/2006/main" xmlns:r="http://schemas.openxmlformats.org/officeDocument/2006/relationships" xmlns:p="http://schemas.openxmlformats.org/presentationml/2006/main" type="title" preserve="1">
+<p:sldLayout xmlns:a="http://schemas.openxmlformats.org/drawingml/2006/main" xmlns:r="http://schemas.openxmlformats.org/officeDocument/2006/relationships" xmlns:p="http://schemas.openxmlformats.org/presentationml/2006/main" showMasterSp="0" type="title" preserve="1">
   <p:cSld name="Title Slide">
     <p:spTree>
       <p:nvGrpSpPr>
@@ -143,6 +4084,261 @@
       </p:grpSpPr>
       <p:sp>
         <p:nvSpPr>
+          <p:cNvPr id="7" name="Rectangle 6"/>
+          <p:cNvSpPr/>
+          <p:nvPr/>
+        </p:nvSpPr>
+        <p:spPr>
+          <a:xfrm>
+            <a:off x="920834" y="1346946"/>
+            <a:ext cx="10222992" cy="80683"/>
+          </a:xfrm>
+          <a:prstGeom prst="rect">
+            <a:avLst/>
+          </a:prstGeom>
+          <a:blipFill dpi="0" rotWithShape="1">
+            <a:blip r:embed="rId2">
+              <a:alphaModFix amt="85000"/>
+              <a:lum bright="70000" contrast="-70000"/>
+              <a:extLst>
+                <a:ext uri="{BEBA8EAE-BF5A-486C-A8C5-ECC9F3942E4B}">
+                  <a14:imgProps xmlns:a14="http://schemas.microsoft.com/office/drawing/2010/main">
+                    <a14:imgLayer r:embed="rId3">
+                      <a14:imgEffect>
+                        <a14:sharpenSoften amount="61000"/>
+                      </a14:imgEffect>
+                    </a14:imgLayer>
+                  </a14:imgProps>
+                </a:ext>
+                <a:ext uri="{28A0092B-C50C-407E-A947-70E740481C1C}">
+                  <a14:useLocalDpi xmlns:a14="http://schemas.microsoft.com/office/drawing/2010/main" val="0"/>
+                </a:ext>
+              </a:extLst>
+            </a:blip>
+            <a:srcRect/>
+            <a:tile tx="0" ty="-762000" sx="92000" sy="89000" flip="xy" algn="ctr"/>
+          </a:blipFill>
+          <a:ln>
+            <a:noFill/>
+          </a:ln>
+        </p:spPr>
+        <p:style>
+          <a:lnRef idx="2">
+            <a:schemeClr val="accent1">
+              <a:shade val="50000"/>
+            </a:schemeClr>
+          </a:lnRef>
+          <a:fillRef idx="1">
+            <a:schemeClr val="accent1"/>
+          </a:fillRef>
+          <a:effectRef idx="0">
+            <a:schemeClr val="accent1"/>
+          </a:effectRef>
+          <a:fontRef idx="minor">
+            <a:schemeClr val="lt1"/>
+          </a:fontRef>
+        </p:style>
+      </p:sp>
+      <p:sp>
+        <p:nvSpPr>
+          <p:cNvPr id="8" name="Rectangle 7"/>
+          <p:cNvSpPr/>
+          <p:nvPr/>
+        </p:nvSpPr>
+        <p:spPr>
+          <a:xfrm>
+            <a:off x="920834" y="4299696"/>
+            <a:ext cx="10222992" cy="80683"/>
+          </a:xfrm>
+          <a:prstGeom prst="rect">
+            <a:avLst/>
+          </a:prstGeom>
+          <a:blipFill dpi="0" rotWithShape="1">
+            <a:blip r:embed="rId2">
+              <a:alphaModFix amt="85000"/>
+              <a:lum bright="70000" contrast="-70000"/>
+              <a:extLst>
+                <a:ext uri="{BEBA8EAE-BF5A-486C-A8C5-ECC9F3942E4B}">
+                  <a14:imgProps xmlns:a14="http://schemas.microsoft.com/office/drawing/2010/main">
+                    <a14:imgLayer r:embed="rId3">
+                      <a14:imgEffect>
+                        <a14:sharpenSoften amount="61000"/>
+                      </a14:imgEffect>
+                    </a14:imgLayer>
+                  </a14:imgProps>
+                </a:ext>
+                <a:ext uri="{28A0092B-C50C-407E-A947-70E740481C1C}">
+                  <a14:useLocalDpi xmlns:a14="http://schemas.microsoft.com/office/drawing/2010/main" val="0"/>
+                </a:ext>
+              </a:extLst>
+            </a:blip>
+            <a:srcRect/>
+            <a:tile tx="0" ty="-717550" sx="92000" sy="89000" flip="xy" algn="ctr"/>
+          </a:blipFill>
+          <a:ln>
+            <a:noFill/>
+          </a:ln>
+        </p:spPr>
+        <p:style>
+          <a:lnRef idx="2">
+            <a:schemeClr val="accent1">
+              <a:shade val="50000"/>
+            </a:schemeClr>
+          </a:lnRef>
+          <a:fillRef idx="1">
+            <a:schemeClr val="accent1"/>
+          </a:fillRef>
+          <a:effectRef idx="0">
+            <a:schemeClr val="accent1"/>
+          </a:effectRef>
+          <a:fontRef idx="minor">
+            <a:schemeClr val="lt1"/>
+          </a:fontRef>
+        </p:style>
+      </p:sp>
+      <p:sp>
+        <p:nvSpPr>
+          <p:cNvPr id="9" name="Rectangle 8"/>
+          <p:cNvSpPr/>
+          <p:nvPr/>
+        </p:nvSpPr>
+        <p:spPr>
+          <a:xfrm>
+            <a:off x="920834" y="1484779"/>
+            <a:ext cx="10222992" cy="2743200"/>
+          </a:xfrm>
+          <a:prstGeom prst="rect">
+            <a:avLst/>
+          </a:prstGeom>
+          <a:blipFill dpi="0" rotWithShape="1">
+            <a:blip r:embed="rId2">
+              <a:alphaModFix amt="85000"/>
+              <a:lum bright="70000" contrast="-70000"/>
+              <a:extLst>
+                <a:ext uri="{BEBA8EAE-BF5A-486C-A8C5-ECC9F3942E4B}">
+                  <a14:imgProps xmlns:a14="http://schemas.microsoft.com/office/drawing/2010/main">
+                    <a14:imgLayer r:embed="rId3">
+                      <a14:imgEffect>
+                        <a14:sharpenSoften amount="61000"/>
+                      </a14:imgEffect>
+                    </a14:imgLayer>
+                  </a14:imgProps>
+                </a:ext>
+                <a:ext uri="{28A0092B-C50C-407E-A947-70E740481C1C}">
+                  <a14:useLocalDpi xmlns:a14="http://schemas.microsoft.com/office/drawing/2010/main" val="0"/>
+                </a:ext>
+              </a:extLst>
+            </a:blip>
+            <a:srcRect/>
+            <a:tile tx="0" ty="-704850" sx="92000" sy="89000" flip="xy" algn="ctr"/>
+          </a:blipFill>
+          <a:ln>
+            <a:noFill/>
+          </a:ln>
+        </p:spPr>
+        <p:style>
+          <a:lnRef idx="2">
+            <a:schemeClr val="accent1">
+              <a:shade val="50000"/>
+            </a:schemeClr>
+          </a:lnRef>
+          <a:fillRef idx="1">
+            <a:schemeClr val="accent1"/>
+          </a:fillRef>
+          <a:effectRef idx="0">
+            <a:schemeClr val="accent1"/>
+          </a:effectRef>
+          <a:fontRef idx="minor">
+            <a:schemeClr val="lt1"/>
+          </a:fontRef>
+        </p:style>
+      </p:sp>
+      <p:grpSp>
+        <p:nvGrpSpPr>
+          <p:cNvPr id="10" name="Group 9"/>
+          <p:cNvGrpSpPr/>
+          <p:nvPr/>
+        </p:nvGrpSpPr>
+        <p:grpSpPr>
+          <a:xfrm>
+            <a:off x="9649215" y="4068923"/>
+            <a:ext cx="1080904" cy="1080902"/>
+            <a:chOff x="9685338" y="4460675"/>
+            <a:chExt cx="1080904" cy="1080902"/>
+          </a:xfrm>
+        </p:grpSpPr>
+        <p:sp>
+          <p:nvSpPr>
+            <p:cNvPr id="11" name="Oval 10"/>
+            <p:cNvSpPr/>
+            <p:nvPr/>
+          </p:nvSpPr>
+          <p:spPr>
+            <a:xfrm>
+              <a:off x="9685338" y="4460675"/>
+              <a:ext cx="1080904" cy="1080902"/>
+            </a:xfrm>
+            <a:prstGeom prst="ellipse">
+              <a:avLst/>
+            </a:prstGeom>
+            <a:blipFill dpi="0" rotWithShape="1">
+              <a:blip r:embed="rId4">
+                <a:duotone>
+                  <a:schemeClr val="accent1">
+                    <a:shade val="45000"/>
+                    <a:satMod val="135000"/>
+                  </a:schemeClr>
+                  <a:prstClr val="white"/>
+                </a:duotone>
+                <a:extLst>
+                  <a:ext uri="{BEBA8EAE-BF5A-486C-A8C5-ECC9F3942E4B}">
+                    <a14:imgProps xmlns:a14="http://schemas.microsoft.com/office/drawing/2010/main">
+                      <a14:imgLayer r:embed="rId5">
+                        <a14:imgEffect>
+                          <a14:saturation sat="95000"/>
+                        </a14:imgEffect>
+                      </a14:imgLayer>
+                    </a14:imgProps>
+                  </a:ext>
+                </a:extLst>
+              </a:blip>
+              <a:srcRect/>
+              <a:tile tx="0" ty="0" sx="85000" sy="85000" flip="none" algn="tl"/>
+            </a:blipFill>
+            <a:ln w="25400" cap="flat" cmpd="sng" algn="ctr">
+              <a:noFill/>
+              <a:prstDash val="solid"/>
+            </a:ln>
+            <a:effectLst/>
+          </p:spPr>
+        </p:sp>
+        <p:sp>
+          <p:nvSpPr>
+            <p:cNvPr id="12" name="Oval 11"/>
+            <p:cNvSpPr/>
+            <p:nvPr/>
+          </p:nvSpPr>
+          <p:spPr>
+            <a:xfrm>
+              <a:off x="9793429" y="4568765"/>
+              <a:ext cx="864723" cy="864722"/>
+            </a:xfrm>
+            <a:prstGeom prst="ellipse">
+              <a:avLst/>
+            </a:prstGeom>
+            <a:noFill/>
+            <a:ln w="25400" cap="flat" cmpd="sng" algn="ctr">
+              <a:solidFill>
+                <a:sysClr val="window" lastClr="FFFFFF"/>
+              </a:solidFill>
+              <a:prstDash val="solid"/>
+            </a:ln>
+            <a:effectLst/>
+          </p:spPr>
+        </p:sp>
+      </p:grpSp>
+      <p:sp>
+        <p:nvSpPr>
           <p:cNvPr id="2" name="Title 1"/>
           <p:cNvSpPr>
             <a:spLocks noGrp="1"/>
@@ -153,15 +4349,26 @@
         </p:nvSpPr>
         <p:spPr>
           <a:xfrm>
-            <a:off x="1524000" y="1122363"/>
-            <a:ext cx="9144000" cy="2387600"/>
+            <a:off x="1051560" y="1432223"/>
+            <a:ext cx="9966960" cy="3035808"/>
           </a:xfrm>
         </p:spPr>
         <p:txBody>
-          <a:bodyPr anchor="b"/>
+          <a:bodyPr anchor="ctr">
+            <a:noAutofit/>
+          </a:bodyPr>
           <a:lstStyle>
-            <a:lvl1pPr algn="ctr">
-              <a:defRPr sz="6000"/>
+            <a:lvl1pPr algn="l">
+              <a:lnSpc>
+                <a:spcPct val="80000"/>
+              </a:lnSpc>
+              <a:defRPr sz="9600" cap="all" baseline="0">
+                <a:blipFill dpi="0" rotWithShape="1">
+                  <a:blip r:embed="rId4"/>
+                  <a:srcRect/>
+                  <a:tile tx="6350" ty="-127000" sx="65000" sy="64000" flip="none" algn="tl"/>
+                </a:blipFill>
+              </a:defRPr>
             </a:lvl1pPr>
           </a:lstStyle>
           <a:p>
@@ -185,48 +4392,54 @@
         </p:nvSpPr>
         <p:spPr>
           <a:xfrm>
-            <a:off x="1524000" y="3602038"/>
-            <a:ext cx="9144000" cy="1655762"/>
+            <a:off x="1069848" y="4389120"/>
+            <a:ext cx="7891272" cy="1069848"/>
           </a:xfrm>
         </p:spPr>
         <p:txBody>
-          <a:bodyPr/>
+          <a:bodyPr>
+            <a:normAutofit/>
+          </a:bodyPr>
           <a:lstStyle>
-            <a:lvl1pPr marL="0" indent="0" algn="ctr">
+            <a:lvl1pPr marL="0" indent="0" algn="l">
               <a:buNone/>
-              <a:defRPr sz="2400"/>
+              <a:defRPr sz="2200">
+                <a:solidFill>
+                  <a:schemeClr val="tx1"/>
+                </a:solidFill>
+              </a:defRPr>
             </a:lvl1pPr>
             <a:lvl2pPr marL="457200" indent="0" algn="ctr">
               <a:buNone/>
-              <a:defRPr sz="2000"/>
+              <a:defRPr sz="2200"/>
             </a:lvl2pPr>
             <a:lvl3pPr marL="914400" indent="0" algn="ctr">
               <a:buNone/>
-              <a:defRPr sz="1800"/>
+              <a:defRPr sz="2200"/>
             </a:lvl3pPr>
             <a:lvl4pPr marL="1371600" indent="0" algn="ctr">
               <a:buNone/>
-              <a:defRPr sz="1600"/>
+              <a:defRPr sz="2000"/>
             </a:lvl4pPr>
             <a:lvl5pPr marL="1828800" indent="0" algn="ctr">
               <a:buNone/>
-              <a:defRPr sz="1600"/>
+              <a:defRPr sz="2000"/>
             </a:lvl5pPr>
             <a:lvl6pPr marL="2286000" indent="0" algn="ctr">
               <a:buNone/>
-              <a:defRPr sz="1600"/>
+              <a:defRPr sz="2000"/>
             </a:lvl6pPr>
             <a:lvl7pPr marL="2743200" indent="0" algn="ctr">
               <a:buNone/>
-              <a:defRPr sz="1600"/>
+              <a:defRPr sz="2000"/>
             </a:lvl7pPr>
             <a:lvl8pPr marL="3200400" indent="0" algn="ctr">
               <a:buNone/>
-              <a:defRPr sz="1600"/>
+              <a:defRPr sz="2000"/>
             </a:lvl8pPr>
             <a:lvl9pPr marL="3657600" indent="0" algn="ctr">
               <a:buNone/>
-              <a:defRPr sz="1600"/>
+              <a:defRPr sz="2000"/>
             </a:lvl9pPr>
           </a:lstStyle>
           <a:p>
@@ -290,10 +4503,19 @@
             <p:ph type="sldNum" sz="quarter" idx="12"/>
           </p:nvPr>
         </p:nvSpPr>
-        <p:spPr/>
+        <p:spPr>
+          <a:xfrm>
+            <a:off x="9592733" y="4289334"/>
+            <a:ext cx="1193868" cy="640080"/>
+          </a:xfrm>
+        </p:spPr>
         <p:txBody>
           <a:bodyPr/>
-          <a:lstStyle/>
+          <a:lstStyle>
+            <a:lvl1pPr>
+              <a:defRPr sz="2800"/>
+            </a:lvl1pPr>
+          </a:lstStyle>
           <a:p>
             <a:fld id="{330EA680-D336-4FF7-8B7A-9848BB0A1C32}" type="slidenum">
               <a:rPr lang="en-US" smtClean="0"/>
@@ -306,7 +4528,7 @@
     </p:spTree>
     <p:extLst>
       <p:ext uri="{BB962C8B-B14F-4D97-AF65-F5344CB8AC3E}">
-        <p14:creationId xmlns:p14="http://schemas.microsoft.com/office/powerpoint/2010/main" val="2385387890"/>
+        <p14:creationId xmlns:p14="http://schemas.microsoft.com/office/powerpoint/2010/main" val="3084190883"/>
       </p:ext>
     </p:extLst>
   </p:cSld>
@@ -476,7 +4698,7 @@
     </p:spTree>
     <p:extLst>
       <p:ext uri="{BB962C8B-B14F-4D97-AF65-F5344CB8AC3E}">
-        <p14:creationId xmlns:p14="http://schemas.microsoft.com/office/powerpoint/2010/main" val="2202905451"/>
+        <p14:creationId xmlns:p14="http://schemas.microsoft.com/office/powerpoint/2010/main" val="619163678"/>
       </p:ext>
     </p:extLst>
   </p:cSld>
@@ -515,8 +4737,8 @@
         </p:nvSpPr>
         <p:spPr>
           <a:xfrm>
-            <a:off x="8724900" y="365125"/>
-            <a:ext cx="2628900" cy="5811838"/>
+            <a:off x="8724900" y="533400"/>
+            <a:ext cx="2552700" cy="5638800"/>
           </a:xfrm>
         </p:spPr>
         <p:txBody>
@@ -543,8 +4765,8 @@
         </p:nvSpPr>
         <p:spPr>
           <a:xfrm>
-            <a:off x="838200" y="365125"/>
-            <a:ext cx="7734300" cy="5811838"/>
+            <a:off x="1066800" y="533400"/>
+            <a:ext cx="7505700" cy="5638800"/>
           </a:xfrm>
         </p:spPr>
         <p:txBody>
@@ -656,7 +4878,7 @@
     </p:spTree>
     <p:extLst>
       <p:ext uri="{BB962C8B-B14F-4D97-AF65-F5344CB8AC3E}">
-        <p14:creationId xmlns:p14="http://schemas.microsoft.com/office/powerpoint/2010/main" val="3479445657"/>
+        <p14:creationId xmlns:p14="http://schemas.microsoft.com/office/powerpoint/2010/main" val="760358390"/>
       </p:ext>
     </p:extLst>
   </p:cSld>
@@ -826,7 +5048,7 @@
     </p:spTree>
     <p:extLst>
       <p:ext uri="{BB962C8B-B14F-4D97-AF65-F5344CB8AC3E}">
-        <p14:creationId xmlns:p14="http://schemas.microsoft.com/office/powerpoint/2010/main" val="949138452"/>
+        <p14:creationId xmlns:p14="http://schemas.microsoft.com/office/powerpoint/2010/main" val="3813824457"/>
       </p:ext>
     </p:extLst>
   </p:cSld>
@@ -837,7 +5059,7 @@
 </file>
 
 <file path=ppt/slideLayouts/slideLayout3.xml><?xml version="1.0" encoding="utf-8"?>
-<p:sldLayout xmlns:a="http://schemas.openxmlformats.org/drawingml/2006/main" xmlns:r="http://schemas.openxmlformats.org/officeDocument/2006/relationships" xmlns:p="http://schemas.openxmlformats.org/presentationml/2006/main" type="secHead" preserve="1">
+<p:sldLayout xmlns:a="http://schemas.openxmlformats.org/drawingml/2006/main" xmlns:r="http://schemas.openxmlformats.org/officeDocument/2006/relationships" xmlns:p="http://schemas.openxmlformats.org/presentationml/2006/main" showMasterSp="0" type="secHead" preserve="1">
   <p:cSld name="Section Header">
     <p:spTree>
       <p:nvGrpSpPr>
@@ -855,6 +5077,63 @@
       </p:grpSpPr>
       <p:sp>
         <p:nvSpPr>
+          <p:cNvPr id="7" name="Rectangle 6"/>
+          <p:cNvSpPr/>
+          <p:nvPr/>
+        </p:nvSpPr>
+        <p:spPr>
+          <a:xfrm>
+            <a:off x="0" y="4917989"/>
+            <a:ext cx="12192000" cy="1940010"/>
+          </a:xfrm>
+          <a:prstGeom prst="rect">
+            <a:avLst/>
+          </a:prstGeom>
+          <a:blipFill dpi="0" rotWithShape="1">
+            <a:blip r:embed="rId2">
+              <a:alphaModFix amt="85000"/>
+              <a:lum bright="70000" contrast="-70000"/>
+              <a:extLst>
+                <a:ext uri="{BEBA8EAE-BF5A-486C-A8C5-ECC9F3942E4B}">
+                  <a14:imgProps xmlns:a14="http://schemas.microsoft.com/office/drawing/2010/main">
+                    <a14:imgLayer r:embed="rId3">
+                      <a14:imgEffect>
+                        <a14:sharpenSoften amount="61000"/>
+                      </a14:imgEffect>
+                    </a14:imgLayer>
+                  </a14:imgProps>
+                </a:ext>
+                <a:ext uri="{28A0092B-C50C-407E-A947-70E740481C1C}">
+                  <a14:useLocalDpi xmlns:a14="http://schemas.microsoft.com/office/drawing/2010/main" val="0"/>
+                </a:ext>
+              </a:extLst>
+            </a:blip>
+            <a:srcRect/>
+            <a:tile tx="0" ty="-704850" sx="92000" sy="89000" flip="xy" algn="ctr"/>
+          </a:blipFill>
+          <a:ln>
+            <a:noFill/>
+          </a:ln>
+        </p:spPr>
+        <p:style>
+          <a:lnRef idx="2">
+            <a:schemeClr val="accent1">
+              <a:shade val="50000"/>
+            </a:schemeClr>
+          </a:lnRef>
+          <a:fillRef idx="1">
+            <a:schemeClr val="accent1"/>
+          </a:fillRef>
+          <a:effectRef idx="0">
+            <a:schemeClr val="accent1"/>
+          </a:effectRef>
+          <a:fontRef idx="minor">
+            <a:schemeClr val="lt1"/>
+          </a:fontRef>
+        </p:style>
+      </p:sp>
+      <p:sp>
+        <p:nvSpPr>
           <p:cNvPr id="2" name="Title 1"/>
           <p:cNvSpPr>
             <a:spLocks noGrp="1"/>
@@ -865,15 +5144,20 @@
         </p:nvSpPr>
         <p:spPr>
           <a:xfrm>
-            <a:off x="831850" y="1709738"/>
-            <a:ext cx="10515600" cy="2852737"/>
+            <a:off x="2167128" y="1225296"/>
+            <a:ext cx="9281160" cy="3520440"/>
           </a:xfrm>
         </p:spPr>
         <p:txBody>
-          <a:bodyPr anchor="b"/>
+          <a:bodyPr anchor="ctr">
+            <a:normAutofit/>
+          </a:bodyPr>
           <a:lstStyle>
             <a:lvl1pPr>
-              <a:defRPr sz="6000"/>
+              <a:lnSpc>
+                <a:spcPct val="80000"/>
+              </a:lnSpc>
+              <a:defRPr sz="8000" b="0"/>
             </a:lvl1pPr>
           </a:lstStyle>
           <a:p>
@@ -897,26 +5181,26 @@
         </p:nvSpPr>
         <p:spPr>
           <a:xfrm>
-            <a:off x="831850" y="4589463"/>
-            <a:ext cx="10515600" cy="1500187"/>
+            <a:off x="2165774" y="5020056"/>
+            <a:ext cx="9052560" cy="1066800"/>
           </a:xfrm>
         </p:spPr>
         <p:txBody>
-          <a:bodyPr/>
+          <a:bodyPr anchor="t">
+            <a:normAutofit/>
+          </a:bodyPr>
           <a:lstStyle>
             <a:lvl1pPr marL="0" indent="0">
               <a:buNone/>
-              <a:defRPr sz="2400">
+              <a:defRPr sz="2000">
                 <a:solidFill>
-                  <a:schemeClr val="tx1">
-                    <a:tint val="75000"/>
-                  </a:schemeClr>
+                  <a:schemeClr val="tx1"/>
                 </a:solidFill>
               </a:defRPr>
             </a:lvl1pPr>
             <a:lvl2pPr marL="457200" indent="0">
               <a:buNone/>
-              <a:defRPr sz="2000">
+              <a:defRPr sz="1800">
                 <a:solidFill>
                   <a:schemeClr val="tx1">
                     <a:tint val="75000"/>
@@ -926,7 +5210,7 @@
             </a:lvl2pPr>
             <a:lvl3pPr marL="914400" indent="0">
               <a:buNone/>
-              <a:defRPr sz="1800">
+              <a:defRPr sz="1600">
                 <a:solidFill>
                   <a:schemeClr val="tx1">
                     <a:tint val="75000"/>
@@ -936,7 +5220,7 @@
             </a:lvl3pPr>
             <a:lvl4pPr marL="1371600" indent="0">
               <a:buNone/>
-              <a:defRPr sz="1600">
+              <a:defRPr sz="1400">
                 <a:solidFill>
                   <a:schemeClr val="tx1">
                     <a:tint val="75000"/>
@@ -946,7 +5230,7 @@
             </a:lvl4pPr>
             <a:lvl5pPr marL="1828800" indent="0">
               <a:buNone/>
-              <a:defRPr sz="1600">
+              <a:defRPr sz="1400">
                 <a:solidFill>
                   <a:schemeClr val="tx1">
                     <a:tint val="75000"/>
@@ -956,7 +5240,7 @@
             </a:lvl5pPr>
             <a:lvl6pPr marL="2286000" indent="0">
               <a:buNone/>
-              <a:defRPr sz="1600">
+              <a:defRPr sz="1400">
                 <a:solidFill>
                   <a:schemeClr val="tx1">
                     <a:tint val="75000"/>
@@ -966,7 +5250,7 @@
             </a:lvl6pPr>
             <a:lvl7pPr marL="2743200" indent="0">
               <a:buNone/>
-              <a:defRPr sz="1600">
+              <a:defRPr sz="1400">
                 <a:solidFill>
                   <a:schemeClr val="tx1">
                     <a:tint val="75000"/>
@@ -976,7 +5260,7 @@
             </a:lvl7pPr>
             <a:lvl8pPr marL="3200400" indent="0">
               <a:buNone/>
-              <a:defRPr sz="1600">
+              <a:defRPr sz="1400">
                 <a:solidFill>
                   <a:schemeClr val="tx1">
                     <a:tint val="75000"/>
@@ -986,7 +5270,7 @@
             </a:lvl8pPr>
             <a:lvl9pPr marL="3657600" indent="0">
               <a:buNone/>
-              <a:defRPr sz="1600">
+              <a:defRPr sz="1400">
                 <a:solidFill>
                   <a:schemeClr val="tx1">
                     <a:tint val="75000"/>
@@ -1014,7 +5298,12 @@
             <p:ph type="dt" sz="half" idx="10"/>
           </p:nvPr>
         </p:nvSpPr>
-        <p:spPr/>
+        <p:spPr>
+          <a:xfrm>
+            <a:off x="8593667" y="6272784"/>
+            <a:ext cx="2644309" cy="365125"/>
+          </a:xfrm>
+        </p:spPr>
         <p:txBody>
           <a:bodyPr/>
           <a:lstStyle/>
@@ -1037,7 +5326,12 @@
             <p:ph type="ftr" sz="quarter" idx="11"/>
           </p:nvPr>
         </p:nvSpPr>
-        <p:spPr/>
+        <p:spPr>
+          <a:xfrm>
+            <a:off x="2182708" y="6272784"/>
+            <a:ext cx="6327648" cy="365125"/>
+          </a:xfrm>
+        </p:spPr>
         <p:txBody>
           <a:bodyPr/>
           <a:lstStyle/>
@@ -1046,6 +5340,90 @@
           </a:p>
         </p:txBody>
       </p:sp>
+      <p:grpSp>
+        <p:nvGrpSpPr>
+          <p:cNvPr id="8" name="Group 7"/>
+          <p:cNvGrpSpPr/>
+          <p:nvPr/>
+        </p:nvGrpSpPr>
+        <p:grpSpPr>
+          <a:xfrm>
+            <a:off x="897399" y="2325848"/>
+            <a:ext cx="1080904" cy="1080902"/>
+            <a:chOff x="9685338" y="4460675"/>
+            <a:chExt cx="1080904" cy="1080902"/>
+          </a:xfrm>
+        </p:grpSpPr>
+        <p:sp>
+          <p:nvSpPr>
+            <p:cNvPr id="9" name="Oval 8"/>
+            <p:cNvSpPr/>
+            <p:nvPr/>
+          </p:nvSpPr>
+          <p:spPr>
+            <a:xfrm>
+              <a:off x="9685338" y="4460675"/>
+              <a:ext cx="1080904" cy="1080902"/>
+            </a:xfrm>
+            <a:prstGeom prst="ellipse">
+              <a:avLst/>
+            </a:prstGeom>
+            <a:blipFill dpi="0" rotWithShape="1">
+              <a:blip r:embed="rId4">
+                <a:duotone>
+                  <a:schemeClr val="accent1">
+                    <a:shade val="45000"/>
+                    <a:satMod val="135000"/>
+                  </a:schemeClr>
+                  <a:prstClr val="white"/>
+                </a:duotone>
+                <a:extLst>
+                  <a:ext uri="{BEBA8EAE-BF5A-486C-A8C5-ECC9F3942E4B}">
+                    <a14:imgProps xmlns:a14="http://schemas.microsoft.com/office/drawing/2010/main">
+                      <a14:imgLayer r:embed="rId5">
+                        <a14:imgEffect>
+                          <a14:saturation sat="95000"/>
+                        </a14:imgEffect>
+                      </a14:imgLayer>
+                    </a14:imgProps>
+                  </a:ext>
+                </a:extLst>
+              </a:blip>
+              <a:srcRect/>
+              <a:tile tx="0" ty="0" sx="85000" sy="85000" flip="none" algn="tl"/>
+            </a:blipFill>
+            <a:ln w="25400" cap="flat" cmpd="sng" algn="ctr">
+              <a:noFill/>
+              <a:prstDash val="solid"/>
+            </a:ln>
+            <a:effectLst/>
+          </p:spPr>
+        </p:sp>
+        <p:sp>
+          <p:nvSpPr>
+            <p:cNvPr id="10" name="Oval 9"/>
+            <p:cNvSpPr/>
+            <p:nvPr/>
+          </p:nvSpPr>
+          <p:spPr>
+            <a:xfrm>
+              <a:off x="9793429" y="4568765"/>
+              <a:ext cx="864723" cy="864722"/>
+            </a:xfrm>
+            <a:prstGeom prst="ellipse">
+              <a:avLst/>
+            </a:prstGeom>
+            <a:noFill/>
+            <a:ln w="25400" cap="flat" cmpd="sng" algn="ctr">
+              <a:solidFill>
+                <a:sysClr val="window" lastClr="FFFFFF"/>
+              </a:solidFill>
+              <a:prstDash val="solid"/>
+            </a:ln>
+            <a:effectLst/>
+          </p:spPr>
+        </p:sp>
+      </p:grpSp>
       <p:sp>
         <p:nvSpPr>
           <p:cNvPr id="6" name="Slide Number Placeholder 5"/>
@@ -1056,10 +5434,19 @@
             <p:ph type="sldNum" sz="quarter" idx="12"/>
           </p:nvPr>
         </p:nvSpPr>
-        <p:spPr/>
+        <p:spPr>
+          <a:xfrm>
+            <a:off x="843702" y="2506133"/>
+            <a:ext cx="1188298" cy="720332"/>
+          </a:xfrm>
+        </p:spPr>
         <p:txBody>
           <a:bodyPr/>
-          <a:lstStyle/>
+          <a:lstStyle>
+            <a:lvl1pPr>
+              <a:defRPr sz="2800"/>
+            </a:lvl1pPr>
+          </a:lstStyle>
           <a:p>
             <a:fld id="{330EA680-D336-4FF7-8B7A-9848BB0A1C32}" type="slidenum">
               <a:rPr lang="en-US" smtClean="0"/>
@@ -1072,7 +5459,7 @@
     </p:spTree>
     <p:extLst>
       <p:ext uri="{BB962C8B-B14F-4D97-AF65-F5344CB8AC3E}">
-        <p14:creationId xmlns:p14="http://schemas.microsoft.com/office/powerpoint/2010/main" val="2591524520"/>
+        <p14:creationId xmlns:p14="http://schemas.microsoft.com/office/powerpoint/2010/main" val="3334111184"/>
       </p:ext>
     </p:extLst>
   </p:cSld>
@@ -1134,13 +5521,41 @@
         </p:nvSpPr>
         <p:spPr>
           <a:xfrm>
-            <a:off x="838200" y="1825625"/>
-            <a:ext cx="5181600" cy="4351338"/>
+            <a:off x="1069848" y="2194560"/>
+            <a:ext cx="4754880" cy="3977640"/>
           </a:xfrm>
         </p:spPr>
         <p:txBody>
           <a:bodyPr/>
-          <a:lstStyle/>
+          <a:lstStyle>
+            <a:lvl1pPr>
+              <a:defRPr sz="2000"/>
+            </a:lvl1pPr>
+            <a:lvl2pPr>
+              <a:defRPr sz="1800"/>
+            </a:lvl2pPr>
+            <a:lvl3pPr>
+              <a:defRPr sz="1600"/>
+            </a:lvl3pPr>
+            <a:lvl4pPr>
+              <a:defRPr sz="1600"/>
+            </a:lvl4pPr>
+            <a:lvl5pPr>
+              <a:defRPr sz="1600"/>
+            </a:lvl5pPr>
+            <a:lvl6pPr>
+              <a:defRPr sz="1600"/>
+            </a:lvl6pPr>
+            <a:lvl7pPr>
+              <a:defRPr sz="1600"/>
+            </a:lvl7pPr>
+            <a:lvl8pPr>
+              <a:defRPr sz="1600"/>
+            </a:lvl8pPr>
+            <a:lvl9pPr>
+              <a:defRPr sz="1600"/>
+            </a:lvl9pPr>
+          </a:lstStyle>
           <a:p>
             <a:pPr lvl="0"/>
             <a:r>
@@ -1191,13 +5606,41 @@
         </p:nvSpPr>
         <p:spPr>
           <a:xfrm>
-            <a:off x="6172200" y="1825625"/>
-            <a:ext cx="5181600" cy="4351338"/>
+            <a:off x="6364224" y="2194560"/>
+            <a:ext cx="4754880" cy="3977640"/>
           </a:xfrm>
         </p:spPr>
         <p:txBody>
           <a:bodyPr/>
-          <a:lstStyle/>
+          <a:lstStyle>
+            <a:lvl1pPr>
+              <a:defRPr sz="2000"/>
+            </a:lvl1pPr>
+            <a:lvl2pPr>
+              <a:defRPr sz="1800"/>
+            </a:lvl2pPr>
+            <a:lvl3pPr>
+              <a:defRPr sz="1600"/>
+            </a:lvl3pPr>
+            <a:lvl4pPr>
+              <a:defRPr sz="1600"/>
+            </a:lvl4pPr>
+            <a:lvl5pPr>
+              <a:defRPr sz="1600"/>
+            </a:lvl5pPr>
+            <a:lvl6pPr>
+              <a:defRPr sz="1600"/>
+            </a:lvl6pPr>
+            <a:lvl7pPr>
+              <a:defRPr sz="1600"/>
+            </a:lvl7pPr>
+            <a:lvl8pPr>
+              <a:defRPr sz="1600"/>
+            </a:lvl8pPr>
+            <a:lvl9pPr>
+              <a:defRPr sz="1600"/>
+            </a:lvl9pPr>
+          </a:lstStyle>
           <a:p>
             <a:pPr lvl="0"/>
             <a:r>
@@ -1304,7 +5747,7 @@
     </p:spTree>
     <p:extLst>
       <p:ext uri="{BB962C8B-B14F-4D97-AF65-F5344CB8AC3E}">
-        <p14:creationId xmlns:p14="http://schemas.microsoft.com/office/powerpoint/2010/main" val="1203092039"/>
+        <p14:creationId xmlns:p14="http://schemas.microsoft.com/office/powerpoint/2010/main" val="794252054"/>
       </p:ext>
     </p:extLst>
   </p:cSld>
@@ -1333,7 +5776,7 @@
       </p:grpSpPr>
       <p:sp>
         <p:nvSpPr>
-          <p:cNvPr id="2" name="Title 1"/>
+          <p:cNvPr id="10" name="Title 9"/>
           <p:cNvSpPr>
             <a:spLocks noGrp="1"/>
           </p:cNvSpPr>
@@ -1341,12 +5784,7 @@
             <p:ph type="title"/>
           </p:nvPr>
         </p:nvSpPr>
-        <p:spPr>
-          <a:xfrm>
-            <a:off x="839788" y="365125"/>
-            <a:ext cx="10515600" cy="1325563"/>
-          </a:xfrm>
-        </p:spPr>
+        <p:spPr/>
         <p:txBody>
           <a:bodyPr/>
           <a:lstStyle/>
@@ -1371,16 +5809,24 @@
         </p:nvSpPr>
         <p:spPr>
           <a:xfrm>
-            <a:off x="839788" y="1681163"/>
-            <a:ext cx="5157787" cy="823912"/>
+            <a:off x="1066800" y="2048256"/>
+            <a:ext cx="4754880" cy="640080"/>
           </a:xfrm>
         </p:spPr>
         <p:txBody>
-          <a:bodyPr anchor="b"/>
+          <a:bodyPr anchor="ctr">
+            <a:normAutofit/>
+          </a:bodyPr>
           <a:lstStyle>
             <a:lvl1pPr marL="0" indent="0">
               <a:buNone/>
-              <a:defRPr sz="2400" b="1"/>
+              <a:defRPr sz="2000" b="1">
+                <a:solidFill>
+                  <a:schemeClr val="accent1">
+                    <a:lumMod val="75000"/>
+                  </a:schemeClr>
+                </a:solidFill>
+              </a:defRPr>
             </a:lvl1pPr>
             <a:lvl2pPr marL="457200" indent="0">
               <a:buNone/>
@@ -1436,13 +5882,41 @@
         </p:nvSpPr>
         <p:spPr>
           <a:xfrm>
-            <a:off x="839788" y="2505075"/>
-            <a:ext cx="5157787" cy="3684588"/>
+            <a:off x="1069848" y="2743200"/>
+            <a:ext cx="4754880" cy="3291840"/>
           </a:xfrm>
         </p:spPr>
         <p:txBody>
           <a:bodyPr/>
-          <a:lstStyle/>
+          <a:lstStyle>
+            <a:lvl1pPr>
+              <a:defRPr sz="2000"/>
+            </a:lvl1pPr>
+            <a:lvl2pPr>
+              <a:defRPr sz="1800"/>
+            </a:lvl2pPr>
+            <a:lvl3pPr>
+              <a:defRPr sz="1600"/>
+            </a:lvl3pPr>
+            <a:lvl4pPr>
+              <a:defRPr sz="1600"/>
+            </a:lvl4pPr>
+            <a:lvl5pPr>
+              <a:defRPr sz="1600"/>
+            </a:lvl5pPr>
+            <a:lvl6pPr>
+              <a:defRPr sz="1600"/>
+            </a:lvl6pPr>
+            <a:lvl7pPr>
+              <a:defRPr sz="1600"/>
+            </a:lvl7pPr>
+            <a:lvl8pPr>
+              <a:defRPr sz="1600"/>
+            </a:lvl8pPr>
+            <a:lvl9pPr>
+              <a:defRPr sz="1600"/>
+            </a:lvl9pPr>
+          </a:lstStyle>
           <a:p>
             <a:pPr lvl="0"/>
             <a:r>
@@ -1493,16 +5967,24 @@
         </p:nvSpPr>
         <p:spPr>
           <a:xfrm>
-            <a:off x="6172200" y="1681163"/>
-            <a:ext cx="5183188" cy="823912"/>
+            <a:off x="6364224" y="2048256"/>
+            <a:ext cx="4754880" cy="640080"/>
           </a:xfrm>
         </p:spPr>
         <p:txBody>
-          <a:bodyPr anchor="b"/>
+          <a:bodyPr anchor="ctr">
+            <a:normAutofit/>
+          </a:bodyPr>
           <a:lstStyle>
             <a:lvl1pPr marL="0" indent="0">
               <a:buNone/>
-              <a:defRPr sz="2400" b="1"/>
+              <a:defRPr sz="2000" b="1">
+                <a:solidFill>
+                  <a:schemeClr val="accent1">
+                    <a:lumMod val="75000"/>
+                  </a:schemeClr>
+                </a:solidFill>
+              </a:defRPr>
             </a:lvl1pPr>
             <a:lvl2pPr marL="457200" indent="0">
               <a:buNone/>
@@ -1558,13 +6040,41 @@
         </p:nvSpPr>
         <p:spPr>
           <a:xfrm>
-            <a:off x="6172200" y="2505075"/>
-            <a:ext cx="5183188" cy="3684588"/>
+            <a:off x="6364224" y="2743200"/>
+            <a:ext cx="4754880" cy="3291840"/>
           </a:xfrm>
         </p:spPr>
         <p:txBody>
           <a:bodyPr/>
-          <a:lstStyle/>
+          <a:lstStyle>
+            <a:lvl1pPr>
+              <a:defRPr sz="2000"/>
+            </a:lvl1pPr>
+            <a:lvl2pPr>
+              <a:defRPr sz="1800"/>
+            </a:lvl2pPr>
+            <a:lvl3pPr>
+              <a:defRPr sz="1600"/>
+            </a:lvl3pPr>
+            <a:lvl4pPr>
+              <a:defRPr sz="1600"/>
+            </a:lvl4pPr>
+            <a:lvl5pPr>
+              <a:defRPr sz="1600"/>
+            </a:lvl5pPr>
+            <a:lvl6pPr>
+              <a:defRPr sz="1600"/>
+            </a:lvl6pPr>
+            <a:lvl7pPr>
+              <a:defRPr sz="1600"/>
+            </a:lvl7pPr>
+            <a:lvl8pPr>
+              <a:defRPr sz="1600"/>
+            </a:lvl8pPr>
+            <a:lvl9pPr>
+              <a:defRPr sz="1600"/>
+            </a:lvl9pPr>
+          </a:lstStyle>
           <a:p>
             <a:pPr lvl="0"/>
             <a:r>
@@ -1671,7 +6181,7 @@
     </p:spTree>
     <p:extLst>
       <p:ext uri="{BB962C8B-B14F-4D97-AF65-F5344CB8AC3E}">
-        <p14:creationId xmlns:p14="http://schemas.microsoft.com/office/powerpoint/2010/main" val="3733172339"/>
+        <p14:creationId xmlns:p14="http://schemas.microsoft.com/office/powerpoint/2010/main" val="1751666309"/>
       </p:ext>
     </p:extLst>
   </p:cSld>
@@ -1700,7 +6210,7 @@
       </p:grpSpPr>
       <p:sp>
         <p:nvSpPr>
-          <p:cNvPr id="2" name="Title 1"/>
+          <p:cNvPr id="6" name="Title 5"/>
           <p:cNvSpPr>
             <a:spLocks noGrp="1"/>
           </p:cNvSpPr>
@@ -1789,7 +6299,7 @@
     </p:spTree>
     <p:extLst>
       <p:ext uri="{BB962C8B-B14F-4D97-AF65-F5344CB8AC3E}">
-        <p14:creationId xmlns:p14="http://schemas.microsoft.com/office/powerpoint/2010/main" val="3210312558"/>
+        <p14:creationId xmlns:p14="http://schemas.microsoft.com/office/powerpoint/2010/main" val="1439919093"/>
       </p:ext>
     </p:extLst>
   </p:cSld>
@@ -1884,7 +6394,7 @@
     </p:spTree>
     <p:extLst>
       <p:ext uri="{BB962C8B-B14F-4D97-AF65-F5344CB8AC3E}">
-        <p14:creationId xmlns:p14="http://schemas.microsoft.com/office/powerpoint/2010/main" val="3146388984"/>
+        <p14:creationId xmlns:p14="http://schemas.microsoft.com/office/powerpoint/2010/main" val="2531284332"/>
       </p:ext>
     </p:extLst>
   </p:cSld>
@@ -1895,7 +6405,7 @@
 </file>
 
 <file path=ppt/slideLayouts/slideLayout8.xml><?xml version="1.0" encoding="utf-8"?>
-<p:sldLayout xmlns:a="http://schemas.openxmlformats.org/drawingml/2006/main" xmlns:r="http://schemas.openxmlformats.org/officeDocument/2006/relationships" xmlns:p="http://schemas.openxmlformats.org/presentationml/2006/main" type="objTx" preserve="1">
+<p:sldLayout xmlns:a="http://schemas.openxmlformats.org/drawingml/2006/main" xmlns:r="http://schemas.openxmlformats.org/officeDocument/2006/relationships" xmlns:p="http://schemas.openxmlformats.org/presentationml/2006/main" showMasterSp="0" type="objTx" preserve="1">
   <p:cSld name="Content with Caption">
     <p:spTree>
       <p:nvGrpSpPr>
@@ -1913,6 +6423,63 @@
       </p:grpSpPr>
       <p:sp>
         <p:nvSpPr>
+          <p:cNvPr id="8" name="Rectangle 7"/>
+          <p:cNvSpPr/>
+          <p:nvPr/>
+        </p:nvSpPr>
+        <p:spPr>
+          <a:xfrm>
+            <a:off x="8303740" y="0"/>
+            <a:ext cx="3888259" cy="6857999"/>
+          </a:xfrm>
+          <a:prstGeom prst="rect">
+            <a:avLst/>
+          </a:prstGeom>
+          <a:blipFill dpi="0" rotWithShape="1">
+            <a:blip r:embed="rId2">
+              <a:alphaModFix amt="60000"/>
+              <a:lum bright="70000" contrast="-70000"/>
+              <a:extLst>
+                <a:ext uri="{BEBA8EAE-BF5A-486C-A8C5-ECC9F3942E4B}">
+                  <a14:imgProps xmlns:a14="http://schemas.microsoft.com/office/drawing/2010/main">
+                    <a14:imgLayer r:embed="rId3">
+                      <a14:imgEffect>
+                        <a14:sharpenSoften amount="61000"/>
+                      </a14:imgEffect>
+                    </a14:imgLayer>
+                  </a14:imgProps>
+                </a:ext>
+                <a:ext uri="{28A0092B-C50C-407E-A947-70E740481C1C}">
+                  <a14:useLocalDpi xmlns:a14="http://schemas.microsoft.com/office/drawing/2010/main" val="0"/>
+                </a:ext>
+              </a:extLst>
+            </a:blip>
+            <a:srcRect/>
+            <a:tile tx="0" ty="-704850" sx="92000" sy="89000" flip="xy" algn="ctr"/>
+          </a:blipFill>
+          <a:ln>
+            <a:noFill/>
+          </a:ln>
+        </p:spPr>
+        <p:style>
+          <a:lnRef idx="2">
+            <a:schemeClr val="accent1">
+              <a:shade val="50000"/>
+            </a:schemeClr>
+          </a:lnRef>
+          <a:fillRef idx="1">
+            <a:schemeClr val="accent1"/>
+          </a:fillRef>
+          <a:effectRef idx="0">
+            <a:schemeClr val="accent1"/>
+          </a:effectRef>
+          <a:fontRef idx="minor">
+            <a:schemeClr val="lt1"/>
+          </a:fontRef>
+        </p:style>
+      </p:sp>
+      <p:sp>
+        <p:nvSpPr>
           <p:cNvPr id="2" name="Title 1"/>
           <p:cNvSpPr>
             <a:spLocks noGrp="1"/>
@@ -1923,15 +6490,17 @@
         </p:nvSpPr>
         <p:spPr>
           <a:xfrm>
-            <a:off x="839788" y="457200"/>
-            <a:ext cx="3932237" cy="1600200"/>
+            <a:off x="8549640" y="685800"/>
+            <a:ext cx="3200400" cy="1737360"/>
           </a:xfrm>
         </p:spPr>
         <p:txBody>
-          <a:bodyPr anchor="b"/>
+          <a:bodyPr anchor="b">
+            <a:normAutofit/>
+          </a:bodyPr>
           <a:lstStyle>
             <a:lvl1pPr>
-              <a:defRPr sz="3200"/>
+              <a:defRPr sz="3200" b="1"/>
             </a:lvl1pPr>
           </a:lstStyle>
           <a:p>
@@ -1955,39 +6524,39 @@
         </p:nvSpPr>
         <p:spPr>
           <a:xfrm>
-            <a:off x="5183188" y="987425"/>
-            <a:ext cx="6172200" cy="4873625"/>
+            <a:off x="838200" y="685800"/>
+            <a:ext cx="6711696" cy="5020056"/>
           </a:xfrm>
         </p:spPr>
         <p:txBody>
           <a:bodyPr/>
           <a:lstStyle>
             <a:lvl1pPr>
-              <a:defRPr sz="3200"/>
+              <a:defRPr sz="2000"/>
             </a:lvl1pPr>
             <a:lvl2pPr>
-              <a:defRPr sz="2800"/>
+              <a:defRPr sz="1800"/>
             </a:lvl2pPr>
             <a:lvl3pPr>
-              <a:defRPr sz="2400"/>
+              <a:defRPr sz="1600"/>
             </a:lvl3pPr>
             <a:lvl4pPr>
-              <a:defRPr sz="2000"/>
+              <a:defRPr sz="1600"/>
             </a:lvl4pPr>
             <a:lvl5pPr>
-              <a:defRPr sz="2000"/>
+              <a:defRPr sz="1600"/>
             </a:lvl5pPr>
             <a:lvl6pPr>
-              <a:defRPr sz="2000"/>
+              <a:defRPr sz="1600"/>
             </a:lvl6pPr>
             <a:lvl7pPr>
-              <a:defRPr sz="2000"/>
+              <a:defRPr sz="1600"/>
             </a:lvl7pPr>
             <a:lvl8pPr>
-              <a:defRPr sz="2000"/>
+              <a:defRPr sz="1600"/>
             </a:lvl8pPr>
             <a:lvl9pPr>
-              <a:defRPr sz="2000"/>
+              <a:defRPr sz="1600"/>
             </a:lvl9pPr>
           </a:lstStyle>
           <a:p>
@@ -2040,48 +6609,62 @@
         </p:nvSpPr>
         <p:spPr>
           <a:xfrm>
-            <a:off x="839788" y="2057400"/>
-            <a:ext cx="3932237" cy="3811588"/>
+            <a:off x="8549640" y="2423160"/>
+            <a:ext cx="3200400" cy="3291840"/>
           </a:xfrm>
         </p:spPr>
         <p:txBody>
-          <a:bodyPr/>
+          <a:bodyPr>
+            <a:normAutofit/>
+          </a:bodyPr>
           <a:lstStyle>
             <a:lvl1pPr marL="0" indent="0">
+              <a:lnSpc>
+                <a:spcPct val="100000"/>
+              </a:lnSpc>
+              <a:spcBef>
+                <a:spcPts val="1000"/>
+              </a:spcBef>
               <a:buNone/>
-              <a:defRPr sz="1600"/>
+              <a:defRPr sz="1400">
+                <a:solidFill>
+                  <a:schemeClr val="accent1">
+                    <a:lumMod val="75000"/>
+                  </a:schemeClr>
+                </a:solidFill>
+              </a:defRPr>
             </a:lvl1pPr>
             <a:lvl2pPr marL="457200" indent="0">
               <a:buNone/>
-              <a:defRPr sz="1400"/>
+              <a:defRPr sz="1200"/>
             </a:lvl2pPr>
             <a:lvl3pPr marL="914400" indent="0">
               <a:buNone/>
-              <a:defRPr sz="1200"/>
+              <a:defRPr sz="1000"/>
             </a:lvl3pPr>
             <a:lvl4pPr marL="1371600" indent="0">
               <a:buNone/>
-              <a:defRPr sz="1000"/>
+              <a:defRPr sz="900"/>
             </a:lvl4pPr>
             <a:lvl5pPr marL="1828800" indent="0">
               <a:buNone/>
-              <a:defRPr sz="1000"/>
+              <a:defRPr sz="900"/>
             </a:lvl5pPr>
             <a:lvl6pPr marL="2286000" indent="0">
               <a:buNone/>
-              <a:defRPr sz="1000"/>
+              <a:defRPr sz="900"/>
             </a:lvl6pPr>
             <a:lvl7pPr marL="2743200" indent="0">
               <a:buNone/>
-              <a:defRPr sz="1000"/>
+              <a:defRPr sz="900"/>
             </a:lvl7pPr>
             <a:lvl8pPr marL="3200400" indent="0">
               <a:buNone/>
-              <a:defRPr sz="1000"/>
+              <a:defRPr sz="900"/>
             </a:lvl8pPr>
             <a:lvl9pPr marL="3657600" indent="0">
               <a:buNone/>
-              <a:defRPr sz="1000"/>
+              <a:defRPr sz="900"/>
             </a:lvl9pPr>
           </a:lstStyle>
           <a:p>
@@ -2135,6 +6718,95 @@
           </a:p>
         </p:txBody>
       </p:sp>
+      <p:grpSp>
+        <p:nvGrpSpPr>
+          <p:cNvPr id="9" name="Group 8"/>
+          <p:cNvGrpSpPr>
+            <a:grpSpLocks noChangeAspect="1"/>
+          </p:cNvGrpSpPr>
+          <p:nvPr/>
+        </p:nvGrpSpPr>
+        <p:grpSpPr>
+          <a:xfrm>
+            <a:off x="11401725" y="6229681"/>
+            <a:ext cx="457200" cy="457200"/>
+            <a:chOff x="11361456" y="6195813"/>
+            <a:chExt cx="548640" cy="548640"/>
+          </a:xfrm>
+        </p:grpSpPr>
+        <p:sp>
+          <p:nvSpPr>
+            <p:cNvPr id="10" name="Oval 9"/>
+            <p:cNvSpPr/>
+            <p:nvPr/>
+          </p:nvSpPr>
+          <p:spPr>
+            <a:xfrm>
+              <a:off x="11361456" y="6195813"/>
+              <a:ext cx="548640" cy="548640"/>
+            </a:xfrm>
+            <a:prstGeom prst="ellipse">
+              <a:avLst/>
+            </a:prstGeom>
+            <a:blipFill dpi="0" rotWithShape="1">
+              <a:blip r:embed="rId4">
+                <a:duotone>
+                  <a:schemeClr val="accent1">
+                    <a:shade val="45000"/>
+                    <a:satMod val="135000"/>
+                  </a:schemeClr>
+                  <a:prstClr val="white"/>
+                </a:duotone>
+                <a:extLst>
+                  <a:ext uri="{BEBA8EAE-BF5A-486C-A8C5-ECC9F3942E4B}">
+                    <a14:imgProps xmlns:a14="http://schemas.microsoft.com/office/drawing/2010/main">
+                      <a14:imgLayer r:embed="rId5">
+                        <a14:imgEffect>
+                          <a14:saturation sat="95000"/>
+                        </a14:imgEffect>
+                        <a14:imgEffect>
+                          <a14:brightnessContrast bright="-40000" contrast="20000"/>
+                        </a14:imgEffect>
+                      </a14:imgLayer>
+                    </a14:imgProps>
+                  </a:ext>
+                </a:extLst>
+              </a:blip>
+              <a:srcRect/>
+              <a:tile tx="50800" ty="0" sx="85000" sy="85000" flip="none" algn="tl"/>
+            </a:blipFill>
+            <a:ln w="25400" cap="flat" cmpd="sng" algn="ctr">
+              <a:noFill/>
+              <a:prstDash val="solid"/>
+            </a:ln>
+            <a:effectLst/>
+          </p:spPr>
+        </p:sp>
+        <p:sp>
+          <p:nvSpPr>
+            <p:cNvPr id="11" name="Oval 10"/>
+            <p:cNvSpPr/>
+            <p:nvPr/>
+          </p:nvSpPr>
+          <p:spPr>
+            <a:xfrm>
+              <a:off x="11396488" y="6230844"/>
+              <a:ext cx="478576" cy="478578"/>
+            </a:xfrm>
+            <a:prstGeom prst="ellipse">
+              <a:avLst/>
+            </a:prstGeom>
+            <a:noFill/>
+            <a:ln w="12700" cap="flat" cmpd="sng" algn="ctr">
+              <a:solidFill>
+                <a:sysClr val="window" lastClr="FFFFFF"/>
+              </a:solidFill>
+              <a:prstDash val="solid"/>
+            </a:ln>
+            <a:effectLst/>
+          </p:spPr>
+        </p:sp>
+      </p:grpSp>
       <p:sp>
         <p:nvSpPr>
           <p:cNvPr id="7" name="Slide Number Placeholder 6"/>
@@ -2161,7 +6833,7 @@
     </p:spTree>
     <p:extLst>
       <p:ext uri="{BB962C8B-B14F-4D97-AF65-F5344CB8AC3E}">
-        <p14:creationId xmlns:p14="http://schemas.microsoft.com/office/powerpoint/2010/main" val="3171841454"/>
+        <p14:creationId xmlns:p14="http://schemas.microsoft.com/office/powerpoint/2010/main" val="3336348207"/>
       </p:ext>
     </p:extLst>
   </p:cSld>
@@ -2172,7 +6844,7 @@
 </file>
 
 <file path=ppt/slideLayouts/slideLayout9.xml><?xml version="1.0" encoding="utf-8"?>
-<p:sldLayout xmlns:a="http://schemas.openxmlformats.org/drawingml/2006/main" xmlns:r="http://schemas.openxmlformats.org/officeDocument/2006/relationships" xmlns:p="http://schemas.openxmlformats.org/presentationml/2006/main" type="picTx" preserve="1">
+<p:sldLayout xmlns:a="http://schemas.openxmlformats.org/drawingml/2006/main" xmlns:r="http://schemas.openxmlformats.org/officeDocument/2006/relationships" xmlns:p="http://schemas.openxmlformats.org/presentationml/2006/main" showMasterSp="0" type="picTx" preserve="1">
   <p:cSld name="Picture with Caption">
     <p:spTree>
       <p:nvGrpSpPr>
@@ -2190,6 +6862,63 @@
       </p:grpSpPr>
       <p:sp>
         <p:nvSpPr>
+          <p:cNvPr id="11" name="Rectangle 10"/>
+          <p:cNvSpPr/>
+          <p:nvPr/>
+        </p:nvSpPr>
+        <p:spPr>
+          <a:xfrm>
+            <a:off x="8303740" y="0"/>
+            <a:ext cx="3888259" cy="6857999"/>
+          </a:xfrm>
+          <a:prstGeom prst="rect">
+            <a:avLst/>
+          </a:prstGeom>
+          <a:blipFill dpi="0" rotWithShape="1">
+            <a:blip r:embed="rId2">
+              <a:alphaModFix amt="60000"/>
+              <a:lum bright="70000" contrast="-70000"/>
+              <a:extLst>
+                <a:ext uri="{BEBA8EAE-BF5A-486C-A8C5-ECC9F3942E4B}">
+                  <a14:imgProps xmlns:a14="http://schemas.microsoft.com/office/drawing/2010/main">
+                    <a14:imgLayer r:embed="rId3">
+                      <a14:imgEffect>
+                        <a14:sharpenSoften amount="61000"/>
+                      </a14:imgEffect>
+                    </a14:imgLayer>
+                  </a14:imgProps>
+                </a:ext>
+                <a:ext uri="{28A0092B-C50C-407E-A947-70E740481C1C}">
+                  <a14:useLocalDpi xmlns:a14="http://schemas.microsoft.com/office/drawing/2010/main" val="0"/>
+                </a:ext>
+              </a:extLst>
+            </a:blip>
+            <a:srcRect/>
+            <a:tile tx="0" ty="-704850" sx="92000" sy="89000" flip="xy" algn="ctr"/>
+          </a:blipFill>
+          <a:ln>
+            <a:noFill/>
+          </a:ln>
+        </p:spPr>
+        <p:style>
+          <a:lnRef idx="2">
+            <a:schemeClr val="accent1">
+              <a:shade val="50000"/>
+            </a:schemeClr>
+          </a:lnRef>
+          <a:fillRef idx="1">
+            <a:schemeClr val="accent1"/>
+          </a:fillRef>
+          <a:effectRef idx="0">
+            <a:schemeClr val="accent1"/>
+          </a:effectRef>
+          <a:fontRef idx="minor">
+            <a:schemeClr val="lt1"/>
+          </a:fontRef>
+        </p:style>
+      </p:sp>
+      <p:sp>
+        <p:nvSpPr>
           <p:cNvPr id="2" name="Title 1"/>
           <p:cNvSpPr>
             <a:spLocks noGrp="1"/>
@@ -2200,15 +6929,17 @@
         </p:nvSpPr>
         <p:spPr>
           <a:xfrm>
-            <a:off x="839788" y="457200"/>
-            <a:ext cx="3932237" cy="1600200"/>
+            <a:off x="8549640" y="685800"/>
+            <a:ext cx="3200400" cy="1737360"/>
           </a:xfrm>
         </p:spPr>
         <p:txBody>
-          <a:bodyPr anchor="b"/>
+          <a:bodyPr anchor="b">
+            <a:normAutofit/>
+          </a:bodyPr>
           <a:lstStyle>
             <a:lvl1pPr>
-              <a:defRPr sz="3200"/>
+              <a:defRPr sz="3200" b="1"/>
             </a:lvl1pPr>
           </a:lstStyle>
           <a:p>
@@ -2232,9 +6963,15 @@
         </p:nvSpPr>
         <p:spPr>
           <a:xfrm>
-            <a:off x="5183188" y="987425"/>
-            <a:ext cx="6172200" cy="4873625"/>
+            <a:off x="0" y="0"/>
+            <a:ext cx="8303740" cy="6858000"/>
           </a:xfrm>
+          <a:solidFill>
+            <a:schemeClr val="tx2">
+              <a:lumMod val="20000"/>
+              <a:lumOff val="80000"/>
+            </a:schemeClr>
+          </a:solidFill>
         </p:spPr>
         <p:txBody>
           <a:bodyPr anchor="t"/>
@@ -2297,48 +7034,62 @@
         </p:nvSpPr>
         <p:spPr>
           <a:xfrm>
-            <a:off x="839788" y="2057400"/>
-            <a:ext cx="3932237" cy="3811588"/>
+            <a:off x="8549640" y="2423160"/>
+            <a:ext cx="3200400" cy="3291840"/>
           </a:xfrm>
         </p:spPr>
         <p:txBody>
-          <a:bodyPr/>
+          <a:bodyPr>
+            <a:normAutofit/>
+          </a:bodyPr>
           <a:lstStyle>
             <a:lvl1pPr marL="0" indent="0">
+              <a:lnSpc>
+                <a:spcPct val="100000"/>
+              </a:lnSpc>
+              <a:spcBef>
+                <a:spcPts val="1000"/>
+              </a:spcBef>
               <a:buNone/>
-              <a:defRPr sz="1600"/>
+              <a:defRPr sz="1400">
+                <a:solidFill>
+                  <a:schemeClr val="accent1">
+                    <a:lumMod val="75000"/>
+                  </a:schemeClr>
+                </a:solidFill>
+              </a:defRPr>
             </a:lvl1pPr>
             <a:lvl2pPr marL="457200" indent="0">
               <a:buNone/>
-              <a:defRPr sz="1400"/>
+              <a:defRPr sz="1200"/>
             </a:lvl2pPr>
             <a:lvl3pPr marL="914400" indent="0">
               <a:buNone/>
-              <a:defRPr sz="1200"/>
+              <a:defRPr sz="1000"/>
             </a:lvl3pPr>
             <a:lvl4pPr marL="1371600" indent="0">
               <a:buNone/>
-              <a:defRPr sz="1000"/>
+              <a:defRPr sz="900"/>
             </a:lvl4pPr>
             <a:lvl5pPr marL="1828800" indent="0">
               <a:buNone/>
-              <a:defRPr sz="1000"/>
+              <a:defRPr sz="900"/>
             </a:lvl5pPr>
             <a:lvl6pPr marL="2286000" indent="0">
               <a:buNone/>
-              <a:defRPr sz="1000"/>
+              <a:defRPr sz="900"/>
             </a:lvl6pPr>
             <a:lvl7pPr marL="2743200" indent="0">
               <a:buNone/>
-              <a:defRPr sz="1000"/>
+              <a:defRPr sz="900"/>
             </a:lvl7pPr>
             <a:lvl8pPr marL="3200400" indent="0">
               <a:buNone/>
-              <a:defRPr sz="1000"/>
+              <a:defRPr sz="900"/>
             </a:lvl8pPr>
             <a:lvl9pPr marL="3657600" indent="0">
               <a:buNone/>
-              <a:defRPr sz="1000"/>
+              <a:defRPr sz="900"/>
             </a:lvl9pPr>
           </a:lstStyle>
           <a:p>
@@ -2373,25 +7124,95 @@
           </a:p>
         </p:txBody>
       </p:sp>
-      <p:sp>
-        <p:nvSpPr>
-          <p:cNvPr id="6" name="Footer Placeholder 5"/>
-          <p:cNvSpPr>
-            <a:spLocks noGrp="1"/>
-          </p:cNvSpPr>
-          <p:nvPr>
-            <p:ph type="ftr" sz="quarter" idx="11"/>
-          </p:nvPr>
-        </p:nvSpPr>
-        <p:spPr/>
-        <p:txBody>
-          <a:bodyPr/>
-          <a:lstStyle/>
-          <a:p>
-            <a:endParaRPr lang="en-US"/>
-          </a:p>
-        </p:txBody>
-      </p:sp>
+      <p:grpSp>
+        <p:nvGrpSpPr>
+          <p:cNvPr id="8" name="Group 7"/>
+          <p:cNvGrpSpPr>
+            <a:grpSpLocks noChangeAspect="1"/>
+          </p:cNvGrpSpPr>
+          <p:nvPr/>
+        </p:nvGrpSpPr>
+        <p:grpSpPr>
+          <a:xfrm>
+            <a:off x="11401725" y="6229681"/>
+            <a:ext cx="457200" cy="457200"/>
+            <a:chOff x="11361456" y="6195813"/>
+            <a:chExt cx="548640" cy="548640"/>
+          </a:xfrm>
+        </p:grpSpPr>
+        <p:sp>
+          <p:nvSpPr>
+            <p:cNvPr id="9" name="Oval 8"/>
+            <p:cNvSpPr/>
+            <p:nvPr/>
+          </p:nvSpPr>
+          <p:spPr>
+            <a:xfrm>
+              <a:off x="11361456" y="6195813"/>
+              <a:ext cx="548640" cy="548640"/>
+            </a:xfrm>
+            <a:prstGeom prst="ellipse">
+              <a:avLst/>
+            </a:prstGeom>
+            <a:blipFill dpi="0" rotWithShape="1">
+              <a:blip r:embed="rId4">
+                <a:duotone>
+                  <a:schemeClr val="accent1">
+                    <a:shade val="45000"/>
+                    <a:satMod val="135000"/>
+                  </a:schemeClr>
+                  <a:prstClr val="white"/>
+                </a:duotone>
+                <a:extLst>
+                  <a:ext uri="{BEBA8EAE-BF5A-486C-A8C5-ECC9F3942E4B}">
+                    <a14:imgProps xmlns:a14="http://schemas.microsoft.com/office/drawing/2010/main">
+                      <a14:imgLayer r:embed="rId5">
+                        <a14:imgEffect>
+                          <a14:saturation sat="95000"/>
+                        </a14:imgEffect>
+                        <a14:imgEffect>
+                          <a14:brightnessContrast bright="-40000" contrast="20000"/>
+                        </a14:imgEffect>
+                      </a14:imgLayer>
+                    </a14:imgProps>
+                  </a:ext>
+                </a:extLst>
+              </a:blip>
+              <a:srcRect/>
+              <a:tile tx="50800" ty="0" sx="85000" sy="85000" flip="none" algn="tl"/>
+            </a:blipFill>
+            <a:ln w="25400" cap="flat" cmpd="sng" algn="ctr">
+              <a:noFill/>
+              <a:prstDash val="solid"/>
+            </a:ln>
+            <a:effectLst/>
+          </p:spPr>
+        </p:sp>
+        <p:sp>
+          <p:nvSpPr>
+            <p:cNvPr id="10" name="Oval 9"/>
+            <p:cNvSpPr/>
+            <p:nvPr/>
+          </p:nvSpPr>
+          <p:spPr>
+            <a:xfrm>
+              <a:off x="11396488" y="6230844"/>
+              <a:ext cx="478576" cy="478578"/>
+            </a:xfrm>
+            <a:prstGeom prst="ellipse">
+              <a:avLst/>
+            </a:prstGeom>
+            <a:noFill/>
+            <a:ln w="12700" cap="flat" cmpd="sng" algn="ctr">
+              <a:solidFill>
+                <a:sysClr val="window" lastClr="FFFFFF"/>
+              </a:solidFill>
+              <a:prstDash val="solid"/>
+            </a:ln>
+            <a:effectLst/>
+          </p:spPr>
+        </p:sp>
+      </p:grpSp>
       <p:sp>
         <p:nvSpPr>
           <p:cNvPr id="7" name="Slide Number Placeholder 6"/>
@@ -2418,7 +7239,7 @@
     </p:spTree>
     <p:extLst>
       <p:ext uri="{BB962C8B-B14F-4D97-AF65-F5344CB8AC3E}">
-        <p14:creationId xmlns:p14="http://schemas.microsoft.com/office/powerpoint/2010/main" val="1718958274"/>
+        <p14:creationId xmlns:p14="http://schemas.microsoft.com/office/powerpoint/2010/main" val="2536758197"/>
       </p:ext>
     </p:extLst>
   </p:cSld>
@@ -2462,8 +7283,8 @@
         </p:nvSpPr>
         <p:spPr>
           <a:xfrm>
-            <a:off x="838200" y="365125"/>
-            <a:ext cx="10515600" cy="1325563"/>
+            <a:off x="1069848" y="484632"/>
+            <a:ext cx="10058400" cy="1609344"/>
           </a:xfrm>
           <a:prstGeom prst="rect">
             <a:avLst/>
@@ -2495,8 +7316,8 @@
         </p:nvSpPr>
         <p:spPr>
           <a:xfrm>
-            <a:off x="838200" y="1825625"/>
-            <a:ext cx="10515600" cy="4351338"/>
+            <a:off x="1069848" y="2121408"/>
+            <a:ext cx="10058400" cy="4050792"/>
           </a:xfrm>
           <a:prstGeom prst="rect">
             <a:avLst/>
@@ -2557,8 +7378,8 @@
         </p:nvSpPr>
         <p:spPr>
           <a:xfrm>
-            <a:off x="838200" y="6356350"/>
-            <a:ext cx="2743200" cy="365125"/>
+            <a:off x="7964424" y="6272784"/>
+            <a:ext cx="3273552" cy="365125"/>
           </a:xfrm>
           <a:prstGeom prst="rect">
             <a:avLst/>
@@ -2567,12 +7388,10 @@
         <p:txBody>
           <a:bodyPr vert="horz" lIns="91440" tIns="45720" rIns="91440" bIns="45720" rtlCol="0" anchor="ctr"/>
           <a:lstStyle>
-            <a:lvl1pPr algn="l">
-              <a:defRPr sz="1200">
+            <a:lvl1pPr algn="r">
+              <a:defRPr sz="1100">
                 <a:solidFill>
-                  <a:schemeClr val="tx1">
-                    <a:tint val="75000"/>
-                  </a:schemeClr>
+                  <a:schemeClr val="tx2"/>
                 </a:solidFill>
               </a:defRPr>
             </a:lvl1pPr>
@@ -2598,8 +7417,8 @@
         </p:nvSpPr>
         <p:spPr>
           <a:xfrm>
-            <a:off x="4038600" y="6356350"/>
-            <a:ext cx="4114800" cy="365125"/>
+            <a:off x="1088136" y="6272784"/>
+            <a:ext cx="6327648" cy="365125"/>
           </a:xfrm>
           <a:prstGeom prst="rect">
             <a:avLst/>
@@ -2608,12 +7427,10 @@
         <p:txBody>
           <a:bodyPr vert="horz" lIns="91440" tIns="45720" rIns="91440" bIns="45720" rtlCol="0" anchor="ctr"/>
           <a:lstStyle>
-            <a:lvl1pPr algn="ctr">
-              <a:defRPr sz="1200">
+            <a:lvl1pPr algn="l">
+              <a:defRPr sz="1100">
                 <a:solidFill>
-                  <a:schemeClr val="tx1">
-                    <a:tint val="75000"/>
-                  </a:schemeClr>
+                  <a:schemeClr val="tx2"/>
                 </a:solidFill>
               </a:defRPr>
             </a:lvl1pPr>
@@ -2623,6 +7440,95 @@
           </a:p>
         </p:txBody>
       </p:sp>
+      <p:grpSp>
+        <p:nvGrpSpPr>
+          <p:cNvPr id="7" name="Group 6"/>
+          <p:cNvGrpSpPr>
+            <a:grpSpLocks noChangeAspect="1"/>
+          </p:cNvGrpSpPr>
+          <p:nvPr/>
+        </p:nvGrpSpPr>
+        <p:grpSpPr>
+          <a:xfrm>
+            <a:off x="11401725" y="6229681"/>
+            <a:ext cx="457200" cy="457200"/>
+            <a:chOff x="11361456" y="6195813"/>
+            <a:chExt cx="548640" cy="548640"/>
+          </a:xfrm>
+        </p:grpSpPr>
+        <p:sp>
+          <p:nvSpPr>
+            <p:cNvPr id="8" name="Oval 7"/>
+            <p:cNvSpPr/>
+            <p:nvPr/>
+          </p:nvSpPr>
+          <p:spPr>
+            <a:xfrm>
+              <a:off x="11361456" y="6195813"/>
+              <a:ext cx="548640" cy="548640"/>
+            </a:xfrm>
+            <a:prstGeom prst="ellipse">
+              <a:avLst/>
+            </a:prstGeom>
+            <a:blipFill dpi="0" rotWithShape="1">
+              <a:blip r:embed="rId13">
+                <a:duotone>
+                  <a:schemeClr val="accent1">
+                    <a:shade val="45000"/>
+                    <a:satMod val="135000"/>
+                  </a:schemeClr>
+                  <a:prstClr val="white"/>
+                </a:duotone>
+                <a:extLst>
+                  <a:ext uri="{BEBA8EAE-BF5A-486C-A8C5-ECC9F3942E4B}">
+                    <a14:imgProps xmlns:a14="http://schemas.microsoft.com/office/drawing/2010/main">
+                      <a14:imgLayer r:embed="rId14">
+                        <a14:imgEffect>
+                          <a14:saturation sat="95000"/>
+                        </a14:imgEffect>
+                        <a14:imgEffect>
+                          <a14:brightnessContrast bright="-40000" contrast="20000"/>
+                        </a14:imgEffect>
+                      </a14:imgLayer>
+                    </a14:imgProps>
+                  </a:ext>
+                </a:extLst>
+              </a:blip>
+              <a:srcRect/>
+              <a:tile tx="50800" ty="0" sx="85000" sy="85000" flip="none" algn="tl"/>
+            </a:blipFill>
+            <a:ln w="25400" cap="flat" cmpd="sng" algn="ctr">
+              <a:noFill/>
+              <a:prstDash val="solid"/>
+            </a:ln>
+            <a:effectLst/>
+          </p:spPr>
+        </p:sp>
+        <p:sp>
+          <p:nvSpPr>
+            <p:cNvPr id="9" name="Oval 8"/>
+            <p:cNvSpPr/>
+            <p:nvPr/>
+          </p:nvSpPr>
+          <p:spPr>
+            <a:xfrm>
+              <a:off x="11396488" y="6230844"/>
+              <a:ext cx="478576" cy="478578"/>
+            </a:xfrm>
+            <a:prstGeom prst="ellipse">
+              <a:avLst/>
+            </a:prstGeom>
+            <a:noFill/>
+            <a:ln w="12700" cap="flat" cmpd="sng" algn="ctr">
+              <a:solidFill>
+                <a:srgbClr val="FFFFFF"/>
+              </a:solidFill>
+              <a:prstDash val="solid"/>
+            </a:ln>
+            <a:effectLst/>
+          </p:spPr>
+        </p:sp>
+      </p:grpSp>
       <p:sp>
         <p:nvSpPr>
           <p:cNvPr id="6" name="Slide Number Placeholder 5"/>
@@ -2635,8 +7541,8 @@
         </p:nvSpPr>
         <p:spPr>
           <a:xfrm>
-            <a:off x="8610600" y="6356350"/>
-            <a:ext cx="2743200" cy="365125"/>
+            <a:off x="11311128" y="6272784"/>
+            <a:ext cx="640080" cy="365125"/>
           </a:xfrm>
           <a:prstGeom prst="rect">
             <a:avLst/>
@@ -2645,13 +7551,12 @@
         <p:txBody>
           <a:bodyPr vert="horz" lIns="91440" tIns="45720" rIns="91440" bIns="45720" rtlCol="0" anchor="ctr"/>
           <a:lstStyle>
-            <a:lvl1pPr algn="r">
-              <a:defRPr sz="1200">
+            <a:lvl1pPr algn="ctr">
+              <a:defRPr sz="1400" b="1">
                 <a:solidFill>
-                  <a:schemeClr val="tx1">
-                    <a:tint val="75000"/>
-                  </a:schemeClr>
+                  <a:srgbClr val="FFFFFF"/>
                 </a:solidFill>
+                <a:latin typeface="+mj-lt"/>
               </a:defRPr>
             </a:lvl1pPr>
           </a:lstStyle>
@@ -2667,23 +7572,23 @@
     </p:spTree>
     <p:extLst>
       <p:ext uri="{BB962C8B-B14F-4D97-AF65-F5344CB8AC3E}">
-        <p14:creationId xmlns:p14="http://schemas.microsoft.com/office/powerpoint/2010/main" val="2460954070"/>
+        <p14:creationId xmlns:p14="http://schemas.microsoft.com/office/powerpoint/2010/main" val="4168943063"/>
       </p:ext>
     </p:extLst>
   </p:cSld>
   <p:clrMap bg1="lt1" tx1="dk1" bg2="lt2" tx2="dk2" accent1="accent1" accent2="accent2" accent3="accent3" accent4="accent4" accent5="accent5" accent6="accent6" hlink="hlink" folHlink="folHlink"/>
   <p:sldLayoutIdLst>
-    <p:sldLayoutId id="2147483661" r:id="rId1"/>
-    <p:sldLayoutId id="2147483662" r:id="rId2"/>
-    <p:sldLayoutId id="2147483663" r:id="rId3"/>
-    <p:sldLayoutId id="2147483664" r:id="rId4"/>
-    <p:sldLayoutId id="2147483665" r:id="rId5"/>
-    <p:sldLayoutId id="2147483666" r:id="rId6"/>
-    <p:sldLayoutId id="2147483667" r:id="rId7"/>
-    <p:sldLayoutId id="2147483668" r:id="rId8"/>
-    <p:sldLayoutId id="2147483669" r:id="rId9"/>
-    <p:sldLayoutId id="2147483670" r:id="rId10"/>
-    <p:sldLayoutId id="2147483671" r:id="rId11"/>
+    <p:sldLayoutId id="2147483691" r:id="rId1"/>
+    <p:sldLayoutId id="2147483692" r:id="rId2"/>
+    <p:sldLayoutId id="2147483693" r:id="rId3"/>
+    <p:sldLayoutId id="2147483694" r:id="rId4"/>
+    <p:sldLayoutId id="2147483695" r:id="rId5"/>
+    <p:sldLayoutId id="2147483696" r:id="rId6"/>
+    <p:sldLayoutId id="2147483697" r:id="rId7"/>
+    <p:sldLayoutId id="2147483698" r:id="rId8"/>
+    <p:sldLayoutId id="2147483699" r:id="rId9"/>
+    <p:sldLayoutId id="2147483700" r:id="rId10"/>
+    <p:sldLayoutId id="2147483701" r:id="rId11"/>
   </p:sldLayoutIdLst>
   <p:txStyles>
     <p:titleStyle>
@@ -2695,10 +7600,17 @@
           <a:spcPct val="0"/>
         </a:spcBef>
         <a:buNone/>
-        <a:defRPr sz="4400" kern="1200">
-          <a:solidFill>
-            <a:schemeClr val="tx1"/>
-          </a:solidFill>
+        <a:defRPr sz="5400" kern="1200" cap="all" baseline="0">
+          <a:blipFill>
+            <a:blip r:embed="rId15">
+              <a:extLst>
+                <a:ext uri="{28A0092B-C50C-407E-A947-70E740481C1C}">
+                  <a14:useLocalDpi xmlns:a14="http://schemas.microsoft.com/office/drawing/2010/main" val="0"/>
+                </a:ext>
+              </a:extLst>
+            </a:blip>
+            <a:tile tx="6350" ty="-127000" sx="65000" sy="64000" flip="none" algn="tl"/>
+          </a:blipFill>
           <a:latin typeface="+mj-lt"/>
           <a:ea typeface="+mj-ea"/>
           <a:cs typeface="+mj-cs"/>
@@ -2706,16 +7618,22 @@
       </a:lvl1pPr>
     </p:titleStyle>
     <p:bodyStyle>
-      <a:lvl1pPr marL="228600" indent="-228600" algn="l" defTabSz="914400" rtl="0" eaLnBrk="1" latinLnBrk="0" hangingPunct="1">
+      <a:lvl1pPr marL="182880" indent="-182880" algn="l" defTabSz="914400" rtl="0" eaLnBrk="1" latinLnBrk="0" hangingPunct="1">
         <a:lnSpc>
           <a:spcPct val="90000"/>
         </a:lnSpc>
         <a:spcBef>
-          <a:spcPts val="1000"/>
+          <a:spcPts val="1200"/>
         </a:spcBef>
-        <a:buFont typeface="Arial" panose="020B0604020202020204" pitchFamily="34" charset="0"/>
-        <a:buChar char="•"/>
-        <a:defRPr sz="2800" kern="1200">
+        <a:buClr>
+          <a:schemeClr val="accent1">
+            <a:lumMod val="75000"/>
+          </a:schemeClr>
+        </a:buClr>
+        <a:buSzPct val="85000"/>
+        <a:buFont typeface="Wingdings" pitchFamily="2" charset="2"/>
+        <a:buChar char="§"/>
+        <a:defRPr sz="2000" kern="1200">
           <a:solidFill>
             <a:schemeClr val="tx1"/>
           </a:solidFill>
@@ -2724,16 +7642,25 @@
           <a:cs typeface="+mn-cs"/>
         </a:defRPr>
       </a:lvl1pPr>
-      <a:lvl2pPr marL="685800" indent="-228600" algn="l" defTabSz="914400" rtl="0" eaLnBrk="1" latinLnBrk="0" hangingPunct="1">
+      <a:lvl2pPr marL="457200" indent="-182880" algn="l" defTabSz="914400" rtl="0" eaLnBrk="1" latinLnBrk="0" hangingPunct="1">
         <a:lnSpc>
           <a:spcPct val="90000"/>
         </a:lnSpc>
         <a:spcBef>
-          <a:spcPts val="500"/>
+          <a:spcPts val="400"/>
         </a:spcBef>
-        <a:buFont typeface="Arial" panose="020B0604020202020204" pitchFamily="34" charset="0"/>
-        <a:buChar char="•"/>
-        <a:defRPr sz="2400" kern="1200">
+        <a:spcAft>
+          <a:spcPts val="200"/>
+        </a:spcAft>
+        <a:buClr>
+          <a:schemeClr val="accent1">
+            <a:lumMod val="75000"/>
+          </a:schemeClr>
+        </a:buClr>
+        <a:buSzPct val="85000"/>
+        <a:buFont typeface="Wingdings" pitchFamily="2" charset="2"/>
+        <a:buChar char="§"/>
+        <a:defRPr sz="1800" kern="1200">
           <a:solidFill>
             <a:schemeClr val="tx1"/>
           </a:solidFill>
@@ -2742,16 +7669,25 @@
           <a:cs typeface="+mn-cs"/>
         </a:defRPr>
       </a:lvl2pPr>
-      <a:lvl3pPr marL="1143000" indent="-228600" algn="l" defTabSz="914400" rtl="0" eaLnBrk="1" latinLnBrk="0" hangingPunct="1">
+      <a:lvl3pPr marL="731520" indent="-182880" algn="l" defTabSz="914400" rtl="0" eaLnBrk="1" latinLnBrk="0" hangingPunct="1">
         <a:lnSpc>
           <a:spcPct val="90000"/>
         </a:lnSpc>
         <a:spcBef>
-          <a:spcPts val="500"/>
+          <a:spcPts val="400"/>
         </a:spcBef>
-        <a:buFont typeface="Arial" panose="020B0604020202020204" pitchFamily="34" charset="0"/>
-        <a:buChar char="•"/>
-        <a:defRPr sz="2000" kern="1200">
+        <a:spcAft>
+          <a:spcPts val="200"/>
+        </a:spcAft>
+        <a:buClr>
+          <a:schemeClr val="accent1">
+            <a:lumMod val="75000"/>
+          </a:schemeClr>
+        </a:buClr>
+        <a:buSzPct val="85000"/>
+        <a:buFont typeface="Wingdings" pitchFamily="2" charset="2"/>
+        <a:buChar char="§"/>
+        <a:defRPr sz="1600" kern="1200">
           <a:solidFill>
             <a:schemeClr val="tx1"/>
           </a:solidFill>
@@ -2760,16 +7696,25 @@
           <a:cs typeface="+mn-cs"/>
         </a:defRPr>
       </a:lvl3pPr>
-      <a:lvl4pPr marL="1600200" indent="-228600" algn="l" defTabSz="914400" rtl="0" eaLnBrk="1" latinLnBrk="0" hangingPunct="1">
+      <a:lvl4pPr marL="1005840" indent="-182880" algn="l" defTabSz="914400" rtl="0" eaLnBrk="1" latinLnBrk="0" hangingPunct="1">
         <a:lnSpc>
           <a:spcPct val="90000"/>
         </a:lnSpc>
         <a:spcBef>
-          <a:spcPts val="500"/>
+          <a:spcPts val="400"/>
         </a:spcBef>
-        <a:buFont typeface="Arial" panose="020B0604020202020204" pitchFamily="34" charset="0"/>
-        <a:buChar char="•"/>
-        <a:defRPr sz="1800" kern="1200">
+        <a:spcAft>
+          <a:spcPts val="200"/>
+        </a:spcAft>
+        <a:buClr>
+          <a:schemeClr val="accent1">
+            <a:lumMod val="75000"/>
+          </a:schemeClr>
+        </a:buClr>
+        <a:buSzPct val="85000"/>
+        <a:buFont typeface="Wingdings" pitchFamily="2" charset="2"/>
+        <a:buChar char="§"/>
+        <a:defRPr sz="1600" kern="1200">
           <a:solidFill>
             <a:schemeClr val="tx1"/>
           </a:solidFill>
@@ -2778,16 +7723,25 @@
           <a:cs typeface="+mn-cs"/>
         </a:defRPr>
       </a:lvl4pPr>
-      <a:lvl5pPr marL="2057400" indent="-228600" algn="l" defTabSz="914400" rtl="0" eaLnBrk="1" latinLnBrk="0" hangingPunct="1">
+      <a:lvl5pPr marL="1280160" indent="-182880" algn="l" defTabSz="914400" rtl="0" eaLnBrk="1" latinLnBrk="0" hangingPunct="1">
         <a:lnSpc>
           <a:spcPct val="90000"/>
         </a:lnSpc>
         <a:spcBef>
-          <a:spcPts val="500"/>
+          <a:spcPts val="400"/>
         </a:spcBef>
-        <a:buFont typeface="Arial" panose="020B0604020202020204" pitchFamily="34" charset="0"/>
-        <a:buChar char="•"/>
-        <a:defRPr sz="1800" kern="1200">
+        <a:spcAft>
+          <a:spcPts val="200"/>
+        </a:spcAft>
+        <a:buClr>
+          <a:schemeClr val="accent1">
+            <a:lumMod val="75000"/>
+          </a:schemeClr>
+        </a:buClr>
+        <a:buSzPct val="85000"/>
+        <a:buFont typeface="Wingdings" pitchFamily="2" charset="2"/>
+        <a:buChar char="§"/>
+        <a:defRPr sz="1600" kern="1200">
           <a:solidFill>
             <a:schemeClr val="tx1"/>
           </a:solidFill>
@@ -2796,16 +7750,25 @@
           <a:cs typeface="+mn-cs"/>
         </a:defRPr>
       </a:lvl5pPr>
-      <a:lvl6pPr marL="2514600" indent="-228600" algn="l" defTabSz="914400" rtl="0" eaLnBrk="1" latinLnBrk="0" hangingPunct="1">
+      <a:lvl6pPr marL="1600000" indent="-228600" algn="l" defTabSz="914400" rtl="0" eaLnBrk="1" latinLnBrk="0" hangingPunct="1">
         <a:lnSpc>
           <a:spcPct val="90000"/>
         </a:lnSpc>
         <a:spcBef>
-          <a:spcPts val="500"/>
+          <a:spcPts val="400"/>
         </a:spcBef>
-        <a:buFont typeface="Arial" panose="020B0604020202020204" pitchFamily="34" charset="0"/>
-        <a:buChar char="•"/>
-        <a:defRPr sz="1800" kern="1200">
+        <a:spcAft>
+          <a:spcPts val="200"/>
+        </a:spcAft>
+        <a:buClr>
+          <a:schemeClr val="accent1">
+            <a:lumMod val="75000"/>
+          </a:schemeClr>
+        </a:buClr>
+        <a:buSzPct val="85000"/>
+        <a:buFont typeface="Wingdings" pitchFamily="2" charset="2"/>
+        <a:buChar char="§"/>
+        <a:defRPr sz="1600" kern="1200">
           <a:solidFill>
             <a:schemeClr val="tx1"/>
           </a:solidFill>
@@ -2814,16 +7777,25 @@
           <a:cs typeface="+mn-cs"/>
         </a:defRPr>
       </a:lvl6pPr>
-      <a:lvl7pPr marL="2971800" indent="-228600" algn="l" defTabSz="914400" rtl="0" eaLnBrk="1" latinLnBrk="0" hangingPunct="1">
+      <a:lvl7pPr marL="1900000" indent="-228600" algn="l" defTabSz="914400" rtl="0" eaLnBrk="1" latinLnBrk="0" hangingPunct="1">
         <a:lnSpc>
           <a:spcPct val="90000"/>
         </a:lnSpc>
         <a:spcBef>
-          <a:spcPts val="500"/>
+          <a:spcPts val="400"/>
         </a:spcBef>
-        <a:buFont typeface="Arial" panose="020B0604020202020204" pitchFamily="34" charset="0"/>
-        <a:buChar char="•"/>
-        <a:defRPr sz="1800" kern="1200">
+        <a:spcAft>
+          <a:spcPts val="200"/>
+        </a:spcAft>
+        <a:buClr>
+          <a:schemeClr val="accent1">
+            <a:lumMod val="75000"/>
+          </a:schemeClr>
+        </a:buClr>
+        <a:buSzPct val="85000"/>
+        <a:buFont typeface="Wingdings" pitchFamily="2" charset="2"/>
+        <a:buChar char="§"/>
+        <a:defRPr sz="1600" kern="1200">
           <a:solidFill>
             <a:schemeClr val="tx1"/>
           </a:solidFill>
@@ -2832,16 +7804,25 @@
           <a:cs typeface="+mn-cs"/>
         </a:defRPr>
       </a:lvl7pPr>
-      <a:lvl8pPr marL="3429000" indent="-228600" algn="l" defTabSz="914400" rtl="0" eaLnBrk="1" latinLnBrk="0" hangingPunct="1">
+      <a:lvl8pPr marL="2200000" indent="-228600" algn="l" defTabSz="914400" rtl="0" eaLnBrk="1" latinLnBrk="0" hangingPunct="1">
         <a:lnSpc>
           <a:spcPct val="90000"/>
         </a:lnSpc>
         <a:spcBef>
-          <a:spcPts val="500"/>
+          <a:spcPts val="400"/>
         </a:spcBef>
-        <a:buFont typeface="Arial" panose="020B0604020202020204" pitchFamily="34" charset="0"/>
-        <a:buChar char="•"/>
-        <a:defRPr sz="1800" kern="1200">
+        <a:spcAft>
+          <a:spcPts val="200"/>
+        </a:spcAft>
+        <a:buClr>
+          <a:schemeClr val="accent1">
+            <a:lumMod val="75000"/>
+          </a:schemeClr>
+        </a:buClr>
+        <a:buSzPct val="85000"/>
+        <a:buFont typeface="Wingdings" pitchFamily="2" charset="2"/>
+        <a:buChar char="§"/>
+        <a:defRPr sz="1600" kern="1200">
           <a:solidFill>
             <a:schemeClr val="tx1"/>
           </a:solidFill>
@@ -2850,16 +7831,25 @@
           <a:cs typeface="+mn-cs"/>
         </a:defRPr>
       </a:lvl8pPr>
-      <a:lvl9pPr marL="3886200" indent="-228600" algn="l" defTabSz="914400" rtl="0" eaLnBrk="1" latinLnBrk="0" hangingPunct="1">
+      <a:lvl9pPr marL="2500000" indent="-228600" algn="l" defTabSz="914400" rtl="0" eaLnBrk="1" latinLnBrk="0" hangingPunct="1">
         <a:lnSpc>
           <a:spcPct val="90000"/>
         </a:lnSpc>
         <a:spcBef>
-          <a:spcPts val="500"/>
+          <a:spcPts val="400"/>
         </a:spcBef>
-        <a:buFont typeface="Arial" panose="020B0604020202020204" pitchFamily="34" charset="0"/>
-        <a:buChar char="•"/>
-        <a:defRPr sz="1800" kern="1200">
+        <a:spcAft>
+          <a:spcPts val="200"/>
+        </a:spcAft>
+        <a:buClr>
+          <a:schemeClr val="accent1">
+            <a:lumMod val="75000"/>
+          </a:schemeClr>
+        </a:buClr>
+        <a:buSzPct val="85000"/>
+        <a:buFont typeface="Wingdings" pitchFamily="2" charset="2"/>
+        <a:buChar char="§"/>
+        <a:defRPr sz="1600" kern="1200">
           <a:solidFill>
             <a:schemeClr val="tx1"/>
           </a:solidFill>
@@ -2971,6 +7961,14 @@
 <file path=ppt/slides/slide1.xml><?xml version="1.0" encoding="utf-8"?>
 <p:sld xmlns:a="http://schemas.openxmlformats.org/drawingml/2006/main" xmlns:r="http://schemas.openxmlformats.org/officeDocument/2006/relationships" xmlns:p="http://schemas.openxmlformats.org/presentationml/2006/main">
   <p:cSld>
+    <p:bg>
+      <p:bgPr>
+        <a:solidFill>
+          <a:schemeClr val="bg1"/>
+        </a:solidFill>
+        <a:effectLst/>
+      </p:bgPr>
+    </p:bg>
     <p:spTree>
       <p:nvGrpSpPr>
         <p:cNvPr id="1" name=""/>
@@ -2985,6 +7983,165 @@
           <a:chExt cx="0" cy="0"/>
         </a:xfrm>
       </p:grpSpPr>
+      <p:sp useBgFill="1">
+        <p:nvSpPr>
+          <p:cNvPr id="8" name="Rectangle 7">
+            <a:extLst>
+              <a:ext uri="{FF2B5EF4-FFF2-40B4-BE49-F238E27FC236}">
+                <a16:creationId xmlns:a16="http://schemas.microsoft.com/office/drawing/2014/main" id="{C3D25154-9EF7-4C33-9AAC-7B3BE089FE0A}"/>
+              </a:ext>
+              <a:ext uri="{C183D7F6-B498-43B3-948B-1728B52AA6E4}">
+                <adec:decorative xmlns:adec="http://schemas.microsoft.com/office/drawing/2017/decorative" val="1"/>
+              </a:ext>
+            </a:extLst>
+          </p:cNvPr>
+          <p:cNvSpPr>
+            <a:spLocks noGrp="1" noRot="1" noChangeAspect="1" noMove="1" noResize="1" noEditPoints="1" noAdjustHandles="1" noChangeArrowheads="1" noChangeShapeType="1" noTextEdit="1"/>
+          </p:cNvSpPr>
+          <p:nvPr>
+            <p:extLst>
+              <p:ext uri="{386F3935-93C4-4BCD-93E2-E3B085C9AB24}">
+                <p16:designElem xmlns:p16="http://schemas.microsoft.com/office/powerpoint/2015/main" val="1"/>
+              </p:ext>
+            </p:extLst>
+          </p:nvPr>
+        </p:nvSpPr>
+        <p:spPr bwMode="white">
+          <a:xfrm>
+            <a:off x="0" y="0"/>
+            <a:ext cx="12188952" cy="6858001"/>
+          </a:xfrm>
+          <a:prstGeom prst="rect">
+            <a:avLst/>
+          </a:prstGeom>
+          <a:ln>
+            <a:noFill/>
+          </a:ln>
+        </p:spPr>
+        <p:style>
+          <a:lnRef idx="2">
+            <a:schemeClr val="accent1">
+              <a:shade val="50000"/>
+            </a:schemeClr>
+          </a:lnRef>
+          <a:fillRef idx="1">
+            <a:schemeClr val="accent1"/>
+          </a:fillRef>
+          <a:effectRef idx="0">
+            <a:schemeClr val="accent1"/>
+          </a:effectRef>
+          <a:fontRef idx="minor">
+            <a:schemeClr val="lt1"/>
+          </a:fontRef>
+        </p:style>
+        <p:txBody>
+          <a:bodyPr rot="0" spcFirstLastPara="0" vert="horz" wrap="square" lIns="91440" tIns="45720" rIns="91440" bIns="45720" numCol="1" spcCol="0" rtlCol="0" fromWordArt="0" anchor="ctr" anchorCtr="0" forceAA="0" compatLnSpc="1">
+            <a:prstTxWarp prst="textNoShape">
+              <a:avLst/>
+            </a:prstTxWarp>
+            <a:noAutofit/>
+          </a:bodyPr>
+          <a:lstStyle>
+            <a:defPPr>
+              <a:defRPr lang="en-US"/>
+            </a:defPPr>
+            <a:lvl1pPr marL="0" algn="l" defTabSz="914400" rtl="0" eaLnBrk="1" latinLnBrk="0" hangingPunct="1">
+              <a:defRPr sz="1800" kern="1200">
+                <a:solidFill>
+                  <a:schemeClr val="lt1"/>
+                </a:solidFill>
+                <a:latin typeface="+mn-lt"/>
+                <a:ea typeface="+mn-ea"/>
+                <a:cs typeface="+mn-cs"/>
+              </a:defRPr>
+            </a:lvl1pPr>
+            <a:lvl2pPr marL="457200" algn="l" defTabSz="914400" rtl="0" eaLnBrk="1" latinLnBrk="0" hangingPunct="1">
+              <a:defRPr sz="1800" kern="1200">
+                <a:solidFill>
+                  <a:schemeClr val="lt1"/>
+                </a:solidFill>
+                <a:latin typeface="+mn-lt"/>
+                <a:ea typeface="+mn-ea"/>
+                <a:cs typeface="+mn-cs"/>
+              </a:defRPr>
+            </a:lvl2pPr>
+            <a:lvl3pPr marL="914400" algn="l" defTabSz="914400" rtl="0" eaLnBrk="1" latinLnBrk="0" hangingPunct="1">
+              <a:defRPr sz="1800" kern="1200">
+                <a:solidFill>
+                  <a:schemeClr val="lt1"/>
+                </a:solidFill>
+                <a:latin typeface="+mn-lt"/>
+                <a:ea typeface="+mn-ea"/>
+                <a:cs typeface="+mn-cs"/>
+              </a:defRPr>
+            </a:lvl3pPr>
+            <a:lvl4pPr marL="1371600" algn="l" defTabSz="914400" rtl="0" eaLnBrk="1" latinLnBrk="0" hangingPunct="1">
+              <a:defRPr sz="1800" kern="1200">
+                <a:solidFill>
+                  <a:schemeClr val="lt1"/>
+                </a:solidFill>
+                <a:latin typeface="+mn-lt"/>
+                <a:ea typeface="+mn-ea"/>
+                <a:cs typeface="+mn-cs"/>
+              </a:defRPr>
+            </a:lvl4pPr>
+            <a:lvl5pPr marL="1828800" algn="l" defTabSz="914400" rtl="0" eaLnBrk="1" latinLnBrk="0" hangingPunct="1">
+              <a:defRPr sz="1800" kern="1200">
+                <a:solidFill>
+                  <a:schemeClr val="lt1"/>
+                </a:solidFill>
+                <a:latin typeface="+mn-lt"/>
+                <a:ea typeface="+mn-ea"/>
+                <a:cs typeface="+mn-cs"/>
+              </a:defRPr>
+            </a:lvl5pPr>
+            <a:lvl6pPr marL="2286000" algn="l" defTabSz="914400" rtl="0" eaLnBrk="1" latinLnBrk="0" hangingPunct="1">
+              <a:defRPr sz="1800" kern="1200">
+                <a:solidFill>
+                  <a:schemeClr val="lt1"/>
+                </a:solidFill>
+                <a:latin typeface="+mn-lt"/>
+                <a:ea typeface="+mn-ea"/>
+                <a:cs typeface="+mn-cs"/>
+              </a:defRPr>
+            </a:lvl6pPr>
+            <a:lvl7pPr marL="2743200" algn="l" defTabSz="914400" rtl="0" eaLnBrk="1" latinLnBrk="0" hangingPunct="1">
+              <a:defRPr sz="1800" kern="1200">
+                <a:solidFill>
+                  <a:schemeClr val="lt1"/>
+                </a:solidFill>
+                <a:latin typeface="+mn-lt"/>
+                <a:ea typeface="+mn-ea"/>
+                <a:cs typeface="+mn-cs"/>
+              </a:defRPr>
+            </a:lvl7pPr>
+            <a:lvl8pPr marL="3200400" algn="l" defTabSz="914400" rtl="0" eaLnBrk="1" latinLnBrk="0" hangingPunct="1">
+              <a:defRPr sz="1800" kern="1200">
+                <a:solidFill>
+                  <a:schemeClr val="lt1"/>
+                </a:solidFill>
+                <a:latin typeface="+mn-lt"/>
+                <a:ea typeface="+mn-ea"/>
+                <a:cs typeface="+mn-cs"/>
+              </a:defRPr>
+            </a:lvl8pPr>
+            <a:lvl9pPr marL="3657600" algn="l" defTabSz="914400" rtl="0" eaLnBrk="1" latinLnBrk="0" hangingPunct="1">
+              <a:defRPr sz="1800" kern="1200">
+                <a:solidFill>
+                  <a:schemeClr val="lt1"/>
+                </a:solidFill>
+                <a:latin typeface="+mn-lt"/>
+                <a:ea typeface="+mn-ea"/>
+                <a:cs typeface="+mn-cs"/>
+              </a:defRPr>
+            </a:lvl9pPr>
+          </a:lstStyle>
+          <a:p>
+            <a:pPr algn="ctr"/>
+            <a:endParaRPr lang="en-US"/>
+          </a:p>
+        </p:txBody>
+      </p:sp>
       <p:sp>
         <p:nvSpPr>
           <p:cNvPr id="2" name="Title 1"/>
@@ -2995,9 +8152,14 @@
             <p:ph type="ctrTitle"/>
           </p:nvPr>
         </p:nvSpPr>
-        <p:spPr/>
+        <p:spPr>
+          <a:xfrm>
+            <a:off x="1051560" y="643468"/>
+            <a:ext cx="9966960" cy="3592432"/>
+          </a:xfrm>
+        </p:spPr>
         <p:txBody>
-          <a:bodyPr vert="horz" lIns="91440" tIns="45720" rIns="91440" bIns="45720" rtlCol="0" anchor="ctr">
+          <a:bodyPr vert="horz" lIns="91440" tIns="45720" rIns="91440" bIns="45720" rtlCol="0">
             <a:normAutofit/>
           </a:bodyPr>
           <a:lstStyle/>
@@ -3008,6 +8170,79 @@
               </a:rPr>
               <a:t>BloodLust</a:t>
             </a:r>
+          </a:p>
+        </p:txBody>
+      </p:sp>
+      <p:sp>
+        <p:nvSpPr>
+          <p:cNvPr id="10" name="Rectangle 9">
+            <a:extLst>
+              <a:ext uri="{FF2B5EF4-FFF2-40B4-BE49-F238E27FC236}">
+                <a16:creationId xmlns:a16="http://schemas.microsoft.com/office/drawing/2014/main" id="{1604E8C0-C927-4C06-A96A-BF3323BA76D2}"/>
+              </a:ext>
+              <a:ext uri="{C183D7F6-B498-43B3-948B-1728B52AA6E4}">
+                <adec:decorative xmlns:adec="http://schemas.microsoft.com/office/drawing/2017/decorative" val="1"/>
+              </a:ext>
+            </a:extLst>
+          </p:cNvPr>
+          <p:cNvSpPr>
+            <a:spLocks noGrp="1" noRot="1" noChangeAspect="1" noMove="1" noResize="1" noEditPoints="1" noAdjustHandles="1" noChangeArrowheads="1" noChangeShapeType="1" noTextEdit="1"/>
+          </p:cNvSpPr>
+          <p:nvPr>
+            <p:extLst>
+              <p:ext uri="{386F3935-93C4-4BCD-93E2-E3B085C9AB24}">
+                <p16:designElem xmlns:p16="http://schemas.microsoft.com/office/powerpoint/2015/main" val="1"/>
+              </p:ext>
+            </p:extLst>
+          </p:nvPr>
+        </p:nvSpPr>
+        <p:spPr>
+          <a:xfrm>
+            <a:off x="0" y="4572000"/>
+            <a:ext cx="12192000" cy="2295831"/>
+          </a:xfrm>
+          <a:prstGeom prst="rect">
+            <a:avLst/>
+          </a:prstGeom>
+          <a:blipFill dpi="0" rotWithShape="1">
+            <a:blip r:embed="rId2">
+              <a:alphaModFix amt="85000"/>
+              <a:lum bright="70000" contrast="-70000"/>
+              <a:extLst>
+                <a:ext uri="{28A0092B-C50C-407E-A947-70E740481C1C}">
+                  <a14:useLocalDpi xmlns:a14="http://schemas.microsoft.com/office/drawing/2010/main" val="0"/>
+                </a:ext>
+              </a:extLst>
+            </a:blip>
+            <a:srcRect/>
+            <a:tile tx="0" ty="-704850" sx="92000" sy="89000" flip="xy" algn="ctr"/>
+          </a:blipFill>
+          <a:ln>
+            <a:noFill/>
+          </a:ln>
+        </p:spPr>
+        <p:style>
+          <a:lnRef idx="2">
+            <a:schemeClr val="accent1">
+              <a:shade val="50000"/>
+            </a:schemeClr>
+          </a:lnRef>
+          <a:fillRef idx="1">
+            <a:schemeClr val="accent1"/>
+          </a:fillRef>
+          <a:effectRef idx="0">
+            <a:schemeClr val="accent1"/>
+          </a:effectRef>
+          <a:fontRef idx="minor">
+            <a:schemeClr val="lt1"/>
+          </a:fontRef>
+        </p:style>
+        <p:txBody>
+          <a:bodyPr rtlCol="0" anchor="ctr"/>
+          <a:lstStyle/>
+          <a:p>
+            <a:pPr algn="ctr"/>
+            <a:endParaRPr lang="en-US"/>
           </a:p>
         </p:txBody>
       </p:sp>
@@ -3021,15 +8256,223 @@
             <p:ph type="subTitle" idx="1"/>
           </p:nvPr>
         </p:nvSpPr>
-        <p:spPr/>
+        <p:spPr>
+          <a:xfrm>
+            <a:off x="1069848" y="4913336"/>
+            <a:ext cx="7891272" cy="1069848"/>
+          </a:xfrm>
+        </p:spPr>
         <p:txBody>
-          <a:bodyPr/>
+          <a:bodyPr>
+            <a:normAutofit/>
+          </a:bodyPr>
           <a:lstStyle/>
           <a:p>
-            <a:endParaRPr lang="en-US"/>
+            <a:r>
+              <a:rPr lang="en-US" dirty="0">
+                <a:solidFill>
+                  <a:srgbClr val="000000"/>
+                </a:solidFill>
+              </a:rPr>
+              <a:t>A Tactical, Turn based Multiplayer Game</a:t>
+            </a:r>
           </a:p>
         </p:txBody>
       </p:sp>
+      <p:grpSp>
+        <p:nvGrpSpPr>
+          <p:cNvPr id="12" name="Group 11">
+            <a:extLst>
+              <a:ext uri="{FF2B5EF4-FFF2-40B4-BE49-F238E27FC236}">
+                <a16:creationId xmlns:a16="http://schemas.microsoft.com/office/drawing/2014/main" id="{9DCECFD5-4C30-4892-9FF0-540E17955A55}"/>
+              </a:ext>
+              <a:ext uri="{C183D7F6-B498-43B3-948B-1728B52AA6E4}">
+                <adec:decorative xmlns:adec="http://schemas.microsoft.com/office/drawing/2017/decorative" val="1"/>
+              </a:ext>
+            </a:extLst>
+          </p:cNvPr>
+          <p:cNvGrpSpPr>
+            <a:grpSpLocks noGrp="1" noUngrp="1" noRot="1" noChangeAspect="1" noMove="1" noResize="1"/>
+          </p:cNvGrpSpPr>
+          <p:nvPr>
+            <p:extLst>
+              <p:ext uri="{386F3935-93C4-4BCD-93E2-E3B085C9AB24}">
+                <p16:designElem xmlns:p16="http://schemas.microsoft.com/office/powerpoint/2015/main" val="1"/>
+              </p:ext>
+            </p:extLst>
+          </p:nvPr>
+        </p:nvGrpSpPr>
+        <p:grpSpPr>
+          <a:xfrm>
+            <a:off x="10245590" y="5111496"/>
+            <a:ext cx="1080904" cy="1080902"/>
+            <a:chOff x="10245590" y="5111496"/>
+            <a:chExt cx="1080904" cy="1080902"/>
+          </a:xfrm>
+        </p:grpSpPr>
+        <p:sp>
+          <p:nvSpPr>
+            <p:cNvPr id="13" name="Oval 12">
+              <a:extLst>
+                <a:ext uri="{FF2B5EF4-FFF2-40B4-BE49-F238E27FC236}">
+                  <a16:creationId xmlns:a16="http://schemas.microsoft.com/office/drawing/2014/main" id="{95C67F70-EAFE-425C-8422-591620A96D47}"/>
+                </a:ext>
+                <a:ext uri="{C183D7F6-B498-43B3-948B-1728B52AA6E4}">
+                  <adec:decorative xmlns:adec="http://schemas.microsoft.com/office/drawing/2017/decorative" val="1"/>
+                </a:ext>
+              </a:extLst>
+            </p:cNvPr>
+            <p:cNvSpPr/>
+            <p:nvPr>
+              <p:extLst>
+                <p:ext uri="{386F3935-93C4-4BCD-93E2-E3B085C9AB24}">
+                  <p16:designElem xmlns:p16="http://schemas.microsoft.com/office/powerpoint/2015/main" val="1"/>
+                </p:ext>
+              </p:extLst>
+            </p:nvPr>
+          </p:nvSpPr>
+          <p:spPr>
+            <a:xfrm>
+              <a:off x="10245590" y="5111496"/>
+              <a:ext cx="1080904" cy="1080902"/>
+            </a:xfrm>
+            <a:prstGeom prst="ellipse">
+              <a:avLst/>
+            </a:prstGeom>
+            <a:blipFill dpi="0" rotWithShape="1">
+              <a:blip r:embed="rId3">
+                <a:duotone>
+                  <a:schemeClr val="accent1">
+                    <a:shade val="45000"/>
+                    <a:satMod val="135000"/>
+                  </a:schemeClr>
+                  <a:prstClr val="white"/>
+                </a:duotone>
+              </a:blip>
+              <a:srcRect/>
+              <a:tile tx="0" ty="0" sx="85000" sy="85000" flip="none" algn="tl"/>
+            </a:blipFill>
+            <a:ln w="25400" cap="flat" cmpd="sng" algn="ctr">
+              <a:noFill/>
+              <a:prstDash val="solid"/>
+            </a:ln>
+            <a:effectLst/>
+          </p:spPr>
+          <p:txBody>
+            <a:bodyPr lIns="0" tIns="0" rIns="0" bIns="0" rtlCol="0" anchor="ctr"/>
+            <a:lstStyle/>
+            <a:p>
+              <a:pPr marL="0" marR="0" lvl="0" indent="0" algn="ctr" defTabSz="914400" eaLnBrk="1" fontAlgn="auto" latinLnBrk="0" hangingPunct="1">
+                <a:lnSpc>
+                  <a:spcPct val="100000"/>
+                </a:lnSpc>
+                <a:spcBef>
+                  <a:spcPts val="0"/>
+                </a:spcBef>
+                <a:spcAft>
+                  <a:spcPts val="0"/>
+                </a:spcAft>
+                <a:buClrTx/>
+                <a:buSzTx/>
+                <a:buFontTx/>
+                <a:buNone/>
+                <a:tabLst/>
+                <a:defRPr/>
+              </a:pPr>
+              <a:endParaRPr kumimoji="0" lang="en-US" sz="2000" b="0" i="0" u="none" strike="noStrike" kern="0" cap="none" spc="0" normalizeH="0" baseline="0" noProof="0" dirty="0">
+                <a:ln>
+                  <a:noFill/>
+                </a:ln>
+                <a:solidFill>
+                  <a:prstClr val="white"/>
+                </a:solidFill>
+                <a:effectLst/>
+                <a:uLnTx/>
+                <a:uFillTx/>
+                <a:latin typeface="Rockwell Extra Bold" pitchFamily="18" charset="0"/>
+                <a:ea typeface="+mn-ea"/>
+                <a:cs typeface="+mn-cs"/>
+              </a:endParaRPr>
+            </a:p>
+          </p:txBody>
+        </p:sp>
+        <p:sp>
+          <p:nvSpPr>
+            <p:cNvPr id="14" name="Oval 13">
+              <a:extLst>
+                <a:ext uri="{FF2B5EF4-FFF2-40B4-BE49-F238E27FC236}">
+                  <a16:creationId xmlns:a16="http://schemas.microsoft.com/office/drawing/2014/main" id="{D47FA16B-C217-4D91-84EA-5B0846BDDA97}"/>
+                </a:ext>
+                <a:ext uri="{C183D7F6-B498-43B3-948B-1728B52AA6E4}">
+                  <adec:decorative xmlns:adec="http://schemas.microsoft.com/office/drawing/2017/decorative" val="1"/>
+                </a:ext>
+              </a:extLst>
+            </p:cNvPr>
+            <p:cNvSpPr/>
+            <p:nvPr>
+              <p:extLst>
+                <p:ext uri="{386F3935-93C4-4BCD-93E2-E3B085C9AB24}">
+                  <p16:designElem xmlns:p16="http://schemas.microsoft.com/office/powerpoint/2015/main" val="1"/>
+                </p:ext>
+              </p:extLst>
+            </p:nvPr>
+          </p:nvSpPr>
+          <p:spPr>
+            <a:xfrm>
+              <a:off x="10353681" y="5219586"/>
+              <a:ext cx="864723" cy="864722"/>
+            </a:xfrm>
+            <a:prstGeom prst="ellipse">
+              <a:avLst/>
+            </a:prstGeom>
+            <a:noFill/>
+            <a:ln w="25400" cap="flat" cmpd="sng" algn="ctr">
+              <a:solidFill>
+                <a:sysClr val="window" lastClr="FFFFFF"/>
+              </a:solidFill>
+              <a:prstDash val="solid"/>
+            </a:ln>
+            <a:effectLst/>
+          </p:spPr>
+          <p:txBody>
+            <a:bodyPr rtlCol="0" anchor="ctr"/>
+            <a:lstStyle/>
+            <a:p>
+              <a:pPr marL="0" marR="0" lvl="0" indent="0" algn="ctr" defTabSz="914400" eaLnBrk="1" fontAlgn="auto" latinLnBrk="0" hangingPunct="1">
+                <a:lnSpc>
+                  <a:spcPct val="100000"/>
+                </a:lnSpc>
+                <a:spcBef>
+                  <a:spcPts val="0"/>
+                </a:spcBef>
+                <a:spcAft>
+                  <a:spcPts val="0"/>
+                </a:spcAft>
+                <a:buClrTx/>
+                <a:buSzTx/>
+                <a:buFontTx/>
+                <a:buNone/>
+                <a:tabLst/>
+                <a:defRPr/>
+              </a:pPr>
+              <a:endParaRPr kumimoji="0" lang="en-US" sz="1800" b="0" i="0" u="none" strike="noStrike" kern="0" cap="none" spc="0" normalizeH="0" baseline="0" noProof="0" dirty="0">
+                <a:ln>
+                  <a:noFill/>
+                </a:ln>
+                <a:solidFill>
+                  <a:prstClr val="white"/>
+                </a:solidFill>
+                <a:effectLst/>
+                <a:uLnTx/>
+                <a:uFillTx/>
+                <a:latin typeface="Calibri"/>
+                <a:ea typeface="+mn-ea"/>
+                <a:cs typeface="+mn-cs"/>
+              </a:endParaRPr>
+            </a:p>
+          </p:txBody>
+        </p:sp>
+      </p:grpSp>
     </p:spTree>
     <p:extLst>
       <p:ext uri="{BB962C8B-B14F-4D97-AF65-F5344CB8AC3E}">
@@ -3040,12 +8483,112 @@
   <p:clrMapOvr>
     <a:masterClrMapping/>
   </p:clrMapOvr>
+  <p:timing>
+    <p:tnLst>
+      <p:par>
+        <p:cTn id="1" dur="indefinite" restart="never" nodeType="tmRoot">
+          <p:childTnLst>
+            <p:seq concurrent="1" nextAc="seek">
+              <p:cTn id="2" dur="indefinite" nodeType="mainSeq">
+                <p:childTnLst>
+                  <p:par>
+                    <p:cTn id="3" fill="hold">
+                      <p:stCondLst>
+                        <p:cond delay="indefinite"/>
+                        <p:cond evt="onBegin" delay="0">
+                          <p:tn val="2"/>
+                        </p:cond>
+                      </p:stCondLst>
+                      <p:childTnLst>
+                        <p:par>
+                          <p:cTn id="4" fill="hold">
+                            <p:stCondLst>
+                              <p:cond delay="0"/>
+                            </p:stCondLst>
+                            <p:childTnLst>
+                              <p:par>
+                                <p:cTn id="5" presetID="10" presetClass="entr" presetSubtype="0" fill="hold" grpId="0" nodeType="withEffect">
+                                  <p:stCondLst>
+                                    <p:cond delay="500"/>
+                                  </p:stCondLst>
+                                  <p:iterate>
+                                    <p:tmPct val="10000"/>
+                                  </p:iterate>
+                                  <p:childTnLst>
+                                    <p:set>
+                                      <p:cBhvr>
+                                        <p:cTn id="6" dur="1" fill="hold">
+                                          <p:stCondLst>
+                                            <p:cond delay="0"/>
+                                          </p:stCondLst>
+                                        </p:cTn>
+                                        <p:tgtEl>
+                                          <p:spTgt spid="2"/>
+                                        </p:tgtEl>
+                                        <p:attrNameLst>
+                                          <p:attrName>style.visibility</p:attrName>
+                                        </p:attrNameLst>
+                                      </p:cBhvr>
+                                      <p:to>
+                                        <p:strVal val="visible"/>
+                                      </p:to>
+                                    </p:set>
+                                    <p:animEffect transition="in" filter="fade">
+                                      <p:cBhvr>
+                                        <p:cTn id="7" dur="700"/>
+                                        <p:tgtEl>
+                                          <p:spTgt spid="2"/>
+                                        </p:tgtEl>
+                                      </p:cBhvr>
+                                    </p:animEffect>
+                                  </p:childTnLst>
+                                </p:cTn>
+                              </p:par>
+                            </p:childTnLst>
+                          </p:cTn>
+                        </p:par>
+                      </p:childTnLst>
+                    </p:cTn>
+                  </p:par>
+                </p:childTnLst>
+              </p:cTn>
+              <p:prevCondLst>
+                <p:cond evt="onPrev" delay="0">
+                  <p:tgtEl>
+                    <p:sldTgt/>
+                  </p:tgtEl>
+                </p:cond>
+              </p:prevCondLst>
+              <p:nextCondLst>
+                <p:cond evt="onNext" delay="0">
+                  <p:tgtEl>
+                    <p:sldTgt/>
+                  </p:tgtEl>
+                </p:cond>
+              </p:nextCondLst>
+            </p:seq>
+          </p:childTnLst>
+        </p:cTn>
+      </p:par>
+    </p:tnLst>
+    <p:bldLst>
+      <p:bldP spid="2" grpId="0"/>
+    </p:bldLst>
+  </p:timing>
 </p:sld>
 </file>
 
 <file path=ppt/slides/slide2.xml><?xml version="1.0" encoding="utf-8"?>
 <p:sld xmlns:a="http://schemas.openxmlformats.org/drawingml/2006/main" xmlns:r="http://schemas.openxmlformats.org/officeDocument/2006/relationships" xmlns:p="http://schemas.openxmlformats.org/presentationml/2006/main">
   <p:cSld>
+    <p:bg>
+      <p:bgPr>
+        <a:solidFill>
+          <a:schemeClr val="bg1"/>
+        </a:solidFill>
+        <a:effectLst/>
+      </p:bgPr>
+    </p:bg>
     <p:spTree>
       <p:nvGrpSpPr>
         <p:cNvPr id="1" name=""/>
@@ -3060,6 +8603,230 @@
           <a:chExt cx="0" cy="0"/>
         </a:xfrm>
       </p:grpSpPr>
+      <p:sp useBgFill="1">
+        <p:nvSpPr>
+          <p:cNvPr id="8" name="Rectangle 7">
+            <a:extLst>
+              <a:ext uri="{FF2B5EF4-FFF2-40B4-BE49-F238E27FC236}">
+                <a16:creationId xmlns:a16="http://schemas.microsoft.com/office/drawing/2014/main" id="{4FCA88C2-C73C-4062-A097-8FBCE3090BEA}"/>
+              </a:ext>
+              <a:ext uri="{C183D7F6-B498-43B3-948B-1728B52AA6E4}">
+                <adec:decorative xmlns:adec="http://schemas.microsoft.com/office/drawing/2017/decorative" val="1"/>
+              </a:ext>
+            </a:extLst>
+          </p:cNvPr>
+          <p:cNvSpPr>
+            <a:spLocks noGrp="1" noRot="1" noChangeAspect="1" noMove="1" noResize="1" noEditPoints="1" noAdjustHandles="1" noChangeArrowheads="1" noChangeShapeType="1" noTextEdit="1"/>
+          </p:cNvSpPr>
+          <p:nvPr>
+            <p:extLst>
+              <p:ext uri="{386F3935-93C4-4BCD-93E2-E3B085C9AB24}">
+                <p16:designElem xmlns:p16="http://schemas.microsoft.com/office/powerpoint/2015/main" val="1"/>
+              </p:ext>
+            </p:extLst>
+          </p:nvPr>
+        </p:nvSpPr>
+        <p:spPr>
+          <a:xfrm>
+            <a:off x="0" y="0"/>
+            <a:ext cx="12192000" cy="6858000"/>
+          </a:xfrm>
+          <a:prstGeom prst="rect">
+            <a:avLst/>
+          </a:prstGeom>
+          <a:ln>
+            <a:noFill/>
+          </a:ln>
+        </p:spPr>
+        <p:style>
+          <a:lnRef idx="2">
+            <a:schemeClr val="accent1">
+              <a:shade val="50000"/>
+            </a:schemeClr>
+          </a:lnRef>
+          <a:fillRef idx="1">
+            <a:schemeClr val="accent1"/>
+          </a:fillRef>
+          <a:effectRef idx="0">
+            <a:schemeClr val="accent1"/>
+          </a:effectRef>
+          <a:fontRef idx="minor">
+            <a:schemeClr val="lt1"/>
+          </a:fontRef>
+        </p:style>
+        <p:txBody>
+          <a:bodyPr rtlCol="0" anchor="ctr"/>
+          <a:lstStyle/>
+          <a:p>
+            <a:pPr algn="ctr"/>
+            <a:endParaRPr lang="en-US"/>
+          </a:p>
+        </p:txBody>
+      </p:sp>
+      <p:sp>
+        <p:nvSpPr>
+          <p:cNvPr id="10" name="Rectangle 9">
+            <a:extLst>
+              <a:ext uri="{FF2B5EF4-FFF2-40B4-BE49-F238E27FC236}">
+                <a16:creationId xmlns:a16="http://schemas.microsoft.com/office/drawing/2014/main" id="{83981C21-E132-4402-B31B-D725C1CE77D2}"/>
+              </a:ext>
+              <a:ext uri="{C183D7F6-B498-43B3-948B-1728B52AA6E4}">
+                <adec:decorative xmlns:adec="http://schemas.microsoft.com/office/drawing/2017/decorative" val="1"/>
+              </a:ext>
+            </a:extLst>
+          </p:cNvPr>
+          <p:cNvSpPr>
+            <a:spLocks noGrp="1" noRot="1" noChangeAspect="1" noMove="1" noResize="1" noEditPoints="1" noAdjustHandles="1" noChangeArrowheads="1" noChangeShapeType="1" noTextEdit="1"/>
+          </p:cNvSpPr>
+          <p:nvPr>
+            <p:extLst>
+              <p:ext uri="{386F3935-93C4-4BCD-93E2-E3B085C9AB24}">
+                <p16:designElem xmlns:p16="http://schemas.microsoft.com/office/powerpoint/2015/main" val="1"/>
+              </p:ext>
+            </p:extLst>
+          </p:nvPr>
+        </p:nvSpPr>
+        <p:spPr>
+          <a:xfrm>
+            <a:off x="641604" y="653241"/>
+            <a:ext cx="10908792" cy="80683"/>
+          </a:xfrm>
+          <a:prstGeom prst="rect">
+            <a:avLst/>
+          </a:prstGeom>
+          <a:blipFill dpi="0" rotWithShape="1">
+            <a:blip r:embed="rId2">
+              <a:alphaModFix amt="85000"/>
+              <a:lum bright="70000" contrast="-70000"/>
+              <a:extLst>
+                <a:ext uri="{BEBA8EAE-BF5A-486C-A8C5-ECC9F3942E4B}">
+                  <a14:imgProps xmlns:a14="http://schemas.microsoft.com/office/drawing/2010/main">
+                    <a14:imgLayer r:embed="rId3">
+                      <a14:imgEffect>
+                        <a14:sharpenSoften amount="61000"/>
+                      </a14:imgEffect>
+                    </a14:imgLayer>
+                  </a14:imgProps>
+                </a:ext>
+                <a:ext uri="{28A0092B-C50C-407E-A947-70E740481C1C}">
+                  <a14:useLocalDpi xmlns:a14="http://schemas.microsoft.com/office/drawing/2010/main" val="0"/>
+                </a:ext>
+              </a:extLst>
+            </a:blip>
+            <a:srcRect/>
+            <a:tile tx="0" ty="-762000" sx="92000" sy="89000" flip="xy" algn="ctr"/>
+          </a:blipFill>
+          <a:ln>
+            <a:noFill/>
+          </a:ln>
+        </p:spPr>
+        <p:style>
+          <a:lnRef idx="2">
+            <a:schemeClr val="accent1">
+              <a:shade val="50000"/>
+            </a:schemeClr>
+          </a:lnRef>
+          <a:fillRef idx="1">
+            <a:schemeClr val="accent1"/>
+          </a:fillRef>
+          <a:effectRef idx="0">
+            <a:schemeClr val="accent1"/>
+          </a:effectRef>
+          <a:fontRef idx="minor">
+            <a:schemeClr val="lt1"/>
+          </a:fontRef>
+        </p:style>
+        <p:txBody>
+          <a:bodyPr rtlCol="0" anchor="ctr"/>
+          <a:lstStyle/>
+          <a:p>
+            <a:pPr algn="ctr"/>
+            <a:endParaRPr lang="en-US"/>
+          </a:p>
+        </p:txBody>
+      </p:sp>
+      <p:sp>
+        <p:nvSpPr>
+          <p:cNvPr id="12" name="Rectangle 11">
+            <a:extLst>
+              <a:ext uri="{FF2B5EF4-FFF2-40B4-BE49-F238E27FC236}">
+                <a16:creationId xmlns:a16="http://schemas.microsoft.com/office/drawing/2014/main" id="{6A685C77-4E84-486A-9AE5-F3635BE98EFB}"/>
+              </a:ext>
+              <a:ext uri="{C183D7F6-B498-43B3-948B-1728B52AA6E4}">
+                <adec:decorative xmlns:adec="http://schemas.microsoft.com/office/drawing/2017/decorative" val="1"/>
+              </a:ext>
+            </a:extLst>
+          </p:cNvPr>
+          <p:cNvSpPr>
+            <a:spLocks noGrp="1" noRot="1" noChangeAspect="1" noMove="1" noResize="1" noEditPoints="1" noAdjustHandles="1" noChangeArrowheads="1" noChangeShapeType="1" noTextEdit="1"/>
+          </p:cNvSpPr>
+          <p:nvPr>
+            <p:extLst>
+              <p:ext uri="{386F3935-93C4-4BCD-93E2-E3B085C9AB24}">
+                <p16:designElem xmlns:p16="http://schemas.microsoft.com/office/powerpoint/2015/main" val="1"/>
+              </p:ext>
+            </p:extLst>
+          </p:nvPr>
+        </p:nvSpPr>
+        <p:spPr>
+          <a:xfrm>
+            <a:off x="641602" y="822324"/>
+            <a:ext cx="5149596" cy="5228279"/>
+          </a:xfrm>
+          <a:prstGeom prst="rect">
+            <a:avLst/>
+          </a:prstGeom>
+          <a:blipFill dpi="0" rotWithShape="1">
+            <a:blip r:embed="rId2">
+              <a:alphaModFix amt="85000"/>
+              <a:lum bright="70000" contrast="-70000"/>
+              <a:extLst>
+                <a:ext uri="{BEBA8EAE-BF5A-486C-A8C5-ECC9F3942E4B}">
+                  <a14:imgProps xmlns:a14="http://schemas.microsoft.com/office/drawing/2010/main">
+                    <a14:imgLayer r:embed="rId3">
+                      <a14:imgEffect>
+                        <a14:sharpenSoften amount="61000"/>
+                      </a14:imgEffect>
+                    </a14:imgLayer>
+                  </a14:imgProps>
+                </a:ext>
+                <a:ext uri="{28A0092B-C50C-407E-A947-70E740481C1C}">
+                  <a14:useLocalDpi xmlns:a14="http://schemas.microsoft.com/office/drawing/2010/main" val="0"/>
+                </a:ext>
+              </a:extLst>
+            </a:blip>
+            <a:srcRect/>
+            <a:tile tx="0" ty="-704850" sx="92000" sy="89000" flip="xy" algn="ctr"/>
+          </a:blipFill>
+          <a:ln>
+            <a:noFill/>
+          </a:ln>
+        </p:spPr>
+        <p:style>
+          <a:lnRef idx="2">
+            <a:schemeClr val="accent1">
+              <a:shade val="50000"/>
+            </a:schemeClr>
+          </a:lnRef>
+          <a:fillRef idx="1">
+            <a:schemeClr val="accent1"/>
+          </a:fillRef>
+          <a:effectRef idx="0">
+            <a:schemeClr val="accent1"/>
+          </a:effectRef>
+          <a:fontRef idx="minor">
+            <a:schemeClr val="lt1"/>
+          </a:fontRef>
+        </p:style>
+        <p:txBody>
+          <a:bodyPr rtlCol="0" anchor="ctr"/>
+          <a:lstStyle/>
+          <a:p>
+            <a:pPr algn="ctr"/>
+            <a:endParaRPr lang="en-US"/>
+          </a:p>
+        </p:txBody>
+      </p:sp>
       <p:sp>
         <p:nvSpPr>
           <p:cNvPr id="2" name="Title 1">
@@ -3076,14 +8843,20 @@
             <p:ph type="title"/>
           </p:nvPr>
         </p:nvSpPr>
-        <p:spPr/>
+        <p:spPr>
+          <a:xfrm>
+            <a:off x="1286934" y="1465790"/>
+            <a:ext cx="3860798" cy="3941345"/>
+          </a:xfrm>
+        </p:spPr>
         <p:txBody>
-          <a:bodyPr/>
+          <a:bodyPr>
+            <a:normAutofit/>
+          </a:bodyPr>
           <a:lstStyle/>
           <a:p>
-            <a:pPr algn="ctr"/>
             <a:r>
-              <a:rPr lang="en-US" dirty="0">
+              <a:rPr lang="en-US" sz="6000" dirty="0">
                 <a:cs typeface="Calibri Light" panose="020F0302020204030204"/>
               </a:rPr>
               <a:t>About the Game</a:t>
@@ -3107,15 +8880,20 @@
             <p:ph idx="1"/>
           </p:nvPr>
         </p:nvSpPr>
-        <p:spPr/>
+        <p:spPr>
+          <a:xfrm>
+            <a:off x="6417733" y="1359090"/>
+            <a:ext cx="5132665" cy="4048046"/>
+          </a:xfrm>
+        </p:spPr>
         <p:txBody>
-          <a:bodyPr vert="horz" lIns="91440" tIns="45720" rIns="91440" bIns="45720" rtlCol="0" anchor="t">
+          <a:bodyPr vert="horz" lIns="91440" tIns="45720" rIns="91440" bIns="45720" rtlCol="0" anchor="ctr">
             <a:normAutofit/>
           </a:bodyPr>
           <a:lstStyle/>
           <a:p>
             <a:r>
-              <a:rPr lang="en-US" dirty="0">
+              <a:rPr lang="en-US" sz="1700">
                 <a:ea typeface="+mn-lt"/>
                 <a:cs typeface="+mn-lt"/>
               </a:rPr>
@@ -3124,50 +8902,132 @@
           </a:p>
           <a:p>
             <a:r>
-              <a:rPr lang="en-US" dirty="0">
+              <a:rPr lang="en-US" sz="1700">
                 <a:ea typeface="+mn-lt"/>
                 <a:cs typeface="+mn-lt"/>
               </a:rPr>
               <a:t>Players can choose to play as characters from a character set</a:t>
             </a:r>
-            <a:endParaRPr lang="en-US" dirty="0">
+            <a:endParaRPr lang="en-US" sz="1700">
               <a:cs typeface="Calibri" panose="020F0502020204030204"/>
             </a:endParaRPr>
           </a:p>
           <a:p>
             <a:r>
-              <a:rPr lang="en-US" dirty="0">
+              <a:rPr lang="en-US" sz="1700">
                 <a:ea typeface="+mn-lt"/>
                 <a:cs typeface="+mn-lt"/>
               </a:rPr>
               <a:t>Each character has their own theme/style, strengths, weaknesses and move sets/counters</a:t>
             </a:r>
-            <a:endParaRPr lang="en-US" dirty="0"/>
+            <a:endParaRPr lang="en-US" sz="1700"/>
           </a:p>
           <a:p>
             <a:r>
-              <a:rPr lang="en-US" dirty="0">
+              <a:rPr lang="en-US" sz="1700">
                 <a:ea typeface="+mn-lt"/>
                 <a:cs typeface="+mn-lt"/>
               </a:rPr>
               <a:t>Players will join tournaments and compete in a series of battles gaining or losing points according to performance, player with most points in the end wins</a:t>
             </a:r>
-            <a:endParaRPr lang="en-US" dirty="0"/>
+            <a:endParaRPr lang="en-US" sz="1700"/>
           </a:p>
           <a:p>
             <a:r>
-              <a:rPr lang="en-US" dirty="0">
+              <a:rPr lang="en-US" sz="1700">
                 <a:ea typeface="+mn-lt"/>
                 <a:cs typeface="+mn-lt"/>
               </a:rPr>
               <a:t>Points players accumulate will be added to a personal score ranked on a leader board with all players</a:t>
             </a:r>
-            <a:endParaRPr lang="en-US" dirty="0"/>
-          </a:p>
-          <a:p>
-            <a:endParaRPr lang="en-US" dirty="0">
+            <a:endParaRPr lang="en-US" sz="1700"/>
+          </a:p>
+          <a:p>
+            <a:endParaRPr lang="en-US" sz="1700">
               <a:cs typeface="Calibri"/>
             </a:endParaRPr>
+          </a:p>
+        </p:txBody>
+      </p:sp>
+      <p:sp>
+        <p:nvSpPr>
+          <p:cNvPr id="14" name="Rectangle 13">
+            <a:extLst>
+              <a:ext uri="{FF2B5EF4-FFF2-40B4-BE49-F238E27FC236}">
+                <a16:creationId xmlns:a16="http://schemas.microsoft.com/office/drawing/2014/main" id="{E55C1C3E-5158-47F3-8FD9-14B22C3E6EAD}"/>
+              </a:ext>
+              <a:ext uri="{C183D7F6-B498-43B3-948B-1728B52AA6E4}">
+                <adec:decorative xmlns:adec="http://schemas.microsoft.com/office/drawing/2017/decorative" val="1"/>
+              </a:ext>
+            </a:extLst>
+          </p:cNvPr>
+          <p:cNvSpPr>
+            <a:spLocks noGrp="1" noRot="1" noChangeAspect="1" noMove="1" noResize="1" noEditPoints="1" noAdjustHandles="1" noChangeArrowheads="1" noChangeShapeType="1" noTextEdit="1"/>
+          </p:cNvSpPr>
+          <p:nvPr>
+            <p:extLst>
+              <p:ext uri="{386F3935-93C4-4BCD-93E2-E3B085C9AB24}">
+                <p16:designElem xmlns:p16="http://schemas.microsoft.com/office/powerpoint/2015/main" val="1"/>
+              </p:ext>
+            </p:extLst>
+          </p:nvPr>
+        </p:nvSpPr>
+        <p:spPr>
+          <a:xfrm>
+            <a:off x="641604" y="6121662"/>
+            <a:ext cx="10908792" cy="80683"/>
+          </a:xfrm>
+          <a:prstGeom prst="rect">
+            <a:avLst/>
+          </a:prstGeom>
+          <a:blipFill dpi="0" rotWithShape="1">
+            <a:blip r:embed="rId2">
+              <a:alphaModFix amt="85000"/>
+              <a:lum bright="70000" contrast="-70000"/>
+              <a:extLst>
+                <a:ext uri="{BEBA8EAE-BF5A-486C-A8C5-ECC9F3942E4B}">
+                  <a14:imgProps xmlns:a14="http://schemas.microsoft.com/office/drawing/2010/main">
+                    <a14:imgLayer r:embed="rId3">
+                      <a14:imgEffect>
+                        <a14:sharpenSoften amount="61000"/>
+                      </a14:imgEffect>
+                    </a14:imgLayer>
+                  </a14:imgProps>
+                </a:ext>
+                <a:ext uri="{28A0092B-C50C-407E-A947-70E740481C1C}">
+                  <a14:useLocalDpi xmlns:a14="http://schemas.microsoft.com/office/drawing/2010/main" val="0"/>
+                </a:ext>
+              </a:extLst>
+            </a:blip>
+            <a:srcRect/>
+            <a:tile tx="0" ty="-762000" sx="92000" sy="89000" flip="xy" algn="ctr"/>
+          </a:blipFill>
+          <a:ln>
+            <a:noFill/>
+          </a:ln>
+        </p:spPr>
+        <p:style>
+          <a:lnRef idx="2">
+            <a:schemeClr val="accent1">
+              <a:shade val="50000"/>
+            </a:schemeClr>
+          </a:lnRef>
+          <a:fillRef idx="1">
+            <a:schemeClr val="accent1"/>
+          </a:fillRef>
+          <a:effectRef idx="0">
+            <a:schemeClr val="accent1"/>
+          </a:effectRef>
+          <a:fontRef idx="minor">
+            <a:schemeClr val="lt1"/>
+          </a:fontRef>
+        </p:style>
+        <p:txBody>
+          <a:bodyPr rtlCol="0" anchor="ctr"/>
+          <a:lstStyle/>
+          <a:p>
+            <a:pPr algn="ctr"/>
+            <a:endParaRPr lang="en-US"/>
           </a:p>
         </p:txBody>
       </p:sp>
@@ -3187,6 +9047,14 @@
 <file path=ppt/slides/slide3.xml><?xml version="1.0" encoding="utf-8"?>
 <p:sld xmlns:a="http://schemas.openxmlformats.org/drawingml/2006/main" xmlns:r="http://schemas.openxmlformats.org/officeDocument/2006/relationships" xmlns:p="http://schemas.openxmlformats.org/presentationml/2006/main">
   <p:cSld>
+    <p:bg>
+      <p:bgPr>
+        <a:solidFill>
+          <a:schemeClr val="bg1"/>
+        </a:solidFill>
+        <a:effectLst/>
+      </p:bgPr>
+    </p:bg>
     <p:spTree>
       <p:nvGrpSpPr>
         <p:cNvPr id="1" name=""/>
@@ -3201,6 +9069,288 @@
           <a:chExt cx="0" cy="0"/>
         </a:xfrm>
       </p:grpSpPr>
+      <p:sp useBgFill="1">
+        <p:nvSpPr>
+          <p:cNvPr id="36" name="Rectangle 7">
+            <a:extLst>
+              <a:ext uri="{FF2B5EF4-FFF2-40B4-BE49-F238E27FC236}">
+                <a16:creationId xmlns:a16="http://schemas.microsoft.com/office/drawing/2014/main" id="{E009DD9B-5EE2-4C0D-8B2B-351C8C102205}"/>
+              </a:ext>
+              <a:ext uri="{C183D7F6-B498-43B3-948B-1728B52AA6E4}">
+                <adec:decorative xmlns:adec="http://schemas.microsoft.com/office/drawing/2017/decorative" val="1"/>
+              </a:ext>
+            </a:extLst>
+          </p:cNvPr>
+          <p:cNvSpPr>
+            <a:spLocks noGrp="1" noRot="1" noChangeAspect="1" noMove="1" noResize="1" noEditPoints="1" noAdjustHandles="1" noChangeArrowheads="1" noChangeShapeType="1" noTextEdit="1"/>
+          </p:cNvSpPr>
+          <p:nvPr>
+            <p:extLst>
+              <p:ext uri="{386F3935-93C4-4BCD-93E2-E3B085C9AB24}">
+                <p16:designElem xmlns:p16="http://schemas.microsoft.com/office/powerpoint/2015/main" val="1"/>
+              </p:ext>
+            </p:extLst>
+          </p:nvPr>
+        </p:nvSpPr>
+        <p:spPr>
+          <a:xfrm>
+            <a:off x="0" y="0"/>
+            <a:ext cx="12192000" cy="6858000"/>
+          </a:xfrm>
+          <a:prstGeom prst="rect">
+            <a:avLst/>
+          </a:prstGeom>
+          <a:ln>
+            <a:noFill/>
+          </a:ln>
+        </p:spPr>
+        <p:style>
+          <a:lnRef idx="2">
+            <a:schemeClr val="accent1">
+              <a:shade val="50000"/>
+            </a:schemeClr>
+          </a:lnRef>
+          <a:fillRef idx="1">
+            <a:schemeClr val="accent1"/>
+          </a:fillRef>
+          <a:effectRef idx="0">
+            <a:schemeClr val="accent1"/>
+          </a:effectRef>
+          <a:fontRef idx="minor">
+            <a:schemeClr val="lt1"/>
+          </a:fontRef>
+        </p:style>
+        <p:txBody>
+          <a:bodyPr rtlCol="0" anchor="ctr"/>
+          <a:lstStyle/>
+          <a:p>
+            <a:pPr algn="ctr"/>
+            <a:endParaRPr lang="en-US"/>
+          </a:p>
+        </p:txBody>
+      </p:sp>
+      <p:sp>
+        <p:nvSpPr>
+          <p:cNvPr id="37" name="Rectangle 9">
+            <a:extLst>
+              <a:ext uri="{FF2B5EF4-FFF2-40B4-BE49-F238E27FC236}">
+                <a16:creationId xmlns:a16="http://schemas.microsoft.com/office/drawing/2014/main" id="{E720DB99-7745-4E75-9D96-AAB6D55C531E}"/>
+              </a:ext>
+              <a:ext uri="{C183D7F6-B498-43B3-948B-1728B52AA6E4}">
+                <adec:decorative xmlns:adec="http://schemas.microsoft.com/office/drawing/2017/decorative" val="1"/>
+              </a:ext>
+            </a:extLst>
+          </p:cNvPr>
+          <p:cNvSpPr>
+            <a:spLocks noGrp="1" noRot="1" noChangeAspect="1" noMove="1" noResize="1" noEditPoints="1" noAdjustHandles="1" noChangeArrowheads="1" noChangeShapeType="1" noTextEdit="1"/>
+          </p:cNvSpPr>
+          <p:nvPr>
+            <p:extLst>
+              <p:ext uri="{386F3935-93C4-4BCD-93E2-E3B085C9AB24}">
+                <p16:designElem xmlns:p16="http://schemas.microsoft.com/office/powerpoint/2015/main" val="1"/>
+              </p:ext>
+            </p:extLst>
+          </p:nvPr>
+        </p:nvSpPr>
+        <p:spPr>
+          <a:xfrm>
+            <a:off x="984504" y="464119"/>
+            <a:ext cx="10222992" cy="80683"/>
+          </a:xfrm>
+          <a:prstGeom prst="rect">
+            <a:avLst/>
+          </a:prstGeom>
+          <a:blipFill dpi="0" rotWithShape="1">
+            <a:blip r:embed="rId2">
+              <a:alphaModFix amt="85000"/>
+              <a:lum bright="70000" contrast="-70000"/>
+              <a:extLst>
+                <a:ext uri="{BEBA8EAE-BF5A-486C-A8C5-ECC9F3942E4B}">
+                  <a14:imgProps xmlns:a14="http://schemas.microsoft.com/office/drawing/2010/main">
+                    <a14:imgLayer r:embed="rId3">
+                      <a14:imgEffect>
+                        <a14:sharpenSoften amount="61000"/>
+                      </a14:imgEffect>
+                    </a14:imgLayer>
+                  </a14:imgProps>
+                </a:ext>
+                <a:ext uri="{28A0092B-C50C-407E-A947-70E740481C1C}">
+                  <a14:useLocalDpi xmlns:a14="http://schemas.microsoft.com/office/drawing/2010/main" val="0"/>
+                </a:ext>
+              </a:extLst>
+            </a:blip>
+            <a:srcRect/>
+            <a:tile tx="0" ty="-762000" sx="92000" sy="89000" flip="xy" algn="ctr"/>
+          </a:blipFill>
+          <a:ln>
+            <a:noFill/>
+          </a:ln>
+        </p:spPr>
+        <p:style>
+          <a:lnRef idx="2">
+            <a:schemeClr val="accent1">
+              <a:shade val="50000"/>
+            </a:schemeClr>
+          </a:lnRef>
+          <a:fillRef idx="1">
+            <a:schemeClr val="accent1"/>
+          </a:fillRef>
+          <a:effectRef idx="0">
+            <a:schemeClr val="accent1"/>
+          </a:effectRef>
+          <a:fontRef idx="minor">
+            <a:schemeClr val="lt1"/>
+          </a:fontRef>
+        </p:style>
+      </p:sp>
+      <p:sp>
+        <p:nvSpPr>
+          <p:cNvPr id="38" name="Rectangle 11">
+            <a:extLst>
+              <a:ext uri="{FF2B5EF4-FFF2-40B4-BE49-F238E27FC236}">
+                <a16:creationId xmlns:a16="http://schemas.microsoft.com/office/drawing/2014/main" id="{D68803C4-E159-4360-B7BB-74205C8F782D}"/>
+              </a:ext>
+              <a:ext uri="{C183D7F6-B498-43B3-948B-1728B52AA6E4}">
+                <adec:decorative xmlns:adec="http://schemas.microsoft.com/office/drawing/2017/decorative" val="1"/>
+              </a:ext>
+            </a:extLst>
+          </p:cNvPr>
+          <p:cNvSpPr>
+            <a:spLocks noGrp="1" noRot="1" noChangeAspect="1" noMove="1" noResize="1" noEditPoints="1" noAdjustHandles="1" noChangeArrowheads="1" noChangeShapeType="1" noTextEdit="1"/>
+          </p:cNvSpPr>
+          <p:nvPr>
+            <p:extLst>
+              <p:ext uri="{386F3935-93C4-4BCD-93E2-E3B085C9AB24}">
+                <p16:designElem xmlns:p16="http://schemas.microsoft.com/office/powerpoint/2015/main" val="1"/>
+              </p:ext>
+            </p:extLst>
+          </p:nvPr>
+        </p:nvSpPr>
+        <p:spPr>
+          <a:xfrm>
+            <a:off x="984504" y="601952"/>
+            <a:ext cx="10222992" cy="1385874"/>
+          </a:xfrm>
+          <a:prstGeom prst="rect">
+            <a:avLst/>
+          </a:prstGeom>
+          <a:blipFill dpi="0" rotWithShape="1">
+            <a:blip r:embed="rId2">
+              <a:alphaModFix amt="85000"/>
+              <a:lum bright="70000" contrast="-70000"/>
+              <a:extLst>
+                <a:ext uri="{BEBA8EAE-BF5A-486C-A8C5-ECC9F3942E4B}">
+                  <a14:imgProps xmlns:a14="http://schemas.microsoft.com/office/drawing/2010/main">
+                    <a14:imgLayer r:embed="rId3">
+                      <a14:imgEffect>
+                        <a14:sharpenSoften amount="61000"/>
+                      </a14:imgEffect>
+                    </a14:imgLayer>
+                  </a14:imgProps>
+                </a:ext>
+                <a:ext uri="{28A0092B-C50C-407E-A947-70E740481C1C}">
+                  <a14:useLocalDpi xmlns:a14="http://schemas.microsoft.com/office/drawing/2010/main" val="0"/>
+                </a:ext>
+              </a:extLst>
+            </a:blip>
+            <a:srcRect/>
+            <a:tile tx="0" ty="-704850" sx="92000" sy="89000" flip="xy" algn="ctr"/>
+          </a:blipFill>
+          <a:ln>
+            <a:noFill/>
+          </a:ln>
+        </p:spPr>
+        <p:style>
+          <a:lnRef idx="2">
+            <a:schemeClr val="accent1">
+              <a:shade val="50000"/>
+            </a:schemeClr>
+          </a:lnRef>
+          <a:fillRef idx="1">
+            <a:schemeClr val="accent1"/>
+          </a:fillRef>
+          <a:effectRef idx="0">
+            <a:schemeClr val="accent1"/>
+          </a:effectRef>
+          <a:fontRef idx="minor">
+            <a:schemeClr val="lt1"/>
+          </a:fontRef>
+        </p:style>
+      </p:sp>
+      <p:sp>
+        <p:nvSpPr>
+          <p:cNvPr id="39" name="Rectangle 13">
+            <a:extLst>
+              <a:ext uri="{FF2B5EF4-FFF2-40B4-BE49-F238E27FC236}">
+                <a16:creationId xmlns:a16="http://schemas.microsoft.com/office/drawing/2014/main" id="{504B0465-3B07-49BF-BEA7-D81476246293}"/>
+              </a:ext>
+              <a:ext uri="{C183D7F6-B498-43B3-948B-1728B52AA6E4}">
+                <adec:decorative xmlns:adec="http://schemas.microsoft.com/office/drawing/2017/decorative" val="1"/>
+              </a:ext>
+            </a:extLst>
+          </p:cNvPr>
+          <p:cNvSpPr>
+            <a:spLocks noGrp="1" noRot="1" noChangeAspect="1" noMove="1" noResize="1" noEditPoints="1" noAdjustHandles="1" noChangeArrowheads="1" noChangeShapeType="1" noTextEdit="1"/>
+          </p:cNvSpPr>
+          <p:nvPr>
+            <p:extLst>
+              <p:ext uri="{386F3935-93C4-4BCD-93E2-E3B085C9AB24}">
+                <p16:designElem xmlns:p16="http://schemas.microsoft.com/office/powerpoint/2015/main" val="1"/>
+              </p:ext>
+            </p:extLst>
+          </p:nvPr>
+        </p:nvSpPr>
+        <p:spPr>
+          <a:xfrm>
+            <a:off x="984504" y="2038655"/>
+            <a:ext cx="10222992" cy="80683"/>
+          </a:xfrm>
+          <a:prstGeom prst="rect">
+            <a:avLst/>
+          </a:prstGeom>
+          <a:blipFill dpi="0" rotWithShape="1">
+            <a:blip r:embed="rId2">
+              <a:alphaModFix amt="85000"/>
+              <a:lum bright="70000" contrast="-70000"/>
+              <a:extLst>
+                <a:ext uri="{BEBA8EAE-BF5A-486C-A8C5-ECC9F3942E4B}">
+                  <a14:imgProps xmlns:a14="http://schemas.microsoft.com/office/drawing/2010/main">
+                    <a14:imgLayer r:embed="rId3">
+                      <a14:imgEffect>
+                        <a14:sharpenSoften amount="61000"/>
+                      </a14:imgEffect>
+                    </a14:imgLayer>
+                  </a14:imgProps>
+                </a:ext>
+                <a:ext uri="{28A0092B-C50C-407E-A947-70E740481C1C}">
+                  <a14:useLocalDpi xmlns:a14="http://schemas.microsoft.com/office/drawing/2010/main" val="0"/>
+                </a:ext>
+              </a:extLst>
+            </a:blip>
+            <a:srcRect/>
+            <a:tile tx="0" ty="-717550" sx="92000" sy="89000" flip="xy" algn="ctr"/>
+          </a:blipFill>
+          <a:ln>
+            <a:noFill/>
+          </a:ln>
+        </p:spPr>
+        <p:style>
+          <a:lnRef idx="2">
+            <a:schemeClr val="accent1">
+              <a:shade val="50000"/>
+            </a:schemeClr>
+          </a:lnRef>
+          <a:fillRef idx="1">
+            <a:schemeClr val="accent1"/>
+          </a:fillRef>
+          <a:effectRef idx="0">
+            <a:schemeClr val="accent1"/>
+          </a:effectRef>
+          <a:fontRef idx="minor">
+            <a:schemeClr val="lt1"/>
+          </a:fontRef>
+        </p:style>
+      </p:sp>
       <p:sp>
         <p:nvSpPr>
           <p:cNvPr id="2" name="Title 1">
@@ -3217,12 +9367,18 @@
             <p:ph type="title"/>
           </p:nvPr>
         </p:nvSpPr>
-        <p:spPr/>
+        <p:spPr>
+          <a:xfrm>
+            <a:off x="1069848" y="484632"/>
+            <a:ext cx="10058400" cy="1609344"/>
+          </a:xfrm>
+        </p:spPr>
         <p:txBody>
-          <a:bodyPr/>
+          <a:bodyPr>
+            <a:normAutofit/>
+          </a:bodyPr>
           <a:lstStyle/>
           <a:p>
-            <a:pPr algn="ctr"/>
             <a:r>
               <a:rPr lang="en-US" dirty="0">
                 <a:cs typeface="Calibri Light" panose="020F0302020204030204"/>
@@ -3232,103 +9388,199 @@
           </a:p>
         </p:txBody>
       </p:sp>
+      <p:graphicFrame>
+        <p:nvGraphicFramePr>
+          <p:cNvPr id="40" name="Content Placeholder 2">
+            <a:extLst>
+              <a:ext uri="{FF2B5EF4-FFF2-40B4-BE49-F238E27FC236}">
+                <a16:creationId xmlns:a16="http://schemas.microsoft.com/office/drawing/2014/main" id="{F047202D-197B-4CFA-A50C-C26898F5CA27}"/>
+              </a:ext>
+            </a:extLst>
+          </p:cNvPr>
+          <p:cNvGraphicFramePr>
+            <a:graphicFrameLocks noGrp="1"/>
+          </p:cNvGraphicFramePr>
+          <p:nvPr>
+            <p:ph idx="1"/>
+            <p:extLst>
+              <p:ext uri="{D42A27DB-BD31-4B8C-83A1-F6EECF244321}">
+                <p14:modId xmlns:p14="http://schemas.microsoft.com/office/powerpoint/2010/main" val="2051188367"/>
+              </p:ext>
+            </p:extLst>
+          </p:nvPr>
+        </p:nvGraphicFramePr>
+        <p:xfrm>
+          <a:off x="1069848" y="2320412"/>
+          <a:ext cx="10058400" cy="3851787"/>
+        </p:xfrm>
+        <a:graphic>
+          <a:graphicData uri="http://schemas.openxmlformats.org/drawingml/2006/diagram">
+            <dgm:relIds xmlns:dgm="http://schemas.openxmlformats.org/drawingml/2006/diagram" xmlns:r="http://schemas.openxmlformats.org/officeDocument/2006/relationships" r:dm="rId4" r:lo="rId5" r:qs="rId6" r:cs="rId7"/>
+          </a:graphicData>
+        </a:graphic>
+      </p:graphicFrame>
       <p:sp>
         <p:nvSpPr>
-          <p:cNvPr id="3" name="Content Placeholder 2">
+          <p:cNvPr id="41" name="Oval 15">
             <a:extLst>
               <a:ext uri="{FF2B5EF4-FFF2-40B4-BE49-F238E27FC236}">
-                <a16:creationId xmlns:a16="http://schemas.microsoft.com/office/drawing/2014/main" id="{D45950EC-B9A5-4777-AF2A-26A85077696E}"/>
+                <a16:creationId xmlns:a16="http://schemas.microsoft.com/office/drawing/2014/main" id="{49B7FFA5-14CB-4A4F-9BCC-CA3AA5D9D276}"/>
+              </a:ext>
+              <a:ext uri="{C183D7F6-B498-43B3-948B-1728B52AA6E4}">
+                <adec:decorative xmlns:adec="http://schemas.microsoft.com/office/drawing/2017/decorative" val="1"/>
               </a:ext>
             </a:extLst>
           </p:cNvPr>
           <p:cNvSpPr>
-            <a:spLocks noGrp="1"/>
+            <a:spLocks noGrp="1" noRot="1" noChangeAspect="1" noMove="1" noResize="1" noEditPoints="1" noAdjustHandles="1" noChangeArrowheads="1" noChangeShapeType="1" noTextEdit="1"/>
           </p:cNvSpPr>
           <p:nvPr>
-            <p:ph idx="1"/>
+            <p:extLst>
+              <p:ext uri="{386F3935-93C4-4BCD-93E2-E3B085C9AB24}">
+                <p16:designElem xmlns:p16="http://schemas.microsoft.com/office/powerpoint/2015/main" val="1"/>
+              </p:ext>
+            </p:extLst>
           </p:nvPr>
         </p:nvSpPr>
-        <p:spPr/>
+        <p:spPr>
+          <a:xfrm>
+            <a:off x="11401725" y="6229681"/>
+            <a:ext cx="457200" cy="457200"/>
+          </a:xfrm>
+          <a:prstGeom prst="ellipse">
+            <a:avLst/>
+          </a:prstGeom>
+          <a:blipFill dpi="0" rotWithShape="1">
+            <a:blip r:embed="rId9">
+              <a:duotone>
+                <a:schemeClr val="accent1">
+                  <a:shade val="45000"/>
+                  <a:satMod val="135000"/>
+                </a:schemeClr>
+                <a:prstClr val="white"/>
+              </a:duotone>
+            </a:blip>
+            <a:srcRect/>
+            <a:tile tx="50800" ty="0" sx="85000" sy="85000" flip="none" algn="tl"/>
+          </a:blipFill>
+          <a:ln w="25400" cap="flat" cmpd="sng" algn="ctr">
+            <a:noFill/>
+            <a:prstDash val="solid"/>
+          </a:ln>
+          <a:effectLst/>
+        </p:spPr>
         <p:txBody>
-          <a:bodyPr vert="horz" lIns="91440" tIns="45720" rIns="91440" bIns="45720" rtlCol="0" anchor="t">
-            <a:normAutofit/>
-          </a:bodyPr>
+          <a:bodyPr lIns="0" tIns="0" rIns="0" bIns="0" rtlCol="0" anchor="ctr"/>
           <a:lstStyle/>
           <a:p>
-            <a:r>
-              <a:rPr lang="en-US" dirty="0">
-                <a:ea typeface="+mn-lt"/>
-                <a:cs typeface="+mn-lt"/>
-              </a:rPr>
-              <a:t>Global live chat</a:t>
-            </a:r>
-            <a:endParaRPr lang="en-US" dirty="0">
-              <a:cs typeface="Calibri" panose="020F0502020204030204"/>
+            <a:pPr marL="0" marR="0" lvl="0" indent="0" algn="ctr" defTabSz="914400" eaLnBrk="1" fontAlgn="auto" latinLnBrk="0" hangingPunct="1">
+              <a:lnSpc>
+                <a:spcPct val="100000"/>
+              </a:lnSpc>
+              <a:spcBef>
+                <a:spcPts val="0"/>
+              </a:spcBef>
+              <a:spcAft>
+                <a:spcPts val="0"/>
+              </a:spcAft>
+              <a:buClrTx/>
+              <a:buSzTx/>
+              <a:buFontTx/>
+              <a:buNone/>
+              <a:tabLst/>
+              <a:defRPr/>
+            </a:pPr>
+            <a:endParaRPr kumimoji="0" lang="en-US" sz="2000" b="0" i="0" u="none" strike="noStrike" kern="0" cap="none" spc="0" normalizeH="0" baseline="0" noProof="0">
+              <a:ln>
+                <a:noFill/>
+              </a:ln>
+              <a:solidFill>
+                <a:prstClr val="white"/>
+              </a:solidFill>
+              <a:effectLst/>
+              <a:uLnTx/>
+              <a:uFillTx/>
+              <a:latin typeface="Rockwell Extra Bold" pitchFamily="18" charset="0"/>
+              <a:ea typeface="+mn-ea"/>
+              <a:cs typeface="+mn-cs"/>
             </a:endParaRPr>
           </a:p>
-          <a:p>
-            <a:r>
-              <a:rPr lang="en-US" dirty="0">
-                <a:ea typeface="+mn-lt"/>
-                <a:cs typeface="+mn-lt"/>
-              </a:rPr>
-              <a:t>Leader board</a:t>
-            </a:r>
-            <a:endParaRPr lang="en-US" dirty="0"/>
-          </a:p>
-          <a:p>
-            <a:r>
-              <a:rPr lang="en-US" dirty="0">
-                <a:ea typeface="+mn-lt"/>
-                <a:cs typeface="+mn-lt"/>
-              </a:rPr>
-              <a:t>Tournaments</a:t>
-            </a:r>
-            <a:endParaRPr lang="en-US" dirty="0"/>
-          </a:p>
-          <a:p>
-            <a:r>
-              <a:rPr lang="en-US" dirty="0">
-                <a:ea typeface="+mn-lt"/>
-                <a:cs typeface="+mn-lt"/>
-              </a:rPr>
-              <a:t>Maps to play on</a:t>
-            </a:r>
-            <a:endParaRPr lang="en-US" dirty="0"/>
-          </a:p>
-          <a:p>
-            <a:r>
-              <a:rPr lang="en-US" dirty="0">
-                <a:ea typeface="+mn-lt"/>
-                <a:cs typeface="+mn-lt"/>
-              </a:rPr>
-              <a:t>Moderated report system</a:t>
-            </a:r>
-            <a:endParaRPr lang="en-US" dirty="0"/>
-          </a:p>
-          <a:p>
-            <a:r>
-              <a:rPr lang="en-US" dirty="0">
-                <a:ea typeface="+mn-lt"/>
-                <a:cs typeface="+mn-lt"/>
-              </a:rPr>
-              <a:t>Ranked system</a:t>
-            </a:r>
-            <a:endParaRPr lang="en-US" dirty="0"/>
-          </a:p>
-          <a:p>
-            <a:r>
-              <a:rPr lang="en-US" dirty="0">
-                <a:ea typeface="+mn-lt"/>
-                <a:cs typeface="+mn-lt"/>
-              </a:rPr>
-              <a:t>GUI</a:t>
-            </a:r>
-            <a:endParaRPr lang="en-US" dirty="0"/>
-          </a:p>
-          <a:p>
-            <a:endParaRPr lang="en-US" dirty="0">
-              <a:cs typeface="Calibri"/>
+        </p:txBody>
+      </p:sp>
+      <p:sp>
+        <p:nvSpPr>
+          <p:cNvPr id="42" name="Oval 17">
+            <a:extLst>
+              <a:ext uri="{FF2B5EF4-FFF2-40B4-BE49-F238E27FC236}">
+                <a16:creationId xmlns:a16="http://schemas.microsoft.com/office/drawing/2014/main" id="{04E48745-7512-4EC2-9E20-9092D12150CA}"/>
+              </a:ext>
+              <a:ext uri="{C183D7F6-B498-43B3-948B-1728B52AA6E4}">
+                <adec:decorative xmlns:adec="http://schemas.microsoft.com/office/drawing/2017/decorative" val="1"/>
+              </a:ext>
+            </a:extLst>
+          </p:cNvPr>
+          <p:cNvSpPr>
+            <a:spLocks noGrp="1" noRot="1" noChangeAspect="1" noMove="1" noResize="1" noEditPoints="1" noAdjustHandles="1" noChangeArrowheads="1" noChangeShapeType="1" noTextEdit="1"/>
+          </p:cNvSpPr>
+          <p:nvPr>
+            <p:extLst>
+              <p:ext uri="{386F3935-93C4-4BCD-93E2-E3B085C9AB24}">
+                <p16:designElem xmlns:p16="http://schemas.microsoft.com/office/powerpoint/2015/main" val="1"/>
+              </p:ext>
+            </p:extLst>
+          </p:nvPr>
+        </p:nvSpPr>
+        <p:spPr>
+          <a:xfrm>
+            <a:off x="11430918" y="6258874"/>
+            <a:ext cx="398813" cy="398815"/>
+          </a:xfrm>
+          <a:prstGeom prst="ellipse">
+            <a:avLst/>
+          </a:prstGeom>
+          <a:noFill/>
+          <a:ln w="12700" cap="flat" cmpd="sng" algn="ctr">
+            <a:solidFill>
+              <a:srgbClr val="FFFFFF"/>
+            </a:solidFill>
+            <a:prstDash val="solid"/>
+          </a:ln>
+          <a:effectLst/>
+        </p:spPr>
+        <p:txBody>
+          <a:bodyPr rtlCol="0" anchor="ctr"/>
+          <a:lstStyle/>
+          <a:p>
+            <a:pPr marL="0" marR="0" lvl="0" indent="0" algn="ctr" defTabSz="914400" eaLnBrk="1" fontAlgn="auto" latinLnBrk="0" hangingPunct="1">
+              <a:lnSpc>
+                <a:spcPct val="100000"/>
+              </a:lnSpc>
+              <a:spcBef>
+                <a:spcPts val="0"/>
+              </a:spcBef>
+              <a:spcAft>
+                <a:spcPts val="0"/>
+              </a:spcAft>
+              <a:buClrTx/>
+              <a:buSzTx/>
+              <a:buFontTx/>
+              <a:buNone/>
+              <a:tabLst/>
+              <a:defRPr/>
+            </a:pPr>
+            <a:endParaRPr kumimoji="0" lang="en-US" sz="1800" b="0" i="0" u="none" strike="noStrike" kern="0" cap="none" spc="0" normalizeH="0" baseline="0" noProof="0">
+              <a:ln>
+                <a:noFill/>
+              </a:ln>
+              <a:solidFill>
+                <a:prstClr val="white"/>
+              </a:solidFill>
+              <a:effectLst/>
+              <a:uLnTx/>
+              <a:uFillTx/>
+              <a:latin typeface="Calibri"/>
+              <a:ea typeface="+mn-ea"/>
+              <a:cs typeface="+mn-cs"/>
             </a:endParaRPr>
           </a:p>
         </p:txBody>
@@ -3349,6 +9601,14 @@
 <file path=ppt/slides/slide4.xml><?xml version="1.0" encoding="utf-8"?>
 <p:sld xmlns:a="http://schemas.openxmlformats.org/drawingml/2006/main" xmlns:r="http://schemas.openxmlformats.org/officeDocument/2006/relationships" xmlns:p="http://schemas.openxmlformats.org/presentationml/2006/main">
   <p:cSld>
+    <p:bg>
+      <p:bgPr>
+        <a:solidFill>
+          <a:schemeClr val="bg1"/>
+        </a:solidFill>
+        <a:effectLst/>
+      </p:bgPr>
+    </p:bg>
     <p:spTree>
       <p:nvGrpSpPr>
         <p:cNvPr id="1" name=""/>
@@ -3363,6 +9623,230 @@
           <a:chExt cx="0" cy="0"/>
         </a:xfrm>
       </p:grpSpPr>
+      <p:sp useBgFill="1">
+        <p:nvSpPr>
+          <p:cNvPr id="8" name="Rectangle 7">
+            <a:extLst>
+              <a:ext uri="{FF2B5EF4-FFF2-40B4-BE49-F238E27FC236}">
+                <a16:creationId xmlns:a16="http://schemas.microsoft.com/office/drawing/2014/main" id="{4FCA88C2-C73C-4062-A097-8FBCE3090BEA}"/>
+              </a:ext>
+              <a:ext uri="{C183D7F6-B498-43B3-948B-1728B52AA6E4}">
+                <adec:decorative xmlns:adec="http://schemas.microsoft.com/office/drawing/2017/decorative" val="1"/>
+              </a:ext>
+            </a:extLst>
+          </p:cNvPr>
+          <p:cNvSpPr>
+            <a:spLocks noGrp="1" noRot="1" noChangeAspect="1" noMove="1" noResize="1" noEditPoints="1" noAdjustHandles="1" noChangeArrowheads="1" noChangeShapeType="1" noTextEdit="1"/>
+          </p:cNvSpPr>
+          <p:nvPr>
+            <p:extLst>
+              <p:ext uri="{386F3935-93C4-4BCD-93E2-E3B085C9AB24}">
+                <p16:designElem xmlns:p16="http://schemas.microsoft.com/office/powerpoint/2015/main" val="1"/>
+              </p:ext>
+            </p:extLst>
+          </p:nvPr>
+        </p:nvSpPr>
+        <p:spPr>
+          <a:xfrm>
+            <a:off x="0" y="0"/>
+            <a:ext cx="12192000" cy="6858000"/>
+          </a:xfrm>
+          <a:prstGeom prst="rect">
+            <a:avLst/>
+          </a:prstGeom>
+          <a:ln>
+            <a:noFill/>
+          </a:ln>
+        </p:spPr>
+        <p:style>
+          <a:lnRef idx="2">
+            <a:schemeClr val="accent1">
+              <a:shade val="50000"/>
+            </a:schemeClr>
+          </a:lnRef>
+          <a:fillRef idx="1">
+            <a:schemeClr val="accent1"/>
+          </a:fillRef>
+          <a:effectRef idx="0">
+            <a:schemeClr val="accent1"/>
+          </a:effectRef>
+          <a:fontRef idx="minor">
+            <a:schemeClr val="lt1"/>
+          </a:fontRef>
+        </p:style>
+        <p:txBody>
+          <a:bodyPr rtlCol="0" anchor="ctr"/>
+          <a:lstStyle/>
+          <a:p>
+            <a:pPr algn="ctr"/>
+            <a:endParaRPr lang="en-US"/>
+          </a:p>
+        </p:txBody>
+      </p:sp>
+      <p:sp>
+        <p:nvSpPr>
+          <p:cNvPr id="10" name="Rectangle 9">
+            <a:extLst>
+              <a:ext uri="{FF2B5EF4-FFF2-40B4-BE49-F238E27FC236}">
+                <a16:creationId xmlns:a16="http://schemas.microsoft.com/office/drawing/2014/main" id="{83981C21-E132-4402-B31B-D725C1CE77D2}"/>
+              </a:ext>
+              <a:ext uri="{C183D7F6-B498-43B3-948B-1728B52AA6E4}">
+                <adec:decorative xmlns:adec="http://schemas.microsoft.com/office/drawing/2017/decorative" val="1"/>
+              </a:ext>
+            </a:extLst>
+          </p:cNvPr>
+          <p:cNvSpPr>
+            <a:spLocks noGrp="1" noRot="1" noChangeAspect="1" noMove="1" noResize="1" noEditPoints="1" noAdjustHandles="1" noChangeArrowheads="1" noChangeShapeType="1" noTextEdit="1"/>
+          </p:cNvSpPr>
+          <p:nvPr>
+            <p:extLst>
+              <p:ext uri="{386F3935-93C4-4BCD-93E2-E3B085C9AB24}">
+                <p16:designElem xmlns:p16="http://schemas.microsoft.com/office/powerpoint/2015/main" val="1"/>
+              </p:ext>
+            </p:extLst>
+          </p:nvPr>
+        </p:nvSpPr>
+        <p:spPr>
+          <a:xfrm>
+            <a:off x="641604" y="653241"/>
+            <a:ext cx="10908792" cy="80683"/>
+          </a:xfrm>
+          <a:prstGeom prst="rect">
+            <a:avLst/>
+          </a:prstGeom>
+          <a:blipFill dpi="0" rotWithShape="1">
+            <a:blip r:embed="rId2">
+              <a:alphaModFix amt="85000"/>
+              <a:lum bright="70000" contrast="-70000"/>
+              <a:extLst>
+                <a:ext uri="{BEBA8EAE-BF5A-486C-A8C5-ECC9F3942E4B}">
+                  <a14:imgProps xmlns:a14="http://schemas.microsoft.com/office/drawing/2010/main">
+                    <a14:imgLayer r:embed="rId3">
+                      <a14:imgEffect>
+                        <a14:sharpenSoften amount="61000"/>
+                      </a14:imgEffect>
+                    </a14:imgLayer>
+                  </a14:imgProps>
+                </a:ext>
+                <a:ext uri="{28A0092B-C50C-407E-A947-70E740481C1C}">
+                  <a14:useLocalDpi xmlns:a14="http://schemas.microsoft.com/office/drawing/2010/main" val="0"/>
+                </a:ext>
+              </a:extLst>
+            </a:blip>
+            <a:srcRect/>
+            <a:tile tx="0" ty="-762000" sx="92000" sy="89000" flip="xy" algn="ctr"/>
+          </a:blipFill>
+          <a:ln>
+            <a:noFill/>
+          </a:ln>
+        </p:spPr>
+        <p:style>
+          <a:lnRef idx="2">
+            <a:schemeClr val="accent1">
+              <a:shade val="50000"/>
+            </a:schemeClr>
+          </a:lnRef>
+          <a:fillRef idx="1">
+            <a:schemeClr val="accent1"/>
+          </a:fillRef>
+          <a:effectRef idx="0">
+            <a:schemeClr val="accent1"/>
+          </a:effectRef>
+          <a:fontRef idx="minor">
+            <a:schemeClr val="lt1"/>
+          </a:fontRef>
+        </p:style>
+        <p:txBody>
+          <a:bodyPr rtlCol="0" anchor="ctr"/>
+          <a:lstStyle/>
+          <a:p>
+            <a:pPr algn="ctr"/>
+            <a:endParaRPr lang="en-US"/>
+          </a:p>
+        </p:txBody>
+      </p:sp>
+      <p:sp>
+        <p:nvSpPr>
+          <p:cNvPr id="12" name="Rectangle 11">
+            <a:extLst>
+              <a:ext uri="{FF2B5EF4-FFF2-40B4-BE49-F238E27FC236}">
+                <a16:creationId xmlns:a16="http://schemas.microsoft.com/office/drawing/2014/main" id="{6A685C77-4E84-486A-9AE5-F3635BE98EFB}"/>
+              </a:ext>
+              <a:ext uri="{C183D7F6-B498-43B3-948B-1728B52AA6E4}">
+                <adec:decorative xmlns:adec="http://schemas.microsoft.com/office/drawing/2017/decorative" val="1"/>
+              </a:ext>
+            </a:extLst>
+          </p:cNvPr>
+          <p:cNvSpPr>
+            <a:spLocks noGrp="1" noRot="1" noChangeAspect="1" noMove="1" noResize="1" noEditPoints="1" noAdjustHandles="1" noChangeArrowheads="1" noChangeShapeType="1" noTextEdit="1"/>
+          </p:cNvSpPr>
+          <p:nvPr>
+            <p:extLst>
+              <p:ext uri="{386F3935-93C4-4BCD-93E2-E3B085C9AB24}">
+                <p16:designElem xmlns:p16="http://schemas.microsoft.com/office/powerpoint/2015/main" val="1"/>
+              </p:ext>
+            </p:extLst>
+          </p:nvPr>
+        </p:nvSpPr>
+        <p:spPr>
+          <a:xfrm>
+            <a:off x="6400801" y="822324"/>
+            <a:ext cx="5149596" cy="5228279"/>
+          </a:xfrm>
+          <a:prstGeom prst="rect">
+            <a:avLst/>
+          </a:prstGeom>
+          <a:blipFill dpi="0" rotWithShape="1">
+            <a:blip r:embed="rId2">
+              <a:alphaModFix amt="85000"/>
+              <a:lum bright="70000" contrast="-70000"/>
+              <a:extLst>
+                <a:ext uri="{BEBA8EAE-BF5A-486C-A8C5-ECC9F3942E4B}">
+                  <a14:imgProps xmlns:a14="http://schemas.microsoft.com/office/drawing/2010/main">
+                    <a14:imgLayer r:embed="rId3">
+                      <a14:imgEffect>
+                        <a14:sharpenSoften amount="61000"/>
+                      </a14:imgEffect>
+                    </a14:imgLayer>
+                  </a14:imgProps>
+                </a:ext>
+                <a:ext uri="{28A0092B-C50C-407E-A947-70E740481C1C}">
+                  <a14:useLocalDpi xmlns:a14="http://schemas.microsoft.com/office/drawing/2010/main" val="0"/>
+                </a:ext>
+              </a:extLst>
+            </a:blip>
+            <a:srcRect/>
+            <a:tile tx="0" ty="-704850" sx="92000" sy="89000" flip="xy" algn="ctr"/>
+          </a:blipFill>
+          <a:ln>
+            <a:noFill/>
+          </a:ln>
+        </p:spPr>
+        <p:style>
+          <a:lnRef idx="2">
+            <a:schemeClr val="accent1">
+              <a:shade val="50000"/>
+            </a:schemeClr>
+          </a:lnRef>
+          <a:fillRef idx="1">
+            <a:schemeClr val="accent1"/>
+          </a:fillRef>
+          <a:effectRef idx="0">
+            <a:schemeClr val="accent1"/>
+          </a:effectRef>
+          <a:fontRef idx="minor">
+            <a:schemeClr val="lt1"/>
+          </a:fontRef>
+        </p:style>
+        <p:txBody>
+          <a:bodyPr rtlCol="0" anchor="ctr"/>
+          <a:lstStyle/>
+          <a:p>
+            <a:pPr algn="ctr"/>
+            <a:endParaRPr lang="en-US"/>
+          </a:p>
+        </p:txBody>
+      </p:sp>
       <p:sp>
         <p:nvSpPr>
           <p:cNvPr id="2" name="Title 1">
@@ -3379,14 +9863,20 @@
             <p:ph type="title"/>
           </p:nvPr>
         </p:nvSpPr>
-        <p:spPr/>
+        <p:spPr>
+          <a:xfrm>
+            <a:off x="7044268" y="1465790"/>
+            <a:ext cx="3860798" cy="3941345"/>
+          </a:xfrm>
+        </p:spPr>
         <p:txBody>
-          <a:bodyPr/>
+          <a:bodyPr>
+            <a:normAutofit/>
+          </a:bodyPr>
           <a:lstStyle/>
           <a:p>
-            <a:pPr algn="ctr"/>
             <a:r>
-              <a:rPr lang="en-US" dirty="0">
+              <a:rPr lang="en-US" sz="6000">
                 <a:cs typeface="Calibri Light" panose="020F0302020204030204"/>
               </a:rPr>
               <a:t>Game mechanics</a:t>
@@ -3410,9 +9900,14 @@
             <p:ph idx="1"/>
           </p:nvPr>
         </p:nvSpPr>
-        <p:spPr/>
+        <p:spPr>
+          <a:xfrm>
+            <a:off x="641602" y="1359090"/>
+            <a:ext cx="5132665" cy="4048046"/>
+          </a:xfrm>
+        </p:spPr>
         <p:txBody>
-          <a:bodyPr vert="horz" lIns="91440" tIns="45720" rIns="91440" bIns="45720" rtlCol="0" anchor="t">
+          <a:bodyPr vert="horz" lIns="91440" tIns="45720" rIns="91440" bIns="45720" rtlCol="0" anchor="ctr">
             <a:normAutofit/>
           </a:bodyPr>
           <a:lstStyle/>
@@ -3472,6 +9967,88 @@
             <a:endParaRPr lang="en-US" dirty="0">
               <a:cs typeface="Calibri"/>
             </a:endParaRPr>
+          </a:p>
+        </p:txBody>
+      </p:sp>
+      <p:sp>
+        <p:nvSpPr>
+          <p:cNvPr id="14" name="Rectangle 13">
+            <a:extLst>
+              <a:ext uri="{FF2B5EF4-FFF2-40B4-BE49-F238E27FC236}">
+                <a16:creationId xmlns:a16="http://schemas.microsoft.com/office/drawing/2014/main" id="{E55C1C3E-5158-47F3-8FD9-14B22C3E6EAD}"/>
+              </a:ext>
+              <a:ext uri="{C183D7F6-B498-43B3-948B-1728B52AA6E4}">
+                <adec:decorative xmlns:adec="http://schemas.microsoft.com/office/drawing/2017/decorative" val="1"/>
+              </a:ext>
+            </a:extLst>
+          </p:cNvPr>
+          <p:cNvSpPr>
+            <a:spLocks noGrp="1" noRot="1" noChangeAspect="1" noMove="1" noResize="1" noEditPoints="1" noAdjustHandles="1" noChangeArrowheads="1" noChangeShapeType="1" noTextEdit="1"/>
+          </p:cNvSpPr>
+          <p:nvPr>
+            <p:extLst>
+              <p:ext uri="{386F3935-93C4-4BCD-93E2-E3B085C9AB24}">
+                <p16:designElem xmlns:p16="http://schemas.microsoft.com/office/powerpoint/2015/main" val="1"/>
+              </p:ext>
+            </p:extLst>
+          </p:nvPr>
+        </p:nvSpPr>
+        <p:spPr>
+          <a:xfrm>
+            <a:off x="641604" y="6121662"/>
+            <a:ext cx="10908792" cy="80683"/>
+          </a:xfrm>
+          <a:prstGeom prst="rect">
+            <a:avLst/>
+          </a:prstGeom>
+          <a:blipFill dpi="0" rotWithShape="1">
+            <a:blip r:embed="rId2">
+              <a:alphaModFix amt="85000"/>
+              <a:lum bright="70000" contrast="-70000"/>
+              <a:extLst>
+                <a:ext uri="{BEBA8EAE-BF5A-486C-A8C5-ECC9F3942E4B}">
+                  <a14:imgProps xmlns:a14="http://schemas.microsoft.com/office/drawing/2010/main">
+                    <a14:imgLayer r:embed="rId3">
+                      <a14:imgEffect>
+                        <a14:sharpenSoften amount="61000"/>
+                      </a14:imgEffect>
+                    </a14:imgLayer>
+                  </a14:imgProps>
+                </a:ext>
+                <a:ext uri="{28A0092B-C50C-407E-A947-70E740481C1C}">
+                  <a14:useLocalDpi xmlns:a14="http://schemas.microsoft.com/office/drawing/2010/main" val="0"/>
+                </a:ext>
+              </a:extLst>
+            </a:blip>
+            <a:srcRect/>
+            <a:tile tx="0" ty="-762000" sx="92000" sy="89000" flip="xy" algn="ctr"/>
+          </a:blipFill>
+          <a:ln>
+            <a:noFill/>
+          </a:ln>
+        </p:spPr>
+        <p:style>
+          <a:lnRef idx="2">
+            <a:schemeClr val="accent1">
+              <a:shade val="50000"/>
+            </a:schemeClr>
+          </a:lnRef>
+          <a:fillRef idx="1">
+            <a:schemeClr val="accent1"/>
+          </a:fillRef>
+          <a:effectRef idx="0">
+            <a:schemeClr val="accent1"/>
+          </a:effectRef>
+          <a:fontRef idx="minor">
+            <a:schemeClr val="lt1"/>
+          </a:fontRef>
+        </p:style>
+        <p:txBody>
+          <a:bodyPr rtlCol="0" anchor="ctr"/>
+          <a:lstStyle/>
+          <a:p>
+            <a:pPr algn="ctr"/>
+            <a:endParaRPr lang="en-US"/>
           </a:p>
         </p:txBody>
       </p:sp>
@@ -3491,6 +10068,14 @@
 <file path=ppt/slides/slide5.xml><?xml version="1.0" encoding="utf-8"?>
 <p:sld xmlns:a="http://schemas.openxmlformats.org/drawingml/2006/main" xmlns:r="http://schemas.openxmlformats.org/officeDocument/2006/relationships" xmlns:p="http://schemas.openxmlformats.org/presentationml/2006/main">
   <p:cSld>
+    <p:bg>
+      <p:bgPr>
+        <a:solidFill>
+          <a:schemeClr val="bg1"/>
+        </a:solidFill>
+        <a:effectLst/>
+      </p:bgPr>
+    </p:bg>
     <p:spTree>
       <p:nvGrpSpPr>
         <p:cNvPr id="1" name=""/>
@@ -3505,6 +10090,144 @@
           <a:chExt cx="0" cy="0"/>
         </a:xfrm>
       </p:grpSpPr>
+      <p:sp useBgFill="1">
+        <p:nvSpPr>
+          <p:cNvPr id="8" name="Rectangle 7">
+            <a:extLst>
+              <a:ext uri="{FF2B5EF4-FFF2-40B4-BE49-F238E27FC236}">
+                <a16:creationId xmlns:a16="http://schemas.microsoft.com/office/drawing/2014/main" id="{3C06EAFD-0C69-4B3B-BEA7-E7E11DDF9C43}"/>
+              </a:ext>
+              <a:ext uri="{C183D7F6-B498-43B3-948B-1728B52AA6E4}">
+                <adec:decorative xmlns:adec="http://schemas.microsoft.com/office/drawing/2017/decorative" val="1"/>
+              </a:ext>
+            </a:extLst>
+          </p:cNvPr>
+          <p:cNvSpPr>
+            <a:spLocks noGrp="1" noRot="1" noChangeAspect="1" noMove="1" noResize="1" noEditPoints="1" noAdjustHandles="1" noChangeArrowheads="1" noChangeShapeType="1" noTextEdit="1"/>
+          </p:cNvSpPr>
+          <p:nvPr>
+            <p:extLst>
+              <p:ext uri="{386F3935-93C4-4BCD-93E2-E3B085C9AB24}">
+                <p16:designElem xmlns:p16="http://schemas.microsoft.com/office/powerpoint/2015/main" val="1"/>
+              </p:ext>
+            </p:extLst>
+          </p:nvPr>
+        </p:nvSpPr>
+        <p:spPr>
+          <a:xfrm>
+            <a:off x="0" y="0"/>
+            <a:ext cx="12188952" cy="6858000"/>
+          </a:xfrm>
+          <a:prstGeom prst="rect">
+            <a:avLst/>
+          </a:prstGeom>
+          <a:ln>
+            <a:noFill/>
+          </a:ln>
+        </p:spPr>
+        <p:style>
+          <a:lnRef idx="2">
+            <a:schemeClr val="accent1">
+              <a:shade val="50000"/>
+            </a:schemeClr>
+          </a:lnRef>
+          <a:fillRef idx="1">
+            <a:schemeClr val="accent1"/>
+          </a:fillRef>
+          <a:effectRef idx="0">
+            <a:schemeClr val="accent1"/>
+          </a:effectRef>
+          <a:fontRef idx="minor">
+            <a:schemeClr val="lt1"/>
+          </a:fontRef>
+        </p:style>
+        <p:txBody>
+          <a:bodyPr rtlCol="0" anchor="ctr"/>
+          <a:lstStyle/>
+          <a:p>
+            <a:pPr algn="ctr"/>
+            <a:endParaRPr lang="en-US"/>
+          </a:p>
+        </p:txBody>
+      </p:sp>
+      <p:sp>
+        <p:nvSpPr>
+          <p:cNvPr id="10" name="Rectangle 9">
+            <a:extLst>
+              <a:ext uri="{FF2B5EF4-FFF2-40B4-BE49-F238E27FC236}">
+                <a16:creationId xmlns:a16="http://schemas.microsoft.com/office/drawing/2014/main" id="{A4066C89-42FB-4624-9AFE-3A31B36491B5}"/>
+              </a:ext>
+              <a:ext uri="{C183D7F6-B498-43B3-948B-1728B52AA6E4}">
+                <adec:decorative xmlns:adec="http://schemas.microsoft.com/office/drawing/2017/decorative" val="1"/>
+              </a:ext>
+            </a:extLst>
+          </p:cNvPr>
+          <p:cNvSpPr>
+            <a:spLocks noGrp="1" noRot="1" noChangeAspect="1" noMove="1" noResize="1" noEditPoints="1" noAdjustHandles="1" noChangeArrowheads="1" noChangeShapeType="1" noTextEdit="1"/>
+          </p:cNvSpPr>
+          <p:nvPr>
+            <p:extLst>
+              <p:ext uri="{386F3935-93C4-4BCD-93E2-E3B085C9AB24}">
+                <p16:designElem xmlns:p16="http://schemas.microsoft.com/office/powerpoint/2015/main" val="1"/>
+              </p:ext>
+            </p:extLst>
+          </p:nvPr>
+        </p:nvSpPr>
+        <p:spPr>
+          <a:xfrm>
+            <a:off x="3344" y="0"/>
+            <a:ext cx="4648169" cy="6858000"/>
+          </a:xfrm>
+          <a:prstGeom prst="rect">
+            <a:avLst/>
+          </a:prstGeom>
+          <a:blipFill dpi="0" rotWithShape="1">
+            <a:blip r:embed="rId2">
+              <a:duotone>
+                <a:schemeClr val="accent1">
+                  <a:shade val="45000"/>
+                  <a:satMod val="135000"/>
+                </a:schemeClr>
+                <a:prstClr val="white"/>
+              </a:duotone>
+              <a:extLst>
+                <a:ext uri="{BEBA8EAE-BF5A-486C-A8C5-ECC9F3942E4B}">
+                  <a14:imgProps xmlns:a14="http://schemas.microsoft.com/office/drawing/2010/main">
+                    <a14:imgLayer r:embed="rId3">
+                      <a14:imgEffect>
+                        <a14:saturation sat="400000"/>
+                      </a14:imgEffect>
+                      <a14:imgEffect>
+                        <a14:brightnessContrast bright="-40000" contrast="40000"/>
+                      </a14:imgEffect>
+                    </a14:imgLayer>
+                  </a14:imgProps>
+                </a:ext>
+              </a:extLst>
+            </a:blip>
+            <a:srcRect/>
+            <a:tile tx="0" ty="0" sx="85000" sy="85000" flip="none" algn="tl"/>
+          </a:blipFill>
+          <a:ln w="25400" cap="flat" cmpd="sng" algn="ctr">
+            <a:noFill/>
+            <a:prstDash val="solid"/>
+          </a:ln>
+          <a:effectLst/>
+        </p:spPr>
+        <p:txBody>
+          <a:bodyPr lIns="0" tIns="0" rIns="0" bIns="0" rtlCol="0" anchor="ctr"/>
+          <a:lstStyle/>
+          <a:p>
+            <a:pPr algn="ctr" defTabSz="914400"/>
+            <a:endParaRPr lang="en-US" sz="2000" kern="0">
+              <a:solidFill>
+                <a:prstClr val="white"/>
+              </a:solidFill>
+              <a:latin typeface="Rockwell Extra Bold" pitchFamily="18" charset="0"/>
+            </a:endParaRPr>
+          </a:p>
+        </p:txBody>
+      </p:sp>
       <p:sp>
         <p:nvSpPr>
           <p:cNvPr id="2" name="Title 1">
@@ -3521,14 +10244,24 @@
             <p:ph type="title"/>
           </p:nvPr>
         </p:nvSpPr>
-        <p:spPr/>
+        <p:spPr>
+          <a:xfrm>
+            <a:off x="643468" y="643466"/>
+            <a:ext cx="3686312" cy="5528734"/>
+          </a:xfrm>
+        </p:spPr>
         <p:txBody>
-          <a:bodyPr/>
+          <a:bodyPr>
+            <a:normAutofit/>
+          </a:bodyPr>
           <a:lstStyle/>
           <a:p>
-            <a:pPr algn="ctr"/>
+            <a:pPr algn="r"/>
             <a:r>
-              <a:rPr lang="en-US" dirty="0">
+              <a:rPr lang="en-US" sz="4800">
+                <a:solidFill>
+                  <a:srgbClr val="FFFFFF"/>
+                </a:solidFill>
                 <a:cs typeface="Calibri Light" panose="020F0302020204030204"/>
               </a:rPr>
               <a:t>Why you should play this game</a:t>
@@ -3552,15 +10285,20 @@
             <p:ph idx="1"/>
           </p:nvPr>
         </p:nvSpPr>
-        <p:spPr/>
+        <p:spPr>
+          <a:xfrm>
+            <a:off x="5053780" y="599768"/>
+            <a:ext cx="6074467" cy="5572432"/>
+          </a:xfrm>
+        </p:spPr>
         <p:txBody>
-          <a:bodyPr vert="horz" lIns="91440" tIns="45720" rIns="91440" bIns="45720" rtlCol="0" anchor="t">
+          <a:bodyPr vert="horz" lIns="91440" tIns="45720" rIns="91440" bIns="45720" rtlCol="0" anchor="ctr">
             <a:normAutofit/>
           </a:bodyPr>
           <a:lstStyle/>
           <a:p>
             <a:r>
-              <a:rPr lang="en-US" dirty="0">
+              <a:rPr lang="en-US">
                 <a:cs typeface="Calibri"/>
               </a:rPr>
               <a:t>Combos</a:t>
@@ -3568,7 +10306,7 @@
           </a:p>
           <a:p>
             <a:r>
-              <a:rPr lang="en-US" dirty="0">
+              <a:rPr lang="en-US">
                 <a:cs typeface="Calibri"/>
               </a:rPr>
               <a:t>Ranking system</a:t>
@@ -3576,7 +10314,7 @@
           </a:p>
           <a:p>
             <a:r>
-              <a:rPr lang="en-US" dirty="0">
+              <a:rPr lang="en-US">
                 <a:cs typeface="Calibri"/>
               </a:rPr>
               <a:t>Tournaments</a:t>
@@ -3584,7 +10322,7 @@
           </a:p>
           <a:p>
             <a:r>
-              <a:rPr lang="en-US" dirty="0">
+              <a:rPr lang="en-US">
                 <a:cs typeface="Calibri"/>
               </a:rPr>
               <a:t>Live chat</a:t>
@@ -3592,7 +10330,7 @@
           </a:p>
           <a:p>
             <a:r>
-              <a:rPr lang="en-US" dirty="0">
+              <a:rPr lang="en-US">
                 <a:cs typeface="Calibri"/>
               </a:rPr>
               <a:t>Maps</a:t>
@@ -3600,7 +10338,7 @@
           </a:p>
           <a:p>
             <a:r>
-              <a:rPr lang="en-US" dirty="0">
+              <a:rPr lang="en-US">
                 <a:cs typeface="Calibri"/>
               </a:rPr>
               <a:t>Wide variety of characters </a:t>
@@ -3612,6 +10350,172 @@
             </a:pPr>
             <a:endParaRPr lang="en-US" dirty="0">
               <a:cs typeface="Calibri"/>
+            </a:endParaRPr>
+          </a:p>
+        </p:txBody>
+      </p:sp>
+      <p:sp>
+        <p:nvSpPr>
+          <p:cNvPr id="12" name="Oval 11">
+            <a:extLst>
+              <a:ext uri="{FF2B5EF4-FFF2-40B4-BE49-F238E27FC236}">
+                <a16:creationId xmlns:a16="http://schemas.microsoft.com/office/drawing/2014/main" id="{BA218FBC-B2D6-48CA-9289-C4110162EDAD}"/>
+              </a:ext>
+              <a:ext uri="{C183D7F6-B498-43B3-948B-1728B52AA6E4}">
+                <adec:decorative xmlns:adec="http://schemas.microsoft.com/office/drawing/2017/decorative" val="1"/>
+              </a:ext>
+            </a:extLst>
+          </p:cNvPr>
+          <p:cNvSpPr>
+            <a:spLocks noGrp="1" noRot="1" noChangeAspect="1" noMove="1" noResize="1" noEditPoints="1" noAdjustHandles="1" noChangeArrowheads="1" noChangeShapeType="1" noTextEdit="1"/>
+          </p:cNvSpPr>
+          <p:nvPr>
+            <p:extLst>
+              <p:ext uri="{386F3935-93C4-4BCD-93E2-E3B085C9AB24}">
+                <p16:designElem xmlns:p16="http://schemas.microsoft.com/office/powerpoint/2015/main" val="1"/>
+              </p:ext>
+            </p:extLst>
+          </p:nvPr>
+        </p:nvSpPr>
+        <p:spPr>
+          <a:xfrm>
+            <a:off x="11401725" y="6229681"/>
+            <a:ext cx="457200" cy="457200"/>
+          </a:xfrm>
+          <a:prstGeom prst="ellipse">
+            <a:avLst/>
+          </a:prstGeom>
+          <a:blipFill dpi="0" rotWithShape="1">
+            <a:blip r:embed="rId4">
+              <a:duotone>
+                <a:schemeClr val="accent1">
+                  <a:shade val="45000"/>
+                  <a:satMod val="135000"/>
+                </a:schemeClr>
+                <a:prstClr val="white"/>
+              </a:duotone>
+            </a:blip>
+            <a:srcRect/>
+            <a:tile tx="50800" ty="0" sx="85000" sy="85000" flip="none" algn="tl"/>
+          </a:blipFill>
+          <a:ln w="25400" cap="flat" cmpd="sng" algn="ctr">
+            <a:noFill/>
+            <a:prstDash val="solid"/>
+          </a:ln>
+          <a:effectLst/>
+        </p:spPr>
+        <p:txBody>
+          <a:bodyPr lIns="0" tIns="0" rIns="0" bIns="0" rtlCol="0" anchor="ctr"/>
+          <a:lstStyle/>
+          <a:p>
+            <a:pPr marL="0" marR="0" lvl="0" indent="0" algn="ctr" defTabSz="914400" eaLnBrk="1" fontAlgn="auto" latinLnBrk="0" hangingPunct="1">
+              <a:lnSpc>
+                <a:spcPct val="100000"/>
+              </a:lnSpc>
+              <a:spcBef>
+                <a:spcPts val="0"/>
+              </a:spcBef>
+              <a:spcAft>
+                <a:spcPts val="0"/>
+              </a:spcAft>
+              <a:buClrTx/>
+              <a:buSzTx/>
+              <a:buFontTx/>
+              <a:buNone/>
+              <a:tabLst/>
+              <a:defRPr/>
+            </a:pPr>
+            <a:endParaRPr kumimoji="0" lang="en-US" sz="2000" b="0" i="0" u="none" strike="noStrike" kern="0" cap="none" spc="0" normalizeH="0" baseline="0" noProof="0" dirty="0">
+              <a:ln>
+                <a:noFill/>
+              </a:ln>
+              <a:solidFill>
+                <a:prstClr val="white"/>
+              </a:solidFill>
+              <a:effectLst/>
+              <a:uLnTx/>
+              <a:uFillTx/>
+              <a:latin typeface="Rockwell Extra Bold" pitchFamily="18" charset="0"/>
+              <a:ea typeface="+mn-ea"/>
+              <a:cs typeface="+mn-cs"/>
+            </a:endParaRPr>
+          </a:p>
+        </p:txBody>
+      </p:sp>
+      <p:sp>
+        <p:nvSpPr>
+          <p:cNvPr id="14" name="Oval 13">
+            <a:extLst>
+              <a:ext uri="{FF2B5EF4-FFF2-40B4-BE49-F238E27FC236}">
+                <a16:creationId xmlns:a16="http://schemas.microsoft.com/office/drawing/2014/main" id="{2DED9084-49DA-4911-ACB7-5F9E4DEFA039}"/>
+              </a:ext>
+              <a:ext uri="{C183D7F6-B498-43B3-948B-1728B52AA6E4}">
+                <adec:decorative xmlns:adec="http://schemas.microsoft.com/office/drawing/2017/decorative" val="1"/>
+              </a:ext>
+            </a:extLst>
+          </p:cNvPr>
+          <p:cNvSpPr>
+            <a:spLocks noGrp="1" noRot="1" noChangeAspect="1" noMove="1" noResize="1" noEditPoints="1" noAdjustHandles="1" noChangeArrowheads="1" noChangeShapeType="1" noTextEdit="1"/>
+          </p:cNvSpPr>
+          <p:nvPr>
+            <p:extLst>
+              <p:ext uri="{386F3935-93C4-4BCD-93E2-E3B085C9AB24}">
+                <p16:designElem xmlns:p16="http://schemas.microsoft.com/office/powerpoint/2015/main" val="1"/>
+              </p:ext>
+            </p:extLst>
+          </p:nvPr>
+        </p:nvSpPr>
+        <p:spPr>
+          <a:xfrm>
+            <a:off x="11430918" y="6258874"/>
+            <a:ext cx="398813" cy="398815"/>
+          </a:xfrm>
+          <a:prstGeom prst="ellipse">
+            <a:avLst/>
+          </a:prstGeom>
+          <a:noFill/>
+          <a:ln w="12700" cap="flat" cmpd="sng" algn="ctr">
+            <a:solidFill>
+              <a:srgbClr val="FFFFFF"/>
+            </a:solidFill>
+            <a:prstDash val="solid"/>
+          </a:ln>
+          <a:effectLst/>
+        </p:spPr>
+        <p:txBody>
+          <a:bodyPr rtlCol="0" anchor="ctr"/>
+          <a:lstStyle/>
+          <a:p>
+            <a:pPr marL="0" marR="0" lvl="0" indent="0" algn="ctr" defTabSz="914400" eaLnBrk="1" fontAlgn="auto" latinLnBrk="0" hangingPunct="1">
+              <a:lnSpc>
+                <a:spcPct val="100000"/>
+              </a:lnSpc>
+              <a:spcBef>
+                <a:spcPts val="0"/>
+              </a:spcBef>
+              <a:spcAft>
+                <a:spcPts val="0"/>
+              </a:spcAft>
+              <a:buClrTx/>
+              <a:buSzTx/>
+              <a:buFontTx/>
+              <a:buNone/>
+              <a:tabLst/>
+              <a:defRPr/>
+            </a:pPr>
+            <a:endParaRPr kumimoji="0" lang="en-US" sz="1800" b="0" i="0" u="none" strike="noStrike" kern="0" cap="none" spc="0" normalizeH="0" baseline="0" noProof="0" dirty="0">
+              <a:ln>
+                <a:noFill/>
+              </a:ln>
+              <a:solidFill>
+                <a:prstClr val="white"/>
+              </a:solidFill>
+              <a:effectLst/>
+              <a:uLnTx/>
+              <a:uFillTx/>
+              <a:latin typeface="Calibri"/>
+              <a:ea typeface="+mn-ea"/>
+              <a:cs typeface="+mn-cs"/>
             </a:endParaRPr>
           </a:p>
         </p:txBody>
@@ -3630,9 +10534,9 @@
 </file>
 
 <file path=ppt/theme/theme1.xml><?xml version="1.0" encoding="utf-8"?>
-<a:theme xmlns:a="http://schemas.openxmlformats.org/drawingml/2006/main" name="office theme">
+<a:theme xmlns:a="http://schemas.openxmlformats.org/drawingml/2006/main" name="Wood Type">
   <a:themeElements>
-    <a:clrScheme name="Office Theme">
+    <a:clrScheme name="Wood Type">
       <a:dk1>
         <a:sysClr val="windowText" lastClr="000000"/>
       </a:dk1>
@@ -3640,48 +10544,86 @@
         <a:sysClr val="window" lastClr="FFFFFF"/>
       </a:lt1>
       <a:dk2>
-        <a:srgbClr val="44546A"/>
+        <a:srgbClr val="696464"/>
       </a:dk2>
       <a:lt2>
-        <a:srgbClr val="E7E6E6"/>
+        <a:srgbClr val="E9E5DC"/>
       </a:lt2>
       <a:accent1>
-        <a:srgbClr val="4472C4"/>
+        <a:srgbClr val="D34817"/>
       </a:accent1>
       <a:accent2>
-        <a:srgbClr val="ED7D31"/>
+        <a:srgbClr val="9B2D1F"/>
       </a:accent2>
       <a:accent3>
-        <a:srgbClr val="A5A5A5"/>
+        <a:srgbClr val="A28E6A"/>
       </a:accent3>
       <a:accent4>
-        <a:srgbClr val="FFC000"/>
+        <a:srgbClr val="956251"/>
       </a:accent4>
       <a:accent5>
-        <a:srgbClr val="5B9BD5"/>
+        <a:srgbClr val="918485"/>
       </a:accent5>
       <a:accent6>
-        <a:srgbClr val="70AD47"/>
+        <a:srgbClr val="855D5D"/>
       </a:accent6>
       <a:hlink>
-        <a:srgbClr val="0563C1"/>
+        <a:srgbClr val="CC9900"/>
       </a:hlink>
       <a:folHlink>
-        <a:srgbClr val="954F72"/>
+        <a:srgbClr val="96A9A9"/>
       </a:folHlink>
     </a:clrScheme>
-    <a:fontScheme name="Office Theme">
+    <a:fontScheme name="Wood Type">
       <a:majorFont>
-        <a:latin typeface="Calibri Light" panose="020F0302020204030204"/>
+        <a:latin typeface="Rockwell Condensed" panose="02060603050405020104"/>
         <a:ea typeface=""/>
         <a:cs typeface=""/>
-        <a:font script="Jpan" typeface="ＭＳ Ｐゴシック"/>
-        <a:font script="Hang" typeface="맑은 고딕"/>
-        <a:font script="Hans" typeface="宋体"/>
-        <a:font script="Hant" typeface="新細明體"/>
+        <a:font script="Grek" typeface="Cambria"/>
+        <a:font script="Cyrl" typeface="Cambria"/>
+        <a:font script="Jpan" typeface="HG明朝B"/>
+        <a:font script="Hang" typeface="바탕"/>
+        <a:font script="Hans" typeface="方正姚体"/>
+        <a:font script="Hant" typeface="微軟正黑體"/>
         <a:font script="Arab" typeface="Times New Roman"/>
-        <a:font script="Hebr" typeface="Times New Roman"/>
-        <a:font script="Thai" typeface="Angsana New"/>
+        <a:font script="Hebr" typeface="David"/>
+        <a:font script="Thai" typeface="JasmineUPC"/>
+        <a:font script="Ethi" typeface="Nyala"/>
+        <a:font script="Beng" typeface="Vrinda"/>
+        <a:font script="Gujr" typeface="Shruti"/>
+        <a:font script="Khmr" typeface="MoolBoran"/>
+        <a:font script="Knda" typeface="Tunga"/>
+        <a:font script="Guru" typeface="Raavi"/>
+        <a:font script="Cans" typeface="Euphemia"/>
+        <a:font script="Cher" typeface="Plantagenet Cherokee"/>
+        <a:font script="Yiii" typeface="Microsoft Yi Baiti"/>
+        <a:font script="Tibt" typeface="Microsoft Himalaya"/>
+        <a:font script="Thaa" typeface="MV Boli"/>
+        <a:font script="Deva" typeface="Mangal"/>
+        <a:font script="Telu" typeface="Gautami"/>
+        <a:font script="Taml" typeface="Latha"/>
+        <a:font script="Syrc" typeface="Estrangelo Edessa"/>
+        <a:font script="Orya" typeface="Kalinga"/>
+        <a:font script="Mlym" typeface="Kartika"/>
+        <a:font script="Laoo" typeface="DokChampa"/>
+        <a:font script="Sinh" typeface="Iskoola Pota"/>
+        <a:font script="Mong" typeface="Mongolian Baiti"/>
+        <a:font script="Viet" typeface="Arial"/>
+        <a:font script="Uigh" typeface="Microsoft Uighur"/>
+      </a:majorFont>
+      <a:minorFont>
+        <a:latin typeface="Rockwell" panose="02060603020205020403"/>
+        <a:ea typeface=""/>
+        <a:cs typeface=""/>
+        <a:font script="Grek" typeface="Cambria"/>
+        <a:font script="Cyrl" typeface="Cambria"/>
+        <a:font script="Jpan" typeface="HG明朝B"/>
+        <a:font script="Hang" typeface="바탕"/>
+        <a:font script="Hans" typeface="方正姚体"/>
+        <a:font script="Hant" typeface="標楷體"/>
+        <a:font script="Arab" typeface="Times New Roman"/>
+        <a:font script="Hebr" typeface="David"/>
+        <a:font script="Thai" typeface="JasmineUPC"/>
         <a:font script="Ethi" typeface="Nyala"/>
         <a:font script="Beng" typeface="Vrinda"/>
         <a:font script="Gujr" typeface="Shruti"/>
@@ -3704,101 +10646,42 @@
         <a:font script="Mong" typeface="Mongolian Baiti"/>
         <a:font script="Viet" typeface="Times New Roman"/>
         <a:font script="Uigh" typeface="Microsoft Uighur"/>
-        <a:font script="Geor" typeface="Sylfaen"/>
-      </a:majorFont>
-      <a:minorFont>
-        <a:latin typeface="Calibri" panose="020F0502020204030204"/>
-        <a:ea typeface=""/>
-        <a:cs typeface=""/>
-        <a:font script="Jpan" typeface="ＭＳ Ｐゴシック"/>
-        <a:font script="Hang" typeface="맑은 고딕"/>
-        <a:font script="Hans" typeface="宋体"/>
-        <a:font script="Hant" typeface="新細明體"/>
-        <a:font script="Arab" typeface="Arial"/>
-        <a:font script="Hebr" typeface="Arial"/>
-        <a:font script="Thai" typeface="Cordia New"/>
-        <a:font script="Ethi" typeface="Nyala"/>
-        <a:font script="Beng" typeface="Vrinda"/>
-        <a:font script="Gujr" typeface="Shruti"/>
-        <a:font script="Khmr" typeface="DaunPenh"/>
-        <a:font script="Knda" typeface="Tunga"/>
-        <a:font script="Guru" typeface="Raavi"/>
-        <a:font script="Cans" typeface="Euphemia"/>
-        <a:font script="Cher" typeface="Plantagenet Cherokee"/>
-        <a:font script="Yiii" typeface="Microsoft Yi Baiti"/>
-        <a:font script="Tibt" typeface="Microsoft Himalaya"/>
-        <a:font script="Thaa" typeface="MV Boli"/>
-        <a:font script="Deva" typeface="Mangal"/>
-        <a:font script="Telu" typeface="Gautami"/>
-        <a:font script="Taml" typeface="Latha"/>
-        <a:font script="Syrc" typeface="Estrangelo Edessa"/>
-        <a:font script="Orya" typeface="Kalinga"/>
-        <a:font script="Mlym" typeface="Kartika"/>
-        <a:font script="Laoo" typeface="DokChampa"/>
-        <a:font script="Sinh" typeface="Iskoola Pota"/>
-        <a:font script="Mong" typeface="Mongolian Baiti"/>
-        <a:font script="Viet" typeface="Arial"/>
-        <a:font script="Uigh" typeface="Microsoft Uighur"/>
-        <a:font script="Geor" typeface="Sylfaen"/>
       </a:minorFont>
     </a:fontScheme>
-    <a:fmtScheme name="Office Theme">
+    <a:fmtScheme name="Wood Type">
       <a:fillStyleLst>
         <a:solidFill>
           <a:schemeClr val="phClr"/>
         </a:solidFill>
-        <a:gradFill rotWithShape="1">
-          <a:gsLst>
-            <a:gs pos="0">
+        <a:blipFill rotWithShape="1">
+          <a:blip xmlns:r="http://schemas.openxmlformats.org/officeDocument/2006/relationships" r:embed="rId1">
+            <a:duotone>
               <a:schemeClr val="phClr">
-                <a:lumMod val="110000"/>
-                <a:satMod val="105000"/>
-                <a:tint val="67000"/>
+                <a:tint val="70000"/>
+                <a:shade val="63000"/>
               </a:schemeClr>
-            </a:gs>
-            <a:gs pos="50000">
               <a:schemeClr val="phClr">
-                <a:lumMod val="105000"/>
-                <a:satMod val="103000"/>
-                <a:tint val="73000"/>
+                <a:tint val="10000"/>
+                <a:satMod val="150000"/>
               </a:schemeClr>
-            </a:gs>
-            <a:gs pos="100000">
+            </a:duotone>
+          </a:blip>
+          <a:tile tx="0" ty="0" sx="60000" sy="59000" flip="none" algn="tl"/>
+        </a:blipFill>
+        <a:blipFill rotWithShape="1">
+          <a:blip xmlns:r="http://schemas.openxmlformats.org/officeDocument/2006/relationships" r:embed="rId1">
+            <a:duotone>
               <a:schemeClr val="phClr">
-                <a:lumMod val="105000"/>
-                <a:satMod val="109000"/>
-                <a:tint val="81000"/>
+                <a:shade val="36000"/>
+                <a:satMod val="120000"/>
               </a:schemeClr>
-            </a:gs>
-          </a:gsLst>
-          <a:lin ang="5400000" scaled="0"/>
-        </a:gradFill>
-        <a:gradFill rotWithShape="1">
-          <a:gsLst>
-            <a:gs pos="0">
               <a:schemeClr val="phClr">
-                <a:satMod val="103000"/>
-                <a:lumMod val="102000"/>
-                <a:tint val="94000"/>
+                <a:tint val="40000"/>
               </a:schemeClr>
-            </a:gs>
-            <a:gs pos="50000">
-              <a:schemeClr val="phClr">
-                <a:satMod val="110000"/>
-                <a:lumMod val="100000"/>
-                <a:shade val="100000"/>
-              </a:schemeClr>
-            </a:gs>
-            <a:gs pos="100000">
-              <a:schemeClr val="phClr">
-                <a:lumMod val="99000"/>
-                <a:satMod val="120000"/>
-                <a:shade val="78000"/>
-              </a:schemeClr>
-            </a:gs>
-          </a:gsLst>
-          <a:lin ang="5400000" scaled="0"/>
-        </a:gradFill>
+            </a:duotone>
+          </a:blip>
+          <a:tile tx="0" ty="0" sx="60000" sy="59000" flip="none" algn="tl"/>
+        </a:blipFill>
       </a:fillStyleLst>
       <a:lnStyleLst>
         <a:ln w="6350" cap="flat" cmpd="sng" algn="ctr">
@@ -3806,21 +10689,18 @@
             <a:schemeClr val="phClr"/>
           </a:solidFill>
           <a:prstDash val="solid"/>
-          <a:miter lim="800000"/>
         </a:ln>
         <a:ln w="12700" cap="flat" cmpd="sng" algn="ctr">
           <a:solidFill>
             <a:schemeClr val="phClr"/>
           </a:solidFill>
           <a:prstDash val="solid"/>
-          <a:miter lim="800000"/>
         </a:ln>
         <a:ln w="19050" cap="flat" cmpd="sng" algn="ctr">
           <a:solidFill>
             <a:schemeClr val="phClr"/>
           </a:solidFill>
           <a:prstDash val="solid"/>
-          <a:miter lim="800000"/>
         </a:ln>
       </a:lnStyleLst>
       <a:effectStyleLst>
@@ -3828,15 +10708,18 @@
           <a:effectLst/>
         </a:effectStyle>
         <a:effectStyle>
-          <a:effectLst/>
+          <a:effectLst>
+            <a:softEdge rad="12700"/>
+          </a:effectLst>
         </a:effectStyle>
         <a:effectStyle>
           <a:effectLst>
-            <a:outerShdw blurRad="57150" dist="19050" dir="5400000" algn="ctr" rotWithShape="0">
+            <a:outerShdw blurRad="50800" dist="19050" dir="5400000" algn="tl" rotWithShape="0">
               <a:srgbClr val="000000">
-                <a:alpha val="63000"/>
+                <a:alpha val="60000"/>
               </a:srgbClr>
             </a:outerShdw>
+            <a:softEdge rad="12700"/>
           </a:effectLst>
         </a:effectStyle>
       </a:effectStyleLst>
@@ -3846,37 +10729,26 @@
         </a:solidFill>
         <a:solidFill>
           <a:schemeClr val="phClr">
-            <a:tint val="95000"/>
-            <a:satMod val="170000"/>
+            <a:shade val="97000"/>
+            <a:satMod val="150000"/>
           </a:schemeClr>
         </a:solidFill>
-        <a:gradFill rotWithShape="1">
-          <a:gsLst>
-            <a:gs pos="0">
+        <a:blipFill rotWithShape="1">
+          <a:blip xmlns:r="http://schemas.openxmlformats.org/officeDocument/2006/relationships" r:embed="rId1">
+            <a:duotone>
               <a:schemeClr val="phClr">
-                <a:tint val="93000"/>
-                <a:satMod val="150000"/>
-                <a:shade val="98000"/>
-                <a:lumMod val="102000"/>
-              </a:schemeClr>
-            </a:gs>
-            <a:gs pos="50000">
-              <a:schemeClr val="phClr">
-                <a:tint val="98000"/>
-                <a:satMod val="130000"/>
-                <a:shade val="90000"/>
-                <a:lumMod val="103000"/>
-              </a:schemeClr>
-            </a:gs>
-            <a:gs pos="100000">
-              <a:schemeClr val="phClr">
-                <a:shade val="63000"/>
+                <a:tint val="75000"/>
+                <a:shade val="58000"/>
                 <a:satMod val="120000"/>
               </a:schemeClr>
-            </a:gs>
-          </a:gsLst>
-          <a:lin ang="5400000" scaled="0"/>
-        </a:gradFill>
+              <a:schemeClr val="phClr">
+                <a:tint val="50000"/>
+                <a:shade val="96000"/>
+              </a:schemeClr>
+            </a:duotone>
+          </a:blip>
+          <a:tile tx="0" ty="0" sx="100000" sy="100000" flip="none" algn="tl"/>
+        </a:blipFill>
       </a:bgFillStyleLst>
     </a:fmtScheme>
   </a:themeElements>
@@ -3884,7 +10756,7 @@
   <a:extraClrSchemeLst/>
   <a:extLst>
     <a:ext uri="{05A4C25C-085E-4340-85A3-A5531E510DB2}">
-      <thm15:themeFamily xmlns:thm15="http://schemas.microsoft.com/office/thememl/2012/main" name="Office Theme" id="{62F939B6-93AF-4DB8-9C6B-D6C7DFDC589F}" vid="{4A3C46E8-61CC-4603-A589-7422A47A8E4A}"/>
+      <thm15:themeFamily xmlns:thm15="http://schemas.microsoft.com/office/thememl/2012/main" name="Wood Type" id="{7ACABC62-BF99-48CF-A9DC-4DB89C7B13DC}" vid="{142A1326-48AB-42A9-8428-CB14AA30176D}"/>
     </a:ext>
   </a:extLst>
 </a:theme>
